--- a/ProjectPlan/중간발표/하트비트_방종혁_장규현_김명규.pptx
+++ b/ProjectPlan/중간발표/하트비트_방종혁_장규현_김명규.pptx
@@ -12,17 +12,17 @@
     <p:sldId id="274" r:id="rId3"/>
     <p:sldId id="293" r:id="rId4"/>
     <p:sldId id="303" r:id="rId5"/>
-    <p:sldId id="295" r:id="rId6"/>
-    <p:sldId id="296" r:id="rId7"/>
-    <p:sldId id="298" r:id="rId8"/>
-    <p:sldId id="304" r:id="rId9"/>
-    <p:sldId id="299" r:id="rId10"/>
-    <p:sldId id="300" r:id="rId11"/>
-    <p:sldId id="302" r:id="rId12"/>
-    <p:sldId id="301" r:id="rId13"/>
-    <p:sldId id="294" r:id="rId14"/>
-    <p:sldId id="289" r:id="rId15"/>
-    <p:sldId id="305" r:id="rId16"/>
+    <p:sldId id="296" r:id="rId6"/>
+    <p:sldId id="298" r:id="rId7"/>
+    <p:sldId id="299" r:id="rId8"/>
+    <p:sldId id="300" r:id="rId9"/>
+    <p:sldId id="307" r:id="rId10"/>
+    <p:sldId id="301" r:id="rId11"/>
+    <p:sldId id="294" r:id="rId12"/>
+    <p:sldId id="289" r:id="rId13"/>
+    <p:sldId id="305" r:id="rId14"/>
+    <p:sldId id="306" r:id="rId15"/>
+    <p:sldId id="302" r:id="rId16"/>
   </p:sldIdLst>
   <p:sldSz cx="12192000" cy="6858000"/>
   <p:notesSz cx="6858000" cy="9144000"/>
@@ -211,7 +211,7 @@
           <a:p>
             <a:fld id="{AA97DD2A-9847-4170-B1E0-513D7522DD52}" type="datetimeFigureOut">
               <a:rPr lang="ko-KR" altLang="en-US" smtClean="0"/>
-              <a:t>2022-04-23</a:t>
+              <a:t>2022-04-30</a:t>
             </a:fld>
             <a:endParaRPr lang="ko-KR" altLang="en-US"/>
           </a:p>
@@ -724,7 +724,7 @@
           <a:p>
             <a:fld id="{651E30E2-847E-48D2-9A39-9B409373F377}" type="slidenum">
               <a:rPr lang="ko-KR" altLang="en-US" smtClean="0"/>
-              <a:t>6</a:t>
+              <a:t>5</a:t>
             </a:fld>
             <a:endParaRPr lang="ko-KR" altLang="en-US"/>
           </a:p>
@@ -838,7 +838,7 @@
           <a:p>
             <a:fld id="{651E30E2-847E-48D2-9A39-9B409373F377}" type="slidenum">
               <a:rPr lang="ko-KR" altLang="en-US" smtClean="0"/>
-              <a:t>7</a:t>
+              <a:t>6</a:t>
             </a:fld>
             <a:endParaRPr lang="ko-KR" altLang="en-US"/>
           </a:p>
@@ -902,46 +902,12 @@
           <a:lstStyle/>
           <a:p>
             <a:r>
-              <a:rPr lang="ko-KR" altLang="en-US" dirty="0"/>
-              <a:t>게임 플레이 씬 다각도로 </a:t>
-            </a:r>
-            <a:r>
-              <a:rPr lang="en-US" altLang="ko-KR" dirty="0"/>
-              <a:t>2</a:t>
-            </a:r>
-            <a:r>
-              <a:rPr lang="ko-KR" altLang="en-US" dirty="0"/>
-              <a:t>장 </a:t>
-            </a:r>
-            <a:r>
-              <a:rPr lang="en-US" altLang="ko-KR" dirty="0"/>
-              <a:t>(</a:t>
-            </a:r>
-            <a:r>
-              <a:rPr lang="ko-KR" altLang="en-US" dirty="0"/>
-              <a:t>캐릭터 및 탱크</a:t>
-            </a:r>
-            <a:r>
-              <a:rPr lang="en-US" altLang="ko-KR" dirty="0"/>
-              <a:t>, NPC</a:t>
-            </a:r>
-            <a:r>
-              <a:rPr lang="ko-KR" altLang="en-US" dirty="0"/>
-              <a:t>가 보이도록</a:t>
-            </a:r>
-            <a:r>
-              <a:rPr lang="en-US" altLang="ko-KR" dirty="0"/>
-              <a:t>)</a:t>
-            </a:r>
-          </a:p>
-          <a:p>
-            <a:r>
               <a:rPr lang="en-US" altLang="ko-KR" dirty="0"/>
               <a:t>04.23 </a:t>
             </a:r>
             <a:r>
               <a:rPr lang="ko-KR" altLang="en-US" dirty="0"/>
-              <a:t>회의에서 추가할 내용 결정</a:t>
+              <a:t>회의에서 수정</a:t>
             </a:r>
           </a:p>
         </p:txBody>
@@ -972,7 +938,7 @@
     </p:spTree>
     <p:extLst>
       <p:ext uri="{BB962C8B-B14F-4D97-AF65-F5344CB8AC3E}">
-        <p14:creationId xmlns:p14="http://schemas.microsoft.com/office/powerpoint/2010/main" val="585130799"/>
+        <p14:creationId xmlns:p14="http://schemas.microsoft.com/office/powerpoint/2010/main" val="2010069502"/>
       </p:ext>
     </p:extLst>
   </p:cSld>
@@ -1054,7 +1020,7 @@
           <a:p>
             <a:fld id="{651E30E2-847E-48D2-9A39-9B409373F377}" type="slidenum">
               <a:rPr lang="ko-KR" altLang="en-US" smtClean="0"/>
-              <a:t>10</a:t>
+              <a:t>9</a:t>
             </a:fld>
             <a:endParaRPr lang="ko-KR" altLang="en-US"/>
           </a:p>
@@ -1063,7 +1029,7 @@
     </p:spTree>
     <p:extLst>
       <p:ext uri="{BB962C8B-B14F-4D97-AF65-F5344CB8AC3E}">
-        <p14:creationId xmlns:p14="http://schemas.microsoft.com/office/powerpoint/2010/main" val="2010069502"/>
+        <p14:creationId xmlns:p14="http://schemas.microsoft.com/office/powerpoint/2010/main" val="1407083029"/>
       </p:ext>
     </p:extLst>
   </p:cSld>
@@ -1119,7 +1085,15 @@
           <a:p>
             <a:r>
               <a:rPr lang="ko-KR" altLang="en-US" dirty="0"/>
-              <a:t>제출 전에 최신 이미지로 변경 필요</a:t>
+              <a:t>프로젝트 </a:t>
+            </a:r>
+            <a:r>
+              <a:rPr lang="ko-KR" altLang="en-US" dirty="0" err="1"/>
+              <a:t>리브레</a:t>
+            </a:r>
+            <a:r>
+              <a:rPr lang="ko-KR" altLang="en-US" dirty="0"/>
+              <a:t> 활용해서 추가</a:t>
             </a:r>
           </a:p>
         </p:txBody>
@@ -1141,7 +1115,7 @@
           <a:p>
             <a:fld id="{651E30E2-847E-48D2-9A39-9B409373F377}" type="slidenum">
               <a:rPr lang="ko-KR" altLang="en-US" smtClean="0"/>
-              <a:t>11</a:t>
+              <a:t>13</a:t>
             </a:fld>
             <a:endParaRPr lang="ko-KR" altLang="en-US"/>
           </a:p>
@@ -1150,7 +1124,7 @@
     </p:spTree>
     <p:extLst>
       <p:ext uri="{BB962C8B-B14F-4D97-AF65-F5344CB8AC3E}">
-        <p14:creationId xmlns:p14="http://schemas.microsoft.com/office/powerpoint/2010/main" val="3218432448"/>
+        <p14:creationId xmlns:p14="http://schemas.microsoft.com/office/powerpoint/2010/main" val="1032430798"/>
       </p:ext>
     </p:extLst>
   </p:cSld>
@@ -1236,6 +1210,93 @@
           <a:p>
             <a:fld id="{651E30E2-847E-48D2-9A39-9B409373F377}" type="slidenum">
               <a:rPr lang="ko-KR" altLang="en-US" smtClean="0"/>
+              <a:t>14</a:t>
+            </a:fld>
+            <a:endParaRPr lang="ko-KR" altLang="en-US"/>
+          </a:p>
+        </p:txBody>
+      </p:sp>
+    </p:spTree>
+    <p:extLst>
+      <p:ext uri="{BB962C8B-B14F-4D97-AF65-F5344CB8AC3E}">
+        <p14:creationId xmlns:p14="http://schemas.microsoft.com/office/powerpoint/2010/main" val="3397961238"/>
+      </p:ext>
+    </p:extLst>
+  </p:cSld>
+  <p:clrMapOvr>
+    <a:masterClrMapping/>
+  </p:clrMapOvr>
+</p:notes>
+</file>
+
+<file path=ppt/notesSlides/notesSlide9.xml><?xml version="1.0" encoding="utf-8"?>
+<p:notes xmlns:a="http://schemas.openxmlformats.org/drawingml/2006/main" xmlns:r="http://schemas.openxmlformats.org/officeDocument/2006/relationships" xmlns:p="http://schemas.openxmlformats.org/presentationml/2006/main">
+  <p:cSld>
+    <p:spTree>
+      <p:nvGrpSpPr>
+        <p:cNvPr id="1" name=""/>
+        <p:cNvGrpSpPr/>
+        <p:nvPr/>
+      </p:nvGrpSpPr>
+      <p:grpSpPr>
+        <a:xfrm>
+          <a:off x="0" y="0"/>
+          <a:ext cx="0" cy="0"/>
+          <a:chOff x="0" y="0"/>
+          <a:chExt cx="0" cy="0"/>
+        </a:xfrm>
+      </p:grpSpPr>
+      <p:sp>
+        <p:nvSpPr>
+          <p:cNvPr id="2" name="슬라이드 이미지 개체 틀 1"/>
+          <p:cNvSpPr>
+            <a:spLocks noGrp="1" noRot="1" noChangeAspect="1"/>
+          </p:cNvSpPr>
+          <p:nvPr>
+            <p:ph type="sldImg"/>
+          </p:nvPr>
+        </p:nvSpPr>
+        <p:spPr/>
+      </p:sp>
+      <p:sp>
+        <p:nvSpPr>
+          <p:cNvPr id="3" name="슬라이드 노트 개체 틀 2"/>
+          <p:cNvSpPr>
+            <a:spLocks noGrp="1"/>
+          </p:cNvSpPr>
+          <p:nvPr>
+            <p:ph type="body" idx="1"/>
+          </p:nvPr>
+        </p:nvSpPr>
+        <p:spPr/>
+        <p:txBody>
+          <a:bodyPr/>
+          <a:lstStyle/>
+          <a:p>
+            <a:r>
+              <a:rPr lang="ko-KR" altLang="en-US" dirty="0"/>
+              <a:t>제출 전에 최신 이미지로 변경 필요</a:t>
+            </a:r>
+          </a:p>
+        </p:txBody>
+      </p:sp>
+      <p:sp>
+        <p:nvSpPr>
+          <p:cNvPr id="4" name="슬라이드 번호 개체 틀 3"/>
+          <p:cNvSpPr>
+            <a:spLocks noGrp="1"/>
+          </p:cNvSpPr>
+          <p:nvPr>
+            <p:ph type="sldNum" sz="quarter" idx="5"/>
+          </p:nvPr>
+        </p:nvSpPr>
+        <p:spPr/>
+        <p:txBody>
+          <a:bodyPr/>
+          <a:lstStyle/>
+          <a:p>
+            <a:fld id="{651E30E2-847E-48D2-9A39-9B409373F377}" type="slidenum">
+              <a:rPr lang="ko-KR" altLang="en-US" smtClean="0"/>
               <a:t>15</a:t>
             </a:fld>
             <a:endParaRPr lang="ko-KR" altLang="en-US"/>
@@ -1245,7 +1306,7 @@
     </p:spTree>
     <p:extLst>
       <p:ext uri="{BB962C8B-B14F-4D97-AF65-F5344CB8AC3E}">
-        <p14:creationId xmlns:p14="http://schemas.microsoft.com/office/powerpoint/2010/main" val="1032430798"/>
+        <p14:creationId xmlns:p14="http://schemas.microsoft.com/office/powerpoint/2010/main" val="3218432448"/>
       </p:ext>
     </p:extLst>
   </p:cSld>
@@ -1542,7 +1603,7 @@
           <a:p>
             <a:fld id="{7B86B758-F168-47F7-9C46-F8198D2D7B43}" type="datetimeFigureOut">
               <a:rPr lang="ko-KR" altLang="en-US" smtClean="0"/>
-              <a:t>2022-04-23</a:t>
+              <a:t>2022-04-30</a:t>
             </a:fld>
             <a:endParaRPr lang="ko-KR" altLang="en-US"/>
           </a:p>
@@ -1860,7 +1921,7 @@
           <a:p>
             <a:fld id="{7B86B758-F168-47F7-9C46-F8198D2D7B43}" type="datetimeFigureOut">
               <a:rPr lang="ko-KR" altLang="en-US" smtClean="0"/>
-              <a:t>2022-04-23</a:t>
+              <a:t>2022-04-30</a:t>
             </a:fld>
             <a:endParaRPr lang="ko-KR" altLang="en-US"/>
           </a:p>
@@ -2348,7 +2409,7 @@
           <a:p>
             <a:fld id="{7B86B758-F168-47F7-9C46-F8198D2D7B43}" type="datetimeFigureOut">
               <a:rPr lang="ko-KR" altLang="en-US" smtClean="0"/>
-              <a:t>2022-04-23</a:t>
+              <a:t>2022-04-30</a:t>
             </a:fld>
             <a:endParaRPr lang="ko-KR" altLang="en-US"/>
           </a:p>
@@ -2717,7 +2778,7 @@
           <a:p>
             <a:fld id="{7B86B758-F168-47F7-9C46-F8198D2D7B43}" type="datetimeFigureOut">
               <a:rPr lang="ko-KR" altLang="en-US" smtClean="0"/>
-              <a:t>2022-04-23</a:t>
+              <a:t>2022-04-30</a:t>
             </a:fld>
             <a:endParaRPr lang="ko-KR" altLang="en-US"/>
           </a:p>
@@ -2990,7 +3051,7 @@
           <a:p>
             <a:fld id="{7B86B758-F168-47F7-9C46-F8198D2D7B43}" type="datetimeFigureOut">
               <a:rPr lang="ko-KR" altLang="en-US" smtClean="0"/>
-              <a:t>2022-04-23</a:t>
+              <a:t>2022-04-30</a:t>
             </a:fld>
             <a:endParaRPr lang="ko-KR" altLang="en-US"/>
           </a:p>
@@ -3275,7 +3336,7 @@
           <a:p>
             <a:fld id="{7B86B758-F168-47F7-9C46-F8198D2D7B43}" type="datetimeFigureOut">
               <a:rPr lang="ko-KR" altLang="en-US" smtClean="0"/>
-              <a:t>2022-04-23</a:t>
+              <a:t>2022-04-30</a:t>
             </a:fld>
             <a:endParaRPr lang="ko-KR" altLang="en-US"/>
           </a:p>
@@ -3558,7 +3619,7 @@
           <a:p>
             <a:fld id="{7B86B758-F168-47F7-9C46-F8198D2D7B43}" type="datetimeFigureOut">
               <a:rPr lang="ko-KR" altLang="en-US" smtClean="0"/>
-              <a:t>2022-04-23</a:t>
+              <a:t>2022-04-30</a:t>
             </a:fld>
             <a:endParaRPr lang="ko-KR" altLang="en-US"/>
           </a:p>
@@ -3901,7 +3962,7 @@
           <a:p>
             <a:fld id="{7B86B758-F168-47F7-9C46-F8198D2D7B43}" type="datetimeFigureOut">
               <a:rPr lang="ko-KR" altLang="en-US" smtClean="0"/>
-              <a:t>2022-04-23</a:t>
+              <a:t>2022-04-30</a:t>
             </a:fld>
             <a:endParaRPr lang="ko-KR" altLang="en-US"/>
           </a:p>
@@ -4240,7 +4301,7 @@
           <a:p>
             <a:fld id="{7B86B758-F168-47F7-9C46-F8198D2D7B43}" type="datetimeFigureOut">
               <a:rPr lang="ko-KR" altLang="en-US" smtClean="0"/>
-              <a:t>2022-04-23</a:t>
+              <a:t>2022-04-30</a:t>
             </a:fld>
             <a:endParaRPr lang="ko-KR" altLang="en-US"/>
           </a:p>
@@ -4717,7 +4778,7 @@
           <a:p>
             <a:fld id="{7B86B758-F168-47F7-9C46-F8198D2D7B43}" type="datetimeFigureOut">
               <a:rPr lang="ko-KR" altLang="en-US" smtClean="0"/>
-              <a:t>2022-04-23</a:t>
+              <a:t>2022-04-30</a:t>
             </a:fld>
             <a:endParaRPr lang="ko-KR" altLang="en-US"/>
           </a:p>
@@ -4938,7 +4999,7 @@
           <a:p>
             <a:fld id="{7B86B758-F168-47F7-9C46-F8198D2D7B43}" type="datetimeFigureOut">
               <a:rPr lang="ko-KR" altLang="en-US" smtClean="0"/>
-              <a:t>2022-04-23</a:t>
+              <a:t>2022-04-30</a:t>
             </a:fld>
             <a:endParaRPr lang="ko-KR" altLang="en-US"/>
           </a:p>
@@ -5033,7 +5094,7 @@
           <a:p>
             <a:fld id="{7B86B758-F168-47F7-9C46-F8198D2D7B43}" type="datetimeFigureOut">
               <a:rPr lang="ko-KR" altLang="en-US" smtClean="0"/>
-              <a:t>2022-04-23</a:t>
+              <a:t>2022-04-30</a:t>
             </a:fld>
             <a:endParaRPr lang="ko-KR" altLang="en-US"/>
           </a:p>
@@ -5500,7 +5561,7 @@
           <a:p>
             <a:fld id="{7B86B758-F168-47F7-9C46-F8198D2D7B43}" type="datetimeFigureOut">
               <a:rPr lang="ko-KR" altLang="en-US" smtClean="0"/>
-              <a:t>2022-04-23</a:t>
+              <a:t>2022-04-30</a:t>
             </a:fld>
             <a:endParaRPr lang="ko-KR" altLang="en-US"/>
           </a:p>
@@ -5813,7 +5874,7 @@
           <a:p>
             <a:fld id="{7B86B758-F168-47F7-9C46-F8198D2D7B43}" type="datetimeFigureOut">
               <a:rPr lang="ko-KR" altLang="en-US" smtClean="0"/>
-              <a:t>2022-04-23</a:t>
+              <a:t>2022-04-30</a:t>
             </a:fld>
             <a:endParaRPr lang="ko-KR" altLang="en-US"/>
           </a:p>
@@ -6104,7 +6165,7 @@
           <a:p>
             <a:fld id="{7B86B758-F168-47F7-9C46-F8198D2D7B43}" type="datetimeFigureOut">
               <a:rPr lang="ko-KR" altLang="en-US" smtClean="0"/>
-              <a:t>2022-04-23</a:t>
+              <a:t>2022-04-30</a:t>
             </a:fld>
             <a:endParaRPr lang="ko-KR" altLang="en-US"/>
           </a:p>
@@ -6932,14 +6993,24 @@
           <a:lstStyle/>
           <a:p>
             <a:r>
-              <a:rPr lang="ko-KR" altLang="en-US" sz="3200" b="1" dirty="0">
-                <a:solidFill>
-                  <a:schemeClr val="bg1"/>
+              <a:rPr lang="en-US" altLang="ko-KR" sz="3200" b="1" dirty="0">
+                <a:solidFill>
+                  <a:srgbClr val="FF0000"/>
                 </a:solidFill>
                 <a:latin typeface="+mj-ea"/>
                 <a:ea typeface="+mj-ea"/>
               </a:rPr>
-              <a:t>향후 개발 일정</a:t>
+              <a:t> </a:t>
+            </a:r>
+            <a:r>
+              <a:rPr lang="ko-KR" altLang="en-US" sz="3200" b="1" dirty="0">
+                <a:solidFill>
+                  <a:schemeClr val="bg1"/>
+                </a:solidFill>
+                <a:latin typeface="+mj-ea"/>
+                <a:ea typeface="+mj-ea"/>
+              </a:rPr>
+              <a:t>데모 시연</a:t>
             </a:r>
           </a:p>
         </p:txBody>
@@ -7146,460 +7217,10 @@
           </a:p>
         </p:txBody>
       </p:sp>
-      <p:sp>
-        <p:nvSpPr>
-          <p:cNvPr id="6" name="TextBox 5">
-            <a:extLst>
-              <a:ext uri="{FF2B5EF4-FFF2-40B4-BE49-F238E27FC236}">
-                <a16:creationId xmlns:a16="http://schemas.microsoft.com/office/drawing/2014/main" id="{19B55C74-16D3-46C8-8D32-F4D813036230}"/>
-              </a:ext>
-            </a:extLst>
-          </p:cNvPr>
-          <p:cNvSpPr txBox="1"/>
-          <p:nvPr/>
-        </p:nvSpPr>
-        <p:spPr>
-          <a:xfrm>
-            <a:off x="725689" y="1639442"/>
-            <a:ext cx="9984561" cy="4216539"/>
-          </a:xfrm>
-          <a:prstGeom prst="rect">
-            <a:avLst/>
-          </a:prstGeom>
-          <a:noFill/>
-        </p:spPr>
-        <p:txBody>
-          <a:bodyPr wrap="square" rtlCol="0">
-            <a:spAutoFit/>
-          </a:bodyPr>
-          <a:lstStyle/>
-          <a:p>
-            <a:pPr marL="514350" indent="-514350">
-              <a:buAutoNum type="arabicPeriod"/>
-            </a:pPr>
-            <a:r>
-              <a:rPr lang="ko-KR" altLang="en-US" sz="2800" b="1" dirty="0">
-                <a:solidFill>
-                  <a:schemeClr val="bg1"/>
-                </a:solidFill>
-                <a:latin typeface="+mn-ea"/>
-              </a:rPr>
-              <a:t>게임 내 적캐릭터 추가</a:t>
-            </a:r>
-            <a:endParaRPr lang="en-US" altLang="ko-KR" sz="2800" b="1" dirty="0">
-              <a:solidFill>
-                <a:schemeClr val="bg1"/>
-              </a:solidFill>
-              <a:latin typeface="+mn-ea"/>
-            </a:endParaRPr>
-          </a:p>
-          <a:p>
-            <a:r>
-              <a:rPr lang="en-US" altLang="ko-KR" b="1" dirty="0">
-                <a:solidFill>
-                  <a:schemeClr val="bg1"/>
-                </a:solidFill>
-                <a:latin typeface="+mn-ea"/>
-              </a:rPr>
-              <a:t>     	</a:t>
-            </a:r>
-            <a:r>
-              <a:rPr lang="ko-KR" altLang="en-US" sz="2400" b="1" dirty="0">
-                <a:solidFill>
-                  <a:schemeClr val="bg1"/>
-                </a:solidFill>
-                <a:latin typeface="+mn-ea"/>
-              </a:rPr>
-              <a:t>　</a:t>
-            </a:r>
-            <a:r>
-              <a:rPr lang="en-US" altLang="ko-KR" dirty="0">
-                <a:solidFill>
-                  <a:schemeClr val="bg1"/>
-                </a:solidFill>
-                <a:latin typeface="+mn-ea"/>
-              </a:rPr>
-              <a:t>- </a:t>
-            </a:r>
-            <a:r>
-              <a:rPr lang="ko-KR" altLang="en-US" dirty="0">
-                <a:solidFill>
-                  <a:schemeClr val="bg1"/>
-                </a:solidFill>
-                <a:latin typeface="+mn-ea"/>
-              </a:rPr>
-              <a:t>보스 캐릭터 및 특수 적</a:t>
-            </a:r>
-            <a:r>
-              <a:rPr lang="en-US" altLang="ko-KR" dirty="0">
-                <a:solidFill>
-                  <a:schemeClr val="bg1"/>
-                </a:solidFill>
-                <a:latin typeface="+mn-ea"/>
-              </a:rPr>
-              <a:t>(</a:t>
-            </a:r>
-            <a:r>
-              <a:rPr lang="ko-KR" altLang="en-US" dirty="0">
-                <a:solidFill>
-                  <a:schemeClr val="bg1"/>
-                </a:solidFill>
-                <a:latin typeface="+mn-ea"/>
-              </a:rPr>
-              <a:t>탱크의 활용</a:t>
-            </a:r>
-            <a:r>
-              <a:rPr lang="en-US" altLang="ko-KR" dirty="0">
-                <a:solidFill>
-                  <a:schemeClr val="bg1"/>
-                </a:solidFill>
-                <a:latin typeface="+mn-ea"/>
-              </a:rPr>
-              <a:t>) </a:t>
-            </a:r>
-            <a:r>
-              <a:rPr lang="ko-KR" altLang="en-US" dirty="0">
-                <a:solidFill>
-                  <a:schemeClr val="bg1"/>
-                </a:solidFill>
-                <a:latin typeface="+mn-ea"/>
-              </a:rPr>
-              <a:t>추가</a:t>
-            </a:r>
-            <a:endParaRPr lang="en-US" altLang="ko-KR" dirty="0">
-              <a:solidFill>
-                <a:schemeClr val="bg1"/>
-              </a:solidFill>
-              <a:latin typeface="+mn-ea"/>
-            </a:endParaRPr>
-          </a:p>
-          <a:p>
-            <a:r>
-              <a:rPr lang="en-US" altLang="ko-KR" b="1" dirty="0">
-                <a:solidFill>
-                  <a:schemeClr val="bg1"/>
-                </a:solidFill>
-                <a:latin typeface="+mn-ea"/>
-              </a:rPr>
-              <a:t> 	</a:t>
-            </a:r>
-            <a:r>
-              <a:rPr lang="ko-KR" altLang="en-US" sz="2400" b="1" dirty="0">
-                <a:solidFill>
-                  <a:schemeClr val="bg1"/>
-                </a:solidFill>
-                <a:latin typeface="+mn-ea"/>
-              </a:rPr>
-              <a:t>　</a:t>
-            </a:r>
-            <a:r>
-              <a:rPr lang="en-US" altLang="ko-KR" dirty="0">
-                <a:solidFill>
-                  <a:schemeClr val="bg1"/>
-                </a:solidFill>
-                <a:latin typeface="+mn-ea"/>
-              </a:rPr>
-              <a:t>- </a:t>
-            </a:r>
-            <a:r>
-              <a:rPr lang="ko-KR" altLang="en-US" dirty="0">
-                <a:solidFill>
-                  <a:schemeClr val="bg1"/>
-                </a:solidFill>
-                <a:latin typeface="+mn-ea"/>
-              </a:rPr>
-              <a:t>보스 캐릭터에 공격 패턴</a:t>
-            </a:r>
-            <a:r>
-              <a:rPr lang="en-US" altLang="ko-KR" dirty="0">
-                <a:solidFill>
-                  <a:schemeClr val="bg1"/>
-                </a:solidFill>
-                <a:latin typeface="+mn-ea"/>
-              </a:rPr>
-              <a:t>, </a:t>
-            </a:r>
-            <a:r>
-              <a:rPr lang="ko-KR" altLang="en-US" dirty="0" err="1">
-                <a:solidFill>
-                  <a:schemeClr val="bg1"/>
-                </a:solidFill>
-                <a:latin typeface="+mn-ea"/>
-              </a:rPr>
-              <a:t>페이즈</a:t>
-            </a:r>
-            <a:r>
-              <a:rPr lang="ko-KR" altLang="en-US" dirty="0">
-                <a:solidFill>
-                  <a:schemeClr val="bg1"/>
-                </a:solidFill>
-                <a:latin typeface="+mn-ea"/>
-              </a:rPr>
-              <a:t> 적용</a:t>
-            </a:r>
-            <a:endParaRPr lang="en-US" altLang="ko-KR" dirty="0">
-              <a:solidFill>
-                <a:schemeClr val="bg1"/>
-              </a:solidFill>
-              <a:latin typeface="+mn-ea"/>
-            </a:endParaRPr>
-          </a:p>
-          <a:p>
-            <a:r>
-              <a:rPr lang="en-US" altLang="ko-KR" sz="2800" b="1" dirty="0">
-                <a:solidFill>
-                  <a:schemeClr val="bg1"/>
-                </a:solidFill>
-                <a:latin typeface="+mn-ea"/>
-              </a:rPr>
-              <a:t>	</a:t>
-            </a:r>
-          </a:p>
-          <a:p>
-            <a:r>
-              <a:rPr lang="en-US" altLang="ko-KR" sz="2800" b="1" dirty="0">
-                <a:solidFill>
-                  <a:schemeClr val="bg1"/>
-                </a:solidFill>
-                <a:latin typeface="+mn-ea"/>
-              </a:rPr>
-              <a:t>2. UI </a:t>
-            </a:r>
-            <a:r>
-              <a:rPr lang="ko-KR" altLang="en-US" sz="2800" b="1" dirty="0">
-                <a:solidFill>
-                  <a:schemeClr val="bg1"/>
-                </a:solidFill>
-                <a:latin typeface="+mn-ea"/>
-              </a:rPr>
-              <a:t>적용</a:t>
-            </a:r>
-            <a:r>
-              <a:rPr lang="en-US" altLang="ko-KR" sz="2800" b="1" dirty="0">
-                <a:solidFill>
-                  <a:schemeClr val="bg1"/>
-                </a:solidFill>
-                <a:latin typeface="+mn-ea"/>
-              </a:rPr>
-              <a:t>, </a:t>
-            </a:r>
-            <a:r>
-              <a:rPr lang="ko-KR" altLang="en-US" sz="2800" b="1" dirty="0">
-                <a:solidFill>
-                  <a:schemeClr val="bg1"/>
-                </a:solidFill>
-                <a:latin typeface="+mn-ea"/>
-              </a:rPr>
-              <a:t>조명 및 사운드 추가</a:t>
-            </a:r>
-            <a:endParaRPr lang="en-US" altLang="ko-KR" sz="2800" b="1" dirty="0">
-              <a:solidFill>
-                <a:schemeClr val="bg1"/>
-              </a:solidFill>
-              <a:latin typeface="+mn-ea"/>
-            </a:endParaRPr>
-          </a:p>
-          <a:p>
-            <a:r>
-              <a:rPr lang="en-US" altLang="ko-KR" dirty="0">
-                <a:solidFill>
-                  <a:schemeClr val="bg1"/>
-                </a:solidFill>
-                <a:latin typeface="+mn-ea"/>
-              </a:rPr>
-              <a:t> 	</a:t>
-            </a:r>
-            <a:r>
-              <a:rPr lang="ko-KR" altLang="en-US" sz="2400" dirty="0">
-                <a:solidFill>
-                  <a:schemeClr val="bg1"/>
-                </a:solidFill>
-                <a:latin typeface="+mn-ea"/>
-              </a:rPr>
-              <a:t>　</a:t>
-            </a:r>
-            <a:r>
-              <a:rPr lang="en-US" altLang="ko-KR" dirty="0">
-                <a:solidFill>
-                  <a:schemeClr val="bg1"/>
-                </a:solidFill>
-                <a:latin typeface="+mn-ea"/>
-              </a:rPr>
-              <a:t>- </a:t>
-            </a:r>
-            <a:r>
-              <a:rPr lang="ko-KR" altLang="en-US" dirty="0">
-                <a:solidFill>
-                  <a:schemeClr val="bg1"/>
-                </a:solidFill>
-                <a:latin typeface="+mn-ea"/>
-              </a:rPr>
-              <a:t>게임 씬 </a:t>
-            </a:r>
-            <a:r>
-              <a:rPr lang="en-US" altLang="ko-KR" dirty="0">
-                <a:solidFill>
-                  <a:schemeClr val="bg1"/>
-                </a:solidFill>
-                <a:latin typeface="+mn-ea"/>
-              </a:rPr>
-              <a:t>UI </a:t>
-            </a:r>
-            <a:r>
-              <a:rPr lang="ko-KR" altLang="en-US" dirty="0">
-                <a:solidFill>
-                  <a:schemeClr val="bg1"/>
-                </a:solidFill>
-                <a:latin typeface="+mn-ea"/>
-              </a:rPr>
-              <a:t>수정 및 적용</a:t>
-            </a:r>
-            <a:endParaRPr lang="en-US" altLang="ko-KR" dirty="0">
-              <a:solidFill>
-                <a:schemeClr val="bg1"/>
-              </a:solidFill>
-              <a:latin typeface="+mn-ea"/>
-            </a:endParaRPr>
-          </a:p>
-          <a:p>
-            <a:r>
-              <a:rPr lang="en-US" altLang="ko-KR" dirty="0">
-                <a:solidFill>
-                  <a:schemeClr val="bg1"/>
-                </a:solidFill>
-                <a:latin typeface="+mn-ea"/>
-              </a:rPr>
-              <a:t> 	</a:t>
-            </a:r>
-            <a:r>
-              <a:rPr lang="ko-KR" altLang="en-US" sz="2400" dirty="0">
-                <a:solidFill>
-                  <a:schemeClr val="bg1"/>
-                </a:solidFill>
-                <a:latin typeface="+mn-ea"/>
-              </a:rPr>
-              <a:t>　</a:t>
-            </a:r>
-            <a:r>
-              <a:rPr lang="en-US" altLang="ko-KR" dirty="0">
-                <a:solidFill>
-                  <a:schemeClr val="bg1"/>
-                </a:solidFill>
-                <a:latin typeface="+mn-ea"/>
-              </a:rPr>
-              <a:t>- </a:t>
-            </a:r>
-            <a:r>
-              <a:rPr lang="ko-KR" altLang="en-US" dirty="0">
-                <a:solidFill>
-                  <a:schemeClr val="bg1"/>
-                </a:solidFill>
-                <a:latin typeface="+mn-ea"/>
-              </a:rPr>
-              <a:t>포인트 조명 추가</a:t>
-            </a:r>
-            <a:endParaRPr lang="en-US" altLang="ko-KR" dirty="0">
-              <a:solidFill>
-                <a:schemeClr val="bg1"/>
-              </a:solidFill>
-              <a:latin typeface="+mn-ea"/>
-            </a:endParaRPr>
-          </a:p>
-          <a:p>
-            <a:r>
-              <a:rPr lang="en-US" altLang="ko-KR" dirty="0">
-                <a:solidFill>
-                  <a:schemeClr val="bg1"/>
-                </a:solidFill>
-                <a:latin typeface="+mn-ea"/>
-              </a:rPr>
-              <a:t> 	</a:t>
-            </a:r>
-            <a:r>
-              <a:rPr lang="ko-KR" altLang="en-US" sz="2400" dirty="0">
-                <a:solidFill>
-                  <a:schemeClr val="bg1"/>
-                </a:solidFill>
-                <a:latin typeface="+mn-ea"/>
-              </a:rPr>
-              <a:t>　</a:t>
-            </a:r>
-            <a:r>
-              <a:rPr lang="en-US" altLang="ko-KR" dirty="0">
-                <a:solidFill>
-                  <a:schemeClr val="bg1"/>
-                </a:solidFill>
-                <a:latin typeface="+mn-ea"/>
-              </a:rPr>
-              <a:t>- </a:t>
-            </a:r>
-            <a:r>
-              <a:rPr lang="ko-KR" altLang="en-US" dirty="0">
-                <a:solidFill>
-                  <a:schemeClr val="bg1"/>
-                </a:solidFill>
-                <a:latin typeface="+mn-ea"/>
-              </a:rPr>
-              <a:t>배경 및 효과음 추가</a:t>
-            </a:r>
-            <a:endParaRPr lang="en-US" altLang="ko-KR" dirty="0">
-              <a:solidFill>
-                <a:schemeClr val="bg1"/>
-              </a:solidFill>
-              <a:latin typeface="+mn-ea"/>
-            </a:endParaRPr>
-          </a:p>
-          <a:p>
-            <a:endParaRPr lang="en-US" altLang="ko-KR" b="1" dirty="0">
-              <a:solidFill>
-                <a:schemeClr val="bg1"/>
-              </a:solidFill>
-              <a:latin typeface="+mn-ea"/>
-            </a:endParaRPr>
-          </a:p>
-          <a:p>
-            <a:r>
-              <a:rPr lang="en-US" altLang="ko-KR" sz="1800" b="1" dirty="0">
-                <a:solidFill>
-                  <a:schemeClr val="bg1"/>
-                </a:solidFill>
-                <a:latin typeface="+mn-ea"/>
-              </a:rPr>
-              <a:t>	</a:t>
-            </a:r>
-          </a:p>
-          <a:p>
-            <a:r>
-              <a:rPr lang="en-US" altLang="ko-KR" sz="2800" b="1" dirty="0">
-                <a:solidFill>
-                  <a:schemeClr val="bg1"/>
-                </a:solidFill>
-                <a:latin typeface="+mn-ea"/>
-              </a:rPr>
-              <a:t>3. Instancing</a:t>
-            </a:r>
-            <a:r>
-              <a:rPr lang="ko-KR" altLang="en-US" sz="2800" b="1" dirty="0">
-                <a:solidFill>
-                  <a:schemeClr val="bg1"/>
-                </a:solidFill>
-                <a:latin typeface="+mn-ea"/>
-              </a:rPr>
-              <a:t> 추가</a:t>
-            </a:r>
-            <a:endParaRPr lang="en-US" altLang="ko-KR" sz="2800" b="1" dirty="0">
-              <a:solidFill>
-                <a:schemeClr val="bg1"/>
-              </a:solidFill>
-              <a:latin typeface="+mn-ea"/>
-            </a:endParaRPr>
-          </a:p>
-        </p:txBody>
-      </p:sp>
     </p:spTree>
     <p:extLst>
       <p:ext uri="{BB962C8B-B14F-4D97-AF65-F5344CB8AC3E}">
-        <p14:creationId xmlns:p14="http://schemas.microsoft.com/office/powerpoint/2010/main" val="3519652318"/>
+        <p14:creationId xmlns:p14="http://schemas.microsoft.com/office/powerpoint/2010/main" val="1337826418"/>
       </p:ext>
     </p:extLst>
   </p:cSld>
@@ -7610,6 +7231,109 @@
 </file>
 
 <file path=ppt/slides/slide11.xml><?xml version="1.0" encoding="utf-8"?>
+<p:sld xmlns:a="http://schemas.openxmlformats.org/drawingml/2006/main" xmlns:r="http://schemas.openxmlformats.org/officeDocument/2006/relationships" xmlns:p="http://schemas.openxmlformats.org/presentationml/2006/main">
+  <p:cSld>
+    <p:bg>
+      <p:bgPr>
+        <a:gradFill flip="none" rotWithShape="1">
+          <a:gsLst>
+            <a:gs pos="0">
+              <a:schemeClr val="accent5">
+                <a:lumMod val="5000"/>
+                <a:lumOff val="95000"/>
+              </a:schemeClr>
+            </a:gs>
+            <a:gs pos="14000">
+              <a:schemeClr val="tx1"/>
+            </a:gs>
+            <a:gs pos="47000">
+              <a:schemeClr val="accent6">
+                <a:lumMod val="20000"/>
+                <a:lumOff val="80000"/>
+              </a:schemeClr>
+            </a:gs>
+          </a:gsLst>
+          <a:lin ang="2700000" scaled="1"/>
+          <a:tileRect/>
+        </a:gradFill>
+        <a:effectLst/>
+      </p:bgPr>
+    </p:bg>
+    <p:spTree>
+      <p:nvGrpSpPr>
+        <p:cNvPr id="1" name=""/>
+        <p:cNvGrpSpPr/>
+        <p:nvPr/>
+      </p:nvGrpSpPr>
+      <p:grpSpPr>
+        <a:xfrm>
+          <a:off x="0" y="0"/>
+          <a:ext cx="0" cy="0"/>
+          <a:chOff x="0" y="0"/>
+          <a:chExt cx="0" cy="0"/>
+        </a:xfrm>
+      </p:grpSpPr>
+      <p:sp>
+        <p:nvSpPr>
+          <p:cNvPr id="6" name="TextBox 5">
+            <a:extLst>
+              <a:ext uri="{FF2B5EF4-FFF2-40B4-BE49-F238E27FC236}">
+                <a16:creationId xmlns:a16="http://schemas.microsoft.com/office/drawing/2014/main" id="{E83FA80F-78F0-4D89-AD4E-D5B8B5826C9D}"/>
+              </a:ext>
+            </a:extLst>
+          </p:cNvPr>
+          <p:cNvSpPr txBox="1"/>
+          <p:nvPr/>
+        </p:nvSpPr>
+        <p:spPr>
+          <a:xfrm>
+            <a:off x="3438146" y="3013501"/>
+            <a:ext cx="5315708" cy="769441"/>
+          </a:xfrm>
+          <a:prstGeom prst="rect">
+            <a:avLst/>
+          </a:prstGeom>
+          <a:noFill/>
+        </p:spPr>
+        <p:txBody>
+          <a:bodyPr wrap="square" rtlCol="0">
+            <a:spAutoFit/>
+          </a:bodyPr>
+          <a:lstStyle/>
+          <a:p>
+            <a:pPr algn="ctr"/>
+            <a:r>
+              <a:rPr lang="ko-KR" altLang="en-US" sz="4400" b="1" dirty="0">
+                <a:solidFill>
+                  <a:schemeClr val="bg1"/>
+                </a:solidFill>
+                <a:latin typeface="+mn-ea"/>
+              </a:rPr>
+              <a:t>감사합니다</a:t>
+            </a:r>
+            <a:endParaRPr lang="en-US" altLang="ko-KR" sz="4400" b="1" dirty="0">
+              <a:solidFill>
+                <a:schemeClr val="bg1"/>
+              </a:solidFill>
+              <a:latin typeface="+mn-ea"/>
+            </a:endParaRPr>
+          </a:p>
+        </p:txBody>
+      </p:sp>
+    </p:spTree>
+    <p:extLst>
+      <p:ext uri="{BB962C8B-B14F-4D97-AF65-F5344CB8AC3E}">
+        <p14:creationId xmlns:p14="http://schemas.microsoft.com/office/powerpoint/2010/main" val="676331632"/>
+      </p:ext>
+    </p:extLst>
+  </p:cSld>
+  <p:clrMapOvr>
+    <a:masterClrMapping/>
+  </p:clrMapOvr>
+</p:sld>
+</file>
+
+<file path=ppt/slides/slide12.xml><?xml version="1.0" encoding="utf-8"?>
 <p:sld xmlns:a="http://schemas.openxmlformats.org/drawingml/2006/main" xmlns:r="http://schemas.openxmlformats.org/officeDocument/2006/relationships" xmlns:p="http://schemas.openxmlformats.org/presentationml/2006/main">
   <p:cSld>
     <p:spTree>
@@ -7647,9 +7371,9 @@
             <a:avLst/>
           </a:prstGeom>
           <a:solidFill>
-            <a:schemeClr val="accent6">
-              <a:lumMod val="20000"/>
-              <a:lumOff val="80000"/>
+            <a:schemeClr val="tx2">
+              <a:lumMod val="40000"/>
+              <a:lumOff val="60000"/>
             </a:schemeClr>
           </a:solidFill>
           <a:ln>
@@ -7677,34 +7401,14 @@
           <a:lstStyle/>
           <a:p>
             <a:r>
-              <a:rPr lang="en-US" altLang="ko-KR" sz="3200" b="1" dirty="0">
-                <a:solidFill>
-                  <a:srgbClr val="FF0000"/>
+              <a:rPr lang="ko-KR" altLang="en-US" sz="3200" b="1" dirty="0">
+                <a:solidFill>
+                  <a:schemeClr val="bg1"/>
                 </a:solidFill>
                 <a:latin typeface="+mj-ea"/>
                 <a:ea typeface="+mj-ea"/>
               </a:rPr>
-              <a:t> </a:t>
-            </a:r>
-            <a:r>
-              <a:rPr lang="ko-KR" altLang="en-US" sz="3200" b="1" dirty="0" err="1">
-                <a:solidFill>
-                  <a:schemeClr val="bg1"/>
-                </a:solidFill>
-                <a:latin typeface="+mj-ea"/>
-                <a:ea typeface="+mj-ea"/>
-              </a:rPr>
-              <a:t>커밋</a:t>
-            </a:r>
-            <a:r>
-              <a:rPr lang="ko-KR" altLang="en-US" sz="3200" b="1" dirty="0">
-                <a:solidFill>
-                  <a:schemeClr val="bg1"/>
-                </a:solidFill>
-                <a:latin typeface="+mj-ea"/>
-                <a:ea typeface="+mj-ea"/>
-              </a:rPr>
-              <a:t> 로그</a:t>
+              <a:t> 게임 조작</a:t>
             </a:r>
           </a:p>
         </p:txBody>
@@ -7730,7 +7434,10 @@
             <a:avLst/>
           </a:prstGeom>
           <a:solidFill>
-            <a:schemeClr val="accent6"/>
+            <a:schemeClr val="bg2">
+              <a:lumMod val="90000"/>
+              <a:lumOff val="10000"/>
+            </a:schemeClr>
           </a:solidFill>
           <a:ln>
             <a:noFill/>
@@ -7772,7 +7479,7 @@
                 <a:latin typeface="+mj-ea"/>
                 <a:ea typeface="+mj-ea"/>
               </a:rPr>
-              <a:t>P.11</a:t>
+              <a:t>P.12</a:t>
             </a:r>
             <a:endParaRPr lang="ko-KR" altLang="en-US" b="1" dirty="0">
               <a:solidFill>
@@ -7805,7 +7512,10 @@
             <a:avLst/>
           </a:prstGeom>
           <a:solidFill>
-            <a:schemeClr val="accent6"/>
+            <a:schemeClr val="bg2">
+              <a:lumMod val="90000"/>
+              <a:lumOff val="10000"/>
+            </a:schemeClr>
           </a:solidFill>
           <a:ln>
             <a:noFill/>
@@ -7832,13 +7542,6 @@
           <a:lstStyle/>
           <a:p>
             <a:pPr algn="ctr"/>
-            <a:r>
-              <a:rPr lang="en-US" altLang="ko-KR" sz="3200" b="1" dirty="0">
-                <a:latin typeface="+mj-ea"/>
-                <a:ea typeface="+mj-ea"/>
-              </a:rPr>
-              <a:t>7</a:t>
-            </a:r>
             <a:endParaRPr lang="ko-KR" altLang="en-US" sz="3200" b="1" dirty="0">
               <a:latin typeface="+mj-ea"/>
               <a:ea typeface="+mj-ea"/>
@@ -7867,7 +7570,10 @@
             <a:avLst/>
           </a:prstGeom>
           <a:solidFill>
-            <a:schemeClr val="accent6"/>
+            <a:schemeClr val="bg2">
+              <a:lumMod val="90000"/>
+              <a:lumOff val="10000"/>
+            </a:schemeClr>
           </a:solidFill>
           <a:ln>
             <a:noFill/>
@@ -7911,6 +7617,4473 @@
           </a:p>
         </p:txBody>
       </p:sp>
+      <p:pic>
+        <p:nvPicPr>
+          <p:cNvPr id="6" name="그림 5" descr="텍스트, 전자기기, 키보드, 하얀색이(가) 표시된 사진&#10;&#10;자동 생성된 설명">
+            <a:extLst>
+              <a:ext uri="{FF2B5EF4-FFF2-40B4-BE49-F238E27FC236}">
+                <a16:creationId xmlns:a16="http://schemas.microsoft.com/office/drawing/2014/main" id="{F0B3EB45-628F-45B5-AFFB-B66DF40EB0E1}"/>
+              </a:ext>
+            </a:extLst>
+          </p:cNvPr>
+          <p:cNvPicPr>
+            <a:picLocks noChangeAspect="1"/>
+          </p:cNvPicPr>
+          <p:nvPr/>
+        </p:nvPicPr>
+        <p:blipFill>
+          <a:blip r:embed="rId2">
+            <a:extLst>
+              <a:ext uri="{28A0092B-C50C-407E-A947-70E740481C1C}">
+                <a14:useLocalDpi xmlns:a14="http://schemas.microsoft.com/office/drawing/2010/main" val="0"/>
+              </a:ext>
+            </a:extLst>
+          </a:blip>
+          <a:stretch>
+            <a:fillRect/>
+          </a:stretch>
+        </p:blipFill>
+        <p:spPr>
+          <a:xfrm>
+            <a:off x="469900" y="1784350"/>
+            <a:ext cx="11252200" cy="3289300"/>
+          </a:xfrm>
+          <a:prstGeom prst="rect">
+            <a:avLst/>
+          </a:prstGeom>
+          <a:ln w="28575">
+            <a:solidFill>
+              <a:schemeClr val="bg1"/>
+            </a:solidFill>
+          </a:ln>
+        </p:spPr>
+      </p:pic>
+      <p:sp>
+        <p:nvSpPr>
+          <p:cNvPr id="10" name="TextBox 44">
+            <a:extLst>
+              <a:ext uri="{FF2B5EF4-FFF2-40B4-BE49-F238E27FC236}">
+                <a16:creationId xmlns:a16="http://schemas.microsoft.com/office/drawing/2014/main" id="{1837A1FD-6C46-4270-BD09-283E9162E1B1}"/>
+              </a:ext>
+            </a:extLst>
+          </p:cNvPr>
+          <p:cNvSpPr txBox="1"/>
+          <p:nvPr/>
+        </p:nvSpPr>
+        <p:spPr>
+          <a:xfrm>
+            <a:off x="7712671" y="5191345"/>
+            <a:ext cx="2137498" cy="338554"/>
+          </a:xfrm>
+          <a:prstGeom prst="rect">
+            <a:avLst/>
+          </a:prstGeom>
+          <a:noFill/>
+        </p:spPr>
+        <p:txBody>
+          <a:bodyPr wrap="square" rtlCol="0">
+            <a:spAutoFit/>
+          </a:bodyPr>
+          <a:lstStyle>
+            <a:defPPr>
+              <a:defRPr lang="en-US"/>
+            </a:defPPr>
+            <a:lvl1pPr marL="0" algn="l" defTabSz="457200" rtl="0" eaLnBrk="1" latinLnBrk="0" hangingPunct="1">
+              <a:defRPr sz="1800" kern="1200">
+                <a:solidFill>
+                  <a:schemeClr val="tx1"/>
+                </a:solidFill>
+                <a:latin typeface="+mn-lt"/>
+                <a:ea typeface="+mn-ea"/>
+                <a:cs typeface="+mn-cs"/>
+              </a:defRPr>
+            </a:lvl1pPr>
+            <a:lvl2pPr marL="457200" algn="l" defTabSz="457200" rtl="0" eaLnBrk="1" latinLnBrk="0" hangingPunct="1">
+              <a:defRPr sz="1800" kern="1200">
+                <a:solidFill>
+                  <a:schemeClr val="tx1"/>
+                </a:solidFill>
+                <a:latin typeface="+mn-lt"/>
+                <a:ea typeface="+mn-ea"/>
+                <a:cs typeface="+mn-cs"/>
+              </a:defRPr>
+            </a:lvl2pPr>
+            <a:lvl3pPr marL="914400" algn="l" defTabSz="457200" rtl="0" eaLnBrk="1" latinLnBrk="0" hangingPunct="1">
+              <a:defRPr sz="1800" kern="1200">
+                <a:solidFill>
+                  <a:schemeClr val="tx1"/>
+                </a:solidFill>
+                <a:latin typeface="+mn-lt"/>
+                <a:ea typeface="+mn-ea"/>
+                <a:cs typeface="+mn-cs"/>
+              </a:defRPr>
+            </a:lvl3pPr>
+            <a:lvl4pPr marL="1371600" algn="l" defTabSz="457200" rtl="0" eaLnBrk="1" latinLnBrk="0" hangingPunct="1">
+              <a:defRPr sz="1800" kern="1200">
+                <a:solidFill>
+                  <a:schemeClr val="tx1"/>
+                </a:solidFill>
+                <a:latin typeface="+mn-lt"/>
+                <a:ea typeface="+mn-ea"/>
+                <a:cs typeface="+mn-cs"/>
+              </a:defRPr>
+            </a:lvl4pPr>
+            <a:lvl5pPr marL="1828800" algn="l" defTabSz="457200" rtl="0" eaLnBrk="1" latinLnBrk="0" hangingPunct="1">
+              <a:defRPr sz="1800" kern="1200">
+                <a:solidFill>
+                  <a:schemeClr val="tx1"/>
+                </a:solidFill>
+                <a:latin typeface="+mn-lt"/>
+                <a:ea typeface="+mn-ea"/>
+                <a:cs typeface="+mn-cs"/>
+              </a:defRPr>
+            </a:lvl5pPr>
+            <a:lvl6pPr marL="2286000" algn="l" defTabSz="457200" rtl="0" eaLnBrk="1" latinLnBrk="0" hangingPunct="1">
+              <a:defRPr sz="1800" kern="1200">
+                <a:solidFill>
+                  <a:schemeClr val="tx1"/>
+                </a:solidFill>
+                <a:latin typeface="+mn-lt"/>
+                <a:ea typeface="+mn-ea"/>
+                <a:cs typeface="+mn-cs"/>
+              </a:defRPr>
+            </a:lvl6pPr>
+            <a:lvl7pPr marL="2743200" algn="l" defTabSz="457200" rtl="0" eaLnBrk="1" latinLnBrk="0" hangingPunct="1">
+              <a:defRPr sz="1800" kern="1200">
+                <a:solidFill>
+                  <a:schemeClr val="tx1"/>
+                </a:solidFill>
+                <a:latin typeface="+mn-lt"/>
+                <a:ea typeface="+mn-ea"/>
+                <a:cs typeface="+mn-cs"/>
+              </a:defRPr>
+            </a:lvl7pPr>
+            <a:lvl8pPr marL="3200400" algn="l" defTabSz="457200" rtl="0" eaLnBrk="1" latinLnBrk="0" hangingPunct="1">
+              <a:defRPr sz="1800" kern="1200">
+                <a:solidFill>
+                  <a:schemeClr val="tx1"/>
+                </a:solidFill>
+                <a:latin typeface="+mn-lt"/>
+                <a:ea typeface="+mn-ea"/>
+                <a:cs typeface="+mn-cs"/>
+              </a:defRPr>
+            </a:lvl8pPr>
+            <a:lvl9pPr marL="3657600" algn="l" defTabSz="457200" rtl="0" eaLnBrk="1" latinLnBrk="0" hangingPunct="1">
+              <a:defRPr sz="1800" kern="1200">
+                <a:solidFill>
+                  <a:schemeClr val="tx1"/>
+                </a:solidFill>
+                <a:latin typeface="+mn-lt"/>
+                <a:ea typeface="+mn-ea"/>
+                <a:cs typeface="+mn-cs"/>
+              </a:defRPr>
+            </a:lvl9pPr>
+          </a:lstStyle>
+          <a:p>
+            <a:pPr algn="ctr"/>
+            <a:r>
+              <a:rPr lang="en-US" altLang="ko-KR" sz="1600" b="1" dirty="0">
+                <a:solidFill>
+                  <a:schemeClr val="bg1"/>
+                </a:solidFill>
+                <a:latin typeface="+mn-ea"/>
+              </a:rPr>
+              <a:t> </a:t>
+            </a:r>
+            <a:r>
+              <a:rPr lang="ko-KR" altLang="en-US" sz="1600" b="1" dirty="0">
+                <a:solidFill>
+                  <a:schemeClr val="bg1"/>
+                </a:solidFill>
+                <a:latin typeface="+mn-ea"/>
+              </a:rPr>
+              <a:t>방향키</a:t>
+            </a:r>
+            <a:r>
+              <a:rPr lang="en-US" altLang="ko-KR" sz="1600" b="1" dirty="0">
+                <a:solidFill>
+                  <a:schemeClr val="bg1"/>
+                </a:solidFill>
+                <a:latin typeface="+mn-ea"/>
+              </a:rPr>
+              <a:t>: </a:t>
+            </a:r>
+            <a:r>
+              <a:rPr lang="ko-KR" altLang="en-US" sz="1600" dirty="0">
+                <a:solidFill>
+                  <a:schemeClr val="bg1"/>
+                </a:solidFill>
+                <a:latin typeface="+mn-ea"/>
+              </a:rPr>
+              <a:t>캐릭터 이동</a:t>
+            </a:r>
+            <a:endParaRPr lang="en-US" altLang="ko-KR" sz="1600" dirty="0">
+              <a:solidFill>
+                <a:schemeClr val="bg1"/>
+              </a:solidFill>
+              <a:latin typeface="+mn-ea"/>
+            </a:endParaRPr>
+          </a:p>
+        </p:txBody>
+      </p:sp>
+      <p:sp>
+        <p:nvSpPr>
+          <p:cNvPr id="12" name="TextBox 44">
+            <a:extLst>
+              <a:ext uri="{FF2B5EF4-FFF2-40B4-BE49-F238E27FC236}">
+                <a16:creationId xmlns:a16="http://schemas.microsoft.com/office/drawing/2014/main" id="{4524F358-698C-4049-A382-50147405F9F1}"/>
+              </a:ext>
+            </a:extLst>
+          </p:cNvPr>
+          <p:cNvSpPr txBox="1"/>
+          <p:nvPr/>
+        </p:nvSpPr>
+        <p:spPr>
+          <a:xfrm>
+            <a:off x="3436046" y="5191345"/>
+            <a:ext cx="2557348" cy="338554"/>
+          </a:xfrm>
+          <a:prstGeom prst="rect">
+            <a:avLst/>
+          </a:prstGeom>
+          <a:noFill/>
+        </p:spPr>
+        <p:txBody>
+          <a:bodyPr wrap="square" rtlCol="0">
+            <a:spAutoFit/>
+          </a:bodyPr>
+          <a:lstStyle>
+            <a:defPPr>
+              <a:defRPr lang="en-US"/>
+            </a:defPPr>
+            <a:lvl1pPr marL="0" algn="l" defTabSz="457200" rtl="0" eaLnBrk="1" latinLnBrk="0" hangingPunct="1">
+              <a:defRPr sz="1800" kern="1200">
+                <a:solidFill>
+                  <a:schemeClr val="tx1"/>
+                </a:solidFill>
+                <a:latin typeface="+mn-lt"/>
+                <a:ea typeface="+mn-ea"/>
+                <a:cs typeface="+mn-cs"/>
+              </a:defRPr>
+            </a:lvl1pPr>
+            <a:lvl2pPr marL="457200" algn="l" defTabSz="457200" rtl="0" eaLnBrk="1" latinLnBrk="0" hangingPunct="1">
+              <a:defRPr sz="1800" kern="1200">
+                <a:solidFill>
+                  <a:schemeClr val="tx1"/>
+                </a:solidFill>
+                <a:latin typeface="+mn-lt"/>
+                <a:ea typeface="+mn-ea"/>
+                <a:cs typeface="+mn-cs"/>
+              </a:defRPr>
+            </a:lvl2pPr>
+            <a:lvl3pPr marL="914400" algn="l" defTabSz="457200" rtl="0" eaLnBrk="1" latinLnBrk="0" hangingPunct="1">
+              <a:defRPr sz="1800" kern="1200">
+                <a:solidFill>
+                  <a:schemeClr val="tx1"/>
+                </a:solidFill>
+                <a:latin typeface="+mn-lt"/>
+                <a:ea typeface="+mn-ea"/>
+                <a:cs typeface="+mn-cs"/>
+              </a:defRPr>
+            </a:lvl3pPr>
+            <a:lvl4pPr marL="1371600" algn="l" defTabSz="457200" rtl="0" eaLnBrk="1" latinLnBrk="0" hangingPunct="1">
+              <a:defRPr sz="1800" kern="1200">
+                <a:solidFill>
+                  <a:schemeClr val="tx1"/>
+                </a:solidFill>
+                <a:latin typeface="+mn-lt"/>
+                <a:ea typeface="+mn-ea"/>
+                <a:cs typeface="+mn-cs"/>
+              </a:defRPr>
+            </a:lvl4pPr>
+            <a:lvl5pPr marL="1828800" algn="l" defTabSz="457200" rtl="0" eaLnBrk="1" latinLnBrk="0" hangingPunct="1">
+              <a:defRPr sz="1800" kern="1200">
+                <a:solidFill>
+                  <a:schemeClr val="tx1"/>
+                </a:solidFill>
+                <a:latin typeface="+mn-lt"/>
+                <a:ea typeface="+mn-ea"/>
+                <a:cs typeface="+mn-cs"/>
+              </a:defRPr>
+            </a:lvl5pPr>
+            <a:lvl6pPr marL="2286000" algn="l" defTabSz="457200" rtl="0" eaLnBrk="1" latinLnBrk="0" hangingPunct="1">
+              <a:defRPr sz="1800" kern="1200">
+                <a:solidFill>
+                  <a:schemeClr val="tx1"/>
+                </a:solidFill>
+                <a:latin typeface="+mn-lt"/>
+                <a:ea typeface="+mn-ea"/>
+                <a:cs typeface="+mn-cs"/>
+              </a:defRPr>
+            </a:lvl6pPr>
+            <a:lvl7pPr marL="2743200" algn="l" defTabSz="457200" rtl="0" eaLnBrk="1" latinLnBrk="0" hangingPunct="1">
+              <a:defRPr sz="1800" kern="1200">
+                <a:solidFill>
+                  <a:schemeClr val="tx1"/>
+                </a:solidFill>
+                <a:latin typeface="+mn-lt"/>
+                <a:ea typeface="+mn-ea"/>
+                <a:cs typeface="+mn-cs"/>
+              </a:defRPr>
+            </a:lvl7pPr>
+            <a:lvl8pPr marL="3200400" algn="l" defTabSz="457200" rtl="0" eaLnBrk="1" latinLnBrk="0" hangingPunct="1">
+              <a:defRPr sz="1800" kern="1200">
+                <a:solidFill>
+                  <a:schemeClr val="tx1"/>
+                </a:solidFill>
+                <a:latin typeface="+mn-lt"/>
+                <a:ea typeface="+mn-ea"/>
+                <a:cs typeface="+mn-cs"/>
+              </a:defRPr>
+            </a:lvl8pPr>
+            <a:lvl9pPr marL="3657600" algn="l" defTabSz="457200" rtl="0" eaLnBrk="1" latinLnBrk="0" hangingPunct="1">
+              <a:defRPr sz="1800" kern="1200">
+                <a:solidFill>
+                  <a:schemeClr val="tx1"/>
+                </a:solidFill>
+                <a:latin typeface="+mn-lt"/>
+                <a:ea typeface="+mn-ea"/>
+                <a:cs typeface="+mn-cs"/>
+              </a:defRPr>
+            </a:lvl9pPr>
+          </a:lstStyle>
+          <a:p>
+            <a:pPr algn="ctr"/>
+            <a:r>
+              <a:rPr lang="en-US" altLang="ko-KR" sz="1600" b="1" dirty="0">
+                <a:solidFill>
+                  <a:schemeClr val="bg1"/>
+                </a:solidFill>
+                <a:latin typeface="+mn-ea"/>
+              </a:rPr>
+              <a:t> </a:t>
+            </a:r>
+            <a:r>
+              <a:rPr lang="en-US" altLang="ko-KR" sz="1600" b="1" dirty="0" err="1">
+                <a:solidFill>
+                  <a:schemeClr val="bg1"/>
+                </a:solidFill>
+                <a:latin typeface="+mn-ea"/>
+              </a:rPr>
+              <a:t>SpaceBar</a:t>
+            </a:r>
+            <a:r>
+              <a:rPr lang="en-US" altLang="ko-KR" sz="1600" b="1" dirty="0">
+                <a:solidFill>
+                  <a:schemeClr val="bg1"/>
+                </a:solidFill>
+                <a:latin typeface="+mn-ea"/>
+              </a:rPr>
+              <a:t>: </a:t>
+            </a:r>
+            <a:r>
+              <a:rPr lang="ko-KR" altLang="en-US" sz="1600" dirty="0">
+                <a:solidFill>
+                  <a:schemeClr val="bg1"/>
+                </a:solidFill>
+                <a:latin typeface="+mn-ea"/>
+              </a:rPr>
+              <a:t>상호 작용 키</a:t>
+            </a:r>
+            <a:endParaRPr lang="en-US" altLang="ko-KR" sz="1600" dirty="0">
+              <a:solidFill>
+                <a:schemeClr val="bg1"/>
+              </a:solidFill>
+              <a:latin typeface="+mn-ea"/>
+            </a:endParaRPr>
+          </a:p>
+        </p:txBody>
+      </p:sp>
+      <p:sp>
+        <p:nvSpPr>
+          <p:cNvPr id="13" name="TextBox 44">
+            <a:extLst>
+              <a:ext uri="{FF2B5EF4-FFF2-40B4-BE49-F238E27FC236}">
+                <a16:creationId xmlns:a16="http://schemas.microsoft.com/office/drawing/2014/main" id="{93F06CCD-3D00-4F71-82F4-979034CD9B24}"/>
+              </a:ext>
+            </a:extLst>
+          </p:cNvPr>
+          <p:cNvSpPr txBox="1"/>
+          <p:nvPr/>
+        </p:nvSpPr>
+        <p:spPr>
+          <a:xfrm>
+            <a:off x="720007" y="5191345"/>
+            <a:ext cx="2557348" cy="338554"/>
+          </a:xfrm>
+          <a:prstGeom prst="rect">
+            <a:avLst/>
+          </a:prstGeom>
+          <a:noFill/>
+        </p:spPr>
+        <p:txBody>
+          <a:bodyPr wrap="square" rtlCol="0">
+            <a:spAutoFit/>
+          </a:bodyPr>
+          <a:lstStyle>
+            <a:defPPr>
+              <a:defRPr lang="en-US"/>
+            </a:defPPr>
+            <a:lvl1pPr marL="0" algn="l" defTabSz="457200" rtl="0" eaLnBrk="1" latinLnBrk="0" hangingPunct="1">
+              <a:defRPr sz="1800" kern="1200">
+                <a:solidFill>
+                  <a:schemeClr val="tx1"/>
+                </a:solidFill>
+                <a:latin typeface="+mn-lt"/>
+                <a:ea typeface="+mn-ea"/>
+                <a:cs typeface="+mn-cs"/>
+              </a:defRPr>
+            </a:lvl1pPr>
+            <a:lvl2pPr marL="457200" algn="l" defTabSz="457200" rtl="0" eaLnBrk="1" latinLnBrk="0" hangingPunct="1">
+              <a:defRPr sz="1800" kern="1200">
+                <a:solidFill>
+                  <a:schemeClr val="tx1"/>
+                </a:solidFill>
+                <a:latin typeface="+mn-lt"/>
+                <a:ea typeface="+mn-ea"/>
+                <a:cs typeface="+mn-cs"/>
+              </a:defRPr>
+            </a:lvl2pPr>
+            <a:lvl3pPr marL="914400" algn="l" defTabSz="457200" rtl="0" eaLnBrk="1" latinLnBrk="0" hangingPunct="1">
+              <a:defRPr sz="1800" kern="1200">
+                <a:solidFill>
+                  <a:schemeClr val="tx1"/>
+                </a:solidFill>
+                <a:latin typeface="+mn-lt"/>
+                <a:ea typeface="+mn-ea"/>
+                <a:cs typeface="+mn-cs"/>
+              </a:defRPr>
+            </a:lvl3pPr>
+            <a:lvl4pPr marL="1371600" algn="l" defTabSz="457200" rtl="0" eaLnBrk="1" latinLnBrk="0" hangingPunct="1">
+              <a:defRPr sz="1800" kern="1200">
+                <a:solidFill>
+                  <a:schemeClr val="tx1"/>
+                </a:solidFill>
+                <a:latin typeface="+mn-lt"/>
+                <a:ea typeface="+mn-ea"/>
+                <a:cs typeface="+mn-cs"/>
+              </a:defRPr>
+            </a:lvl4pPr>
+            <a:lvl5pPr marL="1828800" algn="l" defTabSz="457200" rtl="0" eaLnBrk="1" latinLnBrk="0" hangingPunct="1">
+              <a:defRPr sz="1800" kern="1200">
+                <a:solidFill>
+                  <a:schemeClr val="tx1"/>
+                </a:solidFill>
+                <a:latin typeface="+mn-lt"/>
+                <a:ea typeface="+mn-ea"/>
+                <a:cs typeface="+mn-cs"/>
+              </a:defRPr>
+            </a:lvl5pPr>
+            <a:lvl6pPr marL="2286000" algn="l" defTabSz="457200" rtl="0" eaLnBrk="1" latinLnBrk="0" hangingPunct="1">
+              <a:defRPr sz="1800" kern="1200">
+                <a:solidFill>
+                  <a:schemeClr val="tx1"/>
+                </a:solidFill>
+                <a:latin typeface="+mn-lt"/>
+                <a:ea typeface="+mn-ea"/>
+                <a:cs typeface="+mn-cs"/>
+              </a:defRPr>
+            </a:lvl6pPr>
+            <a:lvl7pPr marL="2743200" algn="l" defTabSz="457200" rtl="0" eaLnBrk="1" latinLnBrk="0" hangingPunct="1">
+              <a:defRPr sz="1800" kern="1200">
+                <a:solidFill>
+                  <a:schemeClr val="tx1"/>
+                </a:solidFill>
+                <a:latin typeface="+mn-lt"/>
+                <a:ea typeface="+mn-ea"/>
+                <a:cs typeface="+mn-cs"/>
+              </a:defRPr>
+            </a:lvl7pPr>
+            <a:lvl8pPr marL="3200400" algn="l" defTabSz="457200" rtl="0" eaLnBrk="1" latinLnBrk="0" hangingPunct="1">
+              <a:defRPr sz="1800" kern="1200">
+                <a:solidFill>
+                  <a:schemeClr val="tx1"/>
+                </a:solidFill>
+                <a:latin typeface="+mn-lt"/>
+                <a:ea typeface="+mn-ea"/>
+                <a:cs typeface="+mn-cs"/>
+              </a:defRPr>
+            </a:lvl8pPr>
+            <a:lvl9pPr marL="3657600" algn="l" defTabSz="457200" rtl="0" eaLnBrk="1" latinLnBrk="0" hangingPunct="1">
+              <a:defRPr sz="1800" kern="1200">
+                <a:solidFill>
+                  <a:schemeClr val="tx1"/>
+                </a:solidFill>
+                <a:latin typeface="+mn-lt"/>
+                <a:ea typeface="+mn-ea"/>
+                <a:cs typeface="+mn-cs"/>
+              </a:defRPr>
+            </a:lvl9pPr>
+          </a:lstStyle>
+          <a:p>
+            <a:pPr algn="ctr"/>
+            <a:r>
+              <a:rPr lang="en-US" altLang="ko-KR" sz="1600" b="1" dirty="0">
+                <a:solidFill>
+                  <a:schemeClr val="bg1"/>
+                </a:solidFill>
+                <a:latin typeface="+mn-ea"/>
+              </a:rPr>
+              <a:t>A: </a:t>
+            </a:r>
+            <a:r>
+              <a:rPr lang="ko-KR" altLang="en-US" sz="1600" dirty="0">
+                <a:solidFill>
+                  <a:schemeClr val="bg1"/>
+                </a:solidFill>
+                <a:latin typeface="+mn-ea"/>
+              </a:rPr>
+              <a:t>공격</a:t>
+            </a:r>
+            <a:r>
+              <a:rPr lang="en-US" altLang="ko-KR" sz="1600" dirty="0">
+                <a:solidFill>
+                  <a:schemeClr val="bg1"/>
+                </a:solidFill>
+                <a:latin typeface="+mn-ea"/>
+              </a:rPr>
+              <a:t> </a:t>
+            </a:r>
+            <a:r>
+              <a:rPr lang="en-US" altLang="ko-KR" sz="1600" b="1" dirty="0">
+                <a:solidFill>
+                  <a:schemeClr val="bg1"/>
+                </a:solidFill>
+                <a:latin typeface="+mn-ea"/>
+              </a:rPr>
+              <a:t>S: </a:t>
+            </a:r>
+            <a:r>
+              <a:rPr lang="ko-KR" altLang="en-US" sz="1600" dirty="0">
+                <a:solidFill>
+                  <a:schemeClr val="bg1"/>
+                </a:solidFill>
+                <a:latin typeface="+mn-ea"/>
+              </a:rPr>
+              <a:t>스킬</a:t>
+            </a:r>
+            <a:endParaRPr lang="en-US" altLang="ko-KR" sz="1600" dirty="0">
+              <a:solidFill>
+                <a:schemeClr val="bg1"/>
+              </a:solidFill>
+              <a:latin typeface="+mn-ea"/>
+            </a:endParaRPr>
+          </a:p>
+        </p:txBody>
+      </p:sp>
+    </p:spTree>
+    <p:extLst>
+      <p:ext uri="{BB962C8B-B14F-4D97-AF65-F5344CB8AC3E}">
+        <p14:creationId xmlns:p14="http://schemas.microsoft.com/office/powerpoint/2010/main" val="3299092138"/>
+      </p:ext>
+    </p:extLst>
+  </p:cSld>
+  <p:clrMapOvr>
+    <a:masterClrMapping/>
+  </p:clrMapOvr>
+</p:sld>
+</file>
+
+<file path=ppt/slides/slide13.xml><?xml version="1.0" encoding="utf-8"?>
+<p:sld xmlns:a="http://schemas.openxmlformats.org/drawingml/2006/main" xmlns:r="http://schemas.openxmlformats.org/officeDocument/2006/relationships" xmlns:p="http://schemas.openxmlformats.org/presentationml/2006/main">
+  <p:cSld>
+    <p:spTree>
+      <p:nvGrpSpPr>
+        <p:cNvPr id="1" name=""/>
+        <p:cNvGrpSpPr/>
+        <p:nvPr/>
+      </p:nvGrpSpPr>
+      <p:grpSpPr>
+        <a:xfrm>
+          <a:off x="0" y="0"/>
+          <a:ext cx="0" cy="0"/>
+          <a:chOff x="0" y="0"/>
+          <a:chExt cx="0" cy="0"/>
+        </a:xfrm>
+      </p:grpSpPr>
+      <p:sp>
+        <p:nvSpPr>
+          <p:cNvPr id="6" name="직사각형 5">
+            <a:extLst>
+              <a:ext uri="{FF2B5EF4-FFF2-40B4-BE49-F238E27FC236}">
+                <a16:creationId xmlns:a16="http://schemas.microsoft.com/office/drawing/2014/main" id="{99BCBD90-6866-4E0E-B0FD-D6BB663F8D27}"/>
+              </a:ext>
+            </a:extLst>
+          </p:cNvPr>
+          <p:cNvSpPr/>
+          <p:nvPr/>
+        </p:nvSpPr>
+        <p:spPr>
+          <a:xfrm>
+            <a:off x="1468074" y="239694"/>
+            <a:ext cx="10387926" cy="699874"/>
+          </a:xfrm>
+          <a:prstGeom prst="rect">
+            <a:avLst/>
+          </a:prstGeom>
+          <a:solidFill>
+            <a:schemeClr val="tx2">
+              <a:lumMod val="40000"/>
+              <a:lumOff val="60000"/>
+            </a:schemeClr>
+          </a:solidFill>
+          <a:ln>
+            <a:noFill/>
+          </a:ln>
+        </p:spPr>
+        <p:style>
+          <a:lnRef idx="2">
+            <a:schemeClr val="accent1">
+              <a:shade val="50000"/>
+            </a:schemeClr>
+          </a:lnRef>
+          <a:fillRef idx="1">
+            <a:schemeClr val="accent1"/>
+          </a:fillRef>
+          <a:effectRef idx="0">
+            <a:schemeClr val="accent1"/>
+          </a:effectRef>
+          <a:fontRef idx="minor">
+            <a:schemeClr val="lt1"/>
+          </a:fontRef>
+        </p:style>
+        <p:txBody>
+          <a:bodyPr rtlCol="0" anchor="ctr"/>
+          <a:lstStyle/>
+          <a:p>
+            <a:r>
+              <a:rPr lang="ko-KR" altLang="en-US" sz="3200" b="1" dirty="0">
+                <a:solidFill>
+                  <a:schemeClr val="bg1"/>
+                </a:solidFill>
+                <a:latin typeface="+mj-ea"/>
+                <a:ea typeface="+mj-ea"/>
+              </a:rPr>
+              <a:t> 게임 진행 변경 사항</a:t>
+            </a:r>
+          </a:p>
+        </p:txBody>
+      </p:sp>
+      <p:sp>
+        <p:nvSpPr>
+          <p:cNvPr id="10" name="직사각형 9">
+            <a:extLst>
+              <a:ext uri="{FF2B5EF4-FFF2-40B4-BE49-F238E27FC236}">
+                <a16:creationId xmlns:a16="http://schemas.microsoft.com/office/drawing/2014/main" id="{7D4EF744-FD1B-4C94-B614-7BCDB4CB9A28}"/>
+              </a:ext>
+            </a:extLst>
+          </p:cNvPr>
+          <p:cNvSpPr/>
+          <p:nvPr/>
+        </p:nvSpPr>
+        <p:spPr>
+          <a:xfrm>
+            <a:off x="11075824" y="239694"/>
+            <a:ext cx="780176" cy="699874"/>
+          </a:xfrm>
+          <a:prstGeom prst="rect">
+            <a:avLst/>
+          </a:prstGeom>
+          <a:solidFill>
+            <a:schemeClr val="bg2">
+              <a:lumMod val="90000"/>
+              <a:lumOff val="10000"/>
+            </a:schemeClr>
+          </a:solidFill>
+          <a:ln>
+            <a:noFill/>
+          </a:ln>
+          <a:effectLst>
+            <a:outerShdw blurRad="50800" dist="38100" dir="2700000" algn="tl" rotWithShape="0">
+              <a:prstClr val="black">
+                <a:alpha val="40000"/>
+              </a:prstClr>
+            </a:outerShdw>
+          </a:effectLst>
+        </p:spPr>
+        <p:style>
+          <a:lnRef idx="2">
+            <a:schemeClr val="accent1">
+              <a:shade val="50000"/>
+            </a:schemeClr>
+          </a:lnRef>
+          <a:fillRef idx="1">
+            <a:schemeClr val="accent1"/>
+          </a:fillRef>
+          <a:effectRef idx="0">
+            <a:schemeClr val="accent1"/>
+          </a:effectRef>
+          <a:fontRef idx="minor">
+            <a:schemeClr val="lt1"/>
+          </a:fontRef>
+        </p:style>
+        <p:txBody>
+          <a:bodyPr rtlCol="0" anchor="ctr"/>
+          <a:lstStyle/>
+          <a:p>
+            <a:pPr algn="ctr"/>
+            <a:r>
+              <a:rPr lang="en-US" altLang="ko-KR" b="1" dirty="0">
+                <a:solidFill>
+                  <a:schemeClr val="tx1"/>
+                </a:solidFill>
+                <a:latin typeface="+mj-ea"/>
+                <a:ea typeface="+mj-ea"/>
+              </a:rPr>
+              <a:t>P.13</a:t>
+            </a:r>
+            <a:endParaRPr lang="ko-KR" altLang="en-US" b="1" dirty="0">
+              <a:solidFill>
+                <a:schemeClr val="tx1"/>
+              </a:solidFill>
+              <a:latin typeface="+mj-ea"/>
+              <a:ea typeface="+mj-ea"/>
+            </a:endParaRPr>
+          </a:p>
+        </p:txBody>
+      </p:sp>
+      <p:sp>
+        <p:nvSpPr>
+          <p:cNvPr id="12" name="직사각형 11">
+            <a:extLst>
+              <a:ext uri="{FF2B5EF4-FFF2-40B4-BE49-F238E27FC236}">
+                <a16:creationId xmlns:a16="http://schemas.microsoft.com/office/drawing/2014/main" id="{D92D3FD9-46D4-421D-9963-A9DA61046989}"/>
+              </a:ext>
+            </a:extLst>
+          </p:cNvPr>
+          <p:cNvSpPr/>
+          <p:nvPr/>
+        </p:nvSpPr>
+        <p:spPr>
+          <a:xfrm>
+            <a:off x="336001" y="239693"/>
+            <a:ext cx="1132072" cy="699875"/>
+          </a:xfrm>
+          <a:prstGeom prst="rect">
+            <a:avLst/>
+          </a:prstGeom>
+          <a:solidFill>
+            <a:schemeClr val="bg2">
+              <a:lumMod val="90000"/>
+              <a:lumOff val="10000"/>
+            </a:schemeClr>
+          </a:solidFill>
+          <a:ln>
+            <a:noFill/>
+          </a:ln>
+        </p:spPr>
+        <p:style>
+          <a:lnRef idx="2">
+            <a:schemeClr val="accent1">
+              <a:shade val="50000"/>
+            </a:schemeClr>
+          </a:lnRef>
+          <a:fillRef idx="1">
+            <a:schemeClr val="accent1"/>
+          </a:fillRef>
+          <a:effectRef idx="0">
+            <a:schemeClr val="accent1"/>
+          </a:effectRef>
+          <a:fontRef idx="minor">
+            <a:schemeClr val="lt1"/>
+          </a:fontRef>
+        </p:style>
+        <p:txBody>
+          <a:bodyPr rtlCol="0" anchor="ctr"/>
+          <a:lstStyle/>
+          <a:p>
+            <a:pPr algn="ctr"/>
+            <a:endParaRPr lang="ko-KR" altLang="en-US" sz="3200" b="1" dirty="0">
+              <a:latin typeface="+mj-ea"/>
+              <a:ea typeface="+mj-ea"/>
+            </a:endParaRPr>
+          </a:p>
+        </p:txBody>
+      </p:sp>
+      <p:sp>
+        <p:nvSpPr>
+          <p:cNvPr id="13" name="사각형: 둥근 모서리 12">
+            <a:extLst>
+              <a:ext uri="{FF2B5EF4-FFF2-40B4-BE49-F238E27FC236}">
+                <a16:creationId xmlns:a16="http://schemas.microsoft.com/office/drawing/2014/main" id="{388C5C3A-36BA-451B-8605-051D3E69BED8}"/>
+              </a:ext>
+            </a:extLst>
+          </p:cNvPr>
+          <p:cNvSpPr/>
+          <p:nvPr/>
+        </p:nvSpPr>
+        <p:spPr>
+          <a:xfrm>
+            <a:off x="336000" y="939568"/>
+            <a:ext cx="11520000" cy="56030"/>
+          </a:xfrm>
+          <a:prstGeom prst="roundRect">
+            <a:avLst/>
+          </a:prstGeom>
+          <a:solidFill>
+            <a:schemeClr val="bg2">
+              <a:lumMod val="90000"/>
+              <a:lumOff val="10000"/>
+            </a:schemeClr>
+          </a:solidFill>
+          <a:ln>
+            <a:noFill/>
+          </a:ln>
+          <a:effectLst>
+            <a:outerShdw blurRad="50800" dist="38100" dir="2700000" algn="tl" rotWithShape="0">
+              <a:prstClr val="black">
+                <a:alpha val="40000"/>
+              </a:prstClr>
+            </a:outerShdw>
+          </a:effectLst>
+        </p:spPr>
+        <p:style>
+          <a:lnRef idx="2">
+            <a:schemeClr val="accent1">
+              <a:shade val="50000"/>
+            </a:schemeClr>
+          </a:lnRef>
+          <a:fillRef idx="1">
+            <a:schemeClr val="accent1"/>
+          </a:fillRef>
+          <a:effectRef idx="0">
+            <a:schemeClr val="accent1"/>
+          </a:effectRef>
+          <a:fontRef idx="minor">
+            <a:schemeClr val="lt1"/>
+          </a:fontRef>
+        </p:style>
+        <p:txBody>
+          <a:bodyPr rtlCol="0" anchor="ctr"/>
+          <a:lstStyle/>
+          <a:p>
+            <a:pPr algn="ctr"/>
+            <a:endParaRPr lang="ko-KR" altLang="en-US" b="1">
+              <a:solidFill>
+                <a:schemeClr val="bg1"/>
+              </a:solidFill>
+              <a:latin typeface="+mj-ea"/>
+              <a:ea typeface="+mj-ea"/>
+            </a:endParaRPr>
+          </a:p>
+        </p:txBody>
+      </p:sp>
+      <p:sp>
+        <p:nvSpPr>
+          <p:cNvPr id="9" name="설명선: 오른쪽 화살표 8">
+            <a:extLst>
+              <a:ext uri="{FF2B5EF4-FFF2-40B4-BE49-F238E27FC236}">
+                <a16:creationId xmlns:a16="http://schemas.microsoft.com/office/drawing/2014/main" id="{E5ED6542-9B86-41FC-B8A7-35EC9F0FB811}"/>
+              </a:ext>
+            </a:extLst>
+          </p:cNvPr>
+          <p:cNvSpPr/>
+          <p:nvPr/>
+        </p:nvSpPr>
+        <p:spPr>
+          <a:xfrm>
+            <a:off x="1033311" y="1989544"/>
+            <a:ext cx="1887904" cy="967364"/>
+          </a:xfrm>
+          <a:prstGeom prst="rightArrowCallout">
+            <a:avLst>
+              <a:gd name="adj1" fmla="val 25000"/>
+              <a:gd name="adj2" fmla="val 25000"/>
+              <a:gd name="adj3" fmla="val 25000"/>
+              <a:gd name="adj4" fmla="val 72235"/>
+            </a:avLst>
+          </a:prstGeom>
+          <a:solidFill>
+            <a:schemeClr val="accent2">
+              <a:lumMod val="60000"/>
+              <a:lumOff val="40000"/>
+            </a:schemeClr>
+          </a:solidFill>
+          <a:ln w="28575">
+            <a:solidFill>
+              <a:schemeClr val="accent2">
+                <a:lumMod val="50000"/>
+              </a:schemeClr>
+            </a:solidFill>
+          </a:ln>
+        </p:spPr>
+        <p:style>
+          <a:lnRef idx="2">
+            <a:schemeClr val="accent1">
+              <a:shade val="50000"/>
+            </a:schemeClr>
+          </a:lnRef>
+          <a:fillRef idx="1">
+            <a:schemeClr val="accent1"/>
+          </a:fillRef>
+          <a:effectRef idx="0">
+            <a:schemeClr val="accent1"/>
+          </a:effectRef>
+          <a:fontRef idx="minor">
+            <a:schemeClr val="lt1"/>
+          </a:fontRef>
+        </p:style>
+        <p:txBody>
+          <a:bodyPr rtlCol="0" anchor="ctr"/>
+          <a:lstStyle/>
+          <a:p>
+            <a:pPr algn="ctr"/>
+            <a:endParaRPr lang="ko-KR" altLang="en-US"/>
+          </a:p>
+        </p:txBody>
+      </p:sp>
+      <p:sp>
+        <p:nvSpPr>
+          <p:cNvPr id="11" name="TextBox 44">
+            <a:extLst>
+              <a:ext uri="{FF2B5EF4-FFF2-40B4-BE49-F238E27FC236}">
+                <a16:creationId xmlns:a16="http://schemas.microsoft.com/office/drawing/2014/main" id="{BC976775-59DC-4779-BF94-CC21AA0023FD}"/>
+              </a:ext>
+            </a:extLst>
+          </p:cNvPr>
+          <p:cNvSpPr txBox="1"/>
+          <p:nvPr/>
+        </p:nvSpPr>
+        <p:spPr>
+          <a:xfrm>
+            <a:off x="930388" y="2273171"/>
+            <a:ext cx="1632787" cy="400110"/>
+          </a:xfrm>
+          <a:prstGeom prst="rect">
+            <a:avLst/>
+          </a:prstGeom>
+          <a:noFill/>
+        </p:spPr>
+        <p:txBody>
+          <a:bodyPr wrap="square" rtlCol="0">
+            <a:spAutoFit/>
+          </a:bodyPr>
+          <a:lstStyle>
+            <a:defPPr>
+              <a:defRPr lang="en-US"/>
+            </a:defPPr>
+            <a:lvl1pPr marL="0" algn="l" defTabSz="457200" rtl="0" eaLnBrk="1" latinLnBrk="0" hangingPunct="1">
+              <a:defRPr sz="1800" kern="1200">
+                <a:solidFill>
+                  <a:schemeClr val="tx1"/>
+                </a:solidFill>
+                <a:latin typeface="+mn-lt"/>
+                <a:ea typeface="+mn-ea"/>
+                <a:cs typeface="+mn-cs"/>
+              </a:defRPr>
+            </a:lvl1pPr>
+            <a:lvl2pPr marL="457200" algn="l" defTabSz="457200" rtl="0" eaLnBrk="1" latinLnBrk="0" hangingPunct="1">
+              <a:defRPr sz="1800" kern="1200">
+                <a:solidFill>
+                  <a:schemeClr val="tx1"/>
+                </a:solidFill>
+                <a:latin typeface="+mn-lt"/>
+                <a:ea typeface="+mn-ea"/>
+                <a:cs typeface="+mn-cs"/>
+              </a:defRPr>
+            </a:lvl2pPr>
+            <a:lvl3pPr marL="914400" algn="l" defTabSz="457200" rtl="0" eaLnBrk="1" latinLnBrk="0" hangingPunct="1">
+              <a:defRPr sz="1800" kern="1200">
+                <a:solidFill>
+                  <a:schemeClr val="tx1"/>
+                </a:solidFill>
+                <a:latin typeface="+mn-lt"/>
+                <a:ea typeface="+mn-ea"/>
+                <a:cs typeface="+mn-cs"/>
+              </a:defRPr>
+            </a:lvl3pPr>
+            <a:lvl4pPr marL="1371600" algn="l" defTabSz="457200" rtl="0" eaLnBrk="1" latinLnBrk="0" hangingPunct="1">
+              <a:defRPr sz="1800" kern="1200">
+                <a:solidFill>
+                  <a:schemeClr val="tx1"/>
+                </a:solidFill>
+                <a:latin typeface="+mn-lt"/>
+                <a:ea typeface="+mn-ea"/>
+                <a:cs typeface="+mn-cs"/>
+              </a:defRPr>
+            </a:lvl4pPr>
+            <a:lvl5pPr marL="1828800" algn="l" defTabSz="457200" rtl="0" eaLnBrk="1" latinLnBrk="0" hangingPunct="1">
+              <a:defRPr sz="1800" kern="1200">
+                <a:solidFill>
+                  <a:schemeClr val="tx1"/>
+                </a:solidFill>
+                <a:latin typeface="+mn-lt"/>
+                <a:ea typeface="+mn-ea"/>
+                <a:cs typeface="+mn-cs"/>
+              </a:defRPr>
+            </a:lvl5pPr>
+            <a:lvl6pPr marL="2286000" algn="l" defTabSz="457200" rtl="0" eaLnBrk="1" latinLnBrk="0" hangingPunct="1">
+              <a:defRPr sz="1800" kern="1200">
+                <a:solidFill>
+                  <a:schemeClr val="tx1"/>
+                </a:solidFill>
+                <a:latin typeface="+mn-lt"/>
+                <a:ea typeface="+mn-ea"/>
+                <a:cs typeface="+mn-cs"/>
+              </a:defRPr>
+            </a:lvl6pPr>
+            <a:lvl7pPr marL="2743200" algn="l" defTabSz="457200" rtl="0" eaLnBrk="1" latinLnBrk="0" hangingPunct="1">
+              <a:defRPr sz="1800" kern="1200">
+                <a:solidFill>
+                  <a:schemeClr val="tx1"/>
+                </a:solidFill>
+                <a:latin typeface="+mn-lt"/>
+                <a:ea typeface="+mn-ea"/>
+                <a:cs typeface="+mn-cs"/>
+              </a:defRPr>
+            </a:lvl7pPr>
+            <a:lvl8pPr marL="3200400" algn="l" defTabSz="457200" rtl="0" eaLnBrk="1" latinLnBrk="0" hangingPunct="1">
+              <a:defRPr sz="1800" kern="1200">
+                <a:solidFill>
+                  <a:schemeClr val="tx1"/>
+                </a:solidFill>
+                <a:latin typeface="+mn-lt"/>
+                <a:ea typeface="+mn-ea"/>
+                <a:cs typeface="+mn-cs"/>
+              </a:defRPr>
+            </a:lvl8pPr>
+            <a:lvl9pPr marL="3657600" algn="l" defTabSz="457200" rtl="0" eaLnBrk="1" latinLnBrk="0" hangingPunct="1">
+              <a:defRPr sz="1800" kern="1200">
+                <a:solidFill>
+                  <a:schemeClr val="tx1"/>
+                </a:solidFill>
+                <a:latin typeface="+mn-lt"/>
+                <a:ea typeface="+mn-ea"/>
+                <a:cs typeface="+mn-cs"/>
+              </a:defRPr>
+            </a:lvl9pPr>
+          </a:lstStyle>
+          <a:p>
+            <a:pPr algn="ctr"/>
+            <a:r>
+              <a:rPr lang="ko-KR" altLang="en-US" sz="2000" b="1" dirty="0">
+                <a:solidFill>
+                  <a:schemeClr val="bg1"/>
+                </a:solidFill>
+                <a:latin typeface="+mn-ea"/>
+              </a:rPr>
+              <a:t>게임 시작</a:t>
+            </a:r>
+            <a:endParaRPr lang="en-US" altLang="ko-KR" sz="2000" b="1" dirty="0">
+              <a:solidFill>
+                <a:schemeClr val="bg1"/>
+              </a:solidFill>
+              <a:latin typeface="+mn-ea"/>
+            </a:endParaRPr>
+          </a:p>
+        </p:txBody>
+      </p:sp>
+      <p:sp>
+        <p:nvSpPr>
+          <p:cNvPr id="14" name="설명선: 오른쪽 화살표 13">
+            <a:extLst>
+              <a:ext uri="{FF2B5EF4-FFF2-40B4-BE49-F238E27FC236}">
+                <a16:creationId xmlns:a16="http://schemas.microsoft.com/office/drawing/2014/main" id="{DDBC96F7-3980-40B8-B9E2-6234DC6E8B78}"/>
+              </a:ext>
+            </a:extLst>
+          </p:cNvPr>
+          <p:cNvSpPr/>
+          <p:nvPr/>
+        </p:nvSpPr>
+        <p:spPr>
+          <a:xfrm>
+            <a:off x="3207009" y="1989544"/>
+            <a:ext cx="1887904" cy="967364"/>
+          </a:xfrm>
+          <a:prstGeom prst="rightArrowCallout">
+            <a:avLst>
+              <a:gd name="adj1" fmla="val 25000"/>
+              <a:gd name="adj2" fmla="val 25000"/>
+              <a:gd name="adj3" fmla="val 25000"/>
+              <a:gd name="adj4" fmla="val 72235"/>
+            </a:avLst>
+          </a:prstGeom>
+          <a:solidFill>
+            <a:schemeClr val="tx1"/>
+          </a:solidFill>
+          <a:ln w="28575">
+            <a:solidFill>
+              <a:schemeClr val="accent2">
+                <a:lumMod val="50000"/>
+              </a:schemeClr>
+            </a:solidFill>
+          </a:ln>
+        </p:spPr>
+        <p:style>
+          <a:lnRef idx="2">
+            <a:schemeClr val="accent1">
+              <a:shade val="50000"/>
+            </a:schemeClr>
+          </a:lnRef>
+          <a:fillRef idx="1">
+            <a:schemeClr val="accent1"/>
+          </a:fillRef>
+          <a:effectRef idx="0">
+            <a:schemeClr val="accent1"/>
+          </a:effectRef>
+          <a:fontRef idx="minor">
+            <a:schemeClr val="lt1"/>
+          </a:fontRef>
+        </p:style>
+        <p:txBody>
+          <a:bodyPr rtlCol="0" anchor="ctr"/>
+          <a:lstStyle/>
+          <a:p>
+            <a:pPr algn="ctr"/>
+            <a:endParaRPr lang="ko-KR" altLang="en-US"/>
+          </a:p>
+        </p:txBody>
+      </p:sp>
+      <p:sp>
+        <p:nvSpPr>
+          <p:cNvPr id="15" name="TextBox 44">
+            <a:extLst>
+              <a:ext uri="{FF2B5EF4-FFF2-40B4-BE49-F238E27FC236}">
+                <a16:creationId xmlns:a16="http://schemas.microsoft.com/office/drawing/2014/main" id="{9DCAA935-AFDC-41F6-9C0E-CF81654C75F1}"/>
+              </a:ext>
+            </a:extLst>
+          </p:cNvPr>
+          <p:cNvSpPr txBox="1"/>
+          <p:nvPr/>
+        </p:nvSpPr>
+        <p:spPr>
+          <a:xfrm>
+            <a:off x="3104086" y="2273171"/>
+            <a:ext cx="1632787" cy="400110"/>
+          </a:xfrm>
+          <a:prstGeom prst="rect">
+            <a:avLst/>
+          </a:prstGeom>
+          <a:noFill/>
+        </p:spPr>
+        <p:txBody>
+          <a:bodyPr wrap="square" rtlCol="0">
+            <a:spAutoFit/>
+          </a:bodyPr>
+          <a:lstStyle>
+            <a:defPPr>
+              <a:defRPr lang="en-US"/>
+            </a:defPPr>
+            <a:lvl1pPr marL="0" algn="l" defTabSz="457200" rtl="0" eaLnBrk="1" latinLnBrk="0" hangingPunct="1">
+              <a:defRPr sz="1800" kern="1200">
+                <a:solidFill>
+                  <a:schemeClr val="tx1"/>
+                </a:solidFill>
+                <a:latin typeface="+mn-lt"/>
+                <a:ea typeface="+mn-ea"/>
+                <a:cs typeface="+mn-cs"/>
+              </a:defRPr>
+            </a:lvl1pPr>
+            <a:lvl2pPr marL="457200" algn="l" defTabSz="457200" rtl="0" eaLnBrk="1" latinLnBrk="0" hangingPunct="1">
+              <a:defRPr sz="1800" kern="1200">
+                <a:solidFill>
+                  <a:schemeClr val="tx1"/>
+                </a:solidFill>
+                <a:latin typeface="+mn-lt"/>
+                <a:ea typeface="+mn-ea"/>
+                <a:cs typeface="+mn-cs"/>
+              </a:defRPr>
+            </a:lvl2pPr>
+            <a:lvl3pPr marL="914400" algn="l" defTabSz="457200" rtl="0" eaLnBrk="1" latinLnBrk="0" hangingPunct="1">
+              <a:defRPr sz="1800" kern="1200">
+                <a:solidFill>
+                  <a:schemeClr val="tx1"/>
+                </a:solidFill>
+                <a:latin typeface="+mn-lt"/>
+                <a:ea typeface="+mn-ea"/>
+                <a:cs typeface="+mn-cs"/>
+              </a:defRPr>
+            </a:lvl3pPr>
+            <a:lvl4pPr marL="1371600" algn="l" defTabSz="457200" rtl="0" eaLnBrk="1" latinLnBrk="0" hangingPunct="1">
+              <a:defRPr sz="1800" kern="1200">
+                <a:solidFill>
+                  <a:schemeClr val="tx1"/>
+                </a:solidFill>
+                <a:latin typeface="+mn-lt"/>
+                <a:ea typeface="+mn-ea"/>
+                <a:cs typeface="+mn-cs"/>
+              </a:defRPr>
+            </a:lvl4pPr>
+            <a:lvl5pPr marL="1828800" algn="l" defTabSz="457200" rtl="0" eaLnBrk="1" latinLnBrk="0" hangingPunct="1">
+              <a:defRPr sz="1800" kern="1200">
+                <a:solidFill>
+                  <a:schemeClr val="tx1"/>
+                </a:solidFill>
+                <a:latin typeface="+mn-lt"/>
+                <a:ea typeface="+mn-ea"/>
+                <a:cs typeface="+mn-cs"/>
+              </a:defRPr>
+            </a:lvl5pPr>
+            <a:lvl6pPr marL="2286000" algn="l" defTabSz="457200" rtl="0" eaLnBrk="1" latinLnBrk="0" hangingPunct="1">
+              <a:defRPr sz="1800" kern="1200">
+                <a:solidFill>
+                  <a:schemeClr val="tx1"/>
+                </a:solidFill>
+                <a:latin typeface="+mn-lt"/>
+                <a:ea typeface="+mn-ea"/>
+                <a:cs typeface="+mn-cs"/>
+              </a:defRPr>
+            </a:lvl6pPr>
+            <a:lvl7pPr marL="2743200" algn="l" defTabSz="457200" rtl="0" eaLnBrk="1" latinLnBrk="0" hangingPunct="1">
+              <a:defRPr sz="1800" kern="1200">
+                <a:solidFill>
+                  <a:schemeClr val="tx1"/>
+                </a:solidFill>
+                <a:latin typeface="+mn-lt"/>
+                <a:ea typeface="+mn-ea"/>
+                <a:cs typeface="+mn-cs"/>
+              </a:defRPr>
+            </a:lvl7pPr>
+            <a:lvl8pPr marL="3200400" algn="l" defTabSz="457200" rtl="0" eaLnBrk="1" latinLnBrk="0" hangingPunct="1">
+              <a:defRPr sz="1800" kern="1200">
+                <a:solidFill>
+                  <a:schemeClr val="tx1"/>
+                </a:solidFill>
+                <a:latin typeface="+mn-lt"/>
+                <a:ea typeface="+mn-ea"/>
+                <a:cs typeface="+mn-cs"/>
+              </a:defRPr>
+            </a:lvl8pPr>
+            <a:lvl9pPr marL="3657600" algn="l" defTabSz="457200" rtl="0" eaLnBrk="1" latinLnBrk="0" hangingPunct="1">
+              <a:defRPr sz="1800" kern="1200">
+                <a:solidFill>
+                  <a:schemeClr val="tx1"/>
+                </a:solidFill>
+                <a:latin typeface="+mn-lt"/>
+                <a:ea typeface="+mn-ea"/>
+                <a:cs typeface="+mn-cs"/>
+              </a:defRPr>
+            </a:lvl9pPr>
+          </a:lstStyle>
+          <a:p>
+            <a:pPr algn="ctr"/>
+            <a:r>
+              <a:rPr lang="ko-KR" altLang="en-US" sz="2000" b="1" dirty="0">
+                <a:solidFill>
+                  <a:schemeClr val="bg1"/>
+                </a:solidFill>
+                <a:latin typeface="+mn-ea"/>
+              </a:rPr>
+              <a:t>대기실</a:t>
+            </a:r>
+            <a:endParaRPr lang="en-US" altLang="ko-KR" sz="2000" b="1" dirty="0">
+              <a:solidFill>
+                <a:schemeClr val="bg1"/>
+              </a:solidFill>
+              <a:latin typeface="+mn-ea"/>
+            </a:endParaRPr>
+          </a:p>
+        </p:txBody>
+      </p:sp>
+      <p:sp>
+        <p:nvSpPr>
+          <p:cNvPr id="16" name="설명선: 오른쪽 화살표 15">
+            <a:extLst>
+              <a:ext uri="{FF2B5EF4-FFF2-40B4-BE49-F238E27FC236}">
+                <a16:creationId xmlns:a16="http://schemas.microsoft.com/office/drawing/2014/main" id="{5A3E08A6-C734-4337-ADB8-DEBFCE73650E}"/>
+              </a:ext>
+            </a:extLst>
+          </p:cNvPr>
+          <p:cNvSpPr/>
+          <p:nvPr/>
+        </p:nvSpPr>
+        <p:spPr>
+          <a:xfrm>
+            <a:off x="5380707" y="1989544"/>
+            <a:ext cx="1887904" cy="967364"/>
+          </a:xfrm>
+          <a:prstGeom prst="rightArrowCallout">
+            <a:avLst>
+              <a:gd name="adj1" fmla="val 25000"/>
+              <a:gd name="adj2" fmla="val 25000"/>
+              <a:gd name="adj3" fmla="val 25000"/>
+              <a:gd name="adj4" fmla="val 72235"/>
+            </a:avLst>
+          </a:prstGeom>
+          <a:solidFill>
+            <a:schemeClr val="tx1"/>
+          </a:solidFill>
+          <a:ln w="28575">
+            <a:solidFill>
+              <a:schemeClr val="accent2">
+                <a:lumMod val="50000"/>
+              </a:schemeClr>
+            </a:solidFill>
+          </a:ln>
+        </p:spPr>
+        <p:style>
+          <a:lnRef idx="2">
+            <a:schemeClr val="accent1">
+              <a:shade val="50000"/>
+            </a:schemeClr>
+          </a:lnRef>
+          <a:fillRef idx="1">
+            <a:schemeClr val="accent1"/>
+          </a:fillRef>
+          <a:effectRef idx="0">
+            <a:schemeClr val="accent1"/>
+          </a:effectRef>
+          <a:fontRef idx="minor">
+            <a:schemeClr val="lt1"/>
+          </a:fontRef>
+        </p:style>
+        <p:txBody>
+          <a:bodyPr rtlCol="0" anchor="ctr"/>
+          <a:lstStyle/>
+          <a:p>
+            <a:pPr algn="ctr"/>
+            <a:endParaRPr lang="ko-KR" altLang="en-US"/>
+          </a:p>
+        </p:txBody>
+      </p:sp>
+      <p:sp>
+        <p:nvSpPr>
+          <p:cNvPr id="17" name="TextBox 44">
+            <a:extLst>
+              <a:ext uri="{FF2B5EF4-FFF2-40B4-BE49-F238E27FC236}">
+                <a16:creationId xmlns:a16="http://schemas.microsoft.com/office/drawing/2014/main" id="{42CD0332-88BA-4F97-B323-886762914169}"/>
+              </a:ext>
+            </a:extLst>
+          </p:cNvPr>
+          <p:cNvSpPr txBox="1"/>
+          <p:nvPr/>
+        </p:nvSpPr>
+        <p:spPr>
+          <a:xfrm>
+            <a:off x="5277784" y="2119283"/>
+            <a:ext cx="1632787" cy="707886"/>
+          </a:xfrm>
+          <a:prstGeom prst="rect">
+            <a:avLst/>
+          </a:prstGeom>
+          <a:noFill/>
+        </p:spPr>
+        <p:txBody>
+          <a:bodyPr wrap="square" rtlCol="0">
+            <a:spAutoFit/>
+          </a:bodyPr>
+          <a:lstStyle>
+            <a:defPPr>
+              <a:defRPr lang="en-US"/>
+            </a:defPPr>
+            <a:lvl1pPr marL="0" algn="l" defTabSz="457200" rtl="0" eaLnBrk="1" latinLnBrk="0" hangingPunct="1">
+              <a:defRPr sz="1800" kern="1200">
+                <a:solidFill>
+                  <a:schemeClr val="tx1"/>
+                </a:solidFill>
+                <a:latin typeface="+mn-lt"/>
+                <a:ea typeface="+mn-ea"/>
+                <a:cs typeface="+mn-cs"/>
+              </a:defRPr>
+            </a:lvl1pPr>
+            <a:lvl2pPr marL="457200" algn="l" defTabSz="457200" rtl="0" eaLnBrk="1" latinLnBrk="0" hangingPunct="1">
+              <a:defRPr sz="1800" kern="1200">
+                <a:solidFill>
+                  <a:schemeClr val="tx1"/>
+                </a:solidFill>
+                <a:latin typeface="+mn-lt"/>
+                <a:ea typeface="+mn-ea"/>
+                <a:cs typeface="+mn-cs"/>
+              </a:defRPr>
+            </a:lvl2pPr>
+            <a:lvl3pPr marL="914400" algn="l" defTabSz="457200" rtl="0" eaLnBrk="1" latinLnBrk="0" hangingPunct="1">
+              <a:defRPr sz="1800" kern="1200">
+                <a:solidFill>
+                  <a:schemeClr val="tx1"/>
+                </a:solidFill>
+                <a:latin typeface="+mn-lt"/>
+                <a:ea typeface="+mn-ea"/>
+                <a:cs typeface="+mn-cs"/>
+              </a:defRPr>
+            </a:lvl3pPr>
+            <a:lvl4pPr marL="1371600" algn="l" defTabSz="457200" rtl="0" eaLnBrk="1" latinLnBrk="0" hangingPunct="1">
+              <a:defRPr sz="1800" kern="1200">
+                <a:solidFill>
+                  <a:schemeClr val="tx1"/>
+                </a:solidFill>
+                <a:latin typeface="+mn-lt"/>
+                <a:ea typeface="+mn-ea"/>
+                <a:cs typeface="+mn-cs"/>
+              </a:defRPr>
+            </a:lvl4pPr>
+            <a:lvl5pPr marL="1828800" algn="l" defTabSz="457200" rtl="0" eaLnBrk="1" latinLnBrk="0" hangingPunct="1">
+              <a:defRPr sz="1800" kern="1200">
+                <a:solidFill>
+                  <a:schemeClr val="tx1"/>
+                </a:solidFill>
+                <a:latin typeface="+mn-lt"/>
+                <a:ea typeface="+mn-ea"/>
+                <a:cs typeface="+mn-cs"/>
+              </a:defRPr>
+            </a:lvl5pPr>
+            <a:lvl6pPr marL="2286000" algn="l" defTabSz="457200" rtl="0" eaLnBrk="1" latinLnBrk="0" hangingPunct="1">
+              <a:defRPr sz="1800" kern="1200">
+                <a:solidFill>
+                  <a:schemeClr val="tx1"/>
+                </a:solidFill>
+                <a:latin typeface="+mn-lt"/>
+                <a:ea typeface="+mn-ea"/>
+                <a:cs typeface="+mn-cs"/>
+              </a:defRPr>
+            </a:lvl6pPr>
+            <a:lvl7pPr marL="2743200" algn="l" defTabSz="457200" rtl="0" eaLnBrk="1" latinLnBrk="0" hangingPunct="1">
+              <a:defRPr sz="1800" kern="1200">
+                <a:solidFill>
+                  <a:schemeClr val="tx1"/>
+                </a:solidFill>
+                <a:latin typeface="+mn-lt"/>
+                <a:ea typeface="+mn-ea"/>
+                <a:cs typeface="+mn-cs"/>
+              </a:defRPr>
+            </a:lvl7pPr>
+            <a:lvl8pPr marL="3200400" algn="l" defTabSz="457200" rtl="0" eaLnBrk="1" latinLnBrk="0" hangingPunct="1">
+              <a:defRPr sz="1800" kern="1200">
+                <a:solidFill>
+                  <a:schemeClr val="tx1"/>
+                </a:solidFill>
+                <a:latin typeface="+mn-lt"/>
+                <a:ea typeface="+mn-ea"/>
+                <a:cs typeface="+mn-cs"/>
+              </a:defRPr>
+            </a:lvl8pPr>
+            <a:lvl9pPr marL="3657600" algn="l" defTabSz="457200" rtl="0" eaLnBrk="1" latinLnBrk="0" hangingPunct="1">
+              <a:defRPr sz="1800" kern="1200">
+                <a:solidFill>
+                  <a:schemeClr val="tx1"/>
+                </a:solidFill>
+                <a:latin typeface="+mn-lt"/>
+                <a:ea typeface="+mn-ea"/>
+                <a:cs typeface="+mn-cs"/>
+              </a:defRPr>
+            </a:lvl9pPr>
+          </a:lstStyle>
+          <a:p>
+            <a:pPr algn="ctr"/>
+            <a:r>
+              <a:rPr lang="ko-KR" altLang="en-US" sz="2000" b="1" dirty="0">
+                <a:solidFill>
+                  <a:schemeClr val="bg1"/>
+                </a:solidFill>
+                <a:latin typeface="+mn-ea"/>
+              </a:rPr>
+              <a:t>플레이어</a:t>
+            </a:r>
+            <a:endParaRPr lang="en-US" altLang="ko-KR" sz="2000" b="1" dirty="0">
+              <a:solidFill>
+                <a:schemeClr val="bg1"/>
+              </a:solidFill>
+              <a:latin typeface="+mn-ea"/>
+            </a:endParaRPr>
+          </a:p>
+          <a:p>
+            <a:pPr algn="ctr"/>
+            <a:r>
+              <a:rPr lang="ko-KR" altLang="en-US" sz="2000" b="1" dirty="0">
+                <a:solidFill>
+                  <a:schemeClr val="bg1"/>
+                </a:solidFill>
+                <a:latin typeface="+mn-ea"/>
+              </a:rPr>
+              <a:t>강화</a:t>
+            </a:r>
+            <a:endParaRPr lang="en-US" altLang="ko-KR" sz="2000" b="1" dirty="0">
+              <a:solidFill>
+                <a:schemeClr val="bg1"/>
+              </a:solidFill>
+              <a:latin typeface="+mn-ea"/>
+            </a:endParaRPr>
+          </a:p>
+        </p:txBody>
+      </p:sp>
+      <p:sp>
+        <p:nvSpPr>
+          <p:cNvPr id="18" name="직사각형 17">
+            <a:extLst>
+              <a:ext uri="{FF2B5EF4-FFF2-40B4-BE49-F238E27FC236}">
+                <a16:creationId xmlns:a16="http://schemas.microsoft.com/office/drawing/2014/main" id="{BD5B2346-FDCA-4B02-80D7-7F61727A0146}"/>
+              </a:ext>
+            </a:extLst>
+          </p:cNvPr>
+          <p:cNvSpPr/>
+          <p:nvPr/>
+        </p:nvSpPr>
+        <p:spPr>
+          <a:xfrm>
+            <a:off x="9749772" y="1989544"/>
+            <a:ext cx="1380993" cy="967364"/>
+          </a:xfrm>
+          <a:prstGeom prst="rect">
+            <a:avLst/>
+          </a:prstGeom>
+          <a:solidFill>
+            <a:schemeClr val="accent2">
+              <a:lumMod val="60000"/>
+              <a:lumOff val="40000"/>
+            </a:schemeClr>
+          </a:solidFill>
+          <a:ln w="28575">
+            <a:solidFill>
+              <a:schemeClr val="accent2">
+                <a:lumMod val="50000"/>
+              </a:schemeClr>
+            </a:solidFill>
+          </a:ln>
+        </p:spPr>
+        <p:style>
+          <a:lnRef idx="2">
+            <a:schemeClr val="accent1">
+              <a:shade val="50000"/>
+            </a:schemeClr>
+          </a:lnRef>
+          <a:fillRef idx="1">
+            <a:schemeClr val="accent1"/>
+          </a:fillRef>
+          <a:effectRef idx="0">
+            <a:schemeClr val="accent1"/>
+          </a:effectRef>
+          <a:fontRef idx="minor">
+            <a:schemeClr val="lt1"/>
+          </a:fontRef>
+        </p:style>
+        <p:txBody>
+          <a:bodyPr rtlCol="0" anchor="ctr"/>
+          <a:lstStyle/>
+          <a:p>
+            <a:pPr algn="ctr"/>
+            <a:endParaRPr lang="ko-KR" altLang="en-US"/>
+          </a:p>
+        </p:txBody>
+      </p:sp>
+      <p:sp>
+        <p:nvSpPr>
+          <p:cNvPr id="19" name="TextBox 44">
+            <a:extLst>
+              <a:ext uri="{FF2B5EF4-FFF2-40B4-BE49-F238E27FC236}">
+                <a16:creationId xmlns:a16="http://schemas.microsoft.com/office/drawing/2014/main" id="{04B4E0E2-D6A0-4EC2-8A2C-115928676E47}"/>
+              </a:ext>
+            </a:extLst>
+          </p:cNvPr>
+          <p:cNvSpPr txBox="1"/>
+          <p:nvPr/>
+        </p:nvSpPr>
+        <p:spPr>
+          <a:xfrm>
+            <a:off x="9623874" y="2273171"/>
+            <a:ext cx="1632787" cy="400110"/>
+          </a:xfrm>
+          <a:prstGeom prst="rect">
+            <a:avLst/>
+          </a:prstGeom>
+          <a:noFill/>
+        </p:spPr>
+        <p:txBody>
+          <a:bodyPr wrap="square" rtlCol="0">
+            <a:spAutoFit/>
+          </a:bodyPr>
+          <a:lstStyle>
+            <a:defPPr>
+              <a:defRPr lang="en-US"/>
+            </a:defPPr>
+            <a:lvl1pPr marL="0" algn="l" defTabSz="457200" rtl="0" eaLnBrk="1" latinLnBrk="0" hangingPunct="1">
+              <a:defRPr sz="1800" kern="1200">
+                <a:solidFill>
+                  <a:schemeClr val="tx1"/>
+                </a:solidFill>
+                <a:latin typeface="+mn-lt"/>
+                <a:ea typeface="+mn-ea"/>
+                <a:cs typeface="+mn-cs"/>
+              </a:defRPr>
+            </a:lvl1pPr>
+            <a:lvl2pPr marL="457200" algn="l" defTabSz="457200" rtl="0" eaLnBrk="1" latinLnBrk="0" hangingPunct="1">
+              <a:defRPr sz="1800" kern="1200">
+                <a:solidFill>
+                  <a:schemeClr val="tx1"/>
+                </a:solidFill>
+                <a:latin typeface="+mn-lt"/>
+                <a:ea typeface="+mn-ea"/>
+                <a:cs typeface="+mn-cs"/>
+              </a:defRPr>
+            </a:lvl2pPr>
+            <a:lvl3pPr marL="914400" algn="l" defTabSz="457200" rtl="0" eaLnBrk="1" latinLnBrk="0" hangingPunct="1">
+              <a:defRPr sz="1800" kern="1200">
+                <a:solidFill>
+                  <a:schemeClr val="tx1"/>
+                </a:solidFill>
+                <a:latin typeface="+mn-lt"/>
+                <a:ea typeface="+mn-ea"/>
+                <a:cs typeface="+mn-cs"/>
+              </a:defRPr>
+            </a:lvl3pPr>
+            <a:lvl4pPr marL="1371600" algn="l" defTabSz="457200" rtl="0" eaLnBrk="1" latinLnBrk="0" hangingPunct="1">
+              <a:defRPr sz="1800" kern="1200">
+                <a:solidFill>
+                  <a:schemeClr val="tx1"/>
+                </a:solidFill>
+                <a:latin typeface="+mn-lt"/>
+                <a:ea typeface="+mn-ea"/>
+                <a:cs typeface="+mn-cs"/>
+              </a:defRPr>
+            </a:lvl4pPr>
+            <a:lvl5pPr marL="1828800" algn="l" defTabSz="457200" rtl="0" eaLnBrk="1" latinLnBrk="0" hangingPunct="1">
+              <a:defRPr sz="1800" kern="1200">
+                <a:solidFill>
+                  <a:schemeClr val="tx1"/>
+                </a:solidFill>
+                <a:latin typeface="+mn-lt"/>
+                <a:ea typeface="+mn-ea"/>
+                <a:cs typeface="+mn-cs"/>
+              </a:defRPr>
+            </a:lvl5pPr>
+            <a:lvl6pPr marL="2286000" algn="l" defTabSz="457200" rtl="0" eaLnBrk="1" latinLnBrk="0" hangingPunct="1">
+              <a:defRPr sz="1800" kern="1200">
+                <a:solidFill>
+                  <a:schemeClr val="tx1"/>
+                </a:solidFill>
+                <a:latin typeface="+mn-lt"/>
+                <a:ea typeface="+mn-ea"/>
+                <a:cs typeface="+mn-cs"/>
+              </a:defRPr>
+            </a:lvl6pPr>
+            <a:lvl7pPr marL="2743200" algn="l" defTabSz="457200" rtl="0" eaLnBrk="1" latinLnBrk="0" hangingPunct="1">
+              <a:defRPr sz="1800" kern="1200">
+                <a:solidFill>
+                  <a:schemeClr val="tx1"/>
+                </a:solidFill>
+                <a:latin typeface="+mn-lt"/>
+                <a:ea typeface="+mn-ea"/>
+                <a:cs typeface="+mn-cs"/>
+              </a:defRPr>
+            </a:lvl7pPr>
+            <a:lvl8pPr marL="3200400" algn="l" defTabSz="457200" rtl="0" eaLnBrk="1" latinLnBrk="0" hangingPunct="1">
+              <a:defRPr sz="1800" kern="1200">
+                <a:solidFill>
+                  <a:schemeClr val="tx1"/>
+                </a:solidFill>
+                <a:latin typeface="+mn-lt"/>
+                <a:ea typeface="+mn-ea"/>
+                <a:cs typeface="+mn-cs"/>
+              </a:defRPr>
+            </a:lvl8pPr>
+            <a:lvl9pPr marL="3657600" algn="l" defTabSz="457200" rtl="0" eaLnBrk="1" latinLnBrk="0" hangingPunct="1">
+              <a:defRPr sz="1800" kern="1200">
+                <a:solidFill>
+                  <a:schemeClr val="tx1"/>
+                </a:solidFill>
+                <a:latin typeface="+mn-lt"/>
+                <a:ea typeface="+mn-ea"/>
+                <a:cs typeface="+mn-cs"/>
+              </a:defRPr>
+            </a:lvl9pPr>
+          </a:lstStyle>
+          <a:p>
+            <a:pPr algn="ctr"/>
+            <a:r>
+              <a:rPr lang="ko-KR" altLang="en-US" sz="2000" b="1" dirty="0">
+                <a:solidFill>
+                  <a:schemeClr val="bg1"/>
+                </a:solidFill>
+                <a:latin typeface="+mn-ea"/>
+              </a:rPr>
+              <a:t>게임 종료</a:t>
+            </a:r>
+            <a:endParaRPr lang="en-US" altLang="ko-KR" sz="2000" b="1" dirty="0">
+              <a:solidFill>
+                <a:schemeClr val="bg1"/>
+              </a:solidFill>
+              <a:latin typeface="+mn-ea"/>
+            </a:endParaRPr>
+          </a:p>
+        </p:txBody>
+      </p:sp>
+      <p:sp>
+        <p:nvSpPr>
+          <p:cNvPr id="20" name="설명선: 오른쪽 화살표 19">
+            <a:extLst>
+              <a:ext uri="{FF2B5EF4-FFF2-40B4-BE49-F238E27FC236}">
+                <a16:creationId xmlns:a16="http://schemas.microsoft.com/office/drawing/2014/main" id="{5B793186-DE23-4802-94EF-3CD4944A8CFB}"/>
+              </a:ext>
+            </a:extLst>
+          </p:cNvPr>
+          <p:cNvSpPr/>
+          <p:nvPr/>
+        </p:nvSpPr>
+        <p:spPr>
+          <a:xfrm>
+            <a:off x="7554405" y="1989544"/>
+            <a:ext cx="1887904" cy="967364"/>
+          </a:xfrm>
+          <a:prstGeom prst="rightArrowCallout">
+            <a:avLst>
+              <a:gd name="adj1" fmla="val 25000"/>
+              <a:gd name="adj2" fmla="val 25000"/>
+              <a:gd name="adj3" fmla="val 25000"/>
+              <a:gd name="adj4" fmla="val 72235"/>
+            </a:avLst>
+          </a:prstGeom>
+          <a:solidFill>
+            <a:schemeClr val="tx1"/>
+          </a:solidFill>
+          <a:ln w="28575">
+            <a:solidFill>
+              <a:schemeClr val="accent2">
+                <a:lumMod val="50000"/>
+              </a:schemeClr>
+            </a:solidFill>
+          </a:ln>
+        </p:spPr>
+        <p:style>
+          <a:lnRef idx="2">
+            <a:schemeClr val="accent1">
+              <a:shade val="50000"/>
+            </a:schemeClr>
+          </a:lnRef>
+          <a:fillRef idx="1">
+            <a:schemeClr val="accent1"/>
+          </a:fillRef>
+          <a:effectRef idx="0">
+            <a:schemeClr val="accent1"/>
+          </a:effectRef>
+          <a:fontRef idx="minor">
+            <a:schemeClr val="lt1"/>
+          </a:fontRef>
+        </p:style>
+        <p:txBody>
+          <a:bodyPr rtlCol="0" anchor="ctr"/>
+          <a:lstStyle/>
+          <a:p>
+            <a:pPr algn="ctr"/>
+            <a:endParaRPr lang="ko-KR" altLang="en-US"/>
+          </a:p>
+        </p:txBody>
+      </p:sp>
+      <p:sp>
+        <p:nvSpPr>
+          <p:cNvPr id="21" name="TextBox 44">
+            <a:extLst>
+              <a:ext uri="{FF2B5EF4-FFF2-40B4-BE49-F238E27FC236}">
+                <a16:creationId xmlns:a16="http://schemas.microsoft.com/office/drawing/2014/main" id="{77E4E2DA-6E3D-4F91-9C7C-85C213D06E9C}"/>
+              </a:ext>
+            </a:extLst>
+          </p:cNvPr>
+          <p:cNvSpPr txBox="1"/>
+          <p:nvPr/>
+        </p:nvSpPr>
+        <p:spPr>
+          <a:xfrm>
+            <a:off x="7451482" y="2119283"/>
+            <a:ext cx="1632787" cy="707886"/>
+          </a:xfrm>
+          <a:prstGeom prst="rect">
+            <a:avLst/>
+          </a:prstGeom>
+          <a:noFill/>
+        </p:spPr>
+        <p:txBody>
+          <a:bodyPr wrap="square" rtlCol="0">
+            <a:spAutoFit/>
+          </a:bodyPr>
+          <a:lstStyle>
+            <a:defPPr>
+              <a:defRPr lang="en-US"/>
+            </a:defPPr>
+            <a:lvl1pPr marL="0" algn="l" defTabSz="457200" rtl="0" eaLnBrk="1" latinLnBrk="0" hangingPunct="1">
+              <a:defRPr sz="1800" kern="1200">
+                <a:solidFill>
+                  <a:schemeClr val="tx1"/>
+                </a:solidFill>
+                <a:latin typeface="+mn-lt"/>
+                <a:ea typeface="+mn-ea"/>
+                <a:cs typeface="+mn-cs"/>
+              </a:defRPr>
+            </a:lvl1pPr>
+            <a:lvl2pPr marL="457200" algn="l" defTabSz="457200" rtl="0" eaLnBrk="1" latinLnBrk="0" hangingPunct="1">
+              <a:defRPr sz="1800" kern="1200">
+                <a:solidFill>
+                  <a:schemeClr val="tx1"/>
+                </a:solidFill>
+                <a:latin typeface="+mn-lt"/>
+                <a:ea typeface="+mn-ea"/>
+                <a:cs typeface="+mn-cs"/>
+              </a:defRPr>
+            </a:lvl2pPr>
+            <a:lvl3pPr marL="914400" algn="l" defTabSz="457200" rtl="0" eaLnBrk="1" latinLnBrk="0" hangingPunct="1">
+              <a:defRPr sz="1800" kern="1200">
+                <a:solidFill>
+                  <a:schemeClr val="tx1"/>
+                </a:solidFill>
+                <a:latin typeface="+mn-lt"/>
+                <a:ea typeface="+mn-ea"/>
+                <a:cs typeface="+mn-cs"/>
+              </a:defRPr>
+            </a:lvl3pPr>
+            <a:lvl4pPr marL="1371600" algn="l" defTabSz="457200" rtl="0" eaLnBrk="1" latinLnBrk="0" hangingPunct="1">
+              <a:defRPr sz="1800" kern="1200">
+                <a:solidFill>
+                  <a:schemeClr val="tx1"/>
+                </a:solidFill>
+                <a:latin typeface="+mn-lt"/>
+                <a:ea typeface="+mn-ea"/>
+                <a:cs typeface="+mn-cs"/>
+              </a:defRPr>
+            </a:lvl4pPr>
+            <a:lvl5pPr marL="1828800" algn="l" defTabSz="457200" rtl="0" eaLnBrk="1" latinLnBrk="0" hangingPunct="1">
+              <a:defRPr sz="1800" kern="1200">
+                <a:solidFill>
+                  <a:schemeClr val="tx1"/>
+                </a:solidFill>
+                <a:latin typeface="+mn-lt"/>
+                <a:ea typeface="+mn-ea"/>
+                <a:cs typeface="+mn-cs"/>
+              </a:defRPr>
+            </a:lvl5pPr>
+            <a:lvl6pPr marL="2286000" algn="l" defTabSz="457200" rtl="0" eaLnBrk="1" latinLnBrk="0" hangingPunct="1">
+              <a:defRPr sz="1800" kern="1200">
+                <a:solidFill>
+                  <a:schemeClr val="tx1"/>
+                </a:solidFill>
+                <a:latin typeface="+mn-lt"/>
+                <a:ea typeface="+mn-ea"/>
+                <a:cs typeface="+mn-cs"/>
+              </a:defRPr>
+            </a:lvl6pPr>
+            <a:lvl7pPr marL="2743200" algn="l" defTabSz="457200" rtl="0" eaLnBrk="1" latinLnBrk="0" hangingPunct="1">
+              <a:defRPr sz="1800" kern="1200">
+                <a:solidFill>
+                  <a:schemeClr val="tx1"/>
+                </a:solidFill>
+                <a:latin typeface="+mn-lt"/>
+                <a:ea typeface="+mn-ea"/>
+                <a:cs typeface="+mn-cs"/>
+              </a:defRPr>
+            </a:lvl7pPr>
+            <a:lvl8pPr marL="3200400" algn="l" defTabSz="457200" rtl="0" eaLnBrk="1" latinLnBrk="0" hangingPunct="1">
+              <a:defRPr sz="1800" kern="1200">
+                <a:solidFill>
+                  <a:schemeClr val="tx1"/>
+                </a:solidFill>
+                <a:latin typeface="+mn-lt"/>
+                <a:ea typeface="+mn-ea"/>
+                <a:cs typeface="+mn-cs"/>
+              </a:defRPr>
+            </a:lvl8pPr>
+            <a:lvl9pPr marL="3657600" algn="l" defTabSz="457200" rtl="0" eaLnBrk="1" latinLnBrk="0" hangingPunct="1">
+              <a:defRPr sz="1800" kern="1200">
+                <a:solidFill>
+                  <a:schemeClr val="tx1"/>
+                </a:solidFill>
+                <a:latin typeface="+mn-lt"/>
+                <a:ea typeface="+mn-ea"/>
+                <a:cs typeface="+mn-cs"/>
+              </a:defRPr>
+            </a:lvl9pPr>
+          </a:lstStyle>
+          <a:p>
+            <a:pPr algn="ctr"/>
+            <a:r>
+              <a:rPr lang="ko-KR" altLang="en-US" sz="2000" b="1" dirty="0">
+                <a:solidFill>
+                  <a:schemeClr val="bg1"/>
+                </a:solidFill>
+                <a:latin typeface="+mn-ea"/>
+              </a:rPr>
+              <a:t>게임</a:t>
+            </a:r>
+            <a:endParaRPr lang="en-US" altLang="ko-KR" sz="2000" b="1" dirty="0">
+              <a:solidFill>
+                <a:schemeClr val="bg1"/>
+              </a:solidFill>
+              <a:latin typeface="+mn-ea"/>
+            </a:endParaRPr>
+          </a:p>
+          <a:p>
+            <a:pPr algn="ctr"/>
+            <a:r>
+              <a:rPr lang="ko-KR" altLang="en-US" sz="2000" b="1" dirty="0">
+                <a:solidFill>
+                  <a:schemeClr val="bg1"/>
+                </a:solidFill>
+                <a:latin typeface="+mn-ea"/>
+              </a:rPr>
+              <a:t>플레이</a:t>
+            </a:r>
+            <a:endParaRPr lang="en-US" altLang="ko-KR" sz="2000" b="1" dirty="0">
+              <a:solidFill>
+                <a:schemeClr val="bg1"/>
+              </a:solidFill>
+              <a:latin typeface="+mn-ea"/>
+            </a:endParaRPr>
+          </a:p>
+        </p:txBody>
+      </p:sp>
+      <p:sp>
+        <p:nvSpPr>
+          <p:cNvPr id="2" name="화살표: U자형 1">
+            <a:extLst>
+              <a:ext uri="{FF2B5EF4-FFF2-40B4-BE49-F238E27FC236}">
+                <a16:creationId xmlns:a16="http://schemas.microsoft.com/office/drawing/2014/main" id="{268A7CA1-548C-40CD-8474-E026C514E146}"/>
+              </a:ext>
+            </a:extLst>
+          </p:cNvPr>
+          <p:cNvSpPr/>
+          <p:nvPr/>
+        </p:nvSpPr>
+        <p:spPr>
+          <a:xfrm>
+            <a:off x="5992726" y="1436518"/>
+            <a:ext cx="2402210" cy="558204"/>
+          </a:xfrm>
+          <a:prstGeom prst="uturnArrow">
+            <a:avLst>
+              <a:gd name="adj1" fmla="val 25000"/>
+              <a:gd name="adj2" fmla="val 25000"/>
+              <a:gd name="adj3" fmla="val 25000"/>
+              <a:gd name="adj4" fmla="val 43750"/>
+              <a:gd name="adj5" fmla="val 100000"/>
+            </a:avLst>
+          </a:prstGeom>
+          <a:solidFill>
+            <a:schemeClr val="accent2"/>
+          </a:solidFill>
+          <a:ln>
+            <a:solidFill>
+              <a:schemeClr val="accent2">
+                <a:lumMod val="50000"/>
+              </a:schemeClr>
+            </a:solidFill>
+          </a:ln>
+        </p:spPr>
+        <p:style>
+          <a:lnRef idx="2">
+            <a:schemeClr val="accent1">
+              <a:shade val="50000"/>
+            </a:schemeClr>
+          </a:lnRef>
+          <a:fillRef idx="1">
+            <a:schemeClr val="accent1"/>
+          </a:fillRef>
+          <a:effectRef idx="0">
+            <a:schemeClr val="accent1"/>
+          </a:effectRef>
+          <a:fontRef idx="minor">
+            <a:schemeClr val="lt1"/>
+          </a:fontRef>
+        </p:style>
+        <p:txBody>
+          <a:bodyPr rtlCol="0" anchor="ctr"/>
+          <a:lstStyle/>
+          <a:p>
+            <a:pPr algn="ctr"/>
+            <a:endParaRPr lang="ko-KR" altLang="en-US">
+              <a:solidFill>
+                <a:schemeClr val="tx1"/>
+              </a:solidFill>
+            </a:endParaRPr>
+          </a:p>
+        </p:txBody>
+      </p:sp>
+      <p:sp>
+        <p:nvSpPr>
+          <p:cNvPr id="23" name="화살표: U자형 22">
+            <a:extLst>
+              <a:ext uri="{FF2B5EF4-FFF2-40B4-BE49-F238E27FC236}">
+                <a16:creationId xmlns:a16="http://schemas.microsoft.com/office/drawing/2014/main" id="{A8EEF0BA-A454-40D2-9F5D-62EBB097F71F}"/>
+              </a:ext>
+            </a:extLst>
+          </p:cNvPr>
+          <p:cNvSpPr/>
+          <p:nvPr/>
+        </p:nvSpPr>
+        <p:spPr>
+          <a:xfrm rot="10800000">
+            <a:off x="5992726" y="2974381"/>
+            <a:ext cx="2402210" cy="558204"/>
+          </a:xfrm>
+          <a:prstGeom prst="uturnArrow">
+            <a:avLst>
+              <a:gd name="adj1" fmla="val 25000"/>
+              <a:gd name="adj2" fmla="val 25000"/>
+              <a:gd name="adj3" fmla="val 25000"/>
+              <a:gd name="adj4" fmla="val 43750"/>
+              <a:gd name="adj5" fmla="val 100000"/>
+            </a:avLst>
+          </a:prstGeom>
+          <a:solidFill>
+            <a:schemeClr val="accent2"/>
+          </a:solidFill>
+          <a:ln>
+            <a:solidFill>
+              <a:schemeClr val="accent2">
+                <a:lumMod val="50000"/>
+              </a:schemeClr>
+            </a:solidFill>
+          </a:ln>
+        </p:spPr>
+        <p:style>
+          <a:lnRef idx="2">
+            <a:schemeClr val="accent1">
+              <a:shade val="50000"/>
+            </a:schemeClr>
+          </a:lnRef>
+          <a:fillRef idx="1">
+            <a:schemeClr val="accent1"/>
+          </a:fillRef>
+          <a:effectRef idx="0">
+            <a:schemeClr val="accent1"/>
+          </a:effectRef>
+          <a:fontRef idx="minor">
+            <a:schemeClr val="lt1"/>
+          </a:fontRef>
+        </p:style>
+        <p:txBody>
+          <a:bodyPr rtlCol="0" anchor="ctr"/>
+          <a:lstStyle/>
+          <a:p>
+            <a:pPr algn="ctr"/>
+            <a:endParaRPr lang="ko-KR" altLang="en-US">
+              <a:solidFill>
+                <a:schemeClr val="tx1"/>
+              </a:solidFill>
+            </a:endParaRPr>
+          </a:p>
+        </p:txBody>
+      </p:sp>
+      <p:sp>
+        <p:nvSpPr>
+          <p:cNvPr id="24" name="TextBox 44">
+            <a:extLst>
+              <a:ext uri="{FF2B5EF4-FFF2-40B4-BE49-F238E27FC236}">
+                <a16:creationId xmlns:a16="http://schemas.microsoft.com/office/drawing/2014/main" id="{6F9B66E5-ECBE-4D0F-BA3A-A78E40E53ED0}"/>
+              </a:ext>
+            </a:extLst>
+          </p:cNvPr>
+          <p:cNvSpPr txBox="1"/>
+          <p:nvPr/>
+        </p:nvSpPr>
+        <p:spPr>
+          <a:xfrm>
+            <a:off x="6910571" y="3615620"/>
+            <a:ext cx="721150" cy="400110"/>
+          </a:xfrm>
+          <a:prstGeom prst="rect">
+            <a:avLst/>
+          </a:prstGeom>
+          <a:noFill/>
+        </p:spPr>
+        <p:txBody>
+          <a:bodyPr wrap="square" rtlCol="0">
+            <a:spAutoFit/>
+          </a:bodyPr>
+          <a:lstStyle>
+            <a:defPPr>
+              <a:defRPr lang="en-US"/>
+            </a:defPPr>
+            <a:lvl1pPr marL="0" algn="l" defTabSz="457200" rtl="0" eaLnBrk="1" latinLnBrk="0" hangingPunct="1">
+              <a:defRPr sz="1800" kern="1200">
+                <a:solidFill>
+                  <a:schemeClr val="tx1"/>
+                </a:solidFill>
+                <a:latin typeface="+mn-lt"/>
+                <a:ea typeface="+mn-ea"/>
+                <a:cs typeface="+mn-cs"/>
+              </a:defRPr>
+            </a:lvl1pPr>
+            <a:lvl2pPr marL="457200" algn="l" defTabSz="457200" rtl="0" eaLnBrk="1" latinLnBrk="0" hangingPunct="1">
+              <a:defRPr sz="1800" kern="1200">
+                <a:solidFill>
+                  <a:schemeClr val="tx1"/>
+                </a:solidFill>
+                <a:latin typeface="+mn-lt"/>
+                <a:ea typeface="+mn-ea"/>
+                <a:cs typeface="+mn-cs"/>
+              </a:defRPr>
+            </a:lvl2pPr>
+            <a:lvl3pPr marL="914400" algn="l" defTabSz="457200" rtl="0" eaLnBrk="1" latinLnBrk="0" hangingPunct="1">
+              <a:defRPr sz="1800" kern="1200">
+                <a:solidFill>
+                  <a:schemeClr val="tx1"/>
+                </a:solidFill>
+                <a:latin typeface="+mn-lt"/>
+                <a:ea typeface="+mn-ea"/>
+                <a:cs typeface="+mn-cs"/>
+              </a:defRPr>
+            </a:lvl3pPr>
+            <a:lvl4pPr marL="1371600" algn="l" defTabSz="457200" rtl="0" eaLnBrk="1" latinLnBrk="0" hangingPunct="1">
+              <a:defRPr sz="1800" kern="1200">
+                <a:solidFill>
+                  <a:schemeClr val="tx1"/>
+                </a:solidFill>
+                <a:latin typeface="+mn-lt"/>
+                <a:ea typeface="+mn-ea"/>
+                <a:cs typeface="+mn-cs"/>
+              </a:defRPr>
+            </a:lvl4pPr>
+            <a:lvl5pPr marL="1828800" algn="l" defTabSz="457200" rtl="0" eaLnBrk="1" latinLnBrk="0" hangingPunct="1">
+              <a:defRPr sz="1800" kern="1200">
+                <a:solidFill>
+                  <a:schemeClr val="tx1"/>
+                </a:solidFill>
+                <a:latin typeface="+mn-lt"/>
+                <a:ea typeface="+mn-ea"/>
+                <a:cs typeface="+mn-cs"/>
+              </a:defRPr>
+            </a:lvl5pPr>
+            <a:lvl6pPr marL="2286000" algn="l" defTabSz="457200" rtl="0" eaLnBrk="1" latinLnBrk="0" hangingPunct="1">
+              <a:defRPr sz="1800" kern="1200">
+                <a:solidFill>
+                  <a:schemeClr val="tx1"/>
+                </a:solidFill>
+                <a:latin typeface="+mn-lt"/>
+                <a:ea typeface="+mn-ea"/>
+                <a:cs typeface="+mn-cs"/>
+              </a:defRPr>
+            </a:lvl6pPr>
+            <a:lvl7pPr marL="2743200" algn="l" defTabSz="457200" rtl="0" eaLnBrk="1" latinLnBrk="0" hangingPunct="1">
+              <a:defRPr sz="1800" kern="1200">
+                <a:solidFill>
+                  <a:schemeClr val="tx1"/>
+                </a:solidFill>
+                <a:latin typeface="+mn-lt"/>
+                <a:ea typeface="+mn-ea"/>
+                <a:cs typeface="+mn-cs"/>
+              </a:defRPr>
+            </a:lvl7pPr>
+            <a:lvl8pPr marL="3200400" algn="l" defTabSz="457200" rtl="0" eaLnBrk="1" latinLnBrk="0" hangingPunct="1">
+              <a:defRPr sz="1800" kern="1200">
+                <a:solidFill>
+                  <a:schemeClr val="tx1"/>
+                </a:solidFill>
+                <a:latin typeface="+mn-lt"/>
+                <a:ea typeface="+mn-ea"/>
+                <a:cs typeface="+mn-cs"/>
+              </a:defRPr>
+            </a:lvl8pPr>
+            <a:lvl9pPr marL="3657600" algn="l" defTabSz="457200" rtl="0" eaLnBrk="1" latinLnBrk="0" hangingPunct="1">
+              <a:defRPr sz="1800" kern="1200">
+                <a:solidFill>
+                  <a:schemeClr val="tx1"/>
+                </a:solidFill>
+                <a:latin typeface="+mn-lt"/>
+                <a:ea typeface="+mn-ea"/>
+                <a:cs typeface="+mn-cs"/>
+              </a:defRPr>
+            </a:lvl9pPr>
+          </a:lstStyle>
+          <a:p>
+            <a:pPr algn="ctr"/>
+            <a:r>
+              <a:rPr lang="ko-KR" altLang="en-US" sz="2000" b="1" dirty="0">
+                <a:solidFill>
+                  <a:schemeClr val="bg1"/>
+                </a:solidFill>
+                <a:latin typeface="+mn-ea"/>
+              </a:rPr>
+              <a:t>반복</a:t>
+            </a:r>
+            <a:endParaRPr lang="en-US" altLang="ko-KR" sz="2000" b="1" dirty="0">
+              <a:solidFill>
+                <a:schemeClr val="bg1"/>
+              </a:solidFill>
+              <a:latin typeface="+mn-ea"/>
+            </a:endParaRPr>
+          </a:p>
+        </p:txBody>
+      </p:sp>
+      <p:sp>
+        <p:nvSpPr>
+          <p:cNvPr id="27" name="설명선: 오른쪽 화살표 26">
+            <a:extLst>
+              <a:ext uri="{FF2B5EF4-FFF2-40B4-BE49-F238E27FC236}">
+                <a16:creationId xmlns:a16="http://schemas.microsoft.com/office/drawing/2014/main" id="{84B47CC5-0B33-4BDB-8FD7-162392E08601}"/>
+              </a:ext>
+            </a:extLst>
+          </p:cNvPr>
+          <p:cNvSpPr/>
+          <p:nvPr/>
+        </p:nvSpPr>
+        <p:spPr>
+          <a:xfrm>
+            <a:off x="1033311" y="4473306"/>
+            <a:ext cx="1887904" cy="967364"/>
+          </a:xfrm>
+          <a:prstGeom prst="rightArrowCallout">
+            <a:avLst>
+              <a:gd name="adj1" fmla="val 25000"/>
+              <a:gd name="adj2" fmla="val 25000"/>
+              <a:gd name="adj3" fmla="val 25000"/>
+              <a:gd name="adj4" fmla="val 72235"/>
+            </a:avLst>
+          </a:prstGeom>
+          <a:solidFill>
+            <a:schemeClr val="accent6">
+              <a:lumMod val="20000"/>
+              <a:lumOff val="80000"/>
+            </a:schemeClr>
+          </a:solidFill>
+          <a:ln w="28575">
+            <a:solidFill>
+              <a:schemeClr val="accent6">
+                <a:lumMod val="50000"/>
+              </a:schemeClr>
+            </a:solidFill>
+          </a:ln>
+        </p:spPr>
+        <p:style>
+          <a:lnRef idx="2">
+            <a:schemeClr val="accent1">
+              <a:shade val="50000"/>
+            </a:schemeClr>
+          </a:lnRef>
+          <a:fillRef idx="1">
+            <a:schemeClr val="accent1"/>
+          </a:fillRef>
+          <a:effectRef idx="0">
+            <a:schemeClr val="accent1"/>
+          </a:effectRef>
+          <a:fontRef idx="minor">
+            <a:schemeClr val="lt1"/>
+          </a:fontRef>
+        </p:style>
+        <p:txBody>
+          <a:bodyPr rtlCol="0" anchor="ctr"/>
+          <a:lstStyle/>
+          <a:p>
+            <a:pPr algn="ctr"/>
+            <a:endParaRPr lang="ko-KR" altLang="en-US"/>
+          </a:p>
+        </p:txBody>
+      </p:sp>
+      <p:sp>
+        <p:nvSpPr>
+          <p:cNvPr id="28" name="TextBox 44">
+            <a:extLst>
+              <a:ext uri="{FF2B5EF4-FFF2-40B4-BE49-F238E27FC236}">
+                <a16:creationId xmlns:a16="http://schemas.microsoft.com/office/drawing/2014/main" id="{02B10D78-06F4-40A9-977A-19B1B2AAB548}"/>
+              </a:ext>
+            </a:extLst>
+          </p:cNvPr>
+          <p:cNvSpPr txBox="1"/>
+          <p:nvPr/>
+        </p:nvSpPr>
+        <p:spPr>
+          <a:xfrm>
+            <a:off x="930388" y="4756933"/>
+            <a:ext cx="1632787" cy="400110"/>
+          </a:xfrm>
+          <a:prstGeom prst="rect">
+            <a:avLst/>
+          </a:prstGeom>
+          <a:noFill/>
+        </p:spPr>
+        <p:txBody>
+          <a:bodyPr wrap="square" rtlCol="0">
+            <a:spAutoFit/>
+          </a:bodyPr>
+          <a:lstStyle>
+            <a:defPPr>
+              <a:defRPr lang="en-US"/>
+            </a:defPPr>
+            <a:lvl1pPr marL="0" algn="l" defTabSz="457200" rtl="0" eaLnBrk="1" latinLnBrk="0" hangingPunct="1">
+              <a:defRPr sz="1800" kern="1200">
+                <a:solidFill>
+                  <a:schemeClr val="tx1"/>
+                </a:solidFill>
+                <a:latin typeface="+mn-lt"/>
+                <a:ea typeface="+mn-ea"/>
+                <a:cs typeface="+mn-cs"/>
+              </a:defRPr>
+            </a:lvl1pPr>
+            <a:lvl2pPr marL="457200" algn="l" defTabSz="457200" rtl="0" eaLnBrk="1" latinLnBrk="0" hangingPunct="1">
+              <a:defRPr sz="1800" kern="1200">
+                <a:solidFill>
+                  <a:schemeClr val="tx1"/>
+                </a:solidFill>
+                <a:latin typeface="+mn-lt"/>
+                <a:ea typeface="+mn-ea"/>
+                <a:cs typeface="+mn-cs"/>
+              </a:defRPr>
+            </a:lvl2pPr>
+            <a:lvl3pPr marL="914400" algn="l" defTabSz="457200" rtl="0" eaLnBrk="1" latinLnBrk="0" hangingPunct="1">
+              <a:defRPr sz="1800" kern="1200">
+                <a:solidFill>
+                  <a:schemeClr val="tx1"/>
+                </a:solidFill>
+                <a:latin typeface="+mn-lt"/>
+                <a:ea typeface="+mn-ea"/>
+                <a:cs typeface="+mn-cs"/>
+              </a:defRPr>
+            </a:lvl3pPr>
+            <a:lvl4pPr marL="1371600" algn="l" defTabSz="457200" rtl="0" eaLnBrk="1" latinLnBrk="0" hangingPunct="1">
+              <a:defRPr sz="1800" kern="1200">
+                <a:solidFill>
+                  <a:schemeClr val="tx1"/>
+                </a:solidFill>
+                <a:latin typeface="+mn-lt"/>
+                <a:ea typeface="+mn-ea"/>
+                <a:cs typeface="+mn-cs"/>
+              </a:defRPr>
+            </a:lvl4pPr>
+            <a:lvl5pPr marL="1828800" algn="l" defTabSz="457200" rtl="0" eaLnBrk="1" latinLnBrk="0" hangingPunct="1">
+              <a:defRPr sz="1800" kern="1200">
+                <a:solidFill>
+                  <a:schemeClr val="tx1"/>
+                </a:solidFill>
+                <a:latin typeface="+mn-lt"/>
+                <a:ea typeface="+mn-ea"/>
+                <a:cs typeface="+mn-cs"/>
+              </a:defRPr>
+            </a:lvl5pPr>
+            <a:lvl6pPr marL="2286000" algn="l" defTabSz="457200" rtl="0" eaLnBrk="1" latinLnBrk="0" hangingPunct="1">
+              <a:defRPr sz="1800" kern="1200">
+                <a:solidFill>
+                  <a:schemeClr val="tx1"/>
+                </a:solidFill>
+                <a:latin typeface="+mn-lt"/>
+                <a:ea typeface="+mn-ea"/>
+                <a:cs typeface="+mn-cs"/>
+              </a:defRPr>
+            </a:lvl6pPr>
+            <a:lvl7pPr marL="2743200" algn="l" defTabSz="457200" rtl="0" eaLnBrk="1" latinLnBrk="0" hangingPunct="1">
+              <a:defRPr sz="1800" kern="1200">
+                <a:solidFill>
+                  <a:schemeClr val="tx1"/>
+                </a:solidFill>
+                <a:latin typeface="+mn-lt"/>
+                <a:ea typeface="+mn-ea"/>
+                <a:cs typeface="+mn-cs"/>
+              </a:defRPr>
+            </a:lvl7pPr>
+            <a:lvl8pPr marL="3200400" algn="l" defTabSz="457200" rtl="0" eaLnBrk="1" latinLnBrk="0" hangingPunct="1">
+              <a:defRPr sz="1800" kern="1200">
+                <a:solidFill>
+                  <a:schemeClr val="tx1"/>
+                </a:solidFill>
+                <a:latin typeface="+mn-lt"/>
+                <a:ea typeface="+mn-ea"/>
+                <a:cs typeface="+mn-cs"/>
+              </a:defRPr>
+            </a:lvl8pPr>
+            <a:lvl9pPr marL="3657600" algn="l" defTabSz="457200" rtl="0" eaLnBrk="1" latinLnBrk="0" hangingPunct="1">
+              <a:defRPr sz="1800" kern="1200">
+                <a:solidFill>
+                  <a:schemeClr val="tx1"/>
+                </a:solidFill>
+                <a:latin typeface="+mn-lt"/>
+                <a:ea typeface="+mn-ea"/>
+                <a:cs typeface="+mn-cs"/>
+              </a:defRPr>
+            </a:lvl9pPr>
+          </a:lstStyle>
+          <a:p>
+            <a:pPr algn="ctr"/>
+            <a:r>
+              <a:rPr lang="ko-KR" altLang="en-US" sz="2000" b="1" dirty="0">
+                <a:solidFill>
+                  <a:schemeClr val="bg1"/>
+                </a:solidFill>
+                <a:latin typeface="+mn-ea"/>
+              </a:rPr>
+              <a:t>게임 시작</a:t>
+            </a:r>
+            <a:endParaRPr lang="en-US" altLang="ko-KR" sz="2000" b="1" dirty="0">
+              <a:solidFill>
+                <a:schemeClr val="bg1"/>
+              </a:solidFill>
+              <a:latin typeface="+mn-ea"/>
+            </a:endParaRPr>
+          </a:p>
+        </p:txBody>
+      </p:sp>
+      <p:sp>
+        <p:nvSpPr>
+          <p:cNvPr id="29" name="설명선: 오른쪽 화살표 28">
+            <a:extLst>
+              <a:ext uri="{FF2B5EF4-FFF2-40B4-BE49-F238E27FC236}">
+                <a16:creationId xmlns:a16="http://schemas.microsoft.com/office/drawing/2014/main" id="{069988C3-D58F-489D-9B14-2C5ED347D80E}"/>
+              </a:ext>
+            </a:extLst>
+          </p:cNvPr>
+          <p:cNvSpPr/>
+          <p:nvPr/>
+        </p:nvSpPr>
+        <p:spPr>
+          <a:xfrm>
+            <a:off x="3207009" y="4473306"/>
+            <a:ext cx="1887904" cy="967364"/>
+          </a:xfrm>
+          <a:prstGeom prst="rightArrowCallout">
+            <a:avLst>
+              <a:gd name="adj1" fmla="val 25000"/>
+              <a:gd name="adj2" fmla="val 25000"/>
+              <a:gd name="adj3" fmla="val 25000"/>
+              <a:gd name="adj4" fmla="val 72235"/>
+            </a:avLst>
+          </a:prstGeom>
+          <a:solidFill>
+            <a:schemeClr val="tx1"/>
+          </a:solidFill>
+          <a:ln w="28575">
+            <a:solidFill>
+              <a:schemeClr val="accent6">
+                <a:lumMod val="50000"/>
+              </a:schemeClr>
+            </a:solidFill>
+          </a:ln>
+        </p:spPr>
+        <p:style>
+          <a:lnRef idx="2">
+            <a:schemeClr val="accent1">
+              <a:shade val="50000"/>
+            </a:schemeClr>
+          </a:lnRef>
+          <a:fillRef idx="1">
+            <a:schemeClr val="accent1"/>
+          </a:fillRef>
+          <a:effectRef idx="0">
+            <a:schemeClr val="accent1"/>
+          </a:effectRef>
+          <a:fontRef idx="minor">
+            <a:schemeClr val="lt1"/>
+          </a:fontRef>
+        </p:style>
+        <p:txBody>
+          <a:bodyPr rtlCol="0" anchor="ctr"/>
+          <a:lstStyle/>
+          <a:p>
+            <a:pPr algn="ctr"/>
+            <a:endParaRPr lang="ko-KR" altLang="en-US"/>
+          </a:p>
+        </p:txBody>
+      </p:sp>
+      <p:sp>
+        <p:nvSpPr>
+          <p:cNvPr id="30" name="TextBox 44">
+            <a:extLst>
+              <a:ext uri="{FF2B5EF4-FFF2-40B4-BE49-F238E27FC236}">
+                <a16:creationId xmlns:a16="http://schemas.microsoft.com/office/drawing/2014/main" id="{993E9A89-7787-49BF-A286-373651225F43}"/>
+              </a:ext>
+            </a:extLst>
+          </p:cNvPr>
+          <p:cNvSpPr txBox="1"/>
+          <p:nvPr/>
+        </p:nvSpPr>
+        <p:spPr>
+          <a:xfrm>
+            <a:off x="3104086" y="4756933"/>
+            <a:ext cx="1632787" cy="400110"/>
+          </a:xfrm>
+          <a:prstGeom prst="rect">
+            <a:avLst/>
+          </a:prstGeom>
+          <a:noFill/>
+        </p:spPr>
+        <p:txBody>
+          <a:bodyPr wrap="square" rtlCol="0">
+            <a:spAutoFit/>
+          </a:bodyPr>
+          <a:lstStyle>
+            <a:defPPr>
+              <a:defRPr lang="en-US"/>
+            </a:defPPr>
+            <a:lvl1pPr marL="0" algn="l" defTabSz="457200" rtl="0" eaLnBrk="1" latinLnBrk="0" hangingPunct="1">
+              <a:defRPr sz="1800" kern="1200">
+                <a:solidFill>
+                  <a:schemeClr val="tx1"/>
+                </a:solidFill>
+                <a:latin typeface="+mn-lt"/>
+                <a:ea typeface="+mn-ea"/>
+                <a:cs typeface="+mn-cs"/>
+              </a:defRPr>
+            </a:lvl1pPr>
+            <a:lvl2pPr marL="457200" algn="l" defTabSz="457200" rtl="0" eaLnBrk="1" latinLnBrk="0" hangingPunct="1">
+              <a:defRPr sz="1800" kern="1200">
+                <a:solidFill>
+                  <a:schemeClr val="tx1"/>
+                </a:solidFill>
+                <a:latin typeface="+mn-lt"/>
+                <a:ea typeface="+mn-ea"/>
+                <a:cs typeface="+mn-cs"/>
+              </a:defRPr>
+            </a:lvl2pPr>
+            <a:lvl3pPr marL="914400" algn="l" defTabSz="457200" rtl="0" eaLnBrk="1" latinLnBrk="0" hangingPunct="1">
+              <a:defRPr sz="1800" kern="1200">
+                <a:solidFill>
+                  <a:schemeClr val="tx1"/>
+                </a:solidFill>
+                <a:latin typeface="+mn-lt"/>
+                <a:ea typeface="+mn-ea"/>
+                <a:cs typeface="+mn-cs"/>
+              </a:defRPr>
+            </a:lvl3pPr>
+            <a:lvl4pPr marL="1371600" algn="l" defTabSz="457200" rtl="0" eaLnBrk="1" latinLnBrk="0" hangingPunct="1">
+              <a:defRPr sz="1800" kern="1200">
+                <a:solidFill>
+                  <a:schemeClr val="tx1"/>
+                </a:solidFill>
+                <a:latin typeface="+mn-lt"/>
+                <a:ea typeface="+mn-ea"/>
+                <a:cs typeface="+mn-cs"/>
+              </a:defRPr>
+            </a:lvl4pPr>
+            <a:lvl5pPr marL="1828800" algn="l" defTabSz="457200" rtl="0" eaLnBrk="1" latinLnBrk="0" hangingPunct="1">
+              <a:defRPr sz="1800" kern="1200">
+                <a:solidFill>
+                  <a:schemeClr val="tx1"/>
+                </a:solidFill>
+                <a:latin typeface="+mn-lt"/>
+                <a:ea typeface="+mn-ea"/>
+                <a:cs typeface="+mn-cs"/>
+              </a:defRPr>
+            </a:lvl5pPr>
+            <a:lvl6pPr marL="2286000" algn="l" defTabSz="457200" rtl="0" eaLnBrk="1" latinLnBrk="0" hangingPunct="1">
+              <a:defRPr sz="1800" kern="1200">
+                <a:solidFill>
+                  <a:schemeClr val="tx1"/>
+                </a:solidFill>
+                <a:latin typeface="+mn-lt"/>
+                <a:ea typeface="+mn-ea"/>
+                <a:cs typeface="+mn-cs"/>
+              </a:defRPr>
+            </a:lvl6pPr>
+            <a:lvl7pPr marL="2743200" algn="l" defTabSz="457200" rtl="0" eaLnBrk="1" latinLnBrk="0" hangingPunct="1">
+              <a:defRPr sz="1800" kern="1200">
+                <a:solidFill>
+                  <a:schemeClr val="tx1"/>
+                </a:solidFill>
+                <a:latin typeface="+mn-lt"/>
+                <a:ea typeface="+mn-ea"/>
+                <a:cs typeface="+mn-cs"/>
+              </a:defRPr>
+            </a:lvl7pPr>
+            <a:lvl8pPr marL="3200400" algn="l" defTabSz="457200" rtl="0" eaLnBrk="1" latinLnBrk="0" hangingPunct="1">
+              <a:defRPr sz="1800" kern="1200">
+                <a:solidFill>
+                  <a:schemeClr val="tx1"/>
+                </a:solidFill>
+                <a:latin typeface="+mn-lt"/>
+                <a:ea typeface="+mn-ea"/>
+                <a:cs typeface="+mn-cs"/>
+              </a:defRPr>
+            </a:lvl8pPr>
+            <a:lvl9pPr marL="3657600" algn="l" defTabSz="457200" rtl="0" eaLnBrk="1" latinLnBrk="0" hangingPunct="1">
+              <a:defRPr sz="1800" kern="1200">
+                <a:solidFill>
+                  <a:schemeClr val="tx1"/>
+                </a:solidFill>
+                <a:latin typeface="+mn-lt"/>
+                <a:ea typeface="+mn-ea"/>
+                <a:cs typeface="+mn-cs"/>
+              </a:defRPr>
+            </a:lvl9pPr>
+          </a:lstStyle>
+          <a:p>
+            <a:pPr algn="ctr"/>
+            <a:r>
+              <a:rPr lang="ko-KR" altLang="en-US" sz="2000" b="1" dirty="0">
+                <a:solidFill>
+                  <a:schemeClr val="bg1"/>
+                </a:solidFill>
+                <a:latin typeface="+mn-ea"/>
+              </a:rPr>
+              <a:t>대기실</a:t>
+            </a:r>
+            <a:endParaRPr lang="en-US" altLang="ko-KR" sz="2000" b="1" dirty="0">
+              <a:solidFill>
+                <a:schemeClr val="bg1"/>
+              </a:solidFill>
+              <a:latin typeface="+mn-ea"/>
+            </a:endParaRPr>
+          </a:p>
+        </p:txBody>
+      </p:sp>
+      <p:sp>
+        <p:nvSpPr>
+          <p:cNvPr id="31" name="설명선: 오른쪽 화살표 30">
+            <a:extLst>
+              <a:ext uri="{FF2B5EF4-FFF2-40B4-BE49-F238E27FC236}">
+                <a16:creationId xmlns:a16="http://schemas.microsoft.com/office/drawing/2014/main" id="{048B7D76-538C-4542-8F67-DA5B0B304C10}"/>
+              </a:ext>
+            </a:extLst>
+          </p:cNvPr>
+          <p:cNvSpPr/>
+          <p:nvPr/>
+        </p:nvSpPr>
+        <p:spPr>
+          <a:xfrm>
+            <a:off x="5380707" y="4473306"/>
+            <a:ext cx="1887904" cy="967364"/>
+          </a:xfrm>
+          <a:prstGeom prst="rightArrowCallout">
+            <a:avLst>
+              <a:gd name="adj1" fmla="val 25000"/>
+              <a:gd name="adj2" fmla="val 25000"/>
+              <a:gd name="adj3" fmla="val 25000"/>
+              <a:gd name="adj4" fmla="val 72235"/>
+            </a:avLst>
+          </a:prstGeom>
+          <a:solidFill>
+            <a:schemeClr val="tx1"/>
+          </a:solidFill>
+          <a:ln w="28575">
+            <a:solidFill>
+              <a:schemeClr val="accent6">
+                <a:lumMod val="50000"/>
+              </a:schemeClr>
+            </a:solidFill>
+          </a:ln>
+        </p:spPr>
+        <p:style>
+          <a:lnRef idx="2">
+            <a:schemeClr val="accent1">
+              <a:shade val="50000"/>
+            </a:schemeClr>
+          </a:lnRef>
+          <a:fillRef idx="1">
+            <a:schemeClr val="accent1"/>
+          </a:fillRef>
+          <a:effectRef idx="0">
+            <a:schemeClr val="accent1"/>
+          </a:effectRef>
+          <a:fontRef idx="minor">
+            <a:schemeClr val="lt1"/>
+          </a:fontRef>
+        </p:style>
+        <p:txBody>
+          <a:bodyPr rtlCol="0" anchor="ctr"/>
+          <a:lstStyle/>
+          <a:p>
+            <a:pPr algn="ctr"/>
+            <a:endParaRPr lang="ko-KR" altLang="en-US"/>
+          </a:p>
+        </p:txBody>
+      </p:sp>
+      <p:sp>
+        <p:nvSpPr>
+          <p:cNvPr id="32" name="TextBox 44">
+            <a:extLst>
+              <a:ext uri="{FF2B5EF4-FFF2-40B4-BE49-F238E27FC236}">
+                <a16:creationId xmlns:a16="http://schemas.microsoft.com/office/drawing/2014/main" id="{9F6DF85A-3440-49F3-9B4A-3A54D9EBB112}"/>
+              </a:ext>
+            </a:extLst>
+          </p:cNvPr>
+          <p:cNvSpPr txBox="1"/>
+          <p:nvPr/>
+        </p:nvSpPr>
+        <p:spPr>
+          <a:xfrm>
+            <a:off x="5277784" y="4756933"/>
+            <a:ext cx="1632787" cy="400110"/>
+          </a:xfrm>
+          <a:prstGeom prst="rect">
+            <a:avLst/>
+          </a:prstGeom>
+          <a:noFill/>
+        </p:spPr>
+        <p:txBody>
+          <a:bodyPr wrap="square" rtlCol="0">
+            <a:spAutoFit/>
+          </a:bodyPr>
+          <a:lstStyle>
+            <a:defPPr>
+              <a:defRPr lang="en-US"/>
+            </a:defPPr>
+            <a:lvl1pPr marL="0" algn="l" defTabSz="457200" rtl="0" eaLnBrk="1" latinLnBrk="0" hangingPunct="1">
+              <a:defRPr sz="1800" kern="1200">
+                <a:solidFill>
+                  <a:schemeClr val="tx1"/>
+                </a:solidFill>
+                <a:latin typeface="+mn-lt"/>
+                <a:ea typeface="+mn-ea"/>
+                <a:cs typeface="+mn-cs"/>
+              </a:defRPr>
+            </a:lvl1pPr>
+            <a:lvl2pPr marL="457200" algn="l" defTabSz="457200" rtl="0" eaLnBrk="1" latinLnBrk="0" hangingPunct="1">
+              <a:defRPr sz="1800" kern="1200">
+                <a:solidFill>
+                  <a:schemeClr val="tx1"/>
+                </a:solidFill>
+                <a:latin typeface="+mn-lt"/>
+                <a:ea typeface="+mn-ea"/>
+                <a:cs typeface="+mn-cs"/>
+              </a:defRPr>
+            </a:lvl2pPr>
+            <a:lvl3pPr marL="914400" algn="l" defTabSz="457200" rtl="0" eaLnBrk="1" latinLnBrk="0" hangingPunct="1">
+              <a:defRPr sz="1800" kern="1200">
+                <a:solidFill>
+                  <a:schemeClr val="tx1"/>
+                </a:solidFill>
+                <a:latin typeface="+mn-lt"/>
+                <a:ea typeface="+mn-ea"/>
+                <a:cs typeface="+mn-cs"/>
+              </a:defRPr>
+            </a:lvl3pPr>
+            <a:lvl4pPr marL="1371600" algn="l" defTabSz="457200" rtl="0" eaLnBrk="1" latinLnBrk="0" hangingPunct="1">
+              <a:defRPr sz="1800" kern="1200">
+                <a:solidFill>
+                  <a:schemeClr val="tx1"/>
+                </a:solidFill>
+                <a:latin typeface="+mn-lt"/>
+                <a:ea typeface="+mn-ea"/>
+                <a:cs typeface="+mn-cs"/>
+              </a:defRPr>
+            </a:lvl4pPr>
+            <a:lvl5pPr marL="1828800" algn="l" defTabSz="457200" rtl="0" eaLnBrk="1" latinLnBrk="0" hangingPunct="1">
+              <a:defRPr sz="1800" kern="1200">
+                <a:solidFill>
+                  <a:schemeClr val="tx1"/>
+                </a:solidFill>
+                <a:latin typeface="+mn-lt"/>
+                <a:ea typeface="+mn-ea"/>
+                <a:cs typeface="+mn-cs"/>
+              </a:defRPr>
+            </a:lvl5pPr>
+            <a:lvl6pPr marL="2286000" algn="l" defTabSz="457200" rtl="0" eaLnBrk="1" latinLnBrk="0" hangingPunct="1">
+              <a:defRPr sz="1800" kern="1200">
+                <a:solidFill>
+                  <a:schemeClr val="tx1"/>
+                </a:solidFill>
+                <a:latin typeface="+mn-lt"/>
+                <a:ea typeface="+mn-ea"/>
+                <a:cs typeface="+mn-cs"/>
+              </a:defRPr>
+            </a:lvl6pPr>
+            <a:lvl7pPr marL="2743200" algn="l" defTabSz="457200" rtl="0" eaLnBrk="1" latinLnBrk="0" hangingPunct="1">
+              <a:defRPr sz="1800" kern="1200">
+                <a:solidFill>
+                  <a:schemeClr val="tx1"/>
+                </a:solidFill>
+                <a:latin typeface="+mn-lt"/>
+                <a:ea typeface="+mn-ea"/>
+                <a:cs typeface="+mn-cs"/>
+              </a:defRPr>
+            </a:lvl7pPr>
+            <a:lvl8pPr marL="3200400" algn="l" defTabSz="457200" rtl="0" eaLnBrk="1" latinLnBrk="0" hangingPunct="1">
+              <a:defRPr sz="1800" kern="1200">
+                <a:solidFill>
+                  <a:schemeClr val="tx1"/>
+                </a:solidFill>
+                <a:latin typeface="+mn-lt"/>
+                <a:ea typeface="+mn-ea"/>
+                <a:cs typeface="+mn-cs"/>
+              </a:defRPr>
+            </a:lvl8pPr>
+            <a:lvl9pPr marL="3657600" algn="l" defTabSz="457200" rtl="0" eaLnBrk="1" latinLnBrk="0" hangingPunct="1">
+              <a:defRPr sz="1800" kern="1200">
+                <a:solidFill>
+                  <a:schemeClr val="tx1"/>
+                </a:solidFill>
+                <a:latin typeface="+mn-lt"/>
+                <a:ea typeface="+mn-ea"/>
+                <a:cs typeface="+mn-cs"/>
+              </a:defRPr>
+            </a:lvl9pPr>
+          </a:lstStyle>
+          <a:p>
+            <a:pPr algn="ctr"/>
+            <a:r>
+              <a:rPr lang="ko-KR" altLang="en-US" sz="2000" b="1" dirty="0">
+                <a:solidFill>
+                  <a:schemeClr val="bg1"/>
+                </a:solidFill>
+                <a:latin typeface="+mn-ea"/>
+              </a:rPr>
+              <a:t>역할 선택</a:t>
+            </a:r>
+            <a:endParaRPr lang="en-US" altLang="ko-KR" sz="2000" b="1" dirty="0">
+              <a:solidFill>
+                <a:schemeClr val="bg1"/>
+              </a:solidFill>
+              <a:latin typeface="+mn-ea"/>
+            </a:endParaRPr>
+          </a:p>
+        </p:txBody>
+      </p:sp>
+      <p:sp>
+        <p:nvSpPr>
+          <p:cNvPr id="33" name="직사각형 32">
+            <a:extLst>
+              <a:ext uri="{FF2B5EF4-FFF2-40B4-BE49-F238E27FC236}">
+                <a16:creationId xmlns:a16="http://schemas.microsoft.com/office/drawing/2014/main" id="{F24F7170-2698-46DC-AAEC-9C40967F75E7}"/>
+              </a:ext>
+            </a:extLst>
+          </p:cNvPr>
+          <p:cNvSpPr/>
+          <p:nvPr/>
+        </p:nvSpPr>
+        <p:spPr>
+          <a:xfrm>
+            <a:off x="9749772" y="4473306"/>
+            <a:ext cx="1380993" cy="967364"/>
+          </a:xfrm>
+          <a:prstGeom prst="rect">
+            <a:avLst/>
+          </a:prstGeom>
+          <a:solidFill>
+            <a:schemeClr val="accent6">
+              <a:lumMod val="20000"/>
+              <a:lumOff val="80000"/>
+            </a:schemeClr>
+          </a:solidFill>
+          <a:ln w="28575">
+            <a:solidFill>
+              <a:schemeClr val="accent6">
+                <a:lumMod val="50000"/>
+              </a:schemeClr>
+            </a:solidFill>
+          </a:ln>
+        </p:spPr>
+        <p:style>
+          <a:lnRef idx="2">
+            <a:schemeClr val="accent1">
+              <a:shade val="50000"/>
+            </a:schemeClr>
+          </a:lnRef>
+          <a:fillRef idx="1">
+            <a:schemeClr val="accent1"/>
+          </a:fillRef>
+          <a:effectRef idx="0">
+            <a:schemeClr val="accent1"/>
+          </a:effectRef>
+          <a:fontRef idx="minor">
+            <a:schemeClr val="lt1"/>
+          </a:fontRef>
+        </p:style>
+        <p:txBody>
+          <a:bodyPr rtlCol="0" anchor="ctr"/>
+          <a:lstStyle/>
+          <a:p>
+            <a:pPr algn="ctr"/>
+            <a:endParaRPr lang="ko-KR" altLang="en-US"/>
+          </a:p>
+        </p:txBody>
+      </p:sp>
+      <p:sp>
+        <p:nvSpPr>
+          <p:cNvPr id="34" name="TextBox 44">
+            <a:extLst>
+              <a:ext uri="{FF2B5EF4-FFF2-40B4-BE49-F238E27FC236}">
+                <a16:creationId xmlns:a16="http://schemas.microsoft.com/office/drawing/2014/main" id="{B5DEBF5D-2832-418E-AD10-502D8F4986B3}"/>
+              </a:ext>
+            </a:extLst>
+          </p:cNvPr>
+          <p:cNvSpPr txBox="1"/>
+          <p:nvPr/>
+        </p:nvSpPr>
+        <p:spPr>
+          <a:xfrm>
+            <a:off x="9623874" y="4756933"/>
+            <a:ext cx="1632787" cy="400110"/>
+          </a:xfrm>
+          <a:prstGeom prst="rect">
+            <a:avLst/>
+          </a:prstGeom>
+          <a:noFill/>
+        </p:spPr>
+        <p:txBody>
+          <a:bodyPr wrap="square" rtlCol="0">
+            <a:spAutoFit/>
+          </a:bodyPr>
+          <a:lstStyle>
+            <a:defPPr>
+              <a:defRPr lang="en-US"/>
+            </a:defPPr>
+            <a:lvl1pPr marL="0" algn="l" defTabSz="457200" rtl="0" eaLnBrk="1" latinLnBrk="0" hangingPunct="1">
+              <a:defRPr sz="1800" kern="1200">
+                <a:solidFill>
+                  <a:schemeClr val="tx1"/>
+                </a:solidFill>
+                <a:latin typeface="+mn-lt"/>
+                <a:ea typeface="+mn-ea"/>
+                <a:cs typeface="+mn-cs"/>
+              </a:defRPr>
+            </a:lvl1pPr>
+            <a:lvl2pPr marL="457200" algn="l" defTabSz="457200" rtl="0" eaLnBrk="1" latinLnBrk="0" hangingPunct="1">
+              <a:defRPr sz="1800" kern="1200">
+                <a:solidFill>
+                  <a:schemeClr val="tx1"/>
+                </a:solidFill>
+                <a:latin typeface="+mn-lt"/>
+                <a:ea typeface="+mn-ea"/>
+                <a:cs typeface="+mn-cs"/>
+              </a:defRPr>
+            </a:lvl2pPr>
+            <a:lvl3pPr marL="914400" algn="l" defTabSz="457200" rtl="0" eaLnBrk="1" latinLnBrk="0" hangingPunct="1">
+              <a:defRPr sz="1800" kern="1200">
+                <a:solidFill>
+                  <a:schemeClr val="tx1"/>
+                </a:solidFill>
+                <a:latin typeface="+mn-lt"/>
+                <a:ea typeface="+mn-ea"/>
+                <a:cs typeface="+mn-cs"/>
+              </a:defRPr>
+            </a:lvl3pPr>
+            <a:lvl4pPr marL="1371600" algn="l" defTabSz="457200" rtl="0" eaLnBrk="1" latinLnBrk="0" hangingPunct="1">
+              <a:defRPr sz="1800" kern="1200">
+                <a:solidFill>
+                  <a:schemeClr val="tx1"/>
+                </a:solidFill>
+                <a:latin typeface="+mn-lt"/>
+                <a:ea typeface="+mn-ea"/>
+                <a:cs typeface="+mn-cs"/>
+              </a:defRPr>
+            </a:lvl4pPr>
+            <a:lvl5pPr marL="1828800" algn="l" defTabSz="457200" rtl="0" eaLnBrk="1" latinLnBrk="0" hangingPunct="1">
+              <a:defRPr sz="1800" kern="1200">
+                <a:solidFill>
+                  <a:schemeClr val="tx1"/>
+                </a:solidFill>
+                <a:latin typeface="+mn-lt"/>
+                <a:ea typeface="+mn-ea"/>
+                <a:cs typeface="+mn-cs"/>
+              </a:defRPr>
+            </a:lvl5pPr>
+            <a:lvl6pPr marL="2286000" algn="l" defTabSz="457200" rtl="0" eaLnBrk="1" latinLnBrk="0" hangingPunct="1">
+              <a:defRPr sz="1800" kern="1200">
+                <a:solidFill>
+                  <a:schemeClr val="tx1"/>
+                </a:solidFill>
+                <a:latin typeface="+mn-lt"/>
+                <a:ea typeface="+mn-ea"/>
+                <a:cs typeface="+mn-cs"/>
+              </a:defRPr>
+            </a:lvl6pPr>
+            <a:lvl7pPr marL="2743200" algn="l" defTabSz="457200" rtl="0" eaLnBrk="1" latinLnBrk="0" hangingPunct="1">
+              <a:defRPr sz="1800" kern="1200">
+                <a:solidFill>
+                  <a:schemeClr val="tx1"/>
+                </a:solidFill>
+                <a:latin typeface="+mn-lt"/>
+                <a:ea typeface="+mn-ea"/>
+                <a:cs typeface="+mn-cs"/>
+              </a:defRPr>
+            </a:lvl7pPr>
+            <a:lvl8pPr marL="3200400" algn="l" defTabSz="457200" rtl="0" eaLnBrk="1" latinLnBrk="0" hangingPunct="1">
+              <a:defRPr sz="1800" kern="1200">
+                <a:solidFill>
+                  <a:schemeClr val="tx1"/>
+                </a:solidFill>
+                <a:latin typeface="+mn-lt"/>
+                <a:ea typeface="+mn-ea"/>
+                <a:cs typeface="+mn-cs"/>
+              </a:defRPr>
+            </a:lvl8pPr>
+            <a:lvl9pPr marL="3657600" algn="l" defTabSz="457200" rtl="0" eaLnBrk="1" latinLnBrk="0" hangingPunct="1">
+              <a:defRPr sz="1800" kern="1200">
+                <a:solidFill>
+                  <a:schemeClr val="tx1"/>
+                </a:solidFill>
+                <a:latin typeface="+mn-lt"/>
+                <a:ea typeface="+mn-ea"/>
+                <a:cs typeface="+mn-cs"/>
+              </a:defRPr>
+            </a:lvl9pPr>
+          </a:lstStyle>
+          <a:p>
+            <a:pPr algn="ctr"/>
+            <a:r>
+              <a:rPr lang="ko-KR" altLang="en-US" sz="2000" b="1" dirty="0">
+                <a:solidFill>
+                  <a:schemeClr val="bg1"/>
+                </a:solidFill>
+                <a:latin typeface="+mn-ea"/>
+              </a:rPr>
+              <a:t>게임 종료</a:t>
+            </a:r>
+            <a:endParaRPr lang="en-US" altLang="ko-KR" sz="2000" b="1" dirty="0">
+              <a:solidFill>
+                <a:schemeClr val="bg1"/>
+              </a:solidFill>
+              <a:latin typeface="+mn-ea"/>
+            </a:endParaRPr>
+          </a:p>
+        </p:txBody>
+      </p:sp>
+      <p:sp>
+        <p:nvSpPr>
+          <p:cNvPr id="35" name="설명선: 오른쪽 화살표 34">
+            <a:extLst>
+              <a:ext uri="{FF2B5EF4-FFF2-40B4-BE49-F238E27FC236}">
+                <a16:creationId xmlns:a16="http://schemas.microsoft.com/office/drawing/2014/main" id="{D65AAF4F-A66E-456E-A390-BD4BAE6FA827}"/>
+              </a:ext>
+            </a:extLst>
+          </p:cNvPr>
+          <p:cNvSpPr/>
+          <p:nvPr/>
+        </p:nvSpPr>
+        <p:spPr>
+          <a:xfrm>
+            <a:off x="7554405" y="4473306"/>
+            <a:ext cx="1887904" cy="967364"/>
+          </a:xfrm>
+          <a:prstGeom prst="rightArrowCallout">
+            <a:avLst>
+              <a:gd name="adj1" fmla="val 25000"/>
+              <a:gd name="adj2" fmla="val 25000"/>
+              <a:gd name="adj3" fmla="val 25000"/>
+              <a:gd name="adj4" fmla="val 72235"/>
+            </a:avLst>
+          </a:prstGeom>
+          <a:solidFill>
+            <a:schemeClr val="tx1"/>
+          </a:solidFill>
+          <a:ln w="28575">
+            <a:solidFill>
+              <a:schemeClr val="accent6">
+                <a:lumMod val="50000"/>
+              </a:schemeClr>
+            </a:solidFill>
+          </a:ln>
+        </p:spPr>
+        <p:style>
+          <a:lnRef idx="2">
+            <a:schemeClr val="accent1">
+              <a:shade val="50000"/>
+            </a:schemeClr>
+          </a:lnRef>
+          <a:fillRef idx="1">
+            <a:schemeClr val="accent1"/>
+          </a:fillRef>
+          <a:effectRef idx="0">
+            <a:schemeClr val="accent1"/>
+          </a:effectRef>
+          <a:fontRef idx="minor">
+            <a:schemeClr val="lt1"/>
+          </a:fontRef>
+        </p:style>
+        <p:txBody>
+          <a:bodyPr rtlCol="0" anchor="ctr"/>
+          <a:lstStyle/>
+          <a:p>
+            <a:pPr algn="ctr"/>
+            <a:endParaRPr lang="ko-KR" altLang="en-US"/>
+          </a:p>
+        </p:txBody>
+      </p:sp>
+      <p:sp>
+        <p:nvSpPr>
+          <p:cNvPr id="36" name="TextBox 44">
+            <a:extLst>
+              <a:ext uri="{FF2B5EF4-FFF2-40B4-BE49-F238E27FC236}">
+                <a16:creationId xmlns:a16="http://schemas.microsoft.com/office/drawing/2014/main" id="{7C97514B-38E2-4CF9-85B5-0E426E6DD479}"/>
+              </a:ext>
+            </a:extLst>
+          </p:cNvPr>
+          <p:cNvSpPr txBox="1"/>
+          <p:nvPr/>
+        </p:nvSpPr>
+        <p:spPr>
+          <a:xfrm>
+            <a:off x="7451482" y="4603045"/>
+            <a:ext cx="1632787" cy="707886"/>
+          </a:xfrm>
+          <a:prstGeom prst="rect">
+            <a:avLst/>
+          </a:prstGeom>
+          <a:noFill/>
+        </p:spPr>
+        <p:txBody>
+          <a:bodyPr wrap="square" rtlCol="0">
+            <a:spAutoFit/>
+          </a:bodyPr>
+          <a:lstStyle>
+            <a:defPPr>
+              <a:defRPr lang="en-US"/>
+            </a:defPPr>
+            <a:lvl1pPr marL="0" algn="l" defTabSz="457200" rtl="0" eaLnBrk="1" latinLnBrk="0" hangingPunct="1">
+              <a:defRPr sz="1800" kern="1200">
+                <a:solidFill>
+                  <a:schemeClr val="tx1"/>
+                </a:solidFill>
+                <a:latin typeface="+mn-lt"/>
+                <a:ea typeface="+mn-ea"/>
+                <a:cs typeface="+mn-cs"/>
+              </a:defRPr>
+            </a:lvl1pPr>
+            <a:lvl2pPr marL="457200" algn="l" defTabSz="457200" rtl="0" eaLnBrk="1" latinLnBrk="0" hangingPunct="1">
+              <a:defRPr sz="1800" kern="1200">
+                <a:solidFill>
+                  <a:schemeClr val="tx1"/>
+                </a:solidFill>
+                <a:latin typeface="+mn-lt"/>
+                <a:ea typeface="+mn-ea"/>
+                <a:cs typeface="+mn-cs"/>
+              </a:defRPr>
+            </a:lvl2pPr>
+            <a:lvl3pPr marL="914400" algn="l" defTabSz="457200" rtl="0" eaLnBrk="1" latinLnBrk="0" hangingPunct="1">
+              <a:defRPr sz="1800" kern="1200">
+                <a:solidFill>
+                  <a:schemeClr val="tx1"/>
+                </a:solidFill>
+                <a:latin typeface="+mn-lt"/>
+                <a:ea typeface="+mn-ea"/>
+                <a:cs typeface="+mn-cs"/>
+              </a:defRPr>
+            </a:lvl3pPr>
+            <a:lvl4pPr marL="1371600" algn="l" defTabSz="457200" rtl="0" eaLnBrk="1" latinLnBrk="0" hangingPunct="1">
+              <a:defRPr sz="1800" kern="1200">
+                <a:solidFill>
+                  <a:schemeClr val="tx1"/>
+                </a:solidFill>
+                <a:latin typeface="+mn-lt"/>
+                <a:ea typeface="+mn-ea"/>
+                <a:cs typeface="+mn-cs"/>
+              </a:defRPr>
+            </a:lvl4pPr>
+            <a:lvl5pPr marL="1828800" algn="l" defTabSz="457200" rtl="0" eaLnBrk="1" latinLnBrk="0" hangingPunct="1">
+              <a:defRPr sz="1800" kern="1200">
+                <a:solidFill>
+                  <a:schemeClr val="tx1"/>
+                </a:solidFill>
+                <a:latin typeface="+mn-lt"/>
+                <a:ea typeface="+mn-ea"/>
+                <a:cs typeface="+mn-cs"/>
+              </a:defRPr>
+            </a:lvl5pPr>
+            <a:lvl6pPr marL="2286000" algn="l" defTabSz="457200" rtl="0" eaLnBrk="1" latinLnBrk="0" hangingPunct="1">
+              <a:defRPr sz="1800" kern="1200">
+                <a:solidFill>
+                  <a:schemeClr val="tx1"/>
+                </a:solidFill>
+                <a:latin typeface="+mn-lt"/>
+                <a:ea typeface="+mn-ea"/>
+                <a:cs typeface="+mn-cs"/>
+              </a:defRPr>
+            </a:lvl6pPr>
+            <a:lvl7pPr marL="2743200" algn="l" defTabSz="457200" rtl="0" eaLnBrk="1" latinLnBrk="0" hangingPunct="1">
+              <a:defRPr sz="1800" kern="1200">
+                <a:solidFill>
+                  <a:schemeClr val="tx1"/>
+                </a:solidFill>
+                <a:latin typeface="+mn-lt"/>
+                <a:ea typeface="+mn-ea"/>
+                <a:cs typeface="+mn-cs"/>
+              </a:defRPr>
+            </a:lvl7pPr>
+            <a:lvl8pPr marL="3200400" algn="l" defTabSz="457200" rtl="0" eaLnBrk="1" latinLnBrk="0" hangingPunct="1">
+              <a:defRPr sz="1800" kern="1200">
+                <a:solidFill>
+                  <a:schemeClr val="tx1"/>
+                </a:solidFill>
+                <a:latin typeface="+mn-lt"/>
+                <a:ea typeface="+mn-ea"/>
+                <a:cs typeface="+mn-cs"/>
+              </a:defRPr>
+            </a:lvl8pPr>
+            <a:lvl9pPr marL="3657600" algn="l" defTabSz="457200" rtl="0" eaLnBrk="1" latinLnBrk="0" hangingPunct="1">
+              <a:defRPr sz="1800" kern="1200">
+                <a:solidFill>
+                  <a:schemeClr val="tx1"/>
+                </a:solidFill>
+                <a:latin typeface="+mn-lt"/>
+                <a:ea typeface="+mn-ea"/>
+                <a:cs typeface="+mn-cs"/>
+              </a:defRPr>
+            </a:lvl9pPr>
+          </a:lstStyle>
+          <a:p>
+            <a:pPr algn="ctr"/>
+            <a:r>
+              <a:rPr lang="ko-KR" altLang="en-US" sz="2000" b="1" dirty="0">
+                <a:solidFill>
+                  <a:schemeClr val="bg1"/>
+                </a:solidFill>
+                <a:latin typeface="+mn-ea"/>
+              </a:rPr>
+              <a:t>게임</a:t>
+            </a:r>
+            <a:endParaRPr lang="en-US" altLang="ko-KR" sz="2000" b="1" dirty="0">
+              <a:solidFill>
+                <a:schemeClr val="bg1"/>
+              </a:solidFill>
+              <a:latin typeface="+mn-ea"/>
+            </a:endParaRPr>
+          </a:p>
+          <a:p>
+            <a:pPr algn="ctr"/>
+            <a:r>
+              <a:rPr lang="ko-KR" altLang="en-US" sz="2000" b="1" dirty="0">
+                <a:solidFill>
+                  <a:schemeClr val="bg1"/>
+                </a:solidFill>
+                <a:latin typeface="+mn-ea"/>
+              </a:rPr>
+              <a:t>플레이</a:t>
+            </a:r>
+            <a:endParaRPr lang="en-US" altLang="ko-KR" sz="2000" b="1" dirty="0">
+              <a:solidFill>
+                <a:schemeClr val="bg1"/>
+              </a:solidFill>
+              <a:latin typeface="+mn-ea"/>
+            </a:endParaRPr>
+          </a:p>
+        </p:txBody>
+      </p:sp>
+      <p:sp>
+        <p:nvSpPr>
+          <p:cNvPr id="38" name="TextBox 44">
+            <a:extLst>
+              <a:ext uri="{FF2B5EF4-FFF2-40B4-BE49-F238E27FC236}">
+                <a16:creationId xmlns:a16="http://schemas.microsoft.com/office/drawing/2014/main" id="{6C7DD953-853A-4FCA-9C5B-95BA9D2164C7}"/>
+              </a:ext>
+            </a:extLst>
+          </p:cNvPr>
+          <p:cNvSpPr txBox="1"/>
+          <p:nvPr/>
+        </p:nvSpPr>
+        <p:spPr>
+          <a:xfrm>
+            <a:off x="562084" y="1435111"/>
+            <a:ext cx="905990" cy="400110"/>
+          </a:xfrm>
+          <a:prstGeom prst="rect">
+            <a:avLst/>
+          </a:prstGeom>
+          <a:noFill/>
+        </p:spPr>
+        <p:txBody>
+          <a:bodyPr wrap="square" rtlCol="0">
+            <a:spAutoFit/>
+          </a:bodyPr>
+          <a:lstStyle>
+            <a:defPPr>
+              <a:defRPr lang="en-US"/>
+            </a:defPPr>
+            <a:lvl1pPr marL="0" algn="l" defTabSz="457200" rtl="0" eaLnBrk="1" latinLnBrk="0" hangingPunct="1">
+              <a:defRPr sz="1800" kern="1200">
+                <a:solidFill>
+                  <a:schemeClr val="tx1"/>
+                </a:solidFill>
+                <a:latin typeface="+mn-lt"/>
+                <a:ea typeface="+mn-ea"/>
+                <a:cs typeface="+mn-cs"/>
+              </a:defRPr>
+            </a:lvl1pPr>
+            <a:lvl2pPr marL="457200" algn="l" defTabSz="457200" rtl="0" eaLnBrk="1" latinLnBrk="0" hangingPunct="1">
+              <a:defRPr sz="1800" kern="1200">
+                <a:solidFill>
+                  <a:schemeClr val="tx1"/>
+                </a:solidFill>
+                <a:latin typeface="+mn-lt"/>
+                <a:ea typeface="+mn-ea"/>
+                <a:cs typeface="+mn-cs"/>
+              </a:defRPr>
+            </a:lvl2pPr>
+            <a:lvl3pPr marL="914400" algn="l" defTabSz="457200" rtl="0" eaLnBrk="1" latinLnBrk="0" hangingPunct="1">
+              <a:defRPr sz="1800" kern="1200">
+                <a:solidFill>
+                  <a:schemeClr val="tx1"/>
+                </a:solidFill>
+                <a:latin typeface="+mn-lt"/>
+                <a:ea typeface="+mn-ea"/>
+                <a:cs typeface="+mn-cs"/>
+              </a:defRPr>
+            </a:lvl3pPr>
+            <a:lvl4pPr marL="1371600" algn="l" defTabSz="457200" rtl="0" eaLnBrk="1" latinLnBrk="0" hangingPunct="1">
+              <a:defRPr sz="1800" kern="1200">
+                <a:solidFill>
+                  <a:schemeClr val="tx1"/>
+                </a:solidFill>
+                <a:latin typeface="+mn-lt"/>
+                <a:ea typeface="+mn-ea"/>
+                <a:cs typeface="+mn-cs"/>
+              </a:defRPr>
+            </a:lvl4pPr>
+            <a:lvl5pPr marL="1828800" algn="l" defTabSz="457200" rtl="0" eaLnBrk="1" latinLnBrk="0" hangingPunct="1">
+              <a:defRPr sz="1800" kern="1200">
+                <a:solidFill>
+                  <a:schemeClr val="tx1"/>
+                </a:solidFill>
+                <a:latin typeface="+mn-lt"/>
+                <a:ea typeface="+mn-ea"/>
+                <a:cs typeface="+mn-cs"/>
+              </a:defRPr>
+            </a:lvl5pPr>
+            <a:lvl6pPr marL="2286000" algn="l" defTabSz="457200" rtl="0" eaLnBrk="1" latinLnBrk="0" hangingPunct="1">
+              <a:defRPr sz="1800" kern="1200">
+                <a:solidFill>
+                  <a:schemeClr val="tx1"/>
+                </a:solidFill>
+                <a:latin typeface="+mn-lt"/>
+                <a:ea typeface="+mn-ea"/>
+                <a:cs typeface="+mn-cs"/>
+              </a:defRPr>
+            </a:lvl6pPr>
+            <a:lvl7pPr marL="2743200" algn="l" defTabSz="457200" rtl="0" eaLnBrk="1" latinLnBrk="0" hangingPunct="1">
+              <a:defRPr sz="1800" kern="1200">
+                <a:solidFill>
+                  <a:schemeClr val="tx1"/>
+                </a:solidFill>
+                <a:latin typeface="+mn-lt"/>
+                <a:ea typeface="+mn-ea"/>
+                <a:cs typeface="+mn-cs"/>
+              </a:defRPr>
+            </a:lvl7pPr>
+            <a:lvl8pPr marL="3200400" algn="l" defTabSz="457200" rtl="0" eaLnBrk="1" latinLnBrk="0" hangingPunct="1">
+              <a:defRPr sz="1800" kern="1200">
+                <a:solidFill>
+                  <a:schemeClr val="tx1"/>
+                </a:solidFill>
+                <a:latin typeface="+mn-lt"/>
+                <a:ea typeface="+mn-ea"/>
+                <a:cs typeface="+mn-cs"/>
+              </a:defRPr>
+            </a:lvl8pPr>
+            <a:lvl9pPr marL="3657600" algn="l" defTabSz="457200" rtl="0" eaLnBrk="1" latinLnBrk="0" hangingPunct="1">
+              <a:defRPr sz="1800" kern="1200">
+                <a:solidFill>
+                  <a:schemeClr val="tx1"/>
+                </a:solidFill>
+                <a:latin typeface="+mn-lt"/>
+                <a:ea typeface="+mn-ea"/>
+                <a:cs typeface="+mn-cs"/>
+              </a:defRPr>
+            </a:lvl9pPr>
+          </a:lstStyle>
+          <a:p>
+            <a:pPr algn="ctr"/>
+            <a:r>
+              <a:rPr lang="ko-KR" altLang="en-US" sz="2000" b="1" dirty="0">
+                <a:solidFill>
+                  <a:schemeClr val="bg1"/>
+                </a:solidFill>
+                <a:latin typeface="+mn-ea"/>
+              </a:rPr>
+              <a:t>기존</a:t>
+            </a:r>
+          </a:p>
+        </p:txBody>
+      </p:sp>
+      <p:sp>
+        <p:nvSpPr>
+          <p:cNvPr id="39" name="직사각형 38">
+            <a:extLst>
+              <a:ext uri="{FF2B5EF4-FFF2-40B4-BE49-F238E27FC236}">
+                <a16:creationId xmlns:a16="http://schemas.microsoft.com/office/drawing/2014/main" id="{86CDF231-F140-4F83-A1D7-B4CB6A3830D0}"/>
+              </a:ext>
+            </a:extLst>
+          </p:cNvPr>
+          <p:cNvSpPr/>
+          <p:nvPr/>
+        </p:nvSpPr>
+        <p:spPr>
+          <a:xfrm>
+            <a:off x="-8808" y="1484665"/>
+            <a:ext cx="683035" cy="350556"/>
+          </a:xfrm>
+          <a:prstGeom prst="rect">
+            <a:avLst/>
+          </a:prstGeom>
+          <a:solidFill>
+            <a:schemeClr val="accent1">
+              <a:lumMod val="50000"/>
+            </a:schemeClr>
+          </a:solidFill>
+          <a:ln>
+            <a:noFill/>
+          </a:ln>
+        </p:spPr>
+        <p:style>
+          <a:lnRef idx="2">
+            <a:schemeClr val="accent1">
+              <a:shade val="50000"/>
+            </a:schemeClr>
+          </a:lnRef>
+          <a:fillRef idx="1">
+            <a:schemeClr val="accent1"/>
+          </a:fillRef>
+          <a:effectRef idx="0">
+            <a:schemeClr val="accent1"/>
+          </a:effectRef>
+          <a:fontRef idx="minor">
+            <a:schemeClr val="lt1"/>
+          </a:fontRef>
+        </p:style>
+        <p:txBody>
+          <a:bodyPr rtlCol="0" anchor="ctr"/>
+          <a:lstStyle/>
+          <a:p>
+            <a:pPr algn="ctr"/>
+            <a:endParaRPr lang="ko-KR" altLang="en-US" dirty="0">
+              <a:solidFill>
+                <a:schemeClr val="tx1"/>
+              </a:solidFill>
+              <a:latin typeface="빙그레체" panose="02030503000000000000" pitchFamily="18" charset="-127"/>
+              <a:ea typeface="빙그레체" panose="02030503000000000000" pitchFamily="18" charset="-127"/>
+            </a:endParaRPr>
+          </a:p>
+        </p:txBody>
+      </p:sp>
+      <p:sp>
+        <p:nvSpPr>
+          <p:cNvPr id="40" name="직사각형 39">
+            <a:extLst>
+              <a:ext uri="{FF2B5EF4-FFF2-40B4-BE49-F238E27FC236}">
+                <a16:creationId xmlns:a16="http://schemas.microsoft.com/office/drawing/2014/main" id="{B935CBF7-2A4F-4CC5-BC34-A8A226D60A9F}"/>
+              </a:ext>
+            </a:extLst>
+          </p:cNvPr>
+          <p:cNvSpPr/>
+          <p:nvPr/>
+        </p:nvSpPr>
+        <p:spPr>
+          <a:xfrm>
+            <a:off x="-8808" y="1797959"/>
+            <a:ext cx="1476881" cy="45719"/>
+          </a:xfrm>
+          <a:prstGeom prst="rect">
+            <a:avLst/>
+          </a:prstGeom>
+          <a:solidFill>
+            <a:schemeClr val="accent1">
+              <a:lumMod val="50000"/>
+            </a:schemeClr>
+          </a:solidFill>
+          <a:ln>
+            <a:noFill/>
+          </a:ln>
+        </p:spPr>
+        <p:style>
+          <a:lnRef idx="2">
+            <a:schemeClr val="accent1">
+              <a:shade val="50000"/>
+            </a:schemeClr>
+          </a:lnRef>
+          <a:fillRef idx="1">
+            <a:schemeClr val="accent1"/>
+          </a:fillRef>
+          <a:effectRef idx="0">
+            <a:schemeClr val="accent1"/>
+          </a:effectRef>
+          <a:fontRef idx="minor">
+            <a:schemeClr val="lt1"/>
+          </a:fontRef>
+        </p:style>
+        <p:txBody>
+          <a:bodyPr rtlCol="0" anchor="ctr"/>
+          <a:lstStyle/>
+          <a:p>
+            <a:pPr algn="ctr"/>
+            <a:endParaRPr lang="ko-KR" altLang="en-US" dirty="0">
+              <a:solidFill>
+                <a:schemeClr val="tx1"/>
+              </a:solidFill>
+              <a:latin typeface="빙그레체" panose="02030503000000000000" pitchFamily="18" charset="-127"/>
+              <a:ea typeface="빙그레체" panose="02030503000000000000" pitchFamily="18" charset="-127"/>
+            </a:endParaRPr>
+          </a:p>
+        </p:txBody>
+      </p:sp>
+      <p:sp>
+        <p:nvSpPr>
+          <p:cNvPr id="41" name="TextBox 44">
+            <a:extLst>
+              <a:ext uri="{FF2B5EF4-FFF2-40B4-BE49-F238E27FC236}">
+                <a16:creationId xmlns:a16="http://schemas.microsoft.com/office/drawing/2014/main" id="{014DF477-4D93-4778-8B7E-843F5207089D}"/>
+              </a:ext>
+            </a:extLst>
+          </p:cNvPr>
+          <p:cNvSpPr txBox="1"/>
+          <p:nvPr/>
+        </p:nvSpPr>
+        <p:spPr>
+          <a:xfrm>
+            <a:off x="562084" y="3877776"/>
+            <a:ext cx="905990" cy="400110"/>
+          </a:xfrm>
+          <a:prstGeom prst="rect">
+            <a:avLst/>
+          </a:prstGeom>
+          <a:noFill/>
+        </p:spPr>
+        <p:txBody>
+          <a:bodyPr wrap="square" rtlCol="0">
+            <a:spAutoFit/>
+          </a:bodyPr>
+          <a:lstStyle>
+            <a:defPPr>
+              <a:defRPr lang="en-US"/>
+            </a:defPPr>
+            <a:lvl1pPr marL="0" algn="l" defTabSz="457200" rtl="0" eaLnBrk="1" latinLnBrk="0" hangingPunct="1">
+              <a:defRPr sz="1800" kern="1200">
+                <a:solidFill>
+                  <a:schemeClr val="tx1"/>
+                </a:solidFill>
+                <a:latin typeface="+mn-lt"/>
+                <a:ea typeface="+mn-ea"/>
+                <a:cs typeface="+mn-cs"/>
+              </a:defRPr>
+            </a:lvl1pPr>
+            <a:lvl2pPr marL="457200" algn="l" defTabSz="457200" rtl="0" eaLnBrk="1" latinLnBrk="0" hangingPunct="1">
+              <a:defRPr sz="1800" kern="1200">
+                <a:solidFill>
+                  <a:schemeClr val="tx1"/>
+                </a:solidFill>
+                <a:latin typeface="+mn-lt"/>
+                <a:ea typeface="+mn-ea"/>
+                <a:cs typeface="+mn-cs"/>
+              </a:defRPr>
+            </a:lvl2pPr>
+            <a:lvl3pPr marL="914400" algn="l" defTabSz="457200" rtl="0" eaLnBrk="1" latinLnBrk="0" hangingPunct="1">
+              <a:defRPr sz="1800" kern="1200">
+                <a:solidFill>
+                  <a:schemeClr val="tx1"/>
+                </a:solidFill>
+                <a:latin typeface="+mn-lt"/>
+                <a:ea typeface="+mn-ea"/>
+                <a:cs typeface="+mn-cs"/>
+              </a:defRPr>
+            </a:lvl3pPr>
+            <a:lvl4pPr marL="1371600" algn="l" defTabSz="457200" rtl="0" eaLnBrk="1" latinLnBrk="0" hangingPunct="1">
+              <a:defRPr sz="1800" kern="1200">
+                <a:solidFill>
+                  <a:schemeClr val="tx1"/>
+                </a:solidFill>
+                <a:latin typeface="+mn-lt"/>
+                <a:ea typeface="+mn-ea"/>
+                <a:cs typeface="+mn-cs"/>
+              </a:defRPr>
+            </a:lvl4pPr>
+            <a:lvl5pPr marL="1828800" algn="l" defTabSz="457200" rtl="0" eaLnBrk="1" latinLnBrk="0" hangingPunct="1">
+              <a:defRPr sz="1800" kern="1200">
+                <a:solidFill>
+                  <a:schemeClr val="tx1"/>
+                </a:solidFill>
+                <a:latin typeface="+mn-lt"/>
+                <a:ea typeface="+mn-ea"/>
+                <a:cs typeface="+mn-cs"/>
+              </a:defRPr>
+            </a:lvl5pPr>
+            <a:lvl6pPr marL="2286000" algn="l" defTabSz="457200" rtl="0" eaLnBrk="1" latinLnBrk="0" hangingPunct="1">
+              <a:defRPr sz="1800" kern="1200">
+                <a:solidFill>
+                  <a:schemeClr val="tx1"/>
+                </a:solidFill>
+                <a:latin typeface="+mn-lt"/>
+                <a:ea typeface="+mn-ea"/>
+                <a:cs typeface="+mn-cs"/>
+              </a:defRPr>
+            </a:lvl6pPr>
+            <a:lvl7pPr marL="2743200" algn="l" defTabSz="457200" rtl="0" eaLnBrk="1" latinLnBrk="0" hangingPunct="1">
+              <a:defRPr sz="1800" kern="1200">
+                <a:solidFill>
+                  <a:schemeClr val="tx1"/>
+                </a:solidFill>
+                <a:latin typeface="+mn-lt"/>
+                <a:ea typeface="+mn-ea"/>
+                <a:cs typeface="+mn-cs"/>
+              </a:defRPr>
+            </a:lvl7pPr>
+            <a:lvl8pPr marL="3200400" algn="l" defTabSz="457200" rtl="0" eaLnBrk="1" latinLnBrk="0" hangingPunct="1">
+              <a:defRPr sz="1800" kern="1200">
+                <a:solidFill>
+                  <a:schemeClr val="tx1"/>
+                </a:solidFill>
+                <a:latin typeface="+mn-lt"/>
+                <a:ea typeface="+mn-ea"/>
+                <a:cs typeface="+mn-cs"/>
+              </a:defRPr>
+            </a:lvl8pPr>
+            <a:lvl9pPr marL="3657600" algn="l" defTabSz="457200" rtl="0" eaLnBrk="1" latinLnBrk="0" hangingPunct="1">
+              <a:defRPr sz="1800" kern="1200">
+                <a:solidFill>
+                  <a:schemeClr val="tx1"/>
+                </a:solidFill>
+                <a:latin typeface="+mn-lt"/>
+                <a:ea typeface="+mn-ea"/>
+                <a:cs typeface="+mn-cs"/>
+              </a:defRPr>
+            </a:lvl9pPr>
+          </a:lstStyle>
+          <a:p>
+            <a:pPr algn="ctr"/>
+            <a:r>
+              <a:rPr lang="ko-KR" altLang="en-US" sz="2000" b="1" dirty="0">
+                <a:solidFill>
+                  <a:schemeClr val="bg1"/>
+                </a:solidFill>
+                <a:latin typeface="+mn-ea"/>
+              </a:rPr>
+              <a:t>변경</a:t>
+            </a:r>
+          </a:p>
+        </p:txBody>
+      </p:sp>
+      <p:sp>
+        <p:nvSpPr>
+          <p:cNvPr id="42" name="직사각형 41">
+            <a:extLst>
+              <a:ext uri="{FF2B5EF4-FFF2-40B4-BE49-F238E27FC236}">
+                <a16:creationId xmlns:a16="http://schemas.microsoft.com/office/drawing/2014/main" id="{98C1E1B3-AE82-4F67-98D8-558A20BD9776}"/>
+              </a:ext>
+            </a:extLst>
+          </p:cNvPr>
+          <p:cNvSpPr/>
+          <p:nvPr/>
+        </p:nvSpPr>
+        <p:spPr>
+          <a:xfrm>
+            <a:off x="-8808" y="3927330"/>
+            <a:ext cx="683035" cy="350556"/>
+          </a:xfrm>
+          <a:prstGeom prst="rect">
+            <a:avLst/>
+          </a:prstGeom>
+          <a:solidFill>
+            <a:schemeClr val="accent6">
+              <a:lumMod val="50000"/>
+            </a:schemeClr>
+          </a:solidFill>
+          <a:ln>
+            <a:noFill/>
+          </a:ln>
+        </p:spPr>
+        <p:style>
+          <a:lnRef idx="2">
+            <a:schemeClr val="accent1">
+              <a:shade val="50000"/>
+            </a:schemeClr>
+          </a:lnRef>
+          <a:fillRef idx="1">
+            <a:schemeClr val="accent1"/>
+          </a:fillRef>
+          <a:effectRef idx="0">
+            <a:schemeClr val="accent1"/>
+          </a:effectRef>
+          <a:fontRef idx="minor">
+            <a:schemeClr val="lt1"/>
+          </a:fontRef>
+        </p:style>
+        <p:txBody>
+          <a:bodyPr rtlCol="0" anchor="ctr"/>
+          <a:lstStyle/>
+          <a:p>
+            <a:pPr algn="ctr"/>
+            <a:endParaRPr lang="ko-KR" altLang="en-US" dirty="0">
+              <a:solidFill>
+                <a:schemeClr val="tx1"/>
+              </a:solidFill>
+              <a:latin typeface="빙그레체" panose="02030503000000000000" pitchFamily="18" charset="-127"/>
+              <a:ea typeface="빙그레체" panose="02030503000000000000" pitchFamily="18" charset="-127"/>
+            </a:endParaRPr>
+          </a:p>
+        </p:txBody>
+      </p:sp>
+      <p:sp>
+        <p:nvSpPr>
+          <p:cNvPr id="43" name="직사각형 42">
+            <a:extLst>
+              <a:ext uri="{FF2B5EF4-FFF2-40B4-BE49-F238E27FC236}">
+                <a16:creationId xmlns:a16="http://schemas.microsoft.com/office/drawing/2014/main" id="{064187AE-B4F8-414A-9A86-2B51A6989F76}"/>
+              </a:ext>
+            </a:extLst>
+          </p:cNvPr>
+          <p:cNvSpPr/>
+          <p:nvPr/>
+        </p:nvSpPr>
+        <p:spPr>
+          <a:xfrm>
+            <a:off x="-8808" y="4240624"/>
+            <a:ext cx="1476881" cy="45719"/>
+          </a:xfrm>
+          <a:prstGeom prst="rect">
+            <a:avLst/>
+          </a:prstGeom>
+          <a:solidFill>
+            <a:schemeClr val="accent6">
+              <a:lumMod val="50000"/>
+            </a:schemeClr>
+          </a:solidFill>
+          <a:ln>
+            <a:noFill/>
+          </a:ln>
+        </p:spPr>
+        <p:style>
+          <a:lnRef idx="2">
+            <a:schemeClr val="accent1">
+              <a:shade val="50000"/>
+            </a:schemeClr>
+          </a:lnRef>
+          <a:fillRef idx="1">
+            <a:schemeClr val="accent1"/>
+          </a:fillRef>
+          <a:effectRef idx="0">
+            <a:schemeClr val="accent1"/>
+          </a:effectRef>
+          <a:fontRef idx="minor">
+            <a:schemeClr val="lt1"/>
+          </a:fontRef>
+        </p:style>
+        <p:txBody>
+          <a:bodyPr rtlCol="0" anchor="ctr"/>
+          <a:lstStyle/>
+          <a:p>
+            <a:pPr algn="ctr"/>
+            <a:endParaRPr lang="ko-KR" altLang="en-US" dirty="0">
+              <a:solidFill>
+                <a:schemeClr val="tx1"/>
+              </a:solidFill>
+              <a:latin typeface="빙그레체" panose="02030503000000000000" pitchFamily="18" charset="-127"/>
+              <a:ea typeface="빙그레체" panose="02030503000000000000" pitchFamily="18" charset="-127"/>
+            </a:endParaRPr>
+          </a:p>
+        </p:txBody>
+      </p:sp>
+    </p:spTree>
+    <p:extLst>
+      <p:ext uri="{BB962C8B-B14F-4D97-AF65-F5344CB8AC3E}">
+        <p14:creationId xmlns:p14="http://schemas.microsoft.com/office/powerpoint/2010/main" val="784159350"/>
+      </p:ext>
+    </p:extLst>
+  </p:cSld>
+  <p:clrMapOvr>
+    <a:masterClrMapping/>
+  </p:clrMapOvr>
+</p:sld>
+</file>
+
+<file path=ppt/slides/slide14.xml><?xml version="1.0" encoding="utf-8"?>
+<p:sld xmlns:a="http://schemas.openxmlformats.org/drawingml/2006/main" xmlns:r="http://schemas.openxmlformats.org/officeDocument/2006/relationships" xmlns:p="http://schemas.openxmlformats.org/presentationml/2006/main">
+  <p:cSld>
+    <p:spTree>
+      <p:nvGrpSpPr>
+        <p:cNvPr id="1" name=""/>
+        <p:cNvGrpSpPr/>
+        <p:nvPr/>
+      </p:nvGrpSpPr>
+      <p:grpSpPr>
+        <a:xfrm>
+          <a:off x="0" y="0"/>
+          <a:ext cx="0" cy="0"/>
+          <a:chOff x="0" y="0"/>
+          <a:chExt cx="0" cy="0"/>
+        </a:xfrm>
+      </p:grpSpPr>
+      <p:sp>
+        <p:nvSpPr>
+          <p:cNvPr id="6" name="직사각형 5">
+            <a:extLst>
+              <a:ext uri="{FF2B5EF4-FFF2-40B4-BE49-F238E27FC236}">
+                <a16:creationId xmlns:a16="http://schemas.microsoft.com/office/drawing/2014/main" id="{99BCBD90-6866-4E0E-B0FD-D6BB663F8D27}"/>
+              </a:ext>
+            </a:extLst>
+          </p:cNvPr>
+          <p:cNvSpPr/>
+          <p:nvPr/>
+        </p:nvSpPr>
+        <p:spPr>
+          <a:xfrm>
+            <a:off x="1468074" y="239694"/>
+            <a:ext cx="10387926" cy="699874"/>
+          </a:xfrm>
+          <a:prstGeom prst="rect">
+            <a:avLst/>
+          </a:prstGeom>
+          <a:solidFill>
+            <a:schemeClr val="tx2">
+              <a:lumMod val="40000"/>
+              <a:lumOff val="60000"/>
+            </a:schemeClr>
+          </a:solidFill>
+          <a:ln>
+            <a:noFill/>
+          </a:ln>
+        </p:spPr>
+        <p:style>
+          <a:lnRef idx="2">
+            <a:schemeClr val="accent1">
+              <a:shade val="50000"/>
+            </a:schemeClr>
+          </a:lnRef>
+          <a:fillRef idx="1">
+            <a:schemeClr val="accent1"/>
+          </a:fillRef>
+          <a:effectRef idx="0">
+            <a:schemeClr val="accent1"/>
+          </a:effectRef>
+          <a:fontRef idx="minor">
+            <a:schemeClr val="lt1"/>
+          </a:fontRef>
+        </p:style>
+        <p:txBody>
+          <a:bodyPr rtlCol="0" anchor="ctr"/>
+          <a:lstStyle/>
+          <a:p>
+            <a:r>
+              <a:rPr lang="ko-KR" altLang="en-US" sz="3200" b="1" dirty="0">
+                <a:solidFill>
+                  <a:schemeClr val="bg1"/>
+                </a:solidFill>
+                <a:latin typeface="+mj-ea"/>
+                <a:ea typeface="+mj-ea"/>
+              </a:rPr>
+              <a:t> 게임 진행 변경 사항</a:t>
+            </a:r>
+          </a:p>
+        </p:txBody>
+      </p:sp>
+      <p:sp>
+        <p:nvSpPr>
+          <p:cNvPr id="10" name="직사각형 9">
+            <a:extLst>
+              <a:ext uri="{FF2B5EF4-FFF2-40B4-BE49-F238E27FC236}">
+                <a16:creationId xmlns:a16="http://schemas.microsoft.com/office/drawing/2014/main" id="{7D4EF744-FD1B-4C94-B614-7BCDB4CB9A28}"/>
+              </a:ext>
+            </a:extLst>
+          </p:cNvPr>
+          <p:cNvSpPr/>
+          <p:nvPr/>
+        </p:nvSpPr>
+        <p:spPr>
+          <a:xfrm>
+            <a:off x="11075824" y="239694"/>
+            <a:ext cx="780176" cy="699874"/>
+          </a:xfrm>
+          <a:prstGeom prst="rect">
+            <a:avLst/>
+          </a:prstGeom>
+          <a:solidFill>
+            <a:schemeClr val="bg2">
+              <a:lumMod val="90000"/>
+              <a:lumOff val="10000"/>
+            </a:schemeClr>
+          </a:solidFill>
+          <a:ln>
+            <a:noFill/>
+          </a:ln>
+          <a:effectLst>
+            <a:outerShdw blurRad="50800" dist="38100" dir="2700000" algn="tl" rotWithShape="0">
+              <a:prstClr val="black">
+                <a:alpha val="40000"/>
+              </a:prstClr>
+            </a:outerShdw>
+          </a:effectLst>
+        </p:spPr>
+        <p:style>
+          <a:lnRef idx="2">
+            <a:schemeClr val="accent1">
+              <a:shade val="50000"/>
+            </a:schemeClr>
+          </a:lnRef>
+          <a:fillRef idx="1">
+            <a:schemeClr val="accent1"/>
+          </a:fillRef>
+          <a:effectRef idx="0">
+            <a:schemeClr val="accent1"/>
+          </a:effectRef>
+          <a:fontRef idx="minor">
+            <a:schemeClr val="lt1"/>
+          </a:fontRef>
+        </p:style>
+        <p:txBody>
+          <a:bodyPr rtlCol="0" anchor="ctr"/>
+          <a:lstStyle/>
+          <a:p>
+            <a:pPr algn="ctr"/>
+            <a:r>
+              <a:rPr lang="en-US" altLang="ko-KR" b="1" dirty="0">
+                <a:solidFill>
+                  <a:schemeClr val="tx1"/>
+                </a:solidFill>
+                <a:latin typeface="+mj-ea"/>
+                <a:ea typeface="+mj-ea"/>
+              </a:rPr>
+              <a:t>P.14</a:t>
+            </a:r>
+            <a:endParaRPr lang="ko-KR" altLang="en-US" b="1" dirty="0">
+              <a:solidFill>
+                <a:schemeClr val="tx1"/>
+              </a:solidFill>
+              <a:latin typeface="+mj-ea"/>
+              <a:ea typeface="+mj-ea"/>
+            </a:endParaRPr>
+          </a:p>
+        </p:txBody>
+      </p:sp>
+      <p:sp>
+        <p:nvSpPr>
+          <p:cNvPr id="12" name="직사각형 11">
+            <a:extLst>
+              <a:ext uri="{FF2B5EF4-FFF2-40B4-BE49-F238E27FC236}">
+                <a16:creationId xmlns:a16="http://schemas.microsoft.com/office/drawing/2014/main" id="{D92D3FD9-46D4-421D-9963-A9DA61046989}"/>
+              </a:ext>
+            </a:extLst>
+          </p:cNvPr>
+          <p:cNvSpPr/>
+          <p:nvPr/>
+        </p:nvSpPr>
+        <p:spPr>
+          <a:xfrm>
+            <a:off x="336001" y="239693"/>
+            <a:ext cx="1132072" cy="699875"/>
+          </a:xfrm>
+          <a:prstGeom prst="rect">
+            <a:avLst/>
+          </a:prstGeom>
+          <a:solidFill>
+            <a:schemeClr val="bg2">
+              <a:lumMod val="90000"/>
+              <a:lumOff val="10000"/>
+            </a:schemeClr>
+          </a:solidFill>
+          <a:ln>
+            <a:noFill/>
+          </a:ln>
+        </p:spPr>
+        <p:style>
+          <a:lnRef idx="2">
+            <a:schemeClr val="accent1">
+              <a:shade val="50000"/>
+            </a:schemeClr>
+          </a:lnRef>
+          <a:fillRef idx="1">
+            <a:schemeClr val="accent1"/>
+          </a:fillRef>
+          <a:effectRef idx="0">
+            <a:schemeClr val="accent1"/>
+          </a:effectRef>
+          <a:fontRef idx="minor">
+            <a:schemeClr val="lt1"/>
+          </a:fontRef>
+        </p:style>
+        <p:txBody>
+          <a:bodyPr rtlCol="0" anchor="ctr"/>
+          <a:lstStyle/>
+          <a:p>
+            <a:pPr algn="ctr"/>
+            <a:endParaRPr lang="ko-KR" altLang="en-US" sz="3200" b="1" dirty="0">
+              <a:latin typeface="+mj-ea"/>
+              <a:ea typeface="+mj-ea"/>
+            </a:endParaRPr>
+          </a:p>
+        </p:txBody>
+      </p:sp>
+      <p:sp>
+        <p:nvSpPr>
+          <p:cNvPr id="13" name="사각형: 둥근 모서리 12">
+            <a:extLst>
+              <a:ext uri="{FF2B5EF4-FFF2-40B4-BE49-F238E27FC236}">
+                <a16:creationId xmlns:a16="http://schemas.microsoft.com/office/drawing/2014/main" id="{388C5C3A-36BA-451B-8605-051D3E69BED8}"/>
+              </a:ext>
+            </a:extLst>
+          </p:cNvPr>
+          <p:cNvSpPr/>
+          <p:nvPr/>
+        </p:nvSpPr>
+        <p:spPr>
+          <a:xfrm>
+            <a:off x="336000" y="939568"/>
+            <a:ext cx="11520000" cy="56030"/>
+          </a:xfrm>
+          <a:prstGeom prst="roundRect">
+            <a:avLst/>
+          </a:prstGeom>
+          <a:solidFill>
+            <a:schemeClr val="bg2">
+              <a:lumMod val="90000"/>
+              <a:lumOff val="10000"/>
+            </a:schemeClr>
+          </a:solidFill>
+          <a:ln>
+            <a:noFill/>
+          </a:ln>
+          <a:effectLst>
+            <a:outerShdw blurRad="50800" dist="38100" dir="2700000" algn="tl" rotWithShape="0">
+              <a:prstClr val="black">
+                <a:alpha val="40000"/>
+              </a:prstClr>
+            </a:outerShdw>
+          </a:effectLst>
+        </p:spPr>
+        <p:style>
+          <a:lnRef idx="2">
+            <a:schemeClr val="accent1">
+              <a:shade val="50000"/>
+            </a:schemeClr>
+          </a:lnRef>
+          <a:fillRef idx="1">
+            <a:schemeClr val="accent1"/>
+          </a:fillRef>
+          <a:effectRef idx="0">
+            <a:schemeClr val="accent1"/>
+          </a:effectRef>
+          <a:fontRef idx="minor">
+            <a:schemeClr val="lt1"/>
+          </a:fontRef>
+        </p:style>
+        <p:txBody>
+          <a:bodyPr rtlCol="0" anchor="ctr"/>
+          <a:lstStyle/>
+          <a:p>
+            <a:pPr algn="ctr"/>
+            <a:endParaRPr lang="ko-KR" altLang="en-US" b="1">
+              <a:solidFill>
+                <a:schemeClr val="bg1"/>
+              </a:solidFill>
+              <a:latin typeface="+mj-ea"/>
+              <a:ea typeface="+mj-ea"/>
+            </a:endParaRPr>
+          </a:p>
+        </p:txBody>
+      </p:sp>
+      <p:sp>
+        <p:nvSpPr>
+          <p:cNvPr id="37" name="TextBox 36">
+            <a:extLst>
+              <a:ext uri="{FF2B5EF4-FFF2-40B4-BE49-F238E27FC236}">
+                <a16:creationId xmlns:a16="http://schemas.microsoft.com/office/drawing/2014/main" id="{CAD5C9FC-E63C-4D58-9F00-C719167E6F53}"/>
+              </a:ext>
+            </a:extLst>
+          </p:cNvPr>
+          <p:cNvSpPr txBox="1"/>
+          <p:nvPr/>
+        </p:nvSpPr>
+        <p:spPr>
+          <a:xfrm>
+            <a:off x="725689" y="1639442"/>
+            <a:ext cx="9984561" cy="2862322"/>
+          </a:xfrm>
+          <a:prstGeom prst="rect">
+            <a:avLst/>
+          </a:prstGeom>
+          <a:noFill/>
+        </p:spPr>
+        <p:txBody>
+          <a:bodyPr wrap="square" rtlCol="0">
+            <a:spAutoFit/>
+          </a:bodyPr>
+          <a:lstStyle/>
+          <a:p>
+            <a:pPr marL="514350" indent="-514350">
+              <a:buAutoNum type="arabicPeriod"/>
+            </a:pPr>
+            <a:r>
+              <a:rPr lang="ko-KR" altLang="en-US" sz="2800" b="1" dirty="0">
+                <a:solidFill>
+                  <a:schemeClr val="bg1"/>
+                </a:solidFill>
+                <a:latin typeface="+mn-ea"/>
+              </a:rPr>
+              <a:t>필요한 씬</a:t>
+            </a:r>
+            <a:r>
+              <a:rPr lang="en-US" altLang="ko-KR" sz="2800" b="1" dirty="0">
+                <a:solidFill>
+                  <a:schemeClr val="bg1"/>
+                </a:solidFill>
+                <a:latin typeface="+mn-ea"/>
+              </a:rPr>
+              <a:t>(</a:t>
+            </a:r>
+            <a:r>
+              <a:rPr lang="ko-KR" altLang="en-US" sz="2800" b="1" dirty="0">
+                <a:solidFill>
+                  <a:schemeClr val="bg1"/>
+                </a:solidFill>
+                <a:latin typeface="+mn-ea"/>
+              </a:rPr>
+              <a:t>맵</a:t>
+            </a:r>
+            <a:r>
+              <a:rPr lang="en-US" altLang="ko-KR" sz="2800" b="1" dirty="0">
+                <a:solidFill>
+                  <a:schemeClr val="bg1"/>
+                </a:solidFill>
+                <a:latin typeface="+mn-ea"/>
+              </a:rPr>
+              <a:t>)</a:t>
+            </a:r>
+            <a:r>
+              <a:rPr lang="ko-KR" altLang="en-US" sz="2800" b="1" dirty="0">
+                <a:solidFill>
+                  <a:schemeClr val="bg1"/>
+                </a:solidFill>
+                <a:latin typeface="+mn-ea"/>
+              </a:rPr>
+              <a:t>의 축소</a:t>
+            </a:r>
+            <a:endParaRPr lang="en-US" altLang="ko-KR" sz="2800" b="1" dirty="0">
+              <a:solidFill>
+                <a:schemeClr val="bg1"/>
+              </a:solidFill>
+              <a:latin typeface="+mn-ea"/>
+            </a:endParaRPr>
+          </a:p>
+          <a:p>
+            <a:r>
+              <a:rPr lang="en-US" altLang="ko-KR" b="1" dirty="0">
+                <a:solidFill>
+                  <a:schemeClr val="bg1"/>
+                </a:solidFill>
+                <a:latin typeface="+mn-ea"/>
+              </a:rPr>
+              <a:t>     	</a:t>
+            </a:r>
+            <a:r>
+              <a:rPr lang="ko-KR" altLang="en-US" sz="2400" b="1" dirty="0">
+                <a:solidFill>
+                  <a:schemeClr val="bg1"/>
+                </a:solidFill>
+                <a:latin typeface="+mn-ea"/>
+              </a:rPr>
+              <a:t>　</a:t>
+            </a:r>
+            <a:r>
+              <a:rPr lang="en-US" altLang="ko-KR" dirty="0">
+                <a:solidFill>
+                  <a:schemeClr val="bg1"/>
+                </a:solidFill>
+                <a:latin typeface="+mn-ea"/>
+              </a:rPr>
+              <a:t>- </a:t>
+            </a:r>
+            <a:r>
+              <a:rPr lang="ko-KR" altLang="en-US" dirty="0">
+                <a:solidFill>
+                  <a:schemeClr val="bg1"/>
+                </a:solidFill>
+                <a:latin typeface="+mn-ea"/>
+              </a:rPr>
+              <a:t>강화 씬 </a:t>
+            </a:r>
+            <a:r>
+              <a:rPr lang="en-US" altLang="ko-KR" dirty="0">
+                <a:solidFill>
+                  <a:schemeClr val="bg1"/>
+                </a:solidFill>
+                <a:latin typeface="+mn-ea"/>
+              </a:rPr>
+              <a:t>-&gt; </a:t>
+            </a:r>
+            <a:r>
+              <a:rPr lang="ko-KR" altLang="en-US" dirty="0">
+                <a:solidFill>
+                  <a:schemeClr val="bg1"/>
+                </a:solidFill>
+                <a:latin typeface="+mn-ea"/>
+              </a:rPr>
+              <a:t>맵 </a:t>
+            </a:r>
+            <a:r>
+              <a:rPr lang="ko-KR" altLang="en-US" dirty="0" err="1">
+                <a:solidFill>
+                  <a:schemeClr val="bg1"/>
+                </a:solidFill>
+                <a:latin typeface="+mn-ea"/>
+              </a:rPr>
+              <a:t>씬으로</a:t>
+            </a:r>
+            <a:r>
+              <a:rPr lang="ko-KR" altLang="en-US" dirty="0">
+                <a:solidFill>
+                  <a:schemeClr val="bg1"/>
+                </a:solidFill>
+                <a:latin typeface="+mn-ea"/>
+              </a:rPr>
+              <a:t> 넘어가는 것이 반복됨</a:t>
+            </a:r>
+            <a:endParaRPr lang="en-US" altLang="ko-KR" dirty="0">
+              <a:solidFill>
+                <a:schemeClr val="bg1"/>
+              </a:solidFill>
+              <a:latin typeface="+mn-ea"/>
+            </a:endParaRPr>
+          </a:p>
+          <a:p>
+            <a:r>
+              <a:rPr lang="en-US" altLang="ko-KR" dirty="0">
+                <a:solidFill>
+                  <a:schemeClr val="bg1"/>
+                </a:solidFill>
+                <a:latin typeface="+mn-ea"/>
+              </a:rPr>
+              <a:t> 	</a:t>
+            </a:r>
+            <a:r>
+              <a:rPr lang="ko-KR" altLang="en-US" sz="2400" dirty="0">
+                <a:solidFill>
+                  <a:schemeClr val="bg1"/>
+                </a:solidFill>
+                <a:latin typeface="+mn-ea"/>
+              </a:rPr>
+              <a:t>　</a:t>
+            </a:r>
+            <a:r>
+              <a:rPr lang="en-US" altLang="ko-KR" dirty="0">
+                <a:solidFill>
+                  <a:schemeClr val="bg1"/>
+                </a:solidFill>
+                <a:latin typeface="+mn-ea"/>
+              </a:rPr>
+              <a:t>- </a:t>
+            </a:r>
+            <a:r>
+              <a:rPr lang="ko-KR" altLang="en-US" dirty="0">
+                <a:solidFill>
+                  <a:schemeClr val="bg1"/>
+                </a:solidFill>
+                <a:latin typeface="+mn-ea"/>
+              </a:rPr>
+              <a:t>디펜스 게임 특성상 플레이 시간이 짧은데 자주 강화할 필요성이 없음</a:t>
+            </a:r>
+            <a:endParaRPr lang="en-US" altLang="ko-KR" dirty="0">
+              <a:solidFill>
+                <a:schemeClr val="bg1"/>
+              </a:solidFill>
+              <a:latin typeface="+mn-ea"/>
+            </a:endParaRPr>
+          </a:p>
+          <a:p>
+            <a:r>
+              <a:rPr lang="en-US" altLang="ko-KR" sz="2800" b="1" dirty="0">
+                <a:solidFill>
+                  <a:schemeClr val="bg1"/>
+                </a:solidFill>
+                <a:latin typeface="+mn-ea"/>
+              </a:rPr>
+              <a:t>	</a:t>
+            </a:r>
+            <a:endParaRPr lang="en-US" altLang="ko-KR" b="1" dirty="0">
+              <a:solidFill>
+                <a:schemeClr val="bg1"/>
+              </a:solidFill>
+              <a:latin typeface="+mn-ea"/>
+            </a:endParaRPr>
+          </a:p>
+          <a:p>
+            <a:r>
+              <a:rPr lang="en-US" altLang="ko-KR" sz="2800" b="1" dirty="0">
+                <a:solidFill>
+                  <a:schemeClr val="bg1"/>
+                </a:solidFill>
+                <a:latin typeface="+mn-ea"/>
+              </a:rPr>
+              <a:t>2. </a:t>
+            </a:r>
+            <a:r>
+              <a:rPr lang="ko-KR" altLang="en-US" sz="2800" b="1" dirty="0">
+                <a:solidFill>
+                  <a:schemeClr val="bg1"/>
+                </a:solidFill>
+                <a:latin typeface="+mn-ea"/>
+              </a:rPr>
+              <a:t>게임 진행이 난잡해짐</a:t>
+            </a:r>
+            <a:endParaRPr lang="en-US" altLang="ko-KR" sz="2800" b="1" dirty="0">
+              <a:solidFill>
+                <a:schemeClr val="bg1"/>
+              </a:solidFill>
+              <a:latin typeface="+mn-ea"/>
+            </a:endParaRPr>
+          </a:p>
+          <a:p>
+            <a:r>
+              <a:rPr lang="en-US" altLang="ko-KR" dirty="0">
+                <a:solidFill>
+                  <a:schemeClr val="bg1"/>
+                </a:solidFill>
+                <a:latin typeface="+mn-ea"/>
+              </a:rPr>
+              <a:t>     	</a:t>
+            </a:r>
+            <a:r>
+              <a:rPr lang="ko-KR" altLang="en-US" sz="2400" dirty="0">
+                <a:solidFill>
+                  <a:schemeClr val="bg1"/>
+                </a:solidFill>
+                <a:latin typeface="+mn-ea"/>
+              </a:rPr>
+              <a:t>　</a:t>
+            </a:r>
+            <a:r>
+              <a:rPr lang="en-US" altLang="ko-KR" dirty="0">
+                <a:solidFill>
+                  <a:schemeClr val="bg1"/>
+                </a:solidFill>
+                <a:latin typeface="+mn-ea"/>
+              </a:rPr>
+              <a:t>- </a:t>
+            </a:r>
+            <a:r>
+              <a:rPr lang="ko-KR" altLang="en-US" dirty="0">
+                <a:solidFill>
+                  <a:schemeClr val="bg1"/>
+                </a:solidFill>
+                <a:latin typeface="+mn-ea"/>
+              </a:rPr>
+              <a:t>너무 짧은 간격으로 </a:t>
+            </a:r>
+            <a:r>
+              <a:rPr lang="ko-KR" altLang="en-US" dirty="0" err="1">
+                <a:solidFill>
+                  <a:schemeClr val="bg1"/>
+                </a:solidFill>
+                <a:latin typeface="+mn-ea"/>
+              </a:rPr>
+              <a:t>씬이</a:t>
+            </a:r>
+            <a:r>
+              <a:rPr lang="ko-KR" altLang="en-US" dirty="0">
+                <a:solidFill>
+                  <a:schemeClr val="bg1"/>
+                </a:solidFill>
+                <a:latin typeface="+mn-ea"/>
+              </a:rPr>
+              <a:t> 변경되면 집중하기 어려움</a:t>
+            </a:r>
+            <a:endParaRPr lang="en-US" altLang="ko-KR" dirty="0">
+              <a:solidFill>
+                <a:schemeClr val="bg1"/>
+              </a:solidFill>
+              <a:latin typeface="+mn-ea"/>
+            </a:endParaRPr>
+          </a:p>
+          <a:p>
+            <a:r>
+              <a:rPr lang="en-US" altLang="ko-KR" dirty="0">
+                <a:solidFill>
+                  <a:schemeClr val="bg1"/>
+                </a:solidFill>
+                <a:latin typeface="+mn-ea"/>
+              </a:rPr>
+              <a:t> 	</a:t>
+            </a:r>
+            <a:r>
+              <a:rPr lang="ko-KR" altLang="en-US" sz="2400" dirty="0">
+                <a:solidFill>
+                  <a:schemeClr val="bg1"/>
+                </a:solidFill>
+                <a:latin typeface="+mn-ea"/>
+              </a:rPr>
+              <a:t>　</a:t>
+            </a:r>
+            <a:r>
+              <a:rPr lang="en-US" altLang="ko-KR" dirty="0">
+                <a:solidFill>
+                  <a:schemeClr val="bg1"/>
+                </a:solidFill>
+                <a:latin typeface="+mn-ea"/>
+              </a:rPr>
+              <a:t>- </a:t>
+            </a:r>
+            <a:r>
+              <a:rPr lang="ko-KR" altLang="en-US" dirty="0">
+                <a:solidFill>
+                  <a:schemeClr val="bg1"/>
+                </a:solidFill>
+                <a:latin typeface="+mn-ea"/>
+              </a:rPr>
+              <a:t>플레이어의 강화가 너무 자유로워 캐릭터의 역할</a:t>
+            </a:r>
+            <a:r>
+              <a:rPr lang="en-US" altLang="ko-KR" dirty="0">
+                <a:solidFill>
+                  <a:schemeClr val="bg1"/>
+                </a:solidFill>
+                <a:latin typeface="+mn-ea"/>
+              </a:rPr>
+              <a:t>(</a:t>
+            </a:r>
+            <a:r>
+              <a:rPr lang="ko-KR" altLang="en-US" dirty="0">
+                <a:solidFill>
+                  <a:schemeClr val="bg1"/>
+                </a:solidFill>
+                <a:latin typeface="+mn-ea"/>
+              </a:rPr>
+              <a:t>딜</a:t>
+            </a:r>
+            <a:r>
+              <a:rPr lang="en-US" altLang="ko-KR" dirty="0">
+                <a:solidFill>
+                  <a:schemeClr val="bg1"/>
+                </a:solidFill>
+                <a:latin typeface="+mn-ea"/>
+              </a:rPr>
+              <a:t>, </a:t>
+            </a:r>
+            <a:r>
+              <a:rPr lang="ko-KR" altLang="en-US" dirty="0">
+                <a:solidFill>
+                  <a:schemeClr val="bg1"/>
+                </a:solidFill>
+                <a:latin typeface="+mn-ea"/>
+              </a:rPr>
+              <a:t>힐</a:t>
+            </a:r>
+            <a:r>
+              <a:rPr lang="en-US" altLang="ko-KR" dirty="0">
+                <a:solidFill>
+                  <a:schemeClr val="bg1"/>
+                </a:solidFill>
+                <a:latin typeface="+mn-ea"/>
+              </a:rPr>
+              <a:t> </a:t>
+            </a:r>
+            <a:r>
+              <a:rPr lang="ko-KR" altLang="en-US" dirty="0">
+                <a:solidFill>
+                  <a:schemeClr val="bg1"/>
+                </a:solidFill>
+                <a:latin typeface="+mn-ea"/>
+              </a:rPr>
+              <a:t>등</a:t>
+            </a:r>
+            <a:r>
+              <a:rPr lang="en-US" altLang="ko-KR" dirty="0">
+                <a:solidFill>
+                  <a:schemeClr val="bg1"/>
+                </a:solidFill>
+                <a:latin typeface="+mn-ea"/>
+              </a:rPr>
+              <a:t>)</a:t>
+            </a:r>
+            <a:r>
+              <a:rPr lang="ko-KR" altLang="en-US" dirty="0">
+                <a:solidFill>
+                  <a:schemeClr val="bg1"/>
+                </a:solidFill>
+                <a:latin typeface="+mn-ea"/>
+              </a:rPr>
+              <a:t>이 애매해짐</a:t>
+            </a:r>
+            <a:endParaRPr lang="en-US" altLang="ko-KR" dirty="0">
+              <a:solidFill>
+                <a:schemeClr val="bg1"/>
+              </a:solidFill>
+              <a:latin typeface="+mn-ea"/>
+            </a:endParaRPr>
+          </a:p>
+        </p:txBody>
+      </p:sp>
+    </p:spTree>
+    <p:extLst>
+      <p:ext uri="{BB962C8B-B14F-4D97-AF65-F5344CB8AC3E}">
+        <p14:creationId xmlns:p14="http://schemas.microsoft.com/office/powerpoint/2010/main" val="1902159634"/>
+      </p:ext>
+    </p:extLst>
+  </p:cSld>
+  <p:clrMapOvr>
+    <a:masterClrMapping/>
+  </p:clrMapOvr>
+</p:sld>
+</file>
+
+<file path=ppt/slides/slide15.xml><?xml version="1.0" encoding="utf-8"?>
+<p:sld xmlns:a="http://schemas.openxmlformats.org/drawingml/2006/main" xmlns:r="http://schemas.openxmlformats.org/officeDocument/2006/relationships" xmlns:p="http://schemas.openxmlformats.org/presentationml/2006/main">
+  <p:cSld>
+    <p:spTree>
+      <p:nvGrpSpPr>
+        <p:cNvPr id="1" name=""/>
+        <p:cNvGrpSpPr/>
+        <p:nvPr/>
+      </p:nvGrpSpPr>
+      <p:grpSpPr>
+        <a:xfrm>
+          <a:off x="0" y="0"/>
+          <a:ext cx="0" cy="0"/>
+          <a:chOff x="0" y="0"/>
+          <a:chExt cx="0" cy="0"/>
+        </a:xfrm>
+      </p:grpSpPr>
       <p:pic>
         <p:nvPicPr>
           <p:cNvPr id="3" name="그림 2" descr="텍스트, 실외이(가) 표시된 사진&#10;&#10;자동 생성된 설명">
@@ -8639,450 +12812,12 @@
           </a:p>
         </p:txBody>
       </p:sp>
-    </p:spTree>
-    <p:extLst>
-      <p:ext uri="{BB962C8B-B14F-4D97-AF65-F5344CB8AC3E}">
-        <p14:creationId xmlns:p14="http://schemas.microsoft.com/office/powerpoint/2010/main" val="1974536580"/>
-      </p:ext>
-    </p:extLst>
-  </p:cSld>
-  <p:clrMapOvr>
-    <a:masterClrMapping/>
-  </p:clrMapOvr>
-</p:sld>
-</file>
-
-<file path=ppt/slides/slide12.xml><?xml version="1.0" encoding="utf-8"?>
-<p:sld xmlns:a="http://schemas.openxmlformats.org/drawingml/2006/main" xmlns:r="http://schemas.openxmlformats.org/officeDocument/2006/relationships" xmlns:p="http://schemas.openxmlformats.org/presentationml/2006/main">
-  <p:cSld>
-    <p:spTree>
-      <p:nvGrpSpPr>
-        <p:cNvPr id="1" name=""/>
-        <p:cNvGrpSpPr/>
-        <p:nvPr/>
-      </p:nvGrpSpPr>
-      <p:grpSpPr>
-        <a:xfrm>
-          <a:off x="0" y="0"/>
-          <a:ext cx="0" cy="0"/>
-          <a:chOff x="0" y="0"/>
-          <a:chExt cx="0" cy="0"/>
-        </a:xfrm>
-      </p:grpSpPr>
-      <p:sp>
-        <p:nvSpPr>
-          <p:cNvPr id="7" name="직사각형 6">
+      <p:sp>
+        <p:nvSpPr>
+          <p:cNvPr id="18" name="직사각형 17">
             <a:extLst>
               <a:ext uri="{FF2B5EF4-FFF2-40B4-BE49-F238E27FC236}">
-                <a16:creationId xmlns:a16="http://schemas.microsoft.com/office/drawing/2014/main" id="{25FE6915-9B85-4932-BFE3-F13832FD48E9}"/>
-              </a:ext>
-            </a:extLst>
-          </p:cNvPr>
-          <p:cNvSpPr/>
-          <p:nvPr/>
-        </p:nvSpPr>
-        <p:spPr>
-          <a:xfrm>
-            <a:off x="1468074" y="239694"/>
-            <a:ext cx="10387926" cy="699874"/>
-          </a:xfrm>
-          <a:prstGeom prst="rect">
-            <a:avLst/>
-          </a:prstGeom>
-          <a:solidFill>
-            <a:schemeClr val="accent6">
-              <a:lumMod val="20000"/>
-              <a:lumOff val="80000"/>
-            </a:schemeClr>
-          </a:solidFill>
-          <a:ln>
-            <a:noFill/>
-          </a:ln>
-        </p:spPr>
-        <p:style>
-          <a:lnRef idx="2">
-            <a:schemeClr val="accent1">
-              <a:shade val="50000"/>
-            </a:schemeClr>
-          </a:lnRef>
-          <a:fillRef idx="1">
-            <a:schemeClr val="accent1"/>
-          </a:fillRef>
-          <a:effectRef idx="0">
-            <a:schemeClr val="accent1"/>
-          </a:effectRef>
-          <a:fontRef idx="minor">
-            <a:schemeClr val="lt1"/>
-          </a:fontRef>
-        </p:style>
-        <p:txBody>
-          <a:bodyPr rtlCol="0" anchor="ctr"/>
-          <a:lstStyle/>
-          <a:p>
-            <a:r>
-              <a:rPr lang="en-US" altLang="ko-KR" sz="3200" b="1" dirty="0">
-                <a:solidFill>
-                  <a:srgbClr val="FF0000"/>
-                </a:solidFill>
-                <a:latin typeface="+mj-ea"/>
-                <a:ea typeface="+mj-ea"/>
-              </a:rPr>
-              <a:t> </a:t>
-            </a:r>
-            <a:r>
-              <a:rPr lang="ko-KR" altLang="en-US" sz="3200" b="1" dirty="0">
-                <a:solidFill>
-                  <a:schemeClr val="bg1"/>
-                </a:solidFill>
-                <a:latin typeface="+mj-ea"/>
-                <a:ea typeface="+mj-ea"/>
-              </a:rPr>
-              <a:t>데모 시연</a:t>
-            </a:r>
-          </a:p>
-        </p:txBody>
-      </p:sp>
-      <p:sp>
-        <p:nvSpPr>
-          <p:cNvPr id="8" name="직사각형 7">
-            <a:extLst>
-              <a:ext uri="{FF2B5EF4-FFF2-40B4-BE49-F238E27FC236}">
-                <a16:creationId xmlns:a16="http://schemas.microsoft.com/office/drawing/2014/main" id="{DBD7F336-0905-402C-889D-51F9EEB4E582}"/>
-              </a:ext>
-            </a:extLst>
-          </p:cNvPr>
-          <p:cNvSpPr/>
-          <p:nvPr/>
-        </p:nvSpPr>
-        <p:spPr>
-          <a:xfrm>
-            <a:off x="11075824" y="239694"/>
-            <a:ext cx="780176" cy="699874"/>
-          </a:xfrm>
-          <a:prstGeom prst="rect">
-            <a:avLst/>
-          </a:prstGeom>
-          <a:solidFill>
-            <a:schemeClr val="accent6"/>
-          </a:solidFill>
-          <a:ln>
-            <a:noFill/>
-          </a:ln>
-          <a:effectLst>
-            <a:outerShdw blurRad="50800" dist="38100" dir="2700000" algn="tl" rotWithShape="0">
-              <a:prstClr val="black">
-                <a:alpha val="40000"/>
-              </a:prstClr>
-            </a:outerShdw>
-          </a:effectLst>
-        </p:spPr>
-        <p:style>
-          <a:lnRef idx="2">
-            <a:schemeClr val="accent1">
-              <a:shade val="50000"/>
-            </a:schemeClr>
-          </a:lnRef>
-          <a:fillRef idx="1">
-            <a:schemeClr val="accent1"/>
-          </a:fillRef>
-          <a:effectRef idx="0">
-            <a:schemeClr val="accent1"/>
-          </a:effectRef>
-          <a:fontRef idx="minor">
-            <a:schemeClr val="lt1"/>
-          </a:fontRef>
-        </p:style>
-        <p:txBody>
-          <a:bodyPr rtlCol="0" anchor="ctr"/>
-          <a:lstStyle/>
-          <a:p>
-            <a:pPr algn="ctr"/>
-            <a:r>
-              <a:rPr lang="en-US" altLang="ko-KR" b="1" dirty="0">
-                <a:solidFill>
-                  <a:schemeClr val="tx1"/>
-                </a:solidFill>
-                <a:latin typeface="+mj-ea"/>
-                <a:ea typeface="+mj-ea"/>
-              </a:rPr>
-              <a:t>P.12</a:t>
-            </a:r>
-            <a:endParaRPr lang="ko-KR" altLang="en-US" b="1" dirty="0">
-              <a:solidFill>
-                <a:schemeClr val="tx1"/>
-              </a:solidFill>
-              <a:latin typeface="+mj-ea"/>
-              <a:ea typeface="+mj-ea"/>
-            </a:endParaRPr>
-          </a:p>
-        </p:txBody>
-      </p:sp>
-      <p:sp>
-        <p:nvSpPr>
-          <p:cNvPr id="9" name="직사각형 8">
-            <a:extLst>
-              <a:ext uri="{FF2B5EF4-FFF2-40B4-BE49-F238E27FC236}">
-                <a16:creationId xmlns:a16="http://schemas.microsoft.com/office/drawing/2014/main" id="{AAA937B3-D91A-4A31-8BDA-D2AC4F3E4A1E}"/>
-              </a:ext>
-            </a:extLst>
-          </p:cNvPr>
-          <p:cNvSpPr/>
-          <p:nvPr/>
-        </p:nvSpPr>
-        <p:spPr>
-          <a:xfrm>
-            <a:off x="336001" y="239693"/>
-            <a:ext cx="1132072" cy="699875"/>
-          </a:xfrm>
-          <a:prstGeom prst="rect">
-            <a:avLst/>
-          </a:prstGeom>
-          <a:solidFill>
-            <a:schemeClr val="accent6"/>
-          </a:solidFill>
-          <a:ln>
-            <a:noFill/>
-          </a:ln>
-        </p:spPr>
-        <p:style>
-          <a:lnRef idx="2">
-            <a:schemeClr val="accent1">
-              <a:shade val="50000"/>
-            </a:schemeClr>
-          </a:lnRef>
-          <a:fillRef idx="1">
-            <a:schemeClr val="accent1"/>
-          </a:fillRef>
-          <a:effectRef idx="0">
-            <a:schemeClr val="accent1"/>
-          </a:effectRef>
-          <a:fontRef idx="minor">
-            <a:schemeClr val="lt1"/>
-          </a:fontRef>
-        </p:style>
-        <p:txBody>
-          <a:bodyPr rtlCol="0" anchor="ctr"/>
-          <a:lstStyle/>
-          <a:p>
-            <a:pPr algn="ctr"/>
-            <a:r>
-              <a:rPr lang="en-US" altLang="ko-KR" sz="3200" b="1" dirty="0">
-                <a:latin typeface="+mj-ea"/>
-                <a:ea typeface="+mj-ea"/>
-              </a:rPr>
-              <a:t>8</a:t>
-            </a:r>
-            <a:endParaRPr lang="ko-KR" altLang="en-US" sz="3200" b="1" dirty="0">
-              <a:latin typeface="+mj-ea"/>
-              <a:ea typeface="+mj-ea"/>
-            </a:endParaRPr>
-          </a:p>
-        </p:txBody>
-      </p:sp>
-      <p:sp>
-        <p:nvSpPr>
-          <p:cNvPr id="11" name="사각형: 둥근 모서리 10">
-            <a:extLst>
-              <a:ext uri="{FF2B5EF4-FFF2-40B4-BE49-F238E27FC236}">
-                <a16:creationId xmlns:a16="http://schemas.microsoft.com/office/drawing/2014/main" id="{7EB6CC68-8E49-43C6-9B89-B442E05EFAF9}"/>
-              </a:ext>
-            </a:extLst>
-          </p:cNvPr>
-          <p:cNvSpPr/>
-          <p:nvPr/>
-        </p:nvSpPr>
-        <p:spPr>
-          <a:xfrm>
-            <a:off x="336000" y="939568"/>
-            <a:ext cx="11520000" cy="56030"/>
-          </a:xfrm>
-          <a:prstGeom prst="roundRect">
-            <a:avLst/>
-          </a:prstGeom>
-          <a:solidFill>
-            <a:schemeClr val="accent6"/>
-          </a:solidFill>
-          <a:ln>
-            <a:noFill/>
-          </a:ln>
-          <a:effectLst>
-            <a:outerShdw blurRad="50800" dist="38100" dir="2700000" algn="tl" rotWithShape="0">
-              <a:prstClr val="black">
-                <a:alpha val="40000"/>
-              </a:prstClr>
-            </a:outerShdw>
-          </a:effectLst>
-        </p:spPr>
-        <p:style>
-          <a:lnRef idx="2">
-            <a:schemeClr val="accent1">
-              <a:shade val="50000"/>
-            </a:schemeClr>
-          </a:lnRef>
-          <a:fillRef idx="1">
-            <a:schemeClr val="accent1"/>
-          </a:fillRef>
-          <a:effectRef idx="0">
-            <a:schemeClr val="accent1"/>
-          </a:effectRef>
-          <a:fontRef idx="minor">
-            <a:schemeClr val="lt1"/>
-          </a:fontRef>
-        </p:style>
-        <p:txBody>
-          <a:bodyPr rtlCol="0" anchor="ctr"/>
-          <a:lstStyle/>
-          <a:p>
-            <a:pPr algn="ctr"/>
-            <a:endParaRPr lang="ko-KR" altLang="en-US" b="1">
-              <a:solidFill>
-                <a:schemeClr val="bg1"/>
-              </a:solidFill>
-              <a:latin typeface="+mj-ea"/>
-              <a:ea typeface="+mj-ea"/>
-            </a:endParaRPr>
-          </a:p>
-        </p:txBody>
-      </p:sp>
-    </p:spTree>
-    <p:extLst>
-      <p:ext uri="{BB962C8B-B14F-4D97-AF65-F5344CB8AC3E}">
-        <p14:creationId xmlns:p14="http://schemas.microsoft.com/office/powerpoint/2010/main" val="1337826418"/>
-      </p:ext>
-    </p:extLst>
-  </p:cSld>
-  <p:clrMapOvr>
-    <a:masterClrMapping/>
-  </p:clrMapOvr>
-</p:sld>
-</file>
-
-<file path=ppt/slides/slide13.xml><?xml version="1.0" encoding="utf-8"?>
-<p:sld xmlns:a="http://schemas.openxmlformats.org/drawingml/2006/main" xmlns:r="http://schemas.openxmlformats.org/officeDocument/2006/relationships" xmlns:p="http://schemas.openxmlformats.org/presentationml/2006/main">
-  <p:cSld>
-    <p:bg>
-      <p:bgPr>
-        <a:gradFill flip="none" rotWithShape="1">
-          <a:gsLst>
-            <a:gs pos="0">
-              <a:schemeClr val="accent5">
-                <a:lumMod val="5000"/>
-                <a:lumOff val="95000"/>
-              </a:schemeClr>
-            </a:gs>
-            <a:gs pos="14000">
-              <a:schemeClr val="tx1"/>
-            </a:gs>
-            <a:gs pos="47000">
-              <a:schemeClr val="accent6">
-                <a:lumMod val="20000"/>
-                <a:lumOff val="80000"/>
-              </a:schemeClr>
-            </a:gs>
-          </a:gsLst>
-          <a:lin ang="2700000" scaled="1"/>
-          <a:tileRect/>
-        </a:gradFill>
-        <a:effectLst/>
-      </p:bgPr>
-    </p:bg>
-    <p:spTree>
-      <p:nvGrpSpPr>
-        <p:cNvPr id="1" name=""/>
-        <p:cNvGrpSpPr/>
-        <p:nvPr/>
-      </p:nvGrpSpPr>
-      <p:grpSpPr>
-        <a:xfrm>
-          <a:off x="0" y="0"/>
-          <a:ext cx="0" cy="0"/>
-          <a:chOff x="0" y="0"/>
-          <a:chExt cx="0" cy="0"/>
-        </a:xfrm>
-      </p:grpSpPr>
-      <p:sp>
-        <p:nvSpPr>
-          <p:cNvPr id="6" name="TextBox 5">
-            <a:extLst>
-              <a:ext uri="{FF2B5EF4-FFF2-40B4-BE49-F238E27FC236}">
-                <a16:creationId xmlns:a16="http://schemas.microsoft.com/office/drawing/2014/main" id="{E83FA80F-78F0-4D89-AD4E-D5B8B5826C9D}"/>
-              </a:ext>
-            </a:extLst>
-          </p:cNvPr>
-          <p:cNvSpPr txBox="1"/>
-          <p:nvPr/>
-        </p:nvSpPr>
-        <p:spPr>
-          <a:xfrm>
-            <a:off x="3438146" y="3013501"/>
-            <a:ext cx="5315708" cy="769441"/>
-          </a:xfrm>
-          <a:prstGeom prst="rect">
-            <a:avLst/>
-          </a:prstGeom>
-          <a:noFill/>
-        </p:spPr>
-        <p:txBody>
-          <a:bodyPr wrap="square" rtlCol="0">
-            <a:spAutoFit/>
-          </a:bodyPr>
-          <a:lstStyle/>
-          <a:p>
-            <a:pPr algn="ctr"/>
-            <a:r>
-              <a:rPr lang="ko-KR" altLang="en-US" sz="4400" b="1" dirty="0">
-                <a:solidFill>
-                  <a:schemeClr val="bg1"/>
-                </a:solidFill>
-                <a:latin typeface="+mn-ea"/>
-              </a:rPr>
-              <a:t>감사합니다</a:t>
-            </a:r>
-            <a:endParaRPr lang="en-US" altLang="ko-KR" sz="4400" b="1" dirty="0">
-              <a:solidFill>
-                <a:schemeClr val="bg1"/>
-              </a:solidFill>
-              <a:latin typeface="+mn-ea"/>
-            </a:endParaRPr>
-          </a:p>
-        </p:txBody>
-      </p:sp>
-    </p:spTree>
-    <p:extLst>
-      <p:ext uri="{BB962C8B-B14F-4D97-AF65-F5344CB8AC3E}">
-        <p14:creationId xmlns:p14="http://schemas.microsoft.com/office/powerpoint/2010/main" val="676331632"/>
-      </p:ext>
-    </p:extLst>
-  </p:cSld>
-  <p:clrMapOvr>
-    <a:masterClrMapping/>
-  </p:clrMapOvr>
-</p:sld>
-</file>
-
-<file path=ppt/slides/slide14.xml><?xml version="1.0" encoding="utf-8"?>
-<p:sld xmlns:a="http://schemas.openxmlformats.org/drawingml/2006/main" xmlns:r="http://schemas.openxmlformats.org/officeDocument/2006/relationships" xmlns:p="http://schemas.openxmlformats.org/presentationml/2006/main">
-  <p:cSld>
-    <p:spTree>
-      <p:nvGrpSpPr>
-        <p:cNvPr id="1" name=""/>
-        <p:cNvGrpSpPr/>
-        <p:nvPr/>
-      </p:nvGrpSpPr>
-      <p:grpSpPr>
-        <a:xfrm>
-          <a:off x="0" y="0"/>
-          <a:ext cx="0" cy="0"/>
-          <a:chOff x="0" y="0"/>
-          <a:chExt cx="0" cy="0"/>
-        </a:xfrm>
-      </p:grpSpPr>
-      <p:sp>
-        <p:nvSpPr>
-          <p:cNvPr id="7" name="직사각형 6">
-            <a:extLst>
-              <a:ext uri="{FF2B5EF4-FFF2-40B4-BE49-F238E27FC236}">
-                <a16:creationId xmlns:a16="http://schemas.microsoft.com/office/drawing/2014/main" id="{25FE6915-9B85-4932-BFE3-F13832FD48E9}"/>
+                <a16:creationId xmlns:a16="http://schemas.microsoft.com/office/drawing/2014/main" id="{93C15710-B9E8-44B8-A227-6BE351F21C86}"/>
               </a:ext>
             </a:extLst>
           </p:cNvPr>
@@ -9137,15 +12872,35 @@
               </a:rPr>
               <a:t> </a:t>
             </a:r>
-          </a:p>
-        </p:txBody>
-      </p:sp>
-      <p:sp>
-        <p:nvSpPr>
-          <p:cNvPr id="8" name="직사각형 7">
+            <a:r>
+              <a:rPr lang="ko-KR" altLang="en-US" sz="3200" b="1" dirty="0" err="1">
+                <a:solidFill>
+                  <a:schemeClr val="bg1"/>
+                </a:solidFill>
+                <a:latin typeface="+mj-ea"/>
+                <a:ea typeface="+mj-ea"/>
+              </a:rPr>
+              <a:t>커밋</a:t>
+            </a:r>
+            <a:r>
+              <a:rPr lang="ko-KR" altLang="en-US" sz="3200" b="1" dirty="0">
+                <a:solidFill>
+                  <a:schemeClr val="bg1"/>
+                </a:solidFill>
+                <a:latin typeface="+mj-ea"/>
+                <a:ea typeface="+mj-ea"/>
+              </a:rPr>
+              <a:t> 로그</a:t>
+            </a:r>
+          </a:p>
+        </p:txBody>
+      </p:sp>
+      <p:sp>
+        <p:nvSpPr>
+          <p:cNvPr id="19" name="직사각형 18">
             <a:extLst>
               <a:ext uri="{FF2B5EF4-FFF2-40B4-BE49-F238E27FC236}">
-                <a16:creationId xmlns:a16="http://schemas.microsoft.com/office/drawing/2014/main" id="{DBD7F336-0905-402C-889D-51F9EEB4E582}"/>
+                <a16:creationId xmlns:a16="http://schemas.microsoft.com/office/drawing/2014/main" id="{53BD218C-7D68-4E49-83F8-CF89FF2C9B82}"/>
               </a:ext>
             </a:extLst>
           </p:cNvPr>
@@ -9198,6 +12953,16 @@
           <a:lstStyle/>
           <a:p>
             <a:pPr algn="ctr"/>
+            <a:r>
+              <a:rPr lang="en-US" altLang="ko-KR" b="1" dirty="0">
+                <a:solidFill>
+                  <a:schemeClr val="tx1"/>
+                </a:solidFill>
+                <a:latin typeface="+mj-ea"/>
+                <a:ea typeface="+mj-ea"/>
+              </a:rPr>
+              <a:t>P.15</a:t>
+            </a:r>
             <a:endParaRPr lang="ko-KR" altLang="en-US" b="1" dirty="0">
               <a:solidFill>
                 <a:schemeClr val="tx1"/>
@@ -9210,10 +12975,10 @@
       </p:sp>
       <p:sp>
         <p:nvSpPr>
-          <p:cNvPr id="9" name="직사각형 8">
+          <p:cNvPr id="20" name="직사각형 19">
             <a:extLst>
               <a:ext uri="{FF2B5EF4-FFF2-40B4-BE49-F238E27FC236}">
-                <a16:creationId xmlns:a16="http://schemas.microsoft.com/office/drawing/2014/main" id="{AAA937B3-D91A-4A31-8BDA-D2AC4F3E4A1E}"/>
+                <a16:creationId xmlns:a16="http://schemas.microsoft.com/office/drawing/2014/main" id="{B457F1E1-0FA1-4605-AEA2-9F6747C0C720}"/>
               </a:ext>
             </a:extLst>
           </p:cNvPr>
@@ -9268,10 +13033,10 @@
       </p:sp>
       <p:sp>
         <p:nvSpPr>
-          <p:cNvPr id="11" name="사각형: 둥근 모서리 10">
+          <p:cNvPr id="21" name="사각형: 둥근 모서리 20">
             <a:extLst>
               <a:ext uri="{FF2B5EF4-FFF2-40B4-BE49-F238E27FC236}">
-                <a16:creationId xmlns:a16="http://schemas.microsoft.com/office/drawing/2014/main" id="{7EB6CC68-8E49-43C6-9B89-B442E05EFAF9}"/>
+                <a16:creationId xmlns:a16="http://schemas.microsoft.com/office/drawing/2014/main" id="{1DB7F1FD-FF01-4C20-86B8-35190C7157FA}"/>
               </a:ext>
             </a:extLst>
           </p:cNvPr>
@@ -9337,302 +13102,7 @@
     </p:spTree>
     <p:extLst>
       <p:ext uri="{BB962C8B-B14F-4D97-AF65-F5344CB8AC3E}">
-        <p14:creationId xmlns:p14="http://schemas.microsoft.com/office/powerpoint/2010/main" val="3299092138"/>
-      </p:ext>
-    </p:extLst>
-  </p:cSld>
-  <p:clrMapOvr>
-    <a:masterClrMapping/>
-  </p:clrMapOvr>
-</p:sld>
-</file>
-
-<file path=ppt/slides/slide15.xml><?xml version="1.0" encoding="utf-8"?>
-<p:sld xmlns:a="http://schemas.openxmlformats.org/drawingml/2006/main" xmlns:r="http://schemas.openxmlformats.org/officeDocument/2006/relationships" xmlns:p="http://schemas.openxmlformats.org/presentationml/2006/main">
-  <p:cSld>
-    <p:spTree>
-      <p:nvGrpSpPr>
-        <p:cNvPr id="1" name=""/>
-        <p:cNvGrpSpPr/>
-        <p:nvPr/>
-      </p:nvGrpSpPr>
-      <p:grpSpPr>
-        <a:xfrm>
-          <a:off x="0" y="0"/>
-          <a:ext cx="0" cy="0"/>
-          <a:chOff x="0" y="0"/>
-          <a:chExt cx="0" cy="0"/>
-        </a:xfrm>
-      </p:grpSpPr>
-      <p:sp>
-        <p:nvSpPr>
-          <p:cNvPr id="7" name="직사각형 6">
-            <a:extLst>
-              <a:ext uri="{FF2B5EF4-FFF2-40B4-BE49-F238E27FC236}">
-                <a16:creationId xmlns:a16="http://schemas.microsoft.com/office/drawing/2014/main" id="{25FE6915-9B85-4932-BFE3-F13832FD48E9}"/>
-              </a:ext>
-            </a:extLst>
-          </p:cNvPr>
-          <p:cNvSpPr/>
-          <p:nvPr/>
-        </p:nvSpPr>
-        <p:spPr>
-          <a:xfrm>
-            <a:off x="1468074" y="239694"/>
-            <a:ext cx="10387926" cy="699874"/>
-          </a:xfrm>
-          <a:prstGeom prst="rect">
-            <a:avLst/>
-          </a:prstGeom>
-          <a:solidFill>
-            <a:schemeClr val="accent6">
-              <a:lumMod val="20000"/>
-              <a:lumOff val="80000"/>
-            </a:schemeClr>
-          </a:solidFill>
-          <a:ln>
-            <a:noFill/>
-          </a:ln>
-        </p:spPr>
-        <p:style>
-          <a:lnRef idx="2">
-            <a:schemeClr val="accent1">
-              <a:shade val="50000"/>
-            </a:schemeClr>
-          </a:lnRef>
-          <a:fillRef idx="1">
-            <a:schemeClr val="accent1"/>
-          </a:fillRef>
-          <a:effectRef idx="0">
-            <a:schemeClr val="accent1"/>
-          </a:effectRef>
-          <a:fontRef idx="minor">
-            <a:schemeClr val="lt1"/>
-          </a:fontRef>
-        </p:style>
-        <p:txBody>
-          <a:bodyPr rtlCol="0" anchor="ctr"/>
-          <a:lstStyle/>
-          <a:p>
-            <a:r>
-              <a:rPr lang="ko-KR" altLang="en-US" sz="3200" b="1" dirty="0">
-                <a:solidFill>
-                  <a:schemeClr val="bg1"/>
-                </a:solidFill>
-                <a:latin typeface="+mj-ea"/>
-                <a:ea typeface="+mj-ea"/>
-              </a:rPr>
-              <a:t>향후 개발 일정</a:t>
-            </a:r>
-          </a:p>
-        </p:txBody>
-      </p:sp>
-      <p:sp>
-        <p:nvSpPr>
-          <p:cNvPr id="8" name="직사각형 7">
-            <a:extLst>
-              <a:ext uri="{FF2B5EF4-FFF2-40B4-BE49-F238E27FC236}">
-                <a16:creationId xmlns:a16="http://schemas.microsoft.com/office/drawing/2014/main" id="{DBD7F336-0905-402C-889D-51F9EEB4E582}"/>
-              </a:ext>
-            </a:extLst>
-          </p:cNvPr>
-          <p:cNvSpPr/>
-          <p:nvPr/>
-        </p:nvSpPr>
-        <p:spPr>
-          <a:xfrm>
-            <a:off x="11075824" y="239694"/>
-            <a:ext cx="780176" cy="699874"/>
-          </a:xfrm>
-          <a:prstGeom prst="rect">
-            <a:avLst/>
-          </a:prstGeom>
-          <a:solidFill>
-            <a:schemeClr val="accent6"/>
-          </a:solidFill>
-          <a:ln>
-            <a:noFill/>
-          </a:ln>
-          <a:effectLst>
-            <a:outerShdw blurRad="50800" dist="38100" dir="2700000" algn="tl" rotWithShape="0">
-              <a:prstClr val="black">
-                <a:alpha val="40000"/>
-              </a:prstClr>
-            </a:outerShdw>
-          </a:effectLst>
-        </p:spPr>
-        <p:style>
-          <a:lnRef idx="2">
-            <a:schemeClr val="accent1">
-              <a:shade val="50000"/>
-            </a:schemeClr>
-          </a:lnRef>
-          <a:fillRef idx="1">
-            <a:schemeClr val="accent1"/>
-          </a:fillRef>
-          <a:effectRef idx="0">
-            <a:schemeClr val="accent1"/>
-          </a:effectRef>
-          <a:fontRef idx="minor">
-            <a:schemeClr val="lt1"/>
-          </a:fontRef>
-        </p:style>
-        <p:txBody>
-          <a:bodyPr rtlCol="0" anchor="ctr"/>
-          <a:lstStyle/>
-          <a:p>
-            <a:pPr algn="ctr"/>
-            <a:r>
-              <a:rPr lang="en-US" altLang="ko-KR" b="1" dirty="0">
-                <a:solidFill>
-                  <a:schemeClr val="tx1"/>
-                </a:solidFill>
-                <a:latin typeface="+mj-ea"/>
-                <a:ea typeface="+mj-ea"/>
-              </a:rPr>
-              <a:t>P.11</a:t>
-            </a:r>
-            <a:endParaRPr lang="ko-KR" altLang="en-US" b="1" dirty="0">
-              <a:solidFill>
-                <a:schemeClr val="tx1"/>
-              </a:solidFill>
-              <a:latin typeface="+mj-ea"/>
-              <a:ea typeface="+mj-ea"/>
-            </a:endParaRPr>
-          </a:p>
-        </p:txBody>
-      </p:sp>
-      <p:sp>
-        <p:nvSpPr>
-          <p:cNvPr id="9" name="직사각형 8">
-            <a:extLst>
-              <a:ext uri="{FF2B5EF4-FFF2-40B4-BE49-F238E27FC236}">
-                <a16:creationId xmlns:a16="http://schemas.microsoft.com/office/drawing/2014/main" id="{AAA937B3-D91A-4A31-8BDA-D2AC4F3E4A1E}"/>
-              </a:ext>
-            </a:extLst>
-          </p:cNvPr>
-          <p:cNvSpPr/>
-          <p:nvPr/>
-        </p:nvSpPr>
-        <p:spPr>
-          <a:xfrm>
-            <a:off x="336001" y="239693"/>
-            <a:ext cx="1132072" cy="699875"/>
-          </a:xfrm>
-          <a:prstGeom prst="rect">
-            <a:avLst/>
-          </a:prstGeom>
-          <a:solidFill>
-            <a:schemeClr val="accent6"/>
-          </a:solidFill>
-          <a:ln>
-            <a:noFill/>
-          </a:ln>
-        </p:spPr>
-        <p:style>
-          <a:lnRef idx="2">
-            <a:schemeClr val="accent1">
-              <a:shade val="50000"/>
-            </a:schemeClr>
-          </a:lnRef>
-          <a:fillRef idx="1">
-            <a:schemeClr val="accent1"/>
-          </a:fillRef>
-          <a:effectRef idx="0">
-            <a:schemeClr val="accent1"/>
-          </a:effectRef>
-          <a:fontRef idx="minor">
-            <a:schemeClr val="lt1"/>
-          </a:fontRef>
-        </p:style>
-        <p:txBody>
-          <a:bodyPr rtlCol="0" anchor="ctr"/>
-          <a:lstStyle/>
-          <a:p>
-            <a:pPr algn="ctr"/>
-            <a:r>
-              <a:rPr lang="en-US" altLang="ko-KR" sz="3200" b="1" dirty="0">
-                <a:latin typeface="+mj-ea"/>
-                <a:ea typeface="+mj-ea"/>
-              </a:rPr>
-              <a:t>6</a:t>
-            </a:r>
-            <a:endParaRPr lang="ko-KR" altLang="en-US" sz="3200" b="1" dirty="0">
-              <a:latin typeface="+mj-ea"/>
-              <a:ea typeface="+mj-ea"/>
-            </a:endParaRPr>
-          </a:p>
-        </p:txBody>
-      </p:sp>
-      <p:sp>
-        <p:nvSpPr>
-          <p:cNvPr id="11" name="사각형: 둥근 모서리 10">
-            <a:extLst>
-              <a:ext uri="{FF2B5EF4-FFF2-40B4-BE49-F238E27FC236}">
-                <a16:creationId xmlns:a16="http://schemas.microsoft.com/office/drawing/2014/main" id="{7EB6CC68-8E49-43C6-9B89-B442E05EFAF9}"/>
-              </a:ext>
-            </a:extLst>
-          </p:cNvPr>
-          <p:cNvSpPr/>
-          <p:nvPr/>
-        </p:nvSpPr>
-        <p:spPr>
-          <a:xfrm>
-            <a:off x="336000" y="939568"/>
-            <a:ext cx="11520000" cy="56030"/>
-          </a:xfrm>
-          <a:prstGeom prst="roundRect">
-            <a:avLst/>
-          </a:prstGeom>
-          <a:solidFill>
-            <a:schemeClr val="accent6"/>
-          </a:solidFill>
-          <a:ln>
-            <a:noFill/>
-          </a:ln>
-          <a:effectLst>
-            <a:outerShdw blurRad="50800" dist="38100" dir="2700000" algn="tl" rotWithShape="0">
-              <a:prstClr val="black">
-                <a:alpha val="40000"/>
-              </a:prstClr>
-            </a:outerShdw>
-          </a:effectLst>
-        </p:spPr>
-        <p:style>
-          <a:lnRef idx="2">
-            <a:schemeClr val="accent1">
-              <a:shade val="50000"/>
-            </a:schemeClr>
-          </a:lnRef>
-          <a:fillRef idx="1">
-            <a:schemeClr val="accent1"/>
-          </a:fillRef>
-          <a:effectRef idx="0">
-            <a:schemeClr val="accent1"/>
-          </a:effectRef>
-          <a:fontRef idx="minor">
-            <a:schemeClr val="lt1"/>
-          </a:fontRef>
-        </p:style>
-        <p:txBody>
-          <a:bodyPr rtlCol="0" anchor="ctr"/>
-          <a:lstStyle/>
-          <a:p>
-            <a:pPr algn="ctr"/>
-            <a:endParaRPr lang="ko-KR" altLang="en-US" b="1">
-              <a:solidFill>
-                <a:schemeClr val="bg1"/>
-              </a:solidFill>
-              <a:latin typeface="+mj-ea"/>
-              <a:ea typeface="+mj-ea"/>
-            </a:endParaRPr>
-          </a:p>
-        </p:txBody>
-      </p:sp>
-    </p:spTree>
-    <p:extLst>
-      <p:ext uri="{BB962C8B-B14F-4D97-AF65-F5344CB8AC3E}">
-        <p14:creationId xmlns:p14="http://schemas.microsoft.com/office/powerpoint/2010/main" val="784159350"/>
+        <p14:creationId xmlns:p14="http://schemas.microsoft.com/office/powerpoint/2010/main" val="1974536580"/>
       </p:ext>
     </p:extLst>
   </p:cSld>
@@ -9674,7 +13144,7 @@
         <p:spPr>
           <a:xfrm>
             <a:off x="1468073" y="1412262"/>
-            <a:ext cx="9607751" cy="4708981"/>
+            <a:ext cx="9607751" cy="3477875"/>
           </a:xfrm>
           <a:prstGeom prst="rect">
             <a:avLst/>
@@ -9728,7 +13198,7 @@
                 </a:solidFill>
                 <a:latin typeface="+mn-ea"/>
               </a:rPr>
-              <a:t>게임 조작</a:t>
+              <a:t>기술적 요소 및 중점 연구 분야</a:t>
             </a:r>
             <a:endParaRPr lang="en-US" altLang="ko-KR" sz="2000" b="1" dirty="0">
               <a:solidFill>
@@ -9759,7 +13229,7 @@
                 </a:solidFill>
                 <a:latin typeface="+mn-ea"/>
               </a:rPr>
-              <a:t>기술적 요소 및 중점 연구 분야</a:t>
+              <a:t>개발 내용</a:t>
             </a:r>
             <a:endParaRPr lang="en-US" altLang="ko-KR" sz="2000" b="1" dirty="0">
               <a:solidFill>
@@ -9790,7 +13260,7 @@
                 </a:solidFill>
                 <a:latin typeface="+mn-ea"/>
               </a:rPr>
-              <a:t>개발 내용</a:t>
+              <a:t>문제점 및 보완책</a:t>
             </a:r>
             <a:endParaRPr lang="en-US" altLang="ko-KR" sz="2000" b="1" dirty="0">
               <a:solidFill>
@@ -9821,78 +13291,7 @@
                 </a:solidFill>
                 <a:latin typeface="+mn-ea"/>
               </a:rPr>
-              <a:t>문제점 및 보완책</a:t>
-            </a:r>
-            <a:endParaRPr lang="en-US" altLang="ko-KR" sz="2000" b="1" dirty="0">
-              <a:solidFill>
-                <a:schemeClr val="bg1"/>
-              </a:solidFill>
-              <a:latin typeface="+mn-ea"/>
-            </a:endParaRPr>
-          </a:p>
-          <a:p>
-            <a:pPr marL="342900" indent="-342900">
-              <a:buAutoNum type="arabicPeriod"/>
-            </a:pPr>
-            <a:endParaRPr lang="en-US" altLang="ko-KR" sz="2000" b="1" dirty="0">
-              <a:solidFill>
-                <a:schemeClr val="bg1"/>
-              </a:solidFill>
-              <a:latin typeface="+mn-ea"/>
-            </a:endParaRPr>
-          </a:p>
-          <a:p>
-            <a:pPr marL="342900" indent="-342900">
-              <a:buAutoNum type="arabicPeriod"/>
-            </a:pPr>
-            <a:r>
-              <a:rPr lang="ko-KR" altLang="en-US" sz="2000" b="1" dirty="0">
-                <a:solidFill>
-                  <a:schemeClr val="bg1"/>
-                </a:solidFill>
-                <a:latin typeface="+mn-ea"/>
-              </a:rPr>
               <a:t>향후 개발 일정</a:t>
-            </a:r>
-            <a:endParaRPr lang="en-US" altLang="ko-KR" sz="2000" b="1" dirty="0">
-              <a:solidFill>
-                <a:schemeClr val="bg1"/>
-              </a:solidFill>
-              <a:latin typeface="+mn-ea"/>
-            </a:endParaRPr>
-          </a:p>
-          <a:p>
-            <a:pPr marL="342900" indent="-342900">
-              <a:buAutoNum type="arabicPeriod"/>
-            </a:pPr>
-            <a:endParaRPr lang="en-US" altLang="ko-KR" sz="2000" b="1" dirty="0">
-              <a:solidFill>
-                <a:schemeClr val="bg1"/>
-              </a:solidFill>
-              <a:latin typeface="+mn-ea"/>
-            </a:endParaRPr>
-          </a:p>
-          <a:p>
-            <a:pPr marL="342900" indent="-342900">
-              <a:buAutoNum type="arabicPeriod"/>
-            </a:pPr>
-            <a:r>
-              <a:rPr lang="ko-KR" altLang="en-US" sz="2000" b="1" dirty="0" err="1">
-                <a:solidFill>
-                  <a:schemeClr val="bg1"/>
-                </a:solidFill>
-                <a:latin typeface="+mn-ea"/>
-              </a:rPr>
-              <a:t>커밋</a:t>
-            </a:r>
-            <a:r>
-              <a:rPr lang="ko-KR" altLang="en-US" sz="2000" b="1" dirty="0">
-                <a:solidFill>
-                  <a:schemeClr val="bg1"/>
-                </a:solidFill>
-                <a:latin typeface="+mn-ea"/>
-              </a:rPr>
-              <a:t> 로그</a:t>
             </a:r>
             <a:endParaRPr lang="en-US" altLang="ko-KR" sz="2000" b="1" dirty="0">
               <a:solidFill>
@@ -14029,7 +17428,7 @@
                 <a:latin typeface="+mj-ea"/>
                 <a:ea typeface="+mj-ea"/>
               </a:rPr>
-              <a:t>게임 조작</a:t>
+              <a:t>기술적 요소 및 중점 연구 분야</a:t>
             </a:r>
           </a:p>
         </p:txBody>
@@ -14099,13 +17498,6 @@
               </a:rPr>
               <a:t>P.05</a:t>
             </a:r>
-            <a:endParaRPr lang="ko-KR" altLang="en-US" b="1" dirty="0">
-              <a:solidFill>
-                <a:schemeClr val="tx1"/>
-              </a:solidFill>
-              <a:latin typeface="+mj-ea"/>
-              <a:ea typeface="+mj-ea"/>
-            </a:endParaRPr>
           </a:p>
         </p:txBody>
       </p:sp>
@@ -14236,53 +17628,12 @@
           </a:p>
         </p:txBody>
       </p:sp>
-      <p:pic>
-        <p:nvPicPr>
-          <p:cNvPr id="3" name="그림 2" descr="텍스트, 전자기기, 키보드, 하얀색이(가) 표시된 사진&#10;&#10;자동 생성된 설명">
+      <p:sp>
+        <p:nvSpPr>
+          <p:cNvPr id="6" name="TextBox 5">
             <a:extLst>
               <a:ext uri="{FF2B5EF4-FFF2-40B4-BE49-F238E27FC236}">
-                <a16:creationId xmlns:a16="http://schemas.microsoft.com/office/drawing/2014/main" id="{06938881-51AB-4660-B3A7-DF3CF15F1DEB}"/>
-              </a:ext>
-            </a:extLst>
-          </p:cNvPr>
-          <p:cNvPicPr>
-            <a:picLocks noChangeAspect="1"/>
-          </p:cNvPicPr>
-          <p:nvPr/>
-        </p:nvPicPr>
-        <p:blipFill>
-          <a:blip r:embed="rId2">
-            <a:extLst>
-              <a:ext uri="{28A0092B-C50C-407E-A947-70E740481C1C}">
-                <a14:useLocalDpi xmlns:a14="http://schemas.microsoft.com/office/drawing/2010/main" val="0"/>
-              </a:ext>
-            </a:extLst>
-          </a:blip>
-          <a:stretch>
-            <a:fillRect/>
-          </a:stretch>
-        </p:blipFill>
-        <p:spPr>
-          <a:xfrm>
-            <a:off x="469900" y="1784350"/>
-            <a:ext cx="11252200" cy="3289300"/>
-          </a:xfrm>
-          <a:prstGeom prst="rect">
-            <a:avLst/>
-          </a:prstGeom>
-          <a:ln w="28575">
-            <a:solidFill>
-              <a:schemeClr val="bg1"/>
-            </a:solidFill>
-          </a:ln>
-        </p:spPr>
-      </p:pic>
-      <p:sp>
-        <p:nvSpPr>
-          <p:cNvPr id="10" name="TextBox 44">
-            <a:extLst>
-              <a:ext uri="{FF2B5EF4-FFF2-40B4-BE49-F238E27FC236}">
-                <a16:creationId xmlns:a16="http://schemas.microsoft.com/office/drawing/2014/main" id="{BCB8C29A-F7AB-4B48-A8C6-A7E4C9A1125B}"/>
+                <a16:creationId xmlns:a16="http://schemas.microsoft.com/office/drawing/2014/main" id="{9DBBC712-DEEB-4FEB-A9E8-A1286C3C23E3}"/>
               </a:ext>
             </a:extLst>
           </p:cNvPr>
@@ -14291,8 +17642,8 @@
         </p:nvSpPr>
         <p:spPr>
           <a:xfrm>
-            <a:off x="7712671" y="5191345"/>
-            <a:ext cx="2137498" cy="338554"/>
+            <a:off x="725689" y="1639442"/>
+            <a:ext cx="9984561" cy="2246769"/>
           </a:xfrm>
           <a:prstGeom prst="rect">
             <a:avLst/>
@@ -14303,497 +17654,134 @@
           <a:bodyPr wrap="square" rtlCol="0">
             <a:spAutoFit/>
           </a:bodyPr>
-          <a:lstStyle>
-            <a:defPPr>
-              <a:defRPr lang="en-US"/>
-            </a:defPPr>
-            <a:lvl1pPr marL="0" algn="l" defTabSz="457200" rtl="0" eaLnBrk="1" latinLnBrk="0" hangingPunct="1">
-              <a:defRPr sz="1800" kern="1200">
-                <a:solidFill>
-                  <a:schemeClr val="tx1"/>
-                </a:solidFill>
-                <a:latin typeface="+mn-lt"/>
-                <a:ea typeface="+mn-ea"/>
-                <a:cs typeface="+mn-cs"/>
-              </a:defRPr>
-            </a:lvl1pPr>
-            <a:lvl2pPr marL="457200" algn="l" defTabSz="457200" rtl="0" eaLnBrk="1" latinLnBrk="0" hangingPunct="1">
-              <a:defRPr sz="1800" kern="1200">
-                <a:solidFill>
-                  <a:schemeClr val="tx1"/>
-                </a:solidFill>
-                <a:latin typeface="+mn-lt"/>
-                <a:ea typeface="+mn-ea"/>
-                <a:cs typeface="+mn-cs"/>
-              </a:defRPr>
-            </a:lvl2pPr>
-            <a:lvl3pPr marL="914400" algn="l" defTabSz="457200" rtl="0" eaLnBrk="1" latinLnBrk="0" hangingPunct="1">
-              <a:defRPr sz="1800" kern="1200">
-                <a:solidFill>
-                  <a:schemeClr val="tx1"/>
-                </a:solidFill>
-                <a:latin typeface="+mn-lt"/>
-                <a:ea typeface="+mn-ea"/>
-                <a:cs typeface="+mn-cs"/>
-              </a:defRPr>
-            </a:lvl3pPr>
-            <a:lvl4pPr marL="1371600" algn="l" defTabSz="457200" rtl="0" eaLnBrk="1" latinLnBrk="0" hangingPunct="1">
-              <a:defRPr sz="1800" kern="1200">
-                <a:solidFill>
-                  <a:schemeClr val="tx1"/>
-                </a:solidFill>
-                <a:latin typeface="+mn-lt"/>
-                <a:ea typeface="+mn-ea"/>
-                <a:cs typeface="+mn-cs"/>
-              </a:defRPr>
-            </a:lvl4pPr>
-            <a:lvl5pPr marL="1828800" algn="l" defTabSz="457200" rtl="0" eaLnBrk="1" latinLnBrk="0" hangingPunct="1">
-              <a:defRPr sz="1800" kern="1200">
-                <a:solidFill>
-                  <a:schemeClr val="tx1"/>
-                </a:solidFill>
-                <a:latin typeface="+mn-lt"/>
-                <a:ea typeface="+mn-ea"/>
-                <a:cs typeface="+mn-cs"/>
-              </a:defRPr>
-            </a:lvl5pPr>
-            <a:lvl6pPr marL="2286000" algn="l" defTabSz="457200" rtl="0" eaLnBrk="1" latinLnBrk="0" hangingPunct="1">
-              <a:defRPr sz="1800" kern="1200">
-                <a:solidFill>
-                  <a:schemeClr val="tx1"/>
-                </a:solidFill>
-                <a:latin typeface="+mn-lt"/>
-                <a:ea typeface="+mn-ea"/>
-                <a:cs typeface="+mn-cs"/>
-              </a:defRPr>
-            </a:lvl6pPr>
-            <a:lvl7pPr marL="2743200" algn="l" defTabSz="457200" rtl="0" eaLnBrk="1" latinLnBrk="0" hangingPunct="1">
-              <a:defRPr sz="1800" kern="1200">
-                <a:solidFill>
-                  <a:schemeClr val="tx1"/>
-                </a:solidFill>
-                <a:latin typeface="+mn-lt"/>
-                <a:ea typeface="+mn-ea"/>
-                <a:cs typeface="+mn-cs"/>
-              </a:defRPr>
-            </a:lvl7pPr>
-            <a:lvl8pPr marL="3200400" algn="l" defTabSz="457200" rtl="0" eaLnBrk="1" latinLnBrk="0" hangingPunct="1">
-              <a:defRPr sz="1800" kern="1200">
-                <a:solidFill>
-                  <a:schemeClr val="tx1"/>
-                </a:solidFill>
-                <a:latin typeface="+mn-lt"/>
-                <a:ea typeface="+mn-ea"/>
-                <a:cs typeface="+mn-cs"/>
-              </a:defRPr>
-            </a:lvl8pPr>
-            <a:lvl9pPr marL="3657600" algn="l" defTabSz="457200" rtl="0" eaLnBrk="1" latinLnBrk="0" hangingPunct="1">
-              <a:defRPr sz="1800" kern="1200">
-                <a:solidFill>
-                  <a:schemeClr val="tx1"/>
-                </a:solidFill>
-                <a:latin typeface="+mn-lt"/>
-                <a:ea typeface="+mn-ea"/>
-                <a:cs typeface="+mn-cs"/>
-              </a:defRPr>
-            </a:lvl9pPr>
-          </a:lstStyle>
-          <a:p>
-            <a:pPr algn="ctr"/>
-            <a:r>
-              <a:rPr lang="en-US" altLang="ko-KR" sz="1600" b="1" dirty="0">
+          <a:lstStyle/>
+          <a:p>
+            <a:r>
+              <a:rPr lang="en-US" altLang="ko-KR" sz="2800" b="1" dirty="0">
                 <a:solidFill>
                   <a:schemeClr val="bg1"/>
                 </a:solidFill>
                 <a:latin typeface="+mn-ea"/>
               </a:rPr>
-              <a:t> </a:t>
-            </a:r>
-            <a:r>
-              <a:rPr lang="ko-KR" altLang="en-US" sz="1600" b="1" dirty="0">
+              <a:t>1. </a:t>
+            </a:r>
+            <a:r>
+              <a:rPr lang="ko-KR" altLang="en-US" sz="2800" b="1" dirty="0">
                 <a:solidFill>
                   <a:schemeClr val="bg1"/>
                 </a:solidFill>
                 <a:latin typeface="+mn-ea"/>
               </a:rPr>
-              <a:t>방향키</a:t>
-            </a:r>
-            <a:r>
-              <a:rPr lang="en-US" altLang="ko-KR" sz="1600" b="1" dirty="0">
+              <a:t>애니메이션 </a:t>
+            </a:r>
+            <a:r>
+              <a:rPr lang="ko-KR" altLang="en-US" sz="2800" b="1" dirty="0" err="1">
                 <a:solidFill>
                   <a:schemeClr val="bg1"/>
                 </a:solidFill>
                 <a:latin typeface="+mn-ea"/>
               </a:rPr>
-              <a:t>: </a:t>
-            </a:r>
-            <a:r>
-              <a:rPr lang="ko-KR" altLang="en-US" sz="1600" dirty="0">
-                <a:solidFill>
-                  <a:schemeClr val="bg1"/>
-                </a:solidFill>
-                <a:latin typeface="+mn-ea"/>
-              </a:rPr>
-              <a:t>캐릭터 이동</a:t>
-            </a:r>
-            <a:endParaRPr lang="en-US" altLang="ko-KR" sz="1600" dirty="0">
+              <a:t>블렌딩</a:t>
+            </a:r>
+            <a:endParaRPr lang="en-US" altLang="ko-KR" sz="2800" b="1" dirty="0">
               <a:solidFill>
                 <a:schemeClr val="bg1"/>
               </a:solidFill>
               <a:latin typeface="+mn-ea"/>
             </a:endParaRPr>
           </a:p>
-        </p:txBody>
-      </p:sp>
-      <p:sp>
-        <p:nvSpPr>
-          <p:cNvPr id="12" name="TextBox 44">
-            <a:extLst>
-              <a:ext uri="{FF2B5EF4-FFF2-40B4-BE49-F238E27FC236}">
-                <a16:creationId xmlns:a16="http://schemas.microsoft.com/office/drawing/2014/main" id="{7AD2E123-FD19-469C-BF52-D1CB6BEB5B17}"/>
-              </a:ext>
-            </a:extLst>
-          </p:cNvPr>
-          <p:cNvSpPr txBox="1"/>
-          <p:nvPr/>
-        </p:nvSpPr>
-        <p:spPr>
-          <a:xfrm>
-            <a:off x="3436046" y="5191345"/>
-            <a:ext cx="2557348" cy="338554"/>
-          </a:xfrm>
-          <a:prstGeom prst="rect">
-            <a:avLst/>
-          </a:prstGeom>
-          <a:noFill/>
-        </p:spPr>
-        <p:txBody>
-          <a:bodyPr wrap="square" rtlCol="0">
-            <a:spAutoFit/>
-          </a:bodyPr>
-          <a:lstStyle>
-            <a:defPPr>
-              <a:defRPr lang="en-US"/>
-            </a:defPPr>
-            <a:lvl1pPr marL="0" algn="l" defTabSz="457200" rtl="0" eaLnBrk="1" latinLnBrk="0" hangingPunct="1">
-              <a:defRPr sz="1800" kern="1200">
-                <a:solidFill>
-                  <a:schemeClr val="tx1"/>
-                </a:solidFill>
-                <a:latin typeface="+mn-lt"/>
-                <a:ea typeface="+mn-ea"/>
-                <a:cs typeface="+mn-cs"/>
-              </a:defRPr>
-            </a:lvl1pPr>
-            <a:lvl2pPr marL="457200" algn="l" defTabSz="457200" rtl="0" eaLnBrk="1" latinLnBrk="0" hangingPunct="1">
-              <a:defRPr sz="1800" kern="1200">
-                <a:solidFill>
-                  <a:schemeClr val="tx1"/>
-                </a:solidFill>
-                <a:latin typeface="+mn-lt"/>
-                <a:ea typeface="+mn-ea"/>
-                <a:cs typeface="+mn-cs"/>
-              </a:defRPr>
-            </a:lvl2pPr>
-            <a:lvl3pPr marL="914400" algn="l" defTabSz="457200" rtl="0" eaLnBrk="1" latinLnBrk="0" hangingPunct="1">
-              <a:defRPr sz="1800" kern="1200">
-                <a:solidFill>
-                  <a:schemeClr val="tx1"/>
-                </a:solidFill>
-                <a:latin typeface="+mn-lt"/>
-                <a:ea typeface="+mn-ea"/>
-                <a:cs typeface="+mn-cs"/>
-              </a:defRPr>
-            </a:lvl3pPr>
-            <a:lvl4pPr marL="1371600" algn="l" defTabSz="457200" rtl="0" eaLnBrk="1" latinLnBrk="0" hangingPunct="1">
-              <a:defRPr sz="1800" kern="1200">
-                <a:solidFill>
-                  <a:schemeClr val="tx1"/>
-                </a:solidFill>
-                <a:latin typeface="+mn-lt"/>
-                <a:ea typeface="+mn-ea"/>
-                <a:cs typeface="+mn-cs"/>
-              </a:defRPr>
-            </a:lvl4pPr>
-            <a:lvl5pPr marL="1828800" algn="l" defTabSz="457200" rtl="0" eaLnBrk="1" latinLnBrk="0" hangingPunct="1">
-              <a:defRPr sz="1800" kern="1200">
-                <a:solidFill>
-                  <a:schemeClr val="tx1"/>
-                </a:solidFill>
-                <a:latin typeface="+mn-lt"/>
-                <a:ea typeface="+mn-ea"/>
-                <a:cs typeface="+mn-cs"/>
-              </a:defRPr>
-            </a:lvl5pPr>
-            <a:lvl6pPr marL="2286000" algn="l" defTabSz="457200" rtl="0" eaLnBrk="1" latinLnBrk="0" hangingPunct="1">
-              <a:defRPr sz="1800" kern="1200">
-                <a:solidFill>
-                  <a:schemeClr val="tx1"/>
-                </a:solidFill>
-                <a:latin typeface="+mn-lt"/>
-                <a:ea typeface="+mn-ea"/>
-                <a:cs typeface="+mn-cs"/>
-              </a:defRPr>
-            </a:lvl6pPr>
-            <a:lvl7pPr marL="2743200" algn="l" defTabSz="457200" rtl="0" eaLnBrk="1" latinLnBrk="0" hangingPunct="1">
-              <a:defRPr sz="1800" kern="1200">
-                <a:solidFill>
-                  <a:schemeClr val="tx1"/>
-                </a:solidFill>
-                <a:latin typeface="+mn-lt"/>
-                <a:ea typeface="+mn-ea"/>
-                <a:cs typeface="+mn-cs"/>
-              </a:defRPr>
-            </a:lvl7pPr>
-            <a:lvl8pPr marL="3200400" algn="l" defTabSz="457200" rtl="0" eaLnBrk="1" latinLnBrk="0" hangingPunct="1">
-              <a:defRPr sz="1800" kern="1200">
-                <a:solidFill>
-                  <a:schemeClr val="tx1"/>
-                </a:solidFill>
-                <a:latin typeface="+mn-lt"/>
-                <a:ea typeface="+mn-ea"/>
-                <a:cs typeface="+mn-cs"/>
-              </a:defRPr>
-            </a:lvl8pPr>
-            <a:lvl9pPr marL="3657600" algn="l" defTabSz="457200" rtl="0" eaLnBrk="1" latinLnBrk="0" hangingPunct="1">
-              <a:defRPr sz="1800" kern="1200">
-                <a:solidFill>
-                  <a:schemeClr val="tx1"/>
-                </a:solidFill>
-                <a:latin typeface="+mn-lt"/>
-                <a:ea typeface="+mn-ea"/>
-                <a:cs typeface="+mn-cs"/>
-              </a:defRPr>
-            </a:lvl9pPr>
-          </a:lstStyle>
-          <a:p>
-            <a:pPr algn="ctr"/>
-            <a:r>
-              <a:rPr lang="en-US" altLang="ko-KR" sz="1600" b="1" dirty="0">
+          <a:p>
+            <a:r>
+              <a:rPr lang="en-US" altLang="ko-KR" sz="2800" b="1" dirty="0">
                 <a:solidFill>
                   <a:schemeClr val="bg1"/>
                 </a:solidFill>
                 <a:latin typeface="+mn-ea"/>
               </a:rPr>
-              <a:t> </a:t>
-            </a:r>
-            <a:r>
-              <a:rPr lang="en-US" altLang="ko-KR" sz="1600" b="1" dirty="0" err="1">
-                <a:solidFill>
-                  <a:schemeClr val="bg1"/>
-                </a:solidFill>
-                <a:latin typeface="+mn-ea"/>
-              </a:rPr>
-              <a:t>SpaceBar</a:t>
-            </a:r>
-            <a:r>
-              <a:rPr lang="en-US" altLang="ko-KR" sz="1600" b="1" dirty="0">
-                <a:solidFill>
-                  <a:schemeClr val="bg1"/>
-                </a:solidFill>
-                <a:latin typeface="+mn-ea"/>
-              </a:rPr>
-              <a:t>: </a:t>
-            </a:r>
-            <a:r>
-              <a:rPr lang="ko-KR" altLang="en-US" sz="1600" dirty="0">
-                <a:solidFill>
-                  <a:schemeClr val="bg1"/>
-                </a:solidFill>
-                <a:latin typeface="+mn-ea"/>
-              </a:rPr>
-              <a:t>상호 작용 키</a:t>
-            </a:r>
-            <a:endParaRPr lang="en-US" altLang="ko-KR" sz="1600" dirty="0">
+              <a:t>	</a:t>
+            </a:r>
+            <a:endParaRPr lang="en-US" altLang="ko-KR" b="1" dirty="0">
               <a:solidFill>
                 <a:schemeClr val="bg1"/>
               </a:solidFill>
               <a:latin typeface="+mn-ea"/>
             </a:endParaRPr>
           </a:p>
-        </p:txBody>
-      </p:sp>
-      <p:sp>
-        <p:nvSpPr>
-          <p:cNvPr id="14" name="TextBox 44">
-            <a:extLst>
-              <a:ext uri="{FF2B5EF4-FFF2-40B4-BE49-F238E27FC236}">
-                <a16:creationId xmlns:a16="http://schemas.microsoft.com/office/drawing/2014/main" id="{4971E5E0-C336-4C7E-B8B6-037BFB0137B9}"/>
-              </a:ext>
-            </a:extLst>
-          </p:cNvPr>
-          <p:cNvSpPr txBox="1"/>
-          <p:nvPr/>
-        </p:nvSpPr>
-        <p:spPr>
-          <a:xfrm>
-            <a:off x="720007" y="5191345"/>
-            <a:ext cx="2557348" cy="338554"/>
-          </a:xfrm>
-          <a:prstGeom prst="rect">
-            <a:avLst/>
-          </a:prstGeom>
-          <a:noFill/>
-        </p:spPr>
-        <p:txBody>
-          <a:bodyPr wrap="square" rtlCol="0">
-            <a:spAutoFit/>
-          </a:bodyPr>
-          <a:lstStyle>
-            <a:defPPr>
-              <a:defRPr lang="en-US"/>
-            </a:defPPr>
-            <a:lvl1pPr marL="0" algn="l" defTabSz="457200" rtl="0" eaLnBrk="1" latinLnBrk="0" hangingPunct="1">
-              <a:defRPr sz="1800" kern="1200">
-                <a:solidFill>
-                  <a:schemeClr val="tx1"/>
-                </a:solidFill>
-                <a:latin typeface="+mn-lt"/>
-                <a:ea typeface="+mn-ea"/>
-                <a:cs typeface="+mn-cs"/>
-              </a:defRPr>
-            </a:lvl1pPr>
-            <a:lvl2pPr marL="457200" algn="l" defTabSz="457200" rtl="0" eaLnBrk="1" latinLnBrk="0" hangingPunct="1">
-              <a:defRPr sz="1800" kern="1200">
-                <a:solidFill>
-                  <a:schemeClr val="tx1"/>
-                </a:solidFill>
-                <a:latin typeface="+mn-lt"/>
-                <a:ea typeface="+mn-ea"/>
-                <a:cs typeface="+mn-cs"/>
-              </a:defRPr>
-            </a:lvl2pPr>
-            <a:lvl3pPr marL="914400" algn="l" defTabSz="457200" rtl="0" eaLnBrk="1" latinLnBrk="0" hangingPunct="1">
-              <a:defRPr sz="1800" kern="1200">
-                <a:solidFill>
-                  <a:schemeClr val="tx1"/>
-                </a:solidFill>
-                <a:latin typeface="+mn-lt"/>
-                <a:ea typeface="+mn-ea"/>
-                <a:cs typeface="+mn-cs"/>
-              </a:defRPr>
-            </a:lvl3pPr>
-            <a:lvl4pPr marL="1371600" algn="l" defTabSz="457200" rtl="0" eaLnBrk="1" latinLnBrk="0" hangingPunct="1">
-              <a:defRPr sz="1800" kern="1200">
-                <a:solidFill>
-                  <a:schemeClr val="tx1"/>
-                </a:solidFill>
-                <a:latin typeface="+mn-lt"/>
-                <a:ea typeface="+mn-ea"/>
-                <a:cs typeface="+mn-cs"/>
-              </a:defRPr>
-            </a:lvl4pPr>
-            <a:lvl5pPr marL="1828800" algn="l" defTabSz="457200" rtl="0" eaLnBrk="1" latinLnBrk="0" hangingPunct="1">
-              <a:defRPr sz="1800" kern="1200">
-                <a:solidFill>
-                  <a:schemeClr val="tx1"/>
-                </a:solidFill>
-                <a:latin typeface="+mn-lt"/>
-                <a:ea typeface="+mn-ea"/>
-                <a:cs typeface="+mn-cs"/>
-              </a:defRPr>
-            </a:lvl5pPr>
-            <a:lvl6pPr marL="2286000" algn="l" defTabSz="457200" rtl="0" eaLnBrk="1" latinLnBrk="0" hangingPunct="1">
-              <a:defRPr sz="1800" kern="1200">
-                <a:solidFill>
-                  <a:schemeClr val="tx1"/>
-                </a:solidFill>
-                <a:latin typeface="+mn-lt"/>
-                <a:ea typeface="+mn-ea"/>
-                <a:cs typeface="+mn-cs"/>
-              </a:defRPr>
-            </a:lvl6pPr>
-            <a:lvl7pPr marL="2743200" algn="l" defTabSz="457200" rtl="0" eaLnBrk="1" latinLnBrk="0" hangingPunct="1">
-              <a:defRPr sz="1800" kern="1200">
-                <a:solidFill>
-                  <a:schemeClr val="tx1"/>
-                </a:solidFill>
-                <a:latin typeface="+mn-lt"/>
-                <a:ea typeface="+mn-ea"/>
-                <a:cs typeface="+mn-cs"/>
-              </a:defRPr>
-            </a:lvl7pPr>
-            <a:lvl8pPr marL="3200400" algn="l" defTabSz="457200" rtl="0" eaLnBrk="1" latinLnBrk="0" hangingPunct="1">
-              <a:defRPr sz="1800" kern="1200">
-                <a:solidFill>
-                  <a:schemeClr val="tx1"/>
-                </a:solidFill>
-                <a:latin typeface="+mn-lt"/>
-                <a:ea typeface="+mn-ea"/>
-                <a:cs typeface="+mn-cs"/>
-              </a:defRPr>
-            </a:lvl8pPr>
-            <a:lvl9pPr marL="3657600" algn="l" defTabSz="457200" rtl="0" eaLnBrk="1" latinLnBrk="0" hangingPunct="1">
-              <a:defRPr sz="1800" kern="1200">
-                <a:solidFill>
-                  <a:schemeClr val="tx1"/>
-                </a:solidFill>
-                <a:latin typeface="+mn-lt"/>
-                <a:ea typeface="+mn-ea"/>
-                <a:cs typeface="+mn-cs"/>
-              </a:defRPr>
-            </a:lvl9pPr>
-          </a:lstStyle>
-          <a:p>
-            <a:pPr algn="ctr"/>
-            <a:r>
-              <a:rPr lang="en-US" altLang="ko-KR" sz="1600" b="1" dirty="0">
+          <a:p>
+            <a:r>
+              <a:rPr lang="en-US" altLang="ko-KR" sz="2800" b="1" dirty="0">
                 <a:solidFill>
                   <a:schemeClr val="bg1"/>
                 </a:solidFill>
                 <a:latin typeface="+mn-ea"/>
               </a:rPr>
-              <a:t>A: </a:t>
-            </a:r>
-            <a:r>
-              <a:rPr lang="ko-KR" altLang="en-US" sz="1600" dirty="0">
+              <a:t>2. IOCP</a:t>
+            </a:r>
+            <a:r>
+              <a:rPr lang="ko-KR" altLang="en-US" sz="2800" b="1" dirty="0">
                 <a:solidFill>
                   <a:schemeClr val="bg1"/>
                 </a:solidFill>
                 <a:latin typeface="+mn-ea"/>
               </a:rPr>
-              <a:t>공격</a:t>
-            </a:r>
-            <a:r>
-              <a:rPr lang="en-US" altLang="ko-KR" sz="1600" dirty="0">
-                <a:solidFill>
-                  <a:schemeClr val="bg1"/>
-                </a:solidFill>
-                <a:latin typeface="+mn-ea"/>
-              </a:rPr>
-              <a:t> </a:t>
-            </a:r>
-            <a:r>
-              <a:rPr lang="en-US" altLang="ko-KR" sz="1600" b="1" dirty="0">
-                <a:solidFill>
-                  <a:schemeClr val="bg1"/>
-                </a:solidFill>
-                <a:latin typeface="+mn-ea"/>
-              </a:rPr>
-              <a:t>S: </a:t>
-            </a:r>
-            <a:r>
-              <a:rPr lang="ko-KR" altLang="en-US" sz="1600" dirty="0">
-                <a:solidFill>
-                  <a:schemeClr val="bg1"/>
-                </a:solidFill>
-                <a:latin typeface="+mn-ea"/>
-              </a:rPr>
-              <a:t>스킬</a:t>
-            </a:r>
-            <a:endParaRPr lang="en-US" altLang="ko-KR" sz="1600" dirty="0">
+              <a:t> 서버</a:t>
+            </a:r>
+            <a:endParaRPr lang="en-US" altLang="ko-KR" sz="2800" b="1" dirty="0">
               <a:solidFill>
                 <a:schemeClr val="bg1"/>
               </a:solidFill>
               <a:latin typeface="+mn-ea"/>
             </a:endParaRPr>
           </a:p>
+          <a:p>
+            <a:endParaRPr lang="en-US" altLang="ko-KR" sz="2800" b="1" dirty="0">
+              <a:solidFill>
+                <a:schemeClr val="bg1"/>
+              </a:solidFill>
+              <a:latin typeface="+mn-ea"/>
+            </a:endParaRPr>
+          </a:p>
+          <a:p>
+            <a:r>
+              <a:rPr lang="en-US" altLang="ko-KR" sz="2800" b="1" dirty="0">
+                <a:solidFill>
+                  <a:schemeClr val="bg1"/>
+                </a:solidFill>
+                <a:latin typeface="+mn-ea"/>
+              </a:rPr>
+              <a:t>3. A* </a:t>
+            </a:r>
+            <a:r>
+              <a:rPr lang="ko-KR" altLang="en-US" sz="2800" b="1" dirty="0" err="1">
+                <a:solidFill>
+                  <a:schemeClr val="bg1"/>
+                </a:solidFill>
+                <a:latin typeface="+mn-ea"/>
+              </a:rPr>
+              <a:t>길찾기</a:t>
+            </a:r>
+            <a:r>
+              <a:rPr lang="ko-KR" altLang="en-US" sz="2800" b="1" dirty="0">
+                <a:solidFill>
+                  <a:schemeClr val="bg1"/>
+                </a:solidFill>
+                <a:latin typeface="+mn-ea"/>
+              </a:rPr>
+              <a:t> 알고리즘</a:t>
+            </a:r>
+            <a:endParaRPr lang="en-US" altLang="ko-KR" sz="2800" b="1" dirty="0">
+              <a:solidFill>
+                <a:schemeClr val="bg1"/>
+              </a:solidFill>
+              <a:latin typeface="+mn-ea"/>
+            </a:endParaRPr>
+          </a:p>
         </p:txBody>
       </p:sp>
     </p:spTree>
     <p:extLst>
       <p:ext uri="{BB962C8B-B14F-4D97-AF65-F5344CB8AC3E}">
-        <p14:creationId xmlns:p14="http://schemas.microsoft.com/office/powerpoint/2010/main" val="2323475270"/>
+        <p14:creationId xmlns:p14="http://schemas.microsoft.com/office/powerpoint/2010/main" val="3188049085"/>
       </p:ext>
     </p:extLst>
   </p:cSld>
@@ -14888,7 +17876,7 @@
                 <a:latin typeface="+mj-ea"/>
                 <a:ea typeface="+mj-ea"/>
               </a:rPr>
-              <a:t>기술적 요소 및 중점 연구 분야</a:t>
+              <a:t>개발 내용</a:t>
             </a:r>
           </a:p>
         </p:txBody>
@@ -14958,6 +17946,13 @@
               </a:rPr>
               <a:t>P.06</a:t>
             </a:r>
+            <a:endParaRPr lang="ko-KR" altLang="en-US" b="1" dirty="0">
+              <a:solidFill>
+                <a:schemeClr val="tx1"/>
+              </a:solidFill>
+              <a:latin typeface="+mj-ea"/>
+              <a:ea typeface="+mj-ea"/>
+            </a:endParaRPr>
           </a:p>
         </p:txBody>
       </p:sp>
@@ -15090,10 +18085,10 @@
       </p:sp>
       <p:sp>
         <p:nvSpPr>
-          <p:cNvPr id="6" name="TextBox 5">
+          <p:cNvPr id="10" name="TextBox 44">
             <a:extLst>
               <a:ext uri="{FF2B5EF4-FFF2-40B4-BE49-F238E27FC236}">
-                <a16:creationId xmlns:a16="http://schemas.microsoft.com/office/drawing/2014/main" id="{9DBBC712-DEEB-4FEB-A9E8-A1286C3C23E3}"/>
+                <a16:creationId xmlns:a16="http://schemas.microsoft.com/office/drawing/2014/main" id="{B3B883C9-626C-48A9-B11F-1C1699EECECD}"/>
               </a:ext>
             </a:extLst>
           </p:cNvPr>
@@ -15102,8 +18097,8 @@
         </p:nvSpPr>
         <p:spPr>
           <a:xfrm>
-            <a:off x="725689" y="1639442"/>
-            <a:ext cx="9984561" cy="2246769"/>
+            <a:off x="618070" y="1435111"/>
+            <a:ext cx="1481316" cy="400110"/>
           </a:xfrm>
           <a:prstGeom prst="rect">
             <a:avLst/>
@@ -15114,120 +18109,326 @@
           <a:bodyPr wrap="square" rtlCol="0">
             <a:spAutoFit/>
           </a:bodyPr>
-          <a:lstStyle/>
-          <a:p>
-            <a:pPr marL="514350" indent="-514350">
-              <a:buAutoNum type="arabicPeriod"/>
-            </a:pPr>
-            <a:r>
-              <a:rPr lang="ko-KR" altLang="en-US" sz="2800" b="1" dirty="0">
+          <a:lstStyle>
+            <a:defPPr>
+              <a:defRPr lang="en-US"/>
+            </a:defPPr>
+            <a:lvl1pPr marL="0" algn="l" defTabSz="457200" rtl="0" eaLnBrk="1" latinLnBrk="0" hangingPunct="1">
+              <a:defRPr sz="1800" kern="1200">
+                <a:solidFill>
+                  <a:schemeClr val="tx1"/>
+                </a:solidFill>
+                <a:latin typeface="+mn-lt"/>
+                <a:ea typeface="+mn-ea"/>
+                <a:cs typeface="+mn-cs"/>
+              </a:defRPr>
+            </a:lvl1pPr>
+            <a:lvl2pPr marL="457200" algn="l" defTabSz="457200" rtl="0" eaLnBrk="1" latinLnBrk="0" hangingPunct="1">
+              <a:defRPr sz="1800" kern="1200">
+                <a:solidFill>
+                  <a:schemeClr val="tx1"/>
+                </a:solidFill>
+                <a:latin typeface="+mn-lt"/>
+                <a:ea typeface="+mn-ea"/>
+                <a:cs typeface="+mn-cs"/>
+              </a:defRPr>
+            </a:lvl2pPr>
+            <a:lvl3pPr marL="914400" algn="l" defTabSz="457200" rtl="0" eaLnBrk="1" latinLnBrk="0" hangingPunct="1">
+              <a:defRPr sz="1800" kern="1200">
+                <a:solidFill>
+                  <a:schemeClr val="tx1"/>
+                </a:solidFill>
+                <a:latin typeface="+mn-lt"/>
+                <a:ea typeface="+mn-ea"/>
+                <a:cs typeface="+mn-cs"/>
+              </a:defRPr>
+            </a:lvl3pPr>
+            <a:lvl4pPr marL="1371600" algn="l" defTabSz="457200" rtl="0" eaLnBrk="1" latinLnBrk="0" hangingPunct="1">
+              <a:defRPr sz="1800" kern="1200">
+                <a:solidFill>
+                  <a:schemeClr val="tx1"/>
+                </a:solidFill>
+                <a:latin typeface="+mn-lt"/>
+                <a:ea typeface="+mn-ea"/>
+                <a:cs typeface="+mn-cs"/>
+              </a:defRPr>
+            </a:lvl4pPr>
+            <a:lvl5pPr marL="1828800" algn="l" defTabSz="457200" rtl="0" eaLnBrk="1" latinLnBrk="0" hangingPunct="1">
+              <a:defRPr sz="1800" kern="1200">
+                <a:solidFill>
+                  <a:schemeClr val="tx1"/>
+                </a:solidFill>
+                <a:latin typeface="+mn-lt"/>
+                <a:ea typeface="+mn-ea"/>
+                <a:cs typeface="+mn-cs"/>
+              </a:defRPr>
+            </a:lvl5pPr>
+            <a:lvl6pPr marL="2286000" algn="l" defTabSz="457200" rtl="0" eaLnBrk="1" latinLnBrk="0" hangingPunct="1">
+              <a:defRPr sz="1800" kern="1200">
+                <a:solidFill>
+                  <a:schemeClr val="tx1"/>
+                </a:solidFill>
+                <a:latin typeface="+mn-lt"/>
+                <a:ea typeface="+mn-ea"/>
+                <a:cs typeface="+mn-cs"/>
+              </a:defRPr>
+            </a:lvl6pPr>
+            <a:lvl7pPr marL="2743200" algn="l" defTabSz="457200" rtl="0" eaLnBrk="1" latinLnBrk="0" hangingPunct="1">
+              <a:defRPr sz="1800" kern="1200">
+                <a:solidFill>
+                  <a:schemeClr val="tx1"/>
+                </a:solidFill>
+                <a:latin typeface="+mn-lt"/>
+                <a:ea typeface="+mn-ea"/>
+                <a:cs typeface="+mn-cs"/>
+              </a:defRPr>
+            </a:lvl7pPr>
+            <a:lvl8pPr marL="3200400" algn="l" defTabSz="457200" rtl="0" eaLnBrk="1" latinLnBrk="0" hangingPunct="1">
+              <a:defRPr sz="1800" kern="1200">
+                <a:solidFill>
+                  <a:schemeClr val="tx1"/>
+                </a:solidFill>
+                <a:latin typeface="+mn-lt"/>
+                <a:ea typeface="+mn-ea"/>
+                <a:cs typeface="+mn-cs"/>
+              </a:defRPr>
+            </a:lvl8pPr>
+            <a:lvl9pPr marL="3657600" algn="l" defTabSz="457200" rtl="0" eaLnBrk="1" latinLnBrk="0" hangingPunct="1">
+              <a:defRPr sz="1800" kern="1200">
+                <a:solidFill>
+                  <a:schemeClr val="tx1"/>
+                </a:solidFill>
+                <a:latin typeface="+mn-lt"/>
+                <a:ea typeface="+mn-ea"/>
+                <a:cs typeface="+mn-cs"/>
+              </a:defRPr>
+            </a:lvl9pPr>
+          </a:lstStyle>
+          <a:p>
+            <a:pPr algn="ctr"/>
+            <a:r>
+              <a:rPr lang="ko-KR" altLang="en-US" sz="2000" b="1" dirty="0">
                 <a:solidFill>
                   <a:schemeClr val="bg1"/>
                 </a:solidFill>
                 <a:latin typeface="+mn-ea"/>
               </a:rPr>
-              <a:t>애니메이션 </a:t>
-            </a:r>
-            <a:r>
-              <a:rPr lang="ko-KR" altLang="en-US" sz="2800" b="1" dirty="0" err="1">
+              <a:t>맵</a:t>
+            </a:r>
+            <a:r>
+              <a:rPr lang="en-US" altLang="ko-KR" sz="2000" b="1" dirty="0">
                 <a:solidFill>
                   <a:schemeClr val="bg1"/>
                 </a:solidFill>
                 <a:latin typeface="+mn-ea"/>
               </a:rPr>
-              <a:t>블렌딩</a:t>
-            </a:r>
-            <a:endParaRPr lang="en-US" altLang="ko-KR" sz="2800" b="1" dirty="0">
-              <a:solidFill>
-                <a:schemeClr val="bg1"/>
-              </a:solidFill>
-              <a:latin typeface="+mn-ea"/>
-            </a:endParaRPr>
-          </a:p>
-          <a:p>
-            <a:r>
-              <a:rPr lang="en-US" altLang="ko-KR" sz="2800" b="1" dirty="0">
+              <a:t>&amp;</a:t>
+            </a:r>
+            <a:r>
+              <a:rPr lang="ko-KR" altLang="en-US" sz="2000" b="1" dirty="0">
                 <a:solidFill>
                   <a:schemeClr val="bg1"/>
                 </a:solidFill>
                 <a:latin typeface="+mn-ea"/>
               </a:rPr>
-              <a:t>	</a:t>
-            </a:r>
-            <a:endParaRPr lang="en-US" altLang="ko-KR" b="1" dirty="0">
+              <a:t>캐릭터</a:t>
+            </a:r>
+          </a:p>
+        </p:txBody>
+      </p:sp>
+      <p:sp>
+        <p:nvSpPr>
+          <p:cNvPr id="12" name="직사각형 11">
+            <a:extLst>
+              <a:ext uri="{FF2B5EF4-FFF2-40B4-BE49-F238E27FC236}">
+                <a16:creationId xmlns:a16="http://schemas.microsoft.com/office/drawing/2014/main" id="{EB0CD499-59D1-45BD-AD5D-E8CAA10B1D08}"/>
+              </a:ext>
+            </a:extLst>
+          </p:cNvPr>
+          <p:cNvSpPr/>
+          <p:nvPr/>
+        </p:nvSpPr>
+        <p:spPr>
+          <a:xfrm>
+            <a:off x="-8808" y="1484665"/>
+            <a:ext cx="683035" cy="350556"/>
+          </a:xfrm>
+          <a:prstGeom prst="rect">
+            <a:avLst/>
+          </a:prstGeom>
+          <a:solidFill>
+            <a:schemeClr val="accent1">
+              <a:lumMod val="50000"/>
+            </a:schemeClr>
+          </a:solidFill>
+          <a:ln>
+            <a:noFill/>
+          </a:ln>
+        </p:spPr>
+        <p:style>
+          <a:lnRef idx="2">
+            <a:schemeClr val="accent1">
+              <a:shade val="50000"/>
+            </a:schemeClr>
+          </a:lnRef>
+          <a:fillRef idx="1">
+            <a:schemeClr val="accent1"/>
+          </a:fillRef>
+          <a:effectRef idx="0">
+            <a:schemeClr val="accent1"/>
+          </a:effectRef>
+          <a:fontRef idx="minor">
+            <a:schemeClr val="lt1"/>
+          </a:fontRef>
+        </p:style>
+        <p:txBody>
+          <a:bodyPr rtlCol="0" anchor="ctr"/>
+          <a:lstStyle/>
+          <a:p>
+            <a:pPr algn="ctr"/>
+            <a:endParaRPr lang="ko-KR" altLang="en-US" dirty="0">
               <a:solidFill>
-                <a:schemeClr val="bg1"/>
+                <a:schemeClr val="tx1"/>
               </a:solidFill>
-              <a:latin typeface="+mn-ea"/>
+              <a:latin typeface="빙그레체" panose="02030503000000000000" pitchFamily="18" charset="-127"/>
+              <a:ea typeface="빙그레체" panose="02030503000000000000" pitchFamily="18" charset="-127"/>
             </a:endParaRPr>
           </a:p>
-          <a:p>
-            <a:r>
-              <a:rPr lang="en-US" altLang="ko-KR" sz="2800" b="1" dirty="0">
-                <a:solidFill>
-                  <a:schemeClr val="bg1"/>
-                </a:solidFill>
-                <a:latin typeface="+mn-ea"/>
-              </a:rPr>
-              <a:t>2. IOCP</a:t>
-            </a:r>
-            <a:r>
-              <a:rPr lang="ko-KR" altLang="en-US" sz="2800" b="1" dirty="0">
-                <a:solidFill>
-                  <a:schemeClr val="bg1"/>
-                </a:solidFill>
-                <a:latin typeface="+mn-ea"/>
-              </a:rPr>
-              <a:t> 서버</a:t>
-            </a:r>
-            <a:endParaRPr lang="en-US" altLang="ko-KR" sz="2800" b="1" dirty="0">
+        </p:txBody>
+      </p:sp>
+      <p:pic>
+        <p:nvPicPr>
+          <p:cNvPr id="5" name="그림 4" descr="하늘, 공기, 맹금이(가) 표시된 사진&#10;&#10;자동 생성된 설명">
+            <a:extLst>
+              <a:ext uri="{FF2B5EF4-FFF2-40B4-BE49-F238E27FC236}">
+                <a16:creationId xmlns:a16="http://schemas.microsoft.com/office/drawing/2014/main" id="{23174709-C454-4B6D-B54D-2CF9A0700834}"/>
+              </a:ext>
+            </a:extLst>
+          </p:cNvPr>
+          <p:cNvPicPr>
+            <a:picLocks noChangeAspect="1"/>
+          </p:cNvPicPr>
+          <p:nvPr/>
+        </p:nvPicPr>
+        <p:blipFill>
+          <a:blip r:embed="rId3">
+            <a:extLst>
+              <a:ext uri="{28A0092B-C50C-407E-A947-70E740481C1C}">
+                <a14:useLocalDpi xmlns:a14="http://schemas.microsoft.com/office/drawing/2010/main" val="0"/>
+              </a:ext>
+            </a:extLst>
+          </a:blip>
+          <a:stretch>
+            <a:fillRect/>
+          </a:stretch>
+        </p:blipFill>
+        <p:spPr>
+          <a:xfrm>
+            <a:off x="6096000" y="2532750"/>
+            <a:ext cx="5388166" cy="3045858"/>
+          </a:xfrm>
+          <a:prstGeom prst="rect">
+            <a:avLst/>
+          </a:prstGeom>
+          <a:ln w="19050">
+            <a:solidFill>
+              <a:schemeClr val="bg1"/>
+            </a:solidFill>
+          </a:ln>
+        </p:spPr>
+      </p:pic>
+      <p:pic>
+        <p:nvPicPr>
+          <p:cNvPr id="14" name="그림 13">
+            <a:extLst>
+              <a:ext uri="{FF2B5EF4-FFF2-40B4-BE49-F238E27FC236}">
+                <a16:creationId xmlns:a16="http://schemas.microsoft.com/office/drawing/2014/main" id="{367BC6CF-BF72-48F4-BFBC-12F73CB41500}"/>
+              </a:ext>
+            </a:extLst>
+          </p:cNvPr>
+          <p:cNvPicPr>
+            <a:picLocks noChangeAspect="1"/>
+          </p:cNvPicPr>
+          <p:nvPr/>
+        </p:nvPicPr>
+        <p:blipFill>
+          <a:blip r:embed="rId4">
+            <a:extLst>
+              <a:ext uri="{28A0092B-C50C-407E-A947-70E740481C1C}">
+                <a14:useLocalDpi xmlns:a14="http://schemas.microsoft.com/office/drawing/2010/main" val="0"/>
+              </a:ext>
+            </a:extLst>
+          </a:blip>
+          <a:stretch>
+            <a:fillRect/>
+          </a:stretch>
+        </p:blipFill>
+        <p:spPr>
+          <a:xfrm>
+            <a:off x="549597" y="2148515"/>
+            <a:ext cx="4712869" cy="3646775"/>
+          </a:xfrm>
+          <a:prstGeom prst="rect">
+            <a:avLst/>
+          </a:prstGeom>
+        </p:spPr>
+      </p:pic>
+      <p:sp>
+        <p:nvSpPr>
+          <p:cNvPr id="15" name="직사각형 14">
+            <a:extLst>
+              <a:ext uri="{FF2B5EF4-FFF2-40B4-BE49-F238E27FC236}">
+                <a16:creationId xmlns:a16="http://schemas.microsoft.com/office/drawing/2014/main" id="{B6479150-7370-470A-B75A-0C7F474F52BB}"/>
+              </a:ext>
+            </a:extLst>
+          </p:cNvPr>
+          <p:cNvSpPr/>
+          <p:nvPr/>
+        </p:nvSpPr>
+        <p:spPr>
+          <a:xfrm>
+            <a:off x="-8808" y="1797959"/>
+            <a:ext cx="2018763" cy="45719"/>
+          </a:xfrm>
+          <a:prstGeom prst="rect">
+            <a:avLst/>
+          </a:prstGeom>
+          <a:solidFill>
+            <a:schemeClr val="accent1">
+              <a:lumMod val="50000"/>
+            </a:schemeClr>
+          </a:solidFill>
+          <a:ln>
+            <a:noFill/>
+          </a:ln>
+        </p:spPr>
+        <p:style>
+          <a:lnRef idx="2">
+            <a:schemeClr val="accent1">
+              <a:shade val="50000"/>
+            </a:schemeClr>
+          </a:lnRef>
+          <a:fillRef idx="1">
+            <a:schemeClr val="accent1"/>
+          </a:fillRef>
+          <a:effectRef idx="0">
+            <a:schemeClr val="accent1"/>
+          </a:effectRef>
+          <a:fontRef idx="minor">
+            <a:schemeClr val="lt1"/>
+          </a:fontRef>
+        </p:style>
+        <p:txBody>
+          <a:bodyPr rtlCol="0" anchor="ctr"/>
+          <a:lstStyle/>
+          <a:p>
+            <a:pPr algn="ctr"/>
+            <a:endParaRPr lang="ko-KR" altLang="en-US" dirty="0">
               <a:solidFill>
-                <a:schemeClr val="bg1"/>
+                <a:schemeClr val="tx1"/>
               </a:solidFill>
-              <a:latin typeface="+mn-ea"/>
-            </a:endParaRPr>
-          </a:p>
-          <a:p>
-            <a:endParaRPr lang="en-US" altLang="ko-KR" sz="2800" b="1" dirty="0">
-              <a:solidFill>
-                <a:schemeClr val="bg1"/>
-              </a:solidFill>
-              <a:latin typeface="+mn-ea"/>
-            </a:endParaRPr>
-          </a:p>
-          <a:p>
-            <a:r>
-              <a:rPr lang="en-US" altLang="ko-KR" sz="2800" b="1" dirty="0">
-                <a:solidFill>
-                  <a:schemeClr val="bg1"/>
-                </a:solidFill>
-                <a:latin typeface="+mn-ea"/>
-              </a:rPr>
-              <a:t>3. A* </a:t>
-            </a:r>
-            <a:r>
-              <a:rPr lang="ko-KR" altLang="en-US" sz="2800" b="1" dirty="0" err="1">
-                <a:solidFill>
-                  <a:schemeClr val="bg1"/>
-                </a:solidFill>
-                <a:latin typeface="+mn-ea"/>
-              </a:rPr>
-              <a:t>길찾기</a:t>
-            </a:r>
-            <a:r>
-              <a:rPr lang="ko-KR" altLang="en-US" sz="2800" b="1" dirty="0">
-                <a:solidFill>
-                  <a:schemeClr val="bg1"/>
-                </a:solidFill>
-                <a:latin typeface="+mn-ea"/>
-              </a:rPr>
-              <a:t> 알고리즘</a:t>
-            </a:r>
-            <a:endParaRPr lang="en-US" altLang="ko-KR" sz="2800" b="1" dirty="0">
-              <a:solidFill>
-                <a:schemeClr val="bg1"/>
-              </a:solidFill>
-              <a:latin typeface="+mn-ea"/>
+              <a:latin typeface="빙그레체" panose="02030503000000000000" pitchFamily="18" charset="-127"/>
+              <a:ea typeface="빙그레체" panose="02030503000000000000" pitchFamily="18" charset="-127"/>
             </a:endParaRPr>
           </a:p>
         </p:txBody>
@@ -15235,7 +18436,7 @@
     </p:spTree>
     <p:extLst>
       <p:ext uri="{BB962C8B-B14F-4D97-AF65-F5344CB8AC3E}">
-        <p14:creationId xmlns:p14="http://schemas.microsoft.com/office/powerpoint/2010/main" val="3188049085"/>
+        <p14:creationId xmlns:p14="http://schemas.microsoft.com/office/powerpoint/2010/main" val="1890192415"/>
       </p:ext>
     </p:extLst>
   </p:cSld>
@@ -15330,7 +18531,7 @@
                 <a:latin typeface="+mj-ea"/>
                 <a:ea typeface="+mj-ea"/>
               </a:rPr>
-              <a:t>개발 내용</a:t>
+              <a:t>문제점 및 보완책</a:t>
             </a:r>
           </a:p>
         </p:txBody>
@@ -15539,10 +18740,10 @@
       </p:sp>
       <p:sp>
         <p:nvSpPr>
-          <p:cNvPr id="10" name="TextBox 44">
+          <p:cNvPr id="6" name="TextBox 5">
             <a:extLst>
               <a:ext uri="{FF2B5EF4-FFF2-40B4-BE49-F238E27FC236}">
-                <a16:creationId xmlns:a16="http://schemas.microsoft.com/office/drawing/2014/main" id="{B3B883C9-626C-48A9-B11F-1C1699EECECD}"/>
+                <a16:creationId xmlns:a16="http://schemas.microsoft.com/office/drawing/2014/main" id="{981AEDE1-D8FA-49A1-8400-A51B214BD4A9}"/>
               </a:ext>
             </a:extLst>
           </p:cNvPr>
@@ -15551,8 +18752,8 @@
         </p:nvSpPr>
         <p:spPr>
           <a:xfrm>
-            <a:off x="562083" y="1435111"/>
-            <a:ext cx="1587691" cy="400110"/>
+            <a:off x="725689" y="1639442"/>
+            <a:ext cx="9984561" cy="3139321"/>
           </a:xfrm>
           <a:prstGeom prst="rect">
             <a:avLst/>
@@ -15563,321 +18764,296 @@
           <a:bodyPr wrap="square" rtlCol="0">
             <a:spAutoFit/>
           </a:bodyPr>
-          <a:lstStyle>
-            <a:defPPr>
-              <a:defRPr lang="en-US"/>
-            </a:defPPr>
-            <a:lvl1pPr marL="0" algn="l" defTabSz="457200" rtl="0" eaLnBrk="1" latinLnBrk="0" hangingPunct="1">
-              <a:defRPr sz="1800" kern="1200">
-                <a:solidFill>
-                  <a:schemeClr val="tx1"/>
-                </a:solidFill>
-                <a:latin typeface="+mn-lt"/>
-                <a:ea typeface="+mn-ea"/>
-                <a:cs typeface="+mn-cs"/>
-              </a:defRPr>
-            </a:lvl1pPr>
-            <a:lvl2pPr marL="457200" algn="l" defTabSz="457200" rtl="0" eaLnBrk="1" latinLnBrk="0" hangingPunct="1">
-              <a:defRPr sz="1800" kern="1200">
-                <a:solidFill>
-                  <a:schemeClr val="tx1"/>
-                </a:solidFill>
-                <a:latin typeface="+mn-lt"/>
-                <a:ea typeface="+mn-ea"/>
-                <a:cs typeface="+mn-cs"/>
-              </a:defRPr>
-            </a:lvl2pPr>
-            <a:lvl3pPr marL="914400" algn="l" defTabSz="457200" rtl="0" eaLnBrk="1" latinLnBrk="0" hangingPunct="1">
-              <a:defRPr sz="1800" kern="1200">
-                <a:solidFill>
-                  <a:schemeClr val="tx1"/>
-                </a:solidFill>
-                <a:latin typeface="+mn-lt"/>
-                <a:ea typeface="+mn-ea"/>
-                <a:cs typeface="+mn-cs"/>
-              </a:defRPr>
-            </a:lvl3pPr>
-            <a:lvl4pPr marL="1371600" algn="l" defTabSz="457200" rtl="0" eaLnBrk="1" latinLnBrk="0" hangingPunct="1">
-              <a:defRPr sz="1800" kern="1200">
-                <a:solidFill>
-                  <a:schemeClr val="tx1"/>
-                </a:solidFill>
-                <a:latin typeface="+mn-lt"/>
-                <a:ea typeface="+mn-ea"/>
-                <a:cs typeface="+mn-cs"/>
-              </a:defRPr>
-            </a:lvl4pPr>
-            <a:lvl5pPr marL="1828800" algn="l" defTabSz="457200" rtl="0" eaLnBrk="1" latinLnBrk="0" hangingPunct="1">
-              <a:defRPr sz="1800" kern="1200">
-                <a:solidFill>
-                  <a:schemeClr val="tx1"/>
-                </a:solidFill>
-                <a:latin typeface="+mn-lt"/>
-                <a:ea typeface="+mn-ea"/>
-                <a:cs typeface="+mn-cs"/>
-              </a:defRPr>
-            </a:lvl5pPr>
-            <a:lvl6pPr marL="2286000" algn="l" defTabSz="457200" rtl="0" eaLnBrk="1" latinLnBrk="0" hangingPunct="1">
-              <a:defRPr sz="1800" kern="1200">
-                <a:solidFill>
-                  <a:schemeClr val="tx1"/>
-                </a:solidFill>
-                <a:latin typeface="+mn-lt"/>
-                <a:ea typeface="+mn-ea"/>
-                <a:cs typeface="+mn-cs"/>
-              </a:defRPr>
-            </a:lvl6pPr>
-            <a:lvl7pPr marL="2743200" algn="l" defTabSz="457200" rtl="0" eaLnBrk="1" latinLnBrk="0" hangingPunct="1">
-              <a:defRPr sz="1800" kern="1200">
-                <a:solidFill>
-                  <a:schemeClr val="tx1"/>
-                </a:solidFill>
-                <a:latin typeface="+mn-lt"/>
-                <a:ea typeface="+mn-ea"/>
-                <a:cs typeface="+mn-cs"/>
-              </a:defRPr>
-            </a:lvl7pPr>
-            <a:lvl8pPr marL="3200400" algn="l" defTabSz="457200" rtl="0" eaLnBrk="1" latinLnBrk="0" hangingPunct="1">
-              <a:defRPr sz="1800" kern="1200">
-                <a:solidFill>
-                  <a:schemeClr val="tx1"/>
-                </a:solidFill>
-                <a:latin typeface="+mn-lt"/>
-                <a:ea typeface="+mn-ea"/>
-                <a:cs typeface="+mn-cs"/>
-              </a:defRPr>
-            </a:lvl8pPr>
-            <a:lvl9pPr marL="3657600" algn="l" defTabSz="457200" rtl="0" eaLnBrk="1" latinLnBrk="0" hangingPunct="1">
-              <a:defRPr sz="1800" kern="1200">
-                <a:solidFill>
-                  <a:schemeClr val="tx1"/>
-                </a:solidFill>
-                <a:latin typeface="+mn-lt"/>
-                <a:ea typeface="+mn-ea"/>
-                <a:cs typeface="+mn-cs"/>
-              </a:defRPr>
-            </a:lvl9pPr>
-          </a:lstStyle>
-          <a:p>
-            <a:pPr algn="ctr"/>
-            <a:r>
-              <a:rPr lang="ko-KR" altLang="en-US" sz="2000" b="1" dirty="0">
+          <a:lstStyle/>
+          <a:p>
+            <a:pPr marL="514350" indent="-514350">
+              <a:buAutoNum type="arabicPeriod"/>
+            </a:pPr>
+            <a:r>
+              <a:rPr lang="ko-KR" altLang="en-US" sz="2800" b="1" dirty="0">
                 <a:solidFill>
                   <a:schemeClr val="bg1"/>
                 </a:solidFill>
                 <a:latin typeface="+mn-ea"/>
               </a:rPr>
-              <a:t>캐릭터</a:t>
-            </a:r>
-          </a:p>
-        </p:txBody>
-      </p:sp>
-      <p:sp>
-        <p:nvSpPr>
-          <p:cNvPr id="12" name="직사각형 11">
-            <a:extLst>
-              <a:ext uri="{FF2B5EF4-FFF2-40B4-BE49-F238E27FC236}">
-                <a16:creationId xmlns:a16="http://schemas.microsoft.com/office/drawing/2014/main" id="{EB0CD499-59D1-45BD-AD5D-E8CAA10B1D08}"/>
-              </a:ext>
-            </a:extLst>
-          </p:cNvPr>
-          <p:cNvSpPr/>
-          <p:nvPr/>
-        </p:nvSpPr>
-        <p:spPr>
-          <a:xfrm>
-            <a:off x="-8808" y="1484665"/>
-            <a:ext cx="683035" cy="350556"/>
-          </a:xfrm>
-          <a:prstGeom prst="rect">
-            <a:avLst/>
-          </a:prstGeom>
-          <a:solidFill>
-            <a:schemeClr val="accent1">
-              <a:lumMod val="50000"/>
-            </a:schemeClr>
-          </a:solidFill>
-          <a:ln>
-            <a:noFill/>
-          </a:ln>
-        </p:spPr>
-        <p:style>
-          <a:lnRef idx="2">
-            <a:schemeClr val="accent1">
-              <a:shade val="50000"/>
-            </a:schemeClr>
-          </a:lnRef>
-          <a:fillRef idx="1">
-            <a:schemeClr val="accent1"/>
-          </a:fillRef>
-          <a:effectRef idx="0">
-            <a:schemeClr val="accent1"/>
-          </a:effectRef>
-          <a:fontRef idx="minor">
-            <a:schemeClr val="lt1"/>
-          </a:fontRef>
-        </p:style>
-        <p:txBody>
-          <a:bodyPr rtlCol="0" anchor="ctr"/>
-          <a:lstStyle/>
-          <a:p>
-            <a:pPr algn="ctr"/>
-            <a:endParaRPr lang="ko-KR" altLang="en-US" dirty="0">
+              <a:t>게임 내 이펙트</a:t>
+            </a:r>
+            <a:r>
+              <a:rPr lang="en-US" altLang="ko-KR" sz="2800" b="1" dirty="0">
+                <a:solidFill>
+                  <a:schemeClr val="bg1"/>
+                </a:solidFill>
+                <a:latin typeface="+mn-ea"/>
+              </a:rPr>
+              <a:t>, </a:t>
+            </a:r>
+            <a:r>
+              <a:rPr lang="ko-KR" altLang="en-US" sz="2800" b="1" dirty="0">
+                <a:solidFill>
+                  <a:schemeClr val="bg1"/>
+                </a:solidFill>
+                <a:latin typeface="+mn-ea"/>
+              </a:rPr>
+              <a:t>연출 효과 미흡</a:t>
+            </a:r>
+            <a:endParaRPr lang="en-US" altLang="ko-KR" sz="2800" b="1" dirty="0">
               <a:solidFill>
-                <a:schemeClr val="tx1"/>
+                <a:schemeClr val="bg1"/>
               </a:solidFill>
-              <a:latin typeface="빙그레체" panose="02030503000000000000" pitchFamily="18" charset="-127"/>
-              <a:ea typeface="빙그레체" panose="02030503000000000000" pitchFamily="18" charset="-127"/>
+              <a:latin typeface="+mn-ea"/>
             </a:endParaRPr>
           </a:p>
-        </p:txBody>
-      </p:sp>
-      <p:sp>
-        <p:nvSpPr>
-          <p:cNvPr id="13" name="직사각형 12">
-            <a:extLst>
-              <a:ext uri="{FF2B5EF4-FFF2-40B4-BE49-F238E27FC236}">
-                <a16:creationId xmlns:a16="http://schemas.microsoft.com/office/drawing/2014/main" id="{C7123768-3ED4-48F6-993F-D452514C1FAF}"/>
-              </a:ext>
-            </a:extLst>
-          </p:cNvPr>
-          <p:cNvSpPr/>
-          <p:nvPr/>
-        </p:nvSpPr>
-        <p:spPr>
-          <a:xfrm>
-            <a:off x="-8808" y="1797959"/>
-            <a:ext cx="2018763" cy="45719"/>
-          </a:xfrm>
-          <a:prstGeom prst="rect">
-            <a:avLst/>
-          </a:prstGeom>
-          <a:solidFill>
-            <a:schemeClr val="accent1">
-              <a:lumMod val="50000"/>
-            </a:schemeClr>
-          </a:solidFill>
-          <a:ln>
-            <a:noFill/>
-          </a:ln>
-        </p:spPr>
-        <p:style>
-          <a:lnRef idx="2">
-            <a:schemeClr val="accent1">
-              <a:shade val="50000"/>
-            </a:schemeClr>
-          </a:lnRef>
-          <a:fillRef idx="1">
-            <a:schemeClr val="accent1"/>
-          </a:fillRef>
-          <a:effectRef idx="0">
-            <a:schemeClr val="accent1"/>
-          </a:effectRef>
-          <a:fontRef idx="minor">
-            <a:schemeClr val="lt1"/>
-          </a:fontRef>
-        </p:style>
-        <p:txBody>
-          <a:bodyPr rtlCol="0" anchor="ctr"/>
-          <a:lstStyle/>
-          <a:p>
-            <a:pPr algn="ctr"/>
-            <a:endParaRPr lang="ko-KR" altLang="en-US" dirty="0">
+          <a:p>
+            <a:r>
+              <a:rPr lang="en-US" altLang="ko-KR" b="1" dirty="0">
+                <a:solidFill>
+                  <a:schemeClr val="bg1"/>
+                </a:solidFill>
+                <a:latin typeface="+mn-ea"/>
+              </a:rPr>
+              <a:t>     	</a:t>
+            </a:r>
+            <a:r>
+              <a:rPr lang="ko-KR" altLang="en-US" sz="2400" b="1" dirty="0">
+                <a:solidFill>
+                  <a:schemeClr val="bg1"/>
+                </a:solidFill>
+                <a:latin typeface="+mn-ea"/>
+              </a:rPr>
+              <a:t>　</a:t>
+            </a:r>
+            <a:r>
+              <a:rPr lang="en-US" altLang="ko-KR" dirty="0">
+                <a:solidFill>
+                  <a:schemeClr val="bg1"/>
+                </a:solidFill>
+                <a:latin typeface="+mn-ea"/>
+              </a:rPr>
+              <a:t>- </a:t>
+            </a:r>
+            <a:r>
+              <a:rPr lang="ko-KR" altLang="en-US" dirty="0">
+                <a:solidFill>
+                  <a:schemeClr val="bg1"/>
+                </a:solidFill>
+                <a:latin typeface="+mn-ea"/>
+              </a:rPr>
+              <a:t>조명 추가</a:t>
+            </a:r>
+            <a:endParaRPr lang="en-US" altLang="ko-KR" dirty="0">
               <a:solidFill>
-                <a:schemeClr val="tx1"/>
+                <a:schemeClr val="bg1"/>
               </a:solidFill>
-              <a:latin typeface="빙그레체" panose="02030503000000000000" pitchFamily="18" charset="-127"/>
-              <a:ea typeface="빙그레체" panose="02030503000000000000" pitchFamily="18" charset="-127"/>
+              <a:latin typeface="+mn-ea"/>
             </a:endParaRPr>
           </a:p>
-        </p:txBody>
-      </p:sp>
-      <p:pic>
-        <p:nvPicPr>
-          <p:cNvPr id="3" name="그림 2">
-            <a:extLst>
-              <a:ext uri="{FF2B5EF4-FFF2-40B4-BE49-F238E27FC236}">
-                <a16:creationId xmlns:a16="http://schemas.microsoft.com/office/drawing/2014/main" id="{84257BD7-78B1-4161-B960-4C14030BF683}"/>
-              </a:ext>
-            </a:extLst>
-          </p:cNvPr>
-          <p:cNvPicPr>
-            <a:picLocks noChangeAspect="1"/>
-          </p:cNvPicPr>
-          <p:nvPr/>
-        </p:nvPicPr>
-        <p:blipFill>
-          <a:blip r:embed="rId3">
-            <a:extLst>
-              <a:ext uri="{28A0092B-C50C-407E-A947-70E740481C1C}">
-                <a14:useLocalDpi xmlns:a14="http://schemas.microsoft.com/office/drawing/2010/main" val="0"/>
-              </a:ext>
-            </a:extLst>
-          </a:blip>
-          <a:stretch>
-            <a:fillRect/>
-          </a:stretch>
-        </p:blipFill>
-        <p:spPr>
-          <a:xfrm>
-            <a:off x="890443" y="2272637"/>
-            <a:ext cx="4620699" cy="3645795"/>
-          </a:xfrm>
-          <a:prstGeom prst="rect">
-            <a:avLst/>
-          </a:prstGeom>
-          <a:ln w="19050">
-            <a:solidFill>
-              <a:schemeClr val="bg1"/>
-            </a:solidFill>
-          </a:ln>
-        </p:spPr>
-      </p:pic>
-      <p:pic>
-        <p:nvPicPr>
-          <p:cNvPr id="5" name="그림 4" descr="하늘, 공기, 맹금이(가) 표시된 사진&#10;&#10;자동 생성된 설명">
-            <a:extLst>
-              <a:ext uri="{FF2B5EF4-FFF2-40B4-BE49-F238E27FC236}">
-                <a16:creationId xmlns:a16="http://schemas.microsoft.com/office/drawing/2014/main" id="{23174709-C454-4B6D-B54D-2CF9A0700834}"/>
-              </a:ext>
-            </a:extLst>
-          </p:cNvPr>
-          <p:cNvPicPr>
-            <a:picLocks noChangeAspect="1"/>
-          </p:cNvPicPr>
-          <p:nvPr/>
-        </p:nvPicPr>
-        <p:blipFill>
-          <a:blip r:embed="rId4">
-            <a:extLst>
-              <a:ext uri="{28A0092B-C50C-407E-A947-70E740481C1C}">
-                <a14:useLocalDpi xmlns:a14="http://schemas.microsoft.com/office/drawing/2010/main" val="0"/>
-              </a:ext>
-            </a:extLst>
-          </a:blip>
-          <a:stretch>
-            <a:fillRect/>
-          </a:stretch>
-        </p:blipFill>
-        <p:spPr>
-          <a:xfrm>
-            <a:off x="5913391" y="2572605"/>
-            <a:ext cx="5388166" cy="3045858"/>
-          </a:xfrm>
-          <a:prstGeom prst="rect">
-            <a:avLst/>
-          </a:prstGeom>
-          <a:ln w="19050">
-            <a:solidFill>
-              <a:schemeClr val="bg1"/>
-            </a:solidFill>
-          </a:ln>
-        </p:spPr>
-      </p:pic>
+          <a:p>
+            <a:r>
+              <a:rPr lang="en-US" altLang="ko-KR" b="1" dirty="0">
+                <a:solidFill>
+                  <a:schemeClr val="bg1"/>
+                </a:solidFill>
+                <a:latin typeface="+mn-ea"/>
+              </a:rPr>
+              <a:t> 	</a:t>
+            </a:r>
+            <a:r>
+              <a:rPr lang="ko-KR" altLang="en-US" sz="2400" b="1" dirty="0">
+                <a:solidFill>
+                  <a:schemeClr val="bg1"/>
+                </a:solidFill>
+                <a:latin typeface="+mn-ea"/>
+              </a:rPr>
+              <a:t>　</a:t>
+            </a:r>
+            <a:r>
+              <a:rPr lang="en-US" altLang="ko-KR" dirty="0">
+                <a:solidFill>
+                  <a:schemeClr val="bg1"/>
+                </a:solidFill>
+                <a:latin typeface="+mn-ea"/>
+              </a:rPr>
+              <a:t>- </a:t>
+            </a:r>
+            <a:r>
+              <a:rPr lang="ko-KR" altLang="en-US" dirty="0">
+                <a:solidFill>
+                  <a:schemeClr val="bg1"/>
+                </a:solidFill>
+                <a:latin typeface="+mn-ea"/>
+              </a:rPr>
+              <a:t>카메라와 </a:t>
+            </a:r>
+            <a:r>
+              <a:rPr lang="ko-KR" altLang="en-US" dirty="0" err="1">
+                <a:solidFill>
+                  <a:schemeClr val="bg1"/>
+                </a:solidFill>
+                <a:latin typeface="+mn-ea"/>
+              </a:rPr>
+              <a:t>씬을</a:t>
+            </a:r>
+            <a:r>
+              <a:rPr lang="ko-KR" altLang="en-US" dirty="0">
+                <a:solidFill>
+                  <a:schemeClr val="bg1"/>
+                </a:solidFill>
+                <a:latin typeface="+mn-ea"/>
+              </a:rPr>
+              <a:t> 활용한 장면 변화 등의 연출 방식 추가</a:t>
+            </a:r>
+            <a:endParaRPr lang="en-US" altLang="ko-KR" b="1" dirty="0">
+              <a:solidFill>
+                <a:schemeClr val="bg1"/>
+              </a:solidFill>
+              <a:latin typeface="+mn-ea"/>
+            </a:endParaRPr>
+          </a:p>
+          <a:p>
+            <a:r>
+              <a:rPr lang="en-US" altLang="ko-KR" sz="2800" b="1" dirty="0">
+                <a:solidFill>
+                  <a:schemeClr val="bg1"/>
+                </a:solidFill>
+                <a:latin typeface="+mn-ea"/>
+              </a:rPr>
+              <a:t>	</a:t>
+            </a:r>
+            <a:endParaRPr lang="en-US" altLang="ko-KR" b="1" dirty="0">
+              <a:solidFill>
+                <a:schemeClr val="bg1"/>
+              </a:solidFill>
+              <a:latin typeface="+mn-ea"/>
+            </a:endParaRPr>
+          </a:p>
+          <a:p>
+            <a:r>
+              <a:rPr lang="en-US" altLang="ko-KR" sz="2800" b="1" dirty="0">
+                <a:solidFill>
+                  <a:schemeClr val="bg1"/>
+                </a:solidFill>
+                <a:latin typeface="+mn-ea"/>
+              </a:rPr>
+              <a:t>2. </a:t>
+            </a:r>
+            <a:r>
+              <a:rPr lang="ko-KR" altLang="en-US" sz="2800" b="1" dirty="0">
+                <a:solidFill>
+                  <a:schemeClr val="bg1"/>
+                </a:solidFill>
+                <a:latin typeface="+mn-ea"/>
+              </a:rPr>
+              <a:t>단조로운 게임 플레이 및 맵</a:t>
+            </a:r>
+            <a:endParaRPr lang="en-US" altLang="ko-KR" sz="2800" b="1" dirty="0">
+              <a:solidFill>
+                <a:schemeClr val="bg1"/>
+              </a:solidFill>
+              <a:latin typeface="+mn-ea"/>
+            </a:endParaRPr>
+          </a:p>
+          <a:p>
+            <a:r>
+              <a:rPr lang="en-US" altLang="ko-KR" dirty="0">
+                <a:solidFill>
+                  <a:schemeClr val="bg1"/>
+                </a:solidFill>
+                <a:latin typeface="+mn-ea"/>
+              </a:rPr>
+              <a:t>     	</a:t>
+            </a:r>
+            <a:r>
+              <a:rPr lang="ko-KR" altLang="en-US" sz="2400" dirty="0">
+                <a:solidFill>
+                  <a:schemeClr val="bg1"/>
+                </a:solidFill>
+                <a:latin typeface="+mn-ea"/>
+              </a:rPr>
+              <a:t>　</a:t>
+            </a:r>
+            <a:r>
+              <a:rPr lang="en-US" altLang="ko-KR" dirty="0">
+                <a:solidFill>
+                  <a:schemeClr val="bg1"/>
+                </a:solidFill>
+                <a:latin typeface="+mn-ea"/>
+              </a:rPr>
+              <a:t>- </a:t>
+            </a:r>
+            <a:r>
+              <a:rPr lang="ko-KR" altLang="en-US" dirty="0">
+                <a:solidFill>
+                  <a:schemeClr val="bg1"/>
+                </a:solidFill>
+                <a:latin typeface="+mn-ea"/>
+              </a:rPr>
+              <a:t>보스 몬스터와 특수 몬스터의 추가</a:t>
+            </a:r>
+            <a:endParaRPr lang="en-US" altLang="ko-KR" dirty="0">
+              <a:solidFill>
+                <a:schemeClr val="bg1"/>
+              </a:solidFill>
+              <a:latin typeface="+mn-ea"/>
+            </a:endParaRPr>
+          </a:p>
+          <a:p>
+            <a:r>
+              <a:rPr lang="en-US" altLang="ko-KR" dirty="0">
+                <a:solidFill>
+                  <a:schemeClr val="bg1"/>
+                </a:solidFill>
+                <a:latin typeface="+mn-ea"/>
+              </a:rPr>
+              <a:t> 	</a:t>
+            </a:r>
+            <a:r>
+              <a:rPr lang="ko-KR" altLang="en-US" sz="2400" dirty="0">
+                <a:solidFill>
+                  <a:schemeClr val="bg1"/>
+                </a:solidFill>
+                <a:latin typeface="+mn-ea"/>
+              </a:rPr>
+              <a:t>　</a:t>
+            </a:r>
+            <a:r>
+              <a:rPr lang="en-US" altLang="ko-KR" dirty="0">
+                <a:solidFill>
+                  <a:schemeClr val="bg1"/>
+                </a:solidFill>
+                <a:latin typeface="+mn-ea"/>
+              </a:rPr>
+              <a:t>- </a:t>
+            </a:r>
+            <a:r>
+              <a:rPr lang="ko-KR" altLang="en-US" dirty="0">
+                <a:solidFill>
+                  <a:schemeClr val="bg1"/>
+                </a:solidFill>
+                <a:latin typeface="+mn-ea"/>
+              </a:rPr>
+              <a:t>장식 오브젝트들의 배치 및 진행에 따른 맵 디자인 변화</a:t>
+            </a:r>
+            <a:endParaRPr lang="en-US" altLang="ko-KR" dirty="0">
+              <a:solidFill>
+                <a:schemeClr val="bg1"/>
+              </a:solidFill>
+              <a:latin typeface="+mn-ea"/>
+            </a:endParaRPr>
+          </a:p>
+          <a:p>
+            <a:endParaRPr lang="en-US" altLang="ko-KR" dirty="0">
+              <a:solidFill>
+                <a:schemeClr val="bg1"/>
+              </a:solidFill>
+              <a:latin typeface="+mn-ea"/>
+            </a:endParaRPr>
+          </a:p>
+        </p:txBody>
+      </p:sp>
     </p:spTree>
     <p:extLst>
       <p:ext uri="{BB962C8B-B14F-4D97-AF65-F5344CB8AC3E}">
-        <p14:creationId xmlns:p14="http://schemas.microsoft.com/office/powerpoint/2010/main" val="1890192415"/>
+        <p14:creationId xmlns:p14="http://schemas.microsoft.com/office/powerpoint/2010/main" val="1411604849"/>
       </p:ext>
     </p:extLst>
   </p:cSld>
@@ -15955,25 +19131,52 @@
           <a:lstStyle/>
           <a:p>
             <a:r>
-              <a:rPr lang="en-US" altLang="ko-KR" sz="3200" b="1" dirty="0">
-                <a:solidFill>
-                  <a:srgbClr val="FF0000"/>
+              <a:rPr lang="ko-KR" altLang="en-US" sz="3200" b="1" dirty="0">
+                <a:solidFill>
+                  <a:schemeClr val="bg1"/>
                 </a:solidFill>
                 <a:latin typeface="+mj-ea"/>
                 <a:ea typeface="+mj-ea"/>
               </a:rPr>
-              <a:t> </a:t>
-            </a:r>
-            <a:r>
-              <a:rPr lang="ko-KR" altLang="en-US" sz="3200" b="1" dirty="0">
+              <a:t>향후 개발 일정 </a:t>
+            </a:r>
+            <a:r>
+              <a:rPr lang="en-US" altLang="ko-KR" sz="3200" b="1" dirty="0">
                 <a:solidFill>
                   <a:schemeClr val="bg1"/>
                 </a:solidFill>
                 <a:latin typeface="+mj-ea"/>
                 <a:ea typeface="+mj-ea"/>
               </a:rPr>
-              <a:t>개발 내용</a:t>
-            </a:r>
+              <a:t>(</a:t>
+            </a:r>
+            <a:r>
+              <a:rPr lang="ko-KR" altLang="en-US" sz="3200" b="1" dirty="0" err="1">
+                <a:solidFill>
+                  <a:schemeClr val="bg1"/>
+                </a:solidFill>
+                <a:latin typeface="+mj-ea"/>
+                <a:ea typeface="+mj-ea"/>
+              </a:rPr>
+              <a:t>리브레</a:t>
+            </a:r>
+            <a:r>
+              <a:rPr lang="en-US" altLang="ko-KR" sz="3200" b="1" dirty="0">
+                <a:solidFill>
+                  <a:schemeClr val="bg1"/>
+                </a:solidFill>
+                <a:latin typeface="+mj-ea"/>
+                <a:ea typeface="+mj-ea"/>
+              </a:rPr>
+              <a:t>)</a:t>
+            </a:r>
+            <a:endParaRPr lang="ko-KR" altLang="en-US" sz="3200" b="1" dirty="0">
+              <a:solidFill>
+                <a:schemeClr val="bg1"/>
+              </a:solidFill>
+              <a:latin typeface="+mj-ea"/>
+              <a:ea typeface="+mj-ea"/>
+            </a:endParaRPr>
           </a:p>
         </p:txBody>
       </p:sp>
@@ -16105,7 +19308,7 @@
                 <a:latin typeface="+mj-ea"/>
                 <a:ea typeface="+mj-ea"/>
               </a:rPr>
-              <a:t>4</a:t>
+              <a:t>5</a:t>
             </a:r>
             <a:endParaRPr lang="ko-KR" altLang="en-US" sz="3200" b="1" dirty="0">
               <a:latin typeface="+mj-ea"/>
@@ -16179,12 +19382,48 @@
           </a:p>
         </p:txBody>
       </p:sp>
+      <p:pic>
+        <p:nvPicPr>
+          <p:cNvPr id="3" name="그림 2">
+            <a:extLst>
+              <a:ext uri="{FF2B5EF4-FFF2-40B4-BE49-F238E27FC236}">
+                <a16:creationId xmlns:a16="http://schemas.microsoft.com/office/drawing/2014/main" id="{E0AB7CCE-A0A3-4B37-A5B8-00DBB09AF26C}"/>
+              </a:ext>
+            </a:extLst>
+          </p:cNvPr>
+          <p:cNvPicPr>
+            <a:picLocks noChangeAspect="1"/>
+          </p:cNvPicPr>
+          <p:nvPr/>
+        </p:nvPicPr>
+        <p:blipFill>
+          <a:blip r:embed="rId3">
+            <a:extLst>
+              <a:ext uri="{28A0092B-C50C-407E-A947-70E740481C1C}">
+                <a14:useLocalDpi xmlns:a14="http://schemas.microsoft.com/office/drawing/2010/main" val="0"/>
+              </a:ext>
+            </a:extLst>
+          </a:blip>
+          <a:stretch>
+            <a:fillRect/>
+          </a:stretch>
+        </p:blipFill>
+        <p:spPr>
+          <a:xfrm>
+            <a:off x="2239347" y="1686697"/>
+            <a:ext cx="9088016" cy="4231735"/>
+          </a:xfrm>
+          <a:prstGeom prst="rect">
+            <a:avLst/>
+          </a:prstGeom>
+        </p:spPr>
+      </p:pic>
       <p:sp>
         <p:nvSpPr>
           <p:cNvPr id="10" name="TextBox 44">
             <a:extLst>
               <a:ext uri="{FF2B5EF4-FFF2-40B4-BE49-F238E27FC236}">
-                <a16:creationId xmlns:a16="http://schemas.microsoft.com/office/drawing/2014/main" id="{B3B883C9-626C-48A9-B11F-1C1699EECECD}"/>
+                <a16:creationId xmlns:a16="http://schemas.microsoft.com/office/drawing/2014/main" id="{7C03C260-B40A-46B5-9EF4-FD31A07510DF}"/>
               </a:ext>
             </a:extLst>
           </p:cNvPr>
@@ -16309,7 +19548,7 @@
                 </a:solidFill>
                 <a:latin typeface="+mn-ea"/>
               </a:rPr>
-              <a:t>게임 맵</a:t>
+              <a:t>변경 전</a:t>
             </a:r>
           </a:p>
         </p:txBody>
@@ -16319,7 +19558,7 @@
           <p:cNvPr id="12" name="직사각형 11">
             <a:extLst>
               <a:ext uri="{FF2B5EF4-FFF2-40B4-BE49-F238E27FC236}">
-                <a16:creationId xmlns:a16="http://schemas.microsoft.com/office/drawing/2014/main" id="{EB0CD499-59D1-45BD-AD5D-E8CAA10B1D08}"/>
+                <a16:creationId xmlns:a16="http://schemas.microsoft.com/office/drawing/2014/main" id="{DF025EAD-8028-4627-ACF8-6A1BE9AAAE74}"/>
               </a:ext>
             </a:extLst>
           </p:cNvPr>
@@ -16379,7 +19618,7 @@
           <p:cNvPr id="13" name="직사각형 12">
             <a:extLst>
               <a:ext uri="{FF2B5EF4-FFF2-40B4-BE49-F238E27FC236}">
-                <a16:creationId xmlns:a16="http://schemas.microsoft.com/office/drawing/2014/main" id="{C7123768-3ED4-48F6-993F-D452514C1FAF}"/>
+                <a16:creationId xmlns:a16="http://schemas.microsoft.com/office/drawing/2014/main" id="{F512875B-6067-45B6-A754-F28E6D86AAE0}"/>
               </a:ext>
             </a:extLst>
           </p:cNvPr>
@@ -16434,46 +19673,394 @@
           </a:p>
         </p:txBody>
       </p:sp>
-      <p:pic>
-        <p:nvPicPr>
-          <p:cNvPr id="3" name="그림 2">
+      <p:sp>
+        <p:nvSpPr>
+          <p:cNvPr id="4" name="직사각형 3">
             <a:extLst>
               <a:ext uri="{FF2B5EF4-FFF2-40B4-BE49-F238E27FC236}">
-                <a16:creationId xmlns:a16="http://schemas.microsoft.com/office/drawing/2014/main" id="{01E9D8D2-1BFC-4191-9F11-623DAC7CF02C}"/>
+                <a16:creationId xmlns:a16="http://schemas.microsoft.com/office/drawing/2014/main" id="{7D58FFE2-DCDD-475A-BDCD-75CCB6D21C95}"/>
               </a:ext>
             </a:extLst>
           </p:cNvPr>
-          <p:cNvPicPr>
-            <a:picLocks noChangeAspect="1"/>
-          </p:cNvPicPr>
+          <p:cNvSpPr/>
           <p:nvPr/>
-        </p:nvPicPr>
-        <p:blipFill>
-          <a:blip r:embed="rId3">
-            <a:extLst>
-              <a:ext uri="{28A0092B-C50C-407E-A947-70E740481C1C}">
-                <a14:useLocalDpi xmlns:a14="http://schemas.microsoft.com/office/drawing/2010/main" val="0"/>
-              </a:ext>
-            </a:extLst>
-          </a:blip>
-          <a:stretch>
-            <a:fillRect/>
-          </a:stretch>
-        </p:blipFill>
+        </p:nvSpPr>
         <p:spPr>
           <a:xfrm>
-            <a:off x="2820834" y="1484665"/>
-            <a:ext cx="5882713" cy="4551990"/>
+            <a:off x="2752725" y="2757488"/>
+            <a:ext cx="3057525" cy="95250"/>
           </a:xfrm>
           <a:prstGeom prst="rect">
             <a:avLst/>
           </a:prstGeom>
+          <a:solidFill>
+            <a:schemeClr val="accent6">
+              <a:lumMod val="75000"/>
+              <a:alpha val="50000"/>
+            </a:schemeClr>
+          </a:solidFill>
+          <a:ln>
+            <a:noFill/>
+          </a:ln>
         </p:spPr>
-      </p:pic>
+        <p:style>
+          <a:lnRef idx="2">
+            <a:schemeClr val="accent1">
+              <a:shade val="50000"/>
+            </a:schemeClr>
+          </a:lnRef>
+          <a:fillRef idx="1">
+            <a:schemeClr val="accent1"/>
+          </a:fillRef>
+          <a:effectRef idx="0">
+            <a:schemeClr val="accent1"/>
+          </a:effectRef>
+          <a:fontRef idx="minor">
+            <a:schemeClr val="lt1"/>
+          </a:fontRef>
+        </p:style>
+        <p:txBody>
+          <a:bodyPr rtlCol="0" anchor="ctr"/>
+          <a:lstStyle/>
+          <a:p>
+            <a:pPr algn="ctr"/>
+            <a:endParaRPr lang="ko-KR" altLang="en-US" dirty="0"/>
+          </a:p>
+        </p:txBody>
+      </p:sp>
+      <p:sp>
+        <p:nvSpPr>
+          <p:cNvPr id="14" name="직사각형 13">
+            <a:extLst>
+              <a:ext uri="{FF2B5EF4-FFF2-40B4-BE49-F238E27FC236}">
+                <a16:creationId xmlns:a16="http://schemas.microsoft.com/office/drawing/2014/main" id="{FCA84077-496B-4B79-A895-B0A7DCAA358E}"/>
+              </a:ext>
+            </a:extLst>
+          </p:cNvPr>
+          <p:cNvSpPr/>
+          <p:nvPr/>
+        </p:nvSpPr>
+        <p:spPr>
+          <a:xfrm>
+            <a:off x="2752725" y="3981448"/>
+            <a:ext cx="3057525" cy="95250"/>
+          </a:xfrm>
+          <a:prstGeom prst="rect">
+            <a:avLst/>
+          </a:prstGeom>
+          <a:solidFill>
+            <a:schemeClr val="accent6">
+              <a:lumMod val="75000"/>
+              <a:alpha val="50000"/>
+            </a:schemeClr>
+          </a:solidFill>
+          <a:ln>
+            <a:noFill/>
+          </a:ln>
+        </p:spPr>
+        <p:style>
+          <a:lnRef idx="2">
+            <a:schemeClr val="accent1">
+              <a:shade val="50000"/>
+            </a:schemeClr>
+          </a:lnRef>
+          <a:fillRef idx="1">
+            <a:schemeClr val="accent1"/>
+          </a:fillRef>
+          <a:effectRef idx="0">
+            <a:schemeClr val="accent1"/>
+          </a:effectRef>
+          <a:fontRef idx="minor">
+            <a:schemeClr val="lt1"/>
+          </a:fontRef>
+        </p:style>
+        <p:txBody>
+          <a:bodyPr rtlCol="0" anchor="ctr"/>
+          <a:lstStyle/>
+          <a:p>
+            <a:pPr algn="ctr"/>
+            <a:endParaRPr lang="ko-KR" altLang="en-US" dirty="0"/>
+          </a:p>
+        </p:txBody>
+      </p:sp>
+      <p:sp>
+        <p:nvSpPr>
+          <p:cNvPr id="15" name="직사각형 14">
+            <a:extLst>
+              <a:ext uri="{FF2B5EF4-FFF2-40B4-BE49-F238E27FC236}">
+                <a16:creationId xmlns:a16="http://schemas.microsoft.com/office/drawing/2014/main" id="{17BE14D2-92D1-4BBA-A30F-4CBDD18FA7F4}"/>
+              </a:ext>
+            </a:extLst>
+          </p:cNvPr>
+          <p:cNvSpPr/>
+          <p:nvPr/>
+        </p:nvSpPr>
+        <p:spPr>
+          <a:xfrm>
+            <a:off x="2752725" y="4758271"/>
+            <a:ext cx="3057525" cy="95250"/>
+          </a:xfrm>
+          <a:prstGeom prst="rect">
+            <a:avLst/>
+          </a:prstGeom>
+          <a:solidFill>
+            <a:schemeClr val="accent6">
+              <a:lumMod val="75000"/>
+              <a:alpha val="50000"/>
+            </a:schemeClr>
+          </a:solidFill>
+          <a:ln>
+            <a:noFill/>
+          </a:ln>
+        </p:spPr>
+        <p:style>
+          <a:lnRef idx="2">
+            <a:schemeClr val="accent1">
+              <a:shade val="50000"/>
+            </a:schemeClr>
+          </a:lnRef>
+          <a:fillRef idx="1">
+            <a:schemeClr val="accent1"/>
+          </a:fillRef>
+          <a:effectRef idx="0">
+            <a:schemeClr val="accent1"/>
+          </a:effectRef>
+          <a:fontRef idx="minor">
+            <a:schemeClr val="lt1"/>
+          </a:fontRef>
+        </p:style>
+        <p:txBody>
+          <a:bodyPr rtlCol="0" anchor="ctr"/>
+          <a:lstStyle/>
+          <a:p>
+            <a:pPr algn="ctr"/>
+            <a:endParaRPr lang="ko-KR" altLang="en-US" dirty="0"/>
+          </a:p>
+        </p:txBody>
+      </p:sp>
+      <p:sp>
+        <p:nvSpPr>
+          <p:cNvPr id="16" name="직사각형 15">
+            <a:extLst>
+              <a:ext uri="{FF2B5EF4-FFF2-40B4-BE49-F238E27FC236}">
+                <a16:creationId xmlns:a16="http://schemas.microsoft.com/office/drawing/2014/main" id="{EA4F690B-BF35-4E94-BD92-D5046FE49D9A}"/>
+              </a:ext>
+            </a:extLst>
+          </p:cNvPr>
+          <p:cNvSpPr/>
+          <p:nvPr/>
+        </p:nvSpPr>
+        <p:spPr>
+          <a:xfrm>
+            <a:off x="2752725" y="5086112"/>
+            <a:ext cx="3057525" cy="95250"/>
+          </a:xfrm>
+          <a:prstGeom prst="rect">
+            <a:avLst/>
+          </a:prstGeom>
+          <a:solidFill>
+            <a:schemeClr val="accent6">
+              <a:lumMod val="75000"/>
+              <a:alpha val="50000"/>
+            </a:schemeClr>
+          </a:solidFill>
+          <a:ln>
+            <a:noFill/>
+          </a:ln>
+        </p:spPr>
+        <p:style>
+          <a:lnRef idx="2">
+            <a:schemeClr val="accent1">
+              <a:shade val="50000"/>
+            </a:schemeClr>
+          </a:lnRef>
+          <a:fillRef idx="1">
+            <a:schemeClr val="accent1"/>
+          </a:fillRef>
+          <a:effectRef idx="0">
+            <a:schemeClr val="accent1"/>
+          </a:effectRef>
+          <a:fontRef idx="minor">
+            <a:schemeClr val="lt1"/>
+          </a:fontRef>
+        </p:style>
+        <p:txBody>
+          <a:bodyPr rtlCol="0" anchor="ctr"/>
+          <a:lstStyle/>
+          <a:p>
+            <a:pPr algn="ctr"/>
+            <a:endParaRPr lang="ko-KR" altLang="en-US" dirty="0"/>
+          </a:p>
+        </p:txBody>
+      </p:sp>
+      <p:sp>
+        <p:nvSpPr>
+          <p:cNvPr id="17" name="직사각형 16">
+            <a:extLst>
+              <a:ext uri="{FF2B5EF4-FFF2-40B4-BE49-F238E27FC236}">
+                <a16:creationId xmlns:a16="http://schemas.microsoft.com/office/drawing/2014/main" id="{64135571-4424-4EE9-B32C-DA820FBB5297}"/>
+              </a:ext>
+            </a:extLst>
+          </p:cNvPr>
+          <p:cNvSpPr/>
+          <p:nvPr/>
+        </p:nvSpPr>
+        <p:spPr>
+          <a:xfrm>
+            <a:off x="2752725" y="5643323"/>
+            <a:ext cx="3057525" cy="95250"/>
+          </a:xfrm>
+          <a:prstGeom prst="rect">
+            <a:avLst/>
+          </a:prstGeom>
+          <a:solidFill>
+            <a:schemeClr val="accent6">
+              <a:lumMod val="75000"/>
+              <a:alpha val="50000"/>
+            </a:schemeClr>
+          </a:solidFill>
+          <a:ln>
+            <a:noFill/>
+          </a:ln>
+        </p:spPr>
+        <p:style>
+          <a:lnRef idx="2">
+            <a:schemeClr val="accent1">
+              <a:shade val="50000"/>
+            </a:schemeClr>
+          </a:lnRef>
+          <a:fillRef idx="1">
+            <a:schemeClr val="accent1"/>
+          </a:fillRef>
+          <a:effectRef idx="0">
+            <a:schemeClr val="accent1"/>
+          </a:effectRef>
+          <a:fontRef idx="minor">
+            <a:schemeClr val="lt1"/>
+          </a:fontRef>
+        </p:style>
+        <p:txBody>
+          <a:bodyPr rtlCol="0" anchor="ctr"/>
+          <a:lstStyle/>
+          <a:p>
+            <a:pPr algn="ctr"/>
+            <a:endParaRPr lang="ko-KR" altLang="en-US" dirty="0"/>
+          </a:p>
+        </p:txBody>
+      </p:sp>
+      <p:sp>
+        <p:nvSpPr>
+          <p:cNvPr id="18" name="직사각형 17">
+            <a:extLst>
+              <a:ext uri="{FF2B5EF4-FFF2-40B4-BE49-F238E27FC236}">
+                <a16:creationId xmlns:a16="http://schemas.microsoft.com/office/drawing/2014/main" id="{C0006CFA-968C-4520-A34D-AD6575C96B9A}"/>
+              </a:ext>
+            </a:extLst>
+          </p:cNvPr>
+          <p:cNvSpPr/>
+          <p:nvPr/>
+        </p:nvSpPr>
+        <p:spPr>
+          <a:xfrm>
+            <a:off x="2752725" y="5748099"/>
+            <a:ext cx="3057525" cy="95250"/>
+          </a:xfrm>
+          <a:prstGeom prst="rect">
+            <a:avLst/>
+          </a:prstGeom>
+          <a:solidFill>
+            <a:schemeClr val="accent6">
+              <a:lumMod val="75000"/>
+              <a:alpha val="50000"/>
+            </a:schemeClr>
+          </a:solidFill>
+          <a:ln>
+            <a:noFill/>
+          </a:ln>
+        </p:spPr>
+        <p:style>
+          <a:lnRef idx="2">
+            <a:schemeClr val="accent1">
+              <a:shade val="50000"/>
+            </a:schemeClr>
+          </a:lnRef>
+          <a:fillRef idx="1">
+            <a:schemeClr val="accent1"/>
+          </a:fillRef>
+          <a:effectRef idx="0">
+            <a:schemeClr val="accent1"/>
+          </a:effectRef>
+          <a:fontRef idx="minor">
+            <a:schemeClr val="lt1"/>
+          </a:fontRef>
+        </p:style>
+        <p:txBody>
+          <a:bodyPr rtlCol="0" anchor="ctr"/>
+          <a:lstStyle/>
+          <a:p>
+            <a:pPr algn="ctr"/>
+            <a:endParaRPr lang="ko-KR" altLang="en-US" dirty="0"/>
+          </a:p>
+        </p:txBody>
+      </p:sp>
+      <p:sp>
+        <p:nvSpPr>
+          <p:cNvPr id="19" name="직사각형 18">
+            <a:extLst>
+              <a:ext uri="{FF2B5EF4-FFF2-40B4-BE49-F238E27FC236}">
+                <a16:creationId xmlns:a16="http://schemas.microsoft.com/office/drawing/2014/main" id="{5AF73E16-A6FA-44C4-9A5F-71E3501594F2}"/>
+              </a:ext>
+            </a:extLst>
+          </p:cNvPr>
+          <p:cNvSpPr/>
+          <p:nvPr/>
+        </p:nvSpPr>
+        <p:spPr>
+          <a:xfrm>
+            <a:off x="8797668" y="1484665"/>
+            <a:ext cx="2619268" cy="4556357"/>
+          </a:xfrm>
+          <a:prstGeom prst="rect">
+            <a:avLst/>
+          </a:prstGeom>
+          <a:noFill/>
+          <a:ln w="57150">
+            <a:solidFill>
+              <a:schemeClr val="accent2">
+                <a:lumMod val="50000"/>
+              </a:schemeClr>
+            </a:solidFill>
+          </a:ln>
+        </p:spPr>
+        <p:style>
+          <a:lnRef idx="2">
+            <a:schemeClr val="accent1">
+              <a:shade val="50000"/>
+            </a:schemeClr>
+          </a:lnRef>
+          <a:fillRef idx="1">
+            <a:schemeClr val="accent1"/>
+          </a:fillRef>
+          <a:effectRef idx="0">
+            <a:schemeClr val="accent1"/>
+          </a:effectRef>
+          <a:fontRef idx="minor">
+            <a:schemeClr val="lt1"/>
+          </a:fontRef>
+        </p:style>
+        <p:txBody>
+          <a:bodyPr rtlCol="0" anchor="ctr"/>
+          <a:lstStyle/>
+          <a:p>
+            <a:pPr algn="ctr"/>
+            <a:endParaRPr lang="ko-KR" altLang="en-US" dirty="0"/>
+          </a:p>
+        </p:txBody>
+      </p:sp>
     </p:spTree>
     <p:extLst>
       <p:ext uri="{BB962C8B-B14F-4D97-AF65-F5344CB8AC3E}">
-        <p14:creationId xmlns:p14="http://schemas.microsoft.com/office/powerpoint/2010/main" val="3802045126"/>
+        <p14:creationId xmlns:p14="http://schemas.microsoft.com/office/powerpoint/2010/main" val="3519652318"/>
       </p:ext>
     </p:extLst>
   </p:cSld>
@@ -16551,25 +20138,52 @@
           <a:lstStyle/>
           <a:p>
             <a:r>
-              <a:rPr lang="en-US" altLang="ko-KR" sz="3200" b="1" dirty="0">
-                <a:solidFill>
-                  <a:srgbClr val="FF0000"/>
+              <a:rPr lang="ko-KR" altLang="en-US" sz="3200" b="1" dirty="0">
+                <a:solidFill>
+                  <a:schemeClr val="bg1"/>
                 </a:solidFill>
                 <a:latin typeface="+mj-ea"/>
                 <a:ea typeface="+mj-ea"/>
               </a:rPr>
-              <a:t> </a:t>
-            </a:r>
-            <a:r>
-              <a:rPr lang="ko-KR" altLang="en-US" sz="3200" b="1" dirty="0">
+              <a:t>향후 개발 일정 </a:t>
+            </a:r>
+            <a:r>
+              <a:rPr lang="en-US" altLang="ko-KR" sz="3200" b="1" dirty="0">
                 <a:solidFill>
                   <a:schemeClr val="bg1"/>
                 </a:solidFill>
                 <a:latin typeface="+mj-ea"/>
                 <a:ea typeface="+mj-ea"/>
               </a:rPr>
-              <a:t>문제점 및 보완책</a:t>
-            </a:r>
+              <a:t>(</a:t>
+            </a:r>
+            <a:r>
+              <a:rPr lang="ko-KR" altLang="en-US" sz="3200" b="1" dirty="0" err="1">
+                <a:solidFill>
+                  <a:schemeClr val="bg1"/>
+                </a:solidFill>
+                <a:latin typeface="+mj-ea"/>
+                <a:ea typeface="+mj-ea"/>
+              </a:rPr>
+              <a:t>리브레</a:t>
+            </a:r>
+            <a:r>
+              <a:rPr lang="en-US" altLang="ko-KR" sz="3200" b="1" dirty="0">
+                <a:solidFill>
+                  <a:schemeClr val="bg1"/>
+                </a:solidFill>
+                <a:latin typeface="+mj-ea"/>
+                <a:ea typeface="+mj-ea"/>
+              </a:rPr>
+              <a:t>)</a:t>
+            </a:r>
+            <a:endParaRPr lang="ko-KR" altLang="en-US" sz="3200" b="1" dirty="0">
+              <a:solidFill>
+                <a:schemeClr val="bg1"/>
+              </a:solidFill>
+              <a:latin typeface="+mj-ea"/>
+              <a:ea typeface="+mj-ea"/>
+            </a:endParaRPr>
           </a:p>
         </p:txBody>
       </p:sp>
@@ -16775,12 +20389,168 @@
           </a:p>
         </p:txBody>
       </p:sp>
-      <p:sp>
-        <p:nvSpPr>
-          <p:cNvPr id="6" name="TextBox 5">
+      <p:pic>
+        <p:nvPicPr>
+          <p:cNvPr id="4" name="그림 3">
             <a:extLst>
               <a:ext uri="{FF2B5EF4-FFF2-40B4-BE49-F238E27FC236}">
-                <a16:creationId xmlns:a16="http://schemas.microsoft.com/office/drawing/2014/main" id="{981AEDE1-D8FA-49A1-8400-A51B214BD4A9}"/>
+                <a16:creationId xmlns:a16="http://schemas.microsoft.com/office/drawing/2014/main" id="{63027F5C-B1EF-42E6-88F0-4F62997AE986}"/>
+              </a:ext>
+            </a:extLst>
+          </p:cNvPr>
+          <p:cNvPicPr>
+            <a:picLocks noChangeAspect="1"/>
+          </p:cNvPicPr>
+          <p:nvPr/>
+        </p:nvPicPr>
+        <p:blipFill>
+          <a:blip r:embed="rId3">
+            <a:extLst>
+              <a:ext uri="{28A0092B-C50C-407E-A947-70E740481C1C}">
+                <a14:useLocalDpi xmlns:a14="http://schemas.microsoft.com/office/drawing/2010/main" val="0"/>
+              </a:ext>
+            </a:extLst>
+          </a:blip>
+          <a:stretch>
+            <a:fillRect/>
+          </a:stretch>
+        </p:blipFill>
+        <p:spPr>
+          <a:xfrm>
+            <a:off x="772173" y="2536992"/>
+            <a:ext cx="10647654" cy="2390120"/>
+          </a:xfrm>
+          <a:prstGeom prst="rect">
+            <a:avLst/>
+          </a:prstGeom>
+        </p:spPr>
+      </p:pic>
+      <p:sp>
+        <p:nvSpPr>
+          <p:cNvPr id="10" name="직사각형 9">
+            <a:extLst>
+              <a:ext uri="{FF2B5EF4-FFF2-40B4-BE49-F238E27FC236}">
+                <a16:creationId xmlns:a16="http://schemas.microsoft.com/office/drawing/2014/main" id="{99DC66AE-1504-4081-903E-ADEEB613676C}"/>
+              </a:ext>
+            </a:extLst>
+          </p:cNvPr>
+          <p:cNvSpPr/>
+          <p:nvPr/>
+        </p:nvSpPr>
+        <p:spPr>
+          <a:xfrm>
+            <a:off x="-8808" y="1484665"/>
+            <a:ext cx="683035" cy="350556"/>
+          </a:xfrm>
+          <a:prstGeom prst="rect">
+            <a:avLst/>
+          </a:prstGeom>
+          <a:solidFill>
+            <a:schemeClr val="accent1">
+              <a:lumMod val="50000"/>
+            </a:schemeClr>
+          </a:solidFill>
+          <a:ln>
+            <a:noFill/>
+          </a:ln>
+        </p:spPr>
+        <p:style>
+          <a:lnRef idx="2">
+            <a:schemeClr val="accent1">
+              <a:shade val="50000"/>
+            </a:schemeClr>
+          </a:lnRef>
+          <a:fillRef idx="1">
+            <a:schemeClr val="accent1"/>
+          </a:fillRef>
+          <a:effectRef idx="0">
+            <a:schemeClr val="accent1"/>
+          </a:effectRef>
+          <a:fontRef idx="minor">
+            <a:schemeClr val="lt1"/>
+          </a:fontRef>
+        </p:style>
+        <p:txBody>
+          <a:bodyPr rtlCol="0" anchor="ctr"/>
+          <a:lstStyle/>
+          <a:p>
+            <a:pPr algn="ctr"/>
+            <a:endParaRPr lang="ko-KR" altLang="en-US" dirty="0">
+              <a:solidFill>
+                <a:schemeClr val="tx1"/>
+              </a:solidFill>
+              <a:latin typeface="빙그레체" panose="02030503000000000000" pitchFamily="18" charset="-127"/>
+              <a:ea typeface="빙그레체" panose="02030503000000000000" pitchFamily="18" charset="-127"/>
+            </a:endParaRPr>
+          </a:p>
+        </p:txBody>
+      </p:sp>
+      <p:sp>
+        <p:nvSpPr>
+          <p:cNvPr id="12" name="직사각형 11">
+            <a:extLst>
+              <a:ext uri="{FF2B5EF4-FFF2-40B4-BE49-F238E27FC236}">
+                <a16:creationId xmlns:a16="http://schemas.microsoft.com/office/drawing/2014/main" id="{77FFFCC6-60F8-4C7A-B676-68B757320D71}"/>
+              </a:ext>
+            </a:extLst>
+          </p:cNvPr>
+          <p:cNvSpPr/>
+          <p:nvPr/>
+        </p:nvSpPr>
+        <p:spPr>
+          <a:xfrm>
+            <a:off x="-8808" y="1797959"/>
+            <a:ext cx="2018763" cy="45719"/>
+          </a:xfrm>
+          <a:prstGeom prst="rect">
+            <a:avLst/>
+          </a:prstGeom>
+          <a:solidFill>
+            <a:schemeClr val="accent1">
+              <a:lumMod val="50000"/>
+            </a:schemeClr>
+          </a:solidFill>
+          <a:ln>
+            <a:noFill/>
+          </a:ln>
+        </p:spPr>
+        <p:style>
+          <a:lnRef idx="2">
+            <a:schemeClr val="accent1">
+              <a:shade val="50000"/>
+            </a:schemeClr>
+          </a:lnRef>
+          <a:fillRef idx="1">
+            <a:schemeClr val="accent1"/>
+          </a:fillRef>
+          <a:effectRef idx="0">
+            <a:schemeClr val="accent1"/>
+          </a:effectRef>
+          <a:fontRef idx="minor">
+            <a:schemeClr val="lt1"/>
+          </a:fontRef>
+        </p:style>
+        <p:txBody>
+          <a:bodyPr rtlCol="0" anchor="ctr"/>
+          <a:lstStyle/>
+          <a:p>
+            <a:pPr algn="ctr"/>
+            <a:endParaRPr lang="ko-KR" altLang="en-US" dirty="0">
+              <a:solidFill>
+                <a:schemeClr val="tx1"/>
+              </a:solidFill>
+              <a:latin typeface="빙그레체" panose="02030503000000000000" pitchFamily="18" charset="-127"/>
+              <a:ea typeface="빙그레체" panose="02030503000000000000" pitchFamily="18" charset="-127"/>
+            </a:endParaRPr>
+          </a:p>
+        </p:txBody>
+      </p:sp>
+      <p:sp>
+        <p:nvSpPr>
+          <p:cNvPr id="13" name="TextBox 44">
+            <a:extLst>
+              <a:ext uri="{FF2B5EF4-FFF2-40B4-BE49-F238E27FC236}">
+                <a16:creationId xmlns:a16="http://schemas.microsoft.com/office/drawing/2014/main" id="{6F13578A-F52D-4DF3-88FA-A583BAD53F0E}"/>
               </a:ext>
             </a:extLst>
           </p:cNvPr>
@@ -16789,8 +20559,8 @@
         </p:nvSpPr>
         <p:spPr>
           <a:xfrm>
-            <a:off x="725689" y="1639442"/>
-            <a:ext cx="9984561" cy="2123658"/>
+            <a:off x="562083" y="1435111"/>
+            <a:ext cx="1587691" cy="400110"/>
           </a:xfrm>
           <a:prstGeom prst="rect">
             <a:avLst/>
@@ -16801,236 +20571,229 @@
           <a:bodyPr wrap="square" rtlCol="0">
             <a:spAutoFit/>
           </a:bodyPr>
-          <a:lstStyle/>
-          <a:p>
-            <a:pPr marL="514350" indent="-514350">
-              <a:buAutoNum type="arabicPeriod"/>
-            </a:pPr>
-            <a:r>
-              <a:rPr lang="ko-KR" altLang="en-US" sz="2800" b="1" dirty="0">
+          <a:lstStyle>
+            <a:defPPr>
+              <a:defRPr lang="en-US"/>
+            </a:defPPr>
+            <a:lvl1pPr marL="0" algn="l" defTabSz="457200" rtl="0" eaLnBrk="1" latinLnBrk="0" hangingPunct="1">
+              <a:defRPr sz="1800" kern="1200">
+                <a:solidFill>
+                  <a:schemeClr val="tx1"/>
+                </a:solidFill>
+                <a:latin typeface="+mn-lt"/>
+                <a:ea typeface="+mn-ea"/>
+                <a:cs typeface="+mn-cs"/>
+              </a:defRPr>
+            </a:lvl1pPr>
+            <a:lvl2pPr marL="457200" algn="l" defTabSz="457200" rtl="0" eaLnBrk="1" latinLnBrk="0" hangingPunct="1">
+              <a:defRPr sz="1800" kern="1200">
+                <a:solidFill>
+                  <a:schemeClr val="tx1"/>
+                </a:solidFill>
+                <a:latin typeface="+mn-lt"/>
+                <a:ea typeface="+mn-ea"/>
+                <a:cs typeface="+mn-cs"/>
+              </a:defRPr>
+            </a:lvl2pPr>
+            <a:lvl3pPr marL="914400" algn="l" defTabSz="457200" rtl="0" eaLnBrk="1" latinLnBrk="0" hangingPunct="1">
+              <a:defRPr sz="1800" kern="1200">
+                <a:solidFill>
+                  <a:schemeClr val="tx1"/>
+                </a:solidFill>
+                <a:latin typeface="+mn-lt"/>
+                <a:ea typeface="+mn-ea"/>
+                <a:cs typeface="+mn-cs"/>
+              </a:defRPr>
+            </a:lvl3pPr>
+            <a:lvl4pPr marL="1371600" algn="l" defTabSz="457200" rtl="0" eaLnBrk="1" latinLnBrk="0" hangingPunct="1">
+              <a:defRPr sz="1800" kern="1200">
+                <a:solidFill>
+                  <a:schemeClr val="tx1"/>
+                </a:solidFill>
+                <a:latin typeface="+mn-lt"/>
+                <a:ea typeface="+mn-ea"/>
+                <a:cs typeface="+mn-cs"/>
+              </a:defRPr>
+            </a:lvl4pPr>
+            <a:lvl5pPr marL="1828800" algn="l" defTabSz="457200" rtl="0" eaLnBrk="1" latinLnBrk="0" hangingPunct="1">
+              <a:defRPr sz="1800" kern="1200">
+                <a:solidFill>
+                  <a:schemeClr val="tx1"/>
+                </a:solidFill>
+                <a:latin typeface="+mn-lt"/>
+                <a:ea typeface="+mn-ea"/>
+                <a:cs typeface="+mn-cs"/>
+              </a:defRPr>
+            </a:lvl5pPr>
+            <a:lvl6pPr marL="2286000" algn="l" defTabSz="457200" rtl="0" eaLnBrk="1" latinLnBrk="0" hangingPunct="1">
+              <a:defRPr sz="1800" kern="1200">
+                <a:solidFill>
+                  <a:schemeClr val="tx1"/>
+                </a:solidFill>
+                <a:latin typeface="+mn-lt"/>
+                <a:ea typeface="+mn-ea"/>
+                <a:cs typeface="+mn-cs"/>
+              </a:defRPr>
+            </a:lvl6pPr>
+            <a:lvl7pPr marL="2743200" algn="l" defTabSz="457200" rtl="0" eaLnBrk="1" latinLnBrk="0" hangingPunct="1">
+              <a:defRPr sz="1800" kern="1200">
+                <a:solidFill>
+                  <a:schemeClr val="tx1"/>
+                </a:solidFill>
+                <a:latin typeface="+mn-lt"/>
+                <a:ea typeface="+mn-ea"/>
+                <a:cs typeface="+mn-cs"/>
+              </a:defRPr>
+            </a:lvl7pPr>
+            <a:lvl8pPr marL="3200400" algn="l" defTabSz="457200" rtl="0" eaLnBrk="1" latinLnBrk="0" hangingPunct="1">
+              <a:defRPr sz="1800" kern="1200">
+                <a:solidFill>
+                  <a:schemeClr val="tx1"/>
+                </a:solidFill>
+                <a:latin typeface="+mn-lt"/>
+                <a:ea typeface="+mn-ea"/>
+                <a:cs typeface="+mn-cs"/>
+              </a:defRPr>
+            </a:lvl8pPr>
+            <a:lvl9pPr marL="3657600" algn="l" defTabSz="457200" rtl="0" eaLnBrk="1" latinLnBrk="0" hangingPunct="1">
+              <a:defRPr sz="1800" kern="1200">
+                <a:solidFill>
+                  <a:schemeClr val="tx1"/>
+                </a:solidFill>
+                <a:latin typeface="+mn-lt"/>
+                <a:ea typeface="+mn-ea"/>
+                <a:cs typeface="+mn-cs"/>
+              </a:defRPr>
+            </a:lvl9pPr>
+          </a:lstStyle>
+          <a:p>
+            <a:pPr algn="ctr"/>
+            <a:r>
+              <a:rPr lang="ko-KR" altLang="en-US" sz="2000" b="1" dirty="0">
                 <a:solidFill>
                   <a:schemeClr val="bg1"/>
                 </a:solidFill>
                 <a:latin typeface="+mn-ea"/>
               </a:rPr>
-              <a:t>게임 내 이펙트</a:t>
-            </a:r>
-            <a:r>
-              <a:rPr lang="en-US" altLang="ko-KR" sz="2800" b="1" dirty="0">
-                <a:solidFill>
-                  <a:schemeClr val="bg1"/>
-                </a:solidFill>
-                <a:latin typeface="+mn-ea"/>
-              </a:rPr>
-              <a:t>, </a:t>
-            </a:r>
-            <a:r>
-              <a:rPr lang="ko-KR" altLang="en-US" sz="2800" b="1" dirty="0">
-                <a:solidFill>
-                  <a:schemeClr val="bg1"/>
-                </a:solidFill>
-                <a:latin typeface="+mn-ea"/>
-              </a:rPr>
-              <a:t>연출 효과 미흡</a:t>
-            </a:r>
-            <a:endParaRPr lang="en-US" altLang="ko-KR" sz="2800" b="1" dirty="0">
-              <a:solidFill>
-                <a:schemeClr val="bg1"/>
-              </a:solidFill>
-              <a:latin typeface="+mn-ea"/>
-            </a:endParaRPr>
-          </a:p>
-          <a:p>
-            <a:r>
-              <a:rPr lang="en-US" altLang="ko-KR" b="1" dirty="0">
-                <a:solidFill>
-                  <a:schemeClr val="bg1"/>
-                </a:solidFill>
-                <a:latin typeface="+mn-ea"/>
-              </a:rPr>
-              <a:t>     	</a:t>
-            </a:r>
-            <a:r>
-              <a:rPr lang="ko-KR" altLang="en-US" sz="2400" b="1" dirty="0">
-                <a:solidFill>
-                  <a:schemeClr val="bg1"/>
-                </a:solidFill>
-                <a:latin typeface="+mn-ea"/>
-              </a:rPr>
-              <a:t>　</a:t>
-            </a:r>
-            <a:r>
-              <a:rPr lang="en-US" altLang="ko-KR" dirty="0">
-                <a:solidFill>
-                  <a:schemeClr val="bg1"/>
-                </a:solidFill>
-                <a:latin typeface="+mn-ea"/>
-              </a:rPr>
-              <a:t>- </a:t>
-            </a:r>
-            <a:r>
-              <a:rPr lang="ko-KR" altLang="en-US" dirty="0" err="1">
-                <a:solidFill>
-                  <a:schemeClr val="bg1"/>
-                </a:solidFill>
-                <a:latin typeface="+mn-ea"/>
-              </a:rPr>
-              <a:t>파티클</a:t>
-            </a:r>
-            <a:r>
-              <a:rPr lang="ko-KR" altLang="en-US" dirty="0">
-                <a:solidFill>
-                  <a:schemeClr val="bg1"/>
-                </a:solidFill>
-                <a:latin typeface="+mn-ea"/>
-              </a:rPr>
-              <a:t> 등을 활용한 이펙트 추가</a:t>
-            </a:r>
-            <a:r>
-              <a:rPr lang="en-US" altLang="ko-KR" dirty="0">
-                <a:solidFill>
-                  <a:schemeClr val="bg1"/>
-                </a:solidFill>
-                <a:latin typeface="+mn-ea"/>
-              </a:rPr>
-              <a:t>, </a:t>
-            </a:r>
-            <a:r>
-              <a:rPr lang="ko-KR" altLang="en-US" dirty="0">
-                <a:solidFill>
-                  <a:schemeClr val="bg1"/>
-                </a:solidFill>
-                <a:latin typeface="+mn-ea"/>
-              </a:rPr>
-              <a:t>장면 전환 등의 연출 부족</a:t>
-            </a:r>
-            <a:endParaRPr lang="en-US" altLang="ko-KR" b="1" dirty="0">
-              <a:solidFill>
-                <a:schemeClr val="bg1"/>
-              </a:solidFill>
-              <a:latin typeface="+mn-ea"/>
-            </a:endParaRPr>
-          </a:p>
-          <a:p>
-            <a:r>
-              <a:rPr lang="en-US" altLang="ko-KR" sz="2800" b="1" dirty="0">
-                <a:solidFill>
-                  <a:schemeClr val="bg1"/>
-                </a:solidFill>
-                <a:latin typeface="+mn-ea"/>
-              </a:rPr>
-              <a:t>	</a:t>
-            </a:r>
-            <a:endParaRPr lang="en-US" altLang="ko-KR" b="1" dirty="0">
-              <a:solidFill>
-                <a:schemeClr val="bg1"/>
-              </a:solidFill>
-              <a:latin typeface="+mn-ea"/>
-            </a:endParaRPr>
-          </a:p>
-          <a:p>
-            <a:r>
-              <a:rPr lang="en-US" altLang="ko-KR" sz="2800" b="1" dirty="0">
-                <a:solidFill>
-                  <a:schemeClr val="bg1"/>
-                </a:solidFill>
-                <a:latin typeface="+mn-ea"/>
-              </a:rPr>
-              <a:t>2. </a:t>
-            </a:r>
-            <a:r>
-              <a:rPr lang="ko-KR" altLang="en-US" sz="2800" b="1" dirty="0">
-                <a:solidFill>
-                  <a:schemeClr val="bg1"/>
-                </a:solidFill>
-                <a:latin typeface="+mn-ea"/>
-              </a:rPr>
-              <a:t>단조로운 게임 플레이</a:t>
-            </a:r>
-            <a:endParaRPr lang="en-US" altLang="ko-KR" sz="2800" b="1" dirty="0">
-              <a:solidFill>
-                <a:schemeClr val="bg1"/>
-              </a:solidFill>
-              <a:latin typeface="+mn-ea"/>
-            </a:endParaRPr>
-          </a:p>
-          <a:p>
-            <a:r>
-              <a:rPr lang="en-US" altLang="ko-KR" dirty="0">
-                <a:solidFill>
-                  <a:schemeClr val="bg1"/>
-                </a:solidFill>
-                <a:latin typeface="+mn-ea"/>
-              </a:rPr>
-              <a:t>     	</a:t>
-            </a:r>
-            <a:r>
-              <a:rPr lang="ko-KR" altLang="en-US" sz="2400" dirty="0">
-                <a:solidFill>
-                  <a:schemeClr val="bg1"/>
-                </a:solidFill>
-                <a:latin typeface="+mn-ea"/>
-              </a:rPr>
-              <a:t>　</a:t>
-            </a:r>
-            <a:r>
-              <a:rPr lang="en-US" altLang="ko-KR" dirty="0">
-                <a:solidFill>
-                  <a:schemeClr val="bg1"/>
-                </a:solidFill>
-                <a:latin typeface="+mn-ea"/>
-              </a:rPr>
-              <a:t>- </a:t>
-            </a:r>
-            <a:r>
-              <a:rPr lang="ko-KR" altLang="en-US" dirty="0" err="1">
-                <a:solidFill>
-                  <a:schemeClr val="bg1"/>
-                </a:solidFill>
-                <a:latin typeface="+mn-ea"/>
-              </a:rPr>
-              <a:t>맵의</a:t>
-            </a:r>
-            <a:r>
-              <a:rPr lang="ko-KR" altLang="en-US" dirty="0">
-                <a:solidFill>
-                  <a:schemeClr val="bg1"/>
-                </a:solidFill>
-                <a:latin typeface="+mn-ea"/>
-              </a:rPr>
-              <a:t> 변화</a:t>
-            </a:r>
-            <a:r>
-              <a:rPr lang="en-US" altLang="ko-KR" dirty="0">
-                <a:solidFill>
-                  <a:schemeClr val="bg1"/>
-                </a:solidFill>
-                <a:latin typeface="+mn-ea"/>
-              </a:rPr>
-              <a:t>, </a:t>
-            </a:r>
-            <a:r>
-              <a:rPr lang="ko-KR" altLang="en-US" dirty="0">
-                <a:solidFill>
-                  <a:schemeClr val="bg1"/>
-                </a:solidFill>
-                <a:latin typeface="+mn-ea"/>
-              </a:rPr>
-              <a:t>오브젝트를 활용한 전투 추가</a:t>
-            </a:r>
-            <a:endParaRPr lang="en-US" altLang="ko-KR" dirty="0">
-              <a:solidFill>
-                <a:schemeClr val="bg1"/>
-              </a:solidFill>
-              <a:latin typeface="+mn-ea"/>
-            </a:endParaRPr>
+              <a:t>변경 후</a:t>
+            </a:r>
+          </a:p>
+        </p:txBody>
+      </p:sp>
+      <p:sp>
+        <p:nvSpPr>
+          <p:cNvPr id="14" name="직사각형 13">
+            <a:extLst>
+              <a:ext uri="{FF2B5EF4-FFF2-40B4-BE49-F238E27FC236}">
+                <a16:creationId xmlns:a16="http://schemas.microsoft.com/office/drawing/2014/main" id="{DB453F97-6BAB-447A-9CED-F7CCB97CED05}"/>
+              </a:ext>
+            </a:extLst>
+          </p:cNvPr>
+          <p:cNvSpPr/>
+          <p:nvPr/>
+        </p:nvSpPr>
+        <p:spPr>
+          <a:xfrm>
+            <a:off x="1524000" y="3104911"/>
+            <a:ext cx="4371975" cy="157402"/>
+          </a:xfrm>
+          <a:prstGeom prst="rect">
+            <a:avLst/>
+          </a:prstGeom>
+          <a:solidFill>
+            <a:schemeClr val="accent4">
+              <a:lumMod val="75000"/>
+              <a:alpha val="50000"/>
+            </a:schemeClr>
+          </a:solidFill>
+          <a:ln>
+            <a:noFill/>
+          </a:ln>
+        </p:spPr>
+        <p:style>
+          <a:lnRef idx="2">
+            <a:schemeClr val="accent1">
+              <a:shade val="50000"/>
+            </a:schemeClr>
+          </a:lnRef>
+          <a:fillRef idx="1">
+            <a:schemeClr val="accent1"/>
+          </a:fillRef>
+          <a:effectRef idx="0">
+            <a:schemeClr val="accent1"/>
+          </a:effectRef>
+          <a:fontRef idx="minor">
+            <a:schemeClr val="lt1"/>
+          </a:fontRef>
+        </p:style>
+        <p:txBody>
+          <a:bodyPr rtlCol="0" anchor="ctr"/>
+          <a:lstStyle/>
+          <a:p>
+            <a:pPr algn="ctr"/>
+            <a:endParaRPr lang="ko-KR" altLang="en-US" dirty="0"/>
+          </a:p>
+        </p:txBody>
+      </p:sp>
+      <p:sp>
+        <p:nvSpPr>
+          <p:cNvPr id="15" name="직사각형 14">
+            <a:extLst>
+              <a:ext uri="{FF2B5EF4-FFF2-40B4-BE49-F238E27FC236}">
+                <a16:creationId xmlns:a16="http://schemas.microsoft.com/office/drawing/2014/main" id="{27FB13A3-85F1-45C9-832A-8C463B50C272}"/>
+              </a:ext>
+            </a:extLst>
+          </p:cNvPr>
+          <p:cNvSpPr/>
+          <p:nvPr/>
+        </p:nvSpPr>
+        <p:spPr>
+          <a:xfrm>
+            <a:off x="1524000" y="3262313"/>
+            <a:ext cx="4371975" cy="157402"/>
+          </a:xfrm>
+          <a:prstGeom prst="rect">
+            <a:avLst/>
+          </a:prstGeom>
+          <a:solidFill>
+            <a:schemeClr val="accent4">
+              <a:lumMod val="75000"/>
+              <a:alpha val="50000"/>
+            </a:schemeClr>
+          </a:solidFill>
+          <a:ln>
+            <a:noFill/>
+          </a:ln>
+        </p:spPr>
+        <p:style>
+          <a:lnRef idx="2">
+            <a:schemeClr val="accent1">
+              <a:shade val="50000"/>
+            </a:schemeClr>
+          </a:lnRef>
+          <a:fillRef idx="1">
+            <a:schemeClr val="accent1"/>
+          </a:fillRef>
+          <a:effectRef idx="0">
+            <a:schemeClr val="accent1"/>
+          </a:effectRef>
+          <a:fontRef idx="minor">
+            <a:schemeClr val="lt1"/>
+          </a:fontRef>
+        </p:style>
+        <p:txBody>
+          <a:bodyPr rtlCol="0" anchor="ctr"/>
+          <a:lstStyle/>
+          <a:p>
+            <a:pPr algn="ctr"/>
+            <a:endParaRPr lang="ko-KR" altLang="en-US" dirty="0"/>
           </a:p>
         </p:txBody>
       </p:sp>
     </p:spTree>
     <p:extLst>
       <p:ext uri="{BB962C8B-B14F-4D97-AF65-F5344CB8AC3E}">
-        <p14:creationId xmlns:p14="http://schemas.microsoft.com/office/powerpoint/2010/main" val="1411604849"/>
+        <p14:creationId xmlns:p14="http://schemas.microsoft.com/office/powerpoint/2010/main" val="3152400330"/>
       </p:ext>
     </p:extLst>
   </p:cSld>

--- a/ProjectPlan/중간발표/하트비트_방종혁_장규현_김명규.pptx
+++ b/ProjectPlan/중간발표/하트비트_방종혁_장규현_김명규.pptx
@@ -211,7 +211,7 @@
           <a:p>
             <a:fld id="{AA97DD2A-9847-4170-B1E0-513D7522DD52}" type="datetimeFigureOut">
               <a:rPr lang="ko-KR" altLang="en-US" smtClean="0"/>
-              <a:t>2022-04-30</a:t>
+              <a:t>2022-05-01</a:t>
             </a:fld>
             <a:endParaRPr lang="ko-KR" altLang="en-US"/>
           </a:p>
@@ -1411,7 +1411,7 @@
           <a:effectLst/>
           <a:extLst>
             <a:ext uri="{91240B29-F687-4f45-9708-019B960494DF}">
-              <a14:hiddenLine xmlns="" xmlns:a14="http://schemas.microsoft.com/office/drawing/2010/main" w="9525">
+              <a14:hiddenLine xmlns:a14="http://schemas.microsoft.com/office/drawing/2010/main" xmlns="" w="9525">
                 <a:solidFill>
                   <a:srgbClr val="000000"/>
                 </a:solidFill>
@@ -1603,7 +1603,7 @@
           <a:p>
             <a:fld id="{7B86B758-F168-47F7-9C46-F8198D2D7B43}" type="datetimeFigureOut">
               <a:rPr lang="ko-KR" altLang="en-US" smtClean="0"/>
-              <a:t>2022-04-30</a:t>
+              <a:t>2022-05-01</a:t>
             </a:fld>
             <a:endParaRPr lang="ko-KR" altLang="en-US"/>
           </a:p>
@@ -1921,7 +1921,7 @@
           <a:p>
             <a:fld id="{7B86B758-F168-47F7-9C46-F8198D2D7B43}" type="datetimeFigureOut">
               <a:rPr lang="ko-KR" altLang="en-US" smtClean="0"/>
-              <a:t>2022-04-30</a:t>
+              <a:t>2022-05-01</a:t>
             </a:fld>
             <a:endParaRPr lang="ko-KR" altLang="en-US"/>
           </a:p>
@@ -2409,7 +2409,7 @@
           <a:p>
             <a:fld id="{7B86B758-F168-47F7-9C46-F8198D2D7B43}" type="datetimeFigureOut">
               <a:rPr lang="ko-KR" altLang="en-US" smtClean="0"/>
-              <a:t>2022-04-30</a:t>
+              <a:t>2022-05-01</a:t>
             </a:fld>
             <a:endParaRPr lang="ko-KR" altLang="en-US"/>
           </a:p>
@@ -2778,7 +2778,7 @@
           <a:p>
             <a:fld id="{7B86B758-F168-47F7-9C46-F8198D2D7B43}" type="datetimeFigureOut">
               <a:rPr lang="ko-KR" altLang="en-US" smtClean="0"/>
-              <a:t>2022-04-30</a:t>
+              <a:t>2022-05-01</a:t>
             </a:fld>
             <a:endParaRPr lang="ko-KR" altLang="en-US"/>
           </a:p>
@@ -2933,7 +2933,7 @@
           <a:ln/>
           <a:extLst>
             <a:ext uri="{91240B29-F687-4f45-9708-019B960494DF}">
-              <a14:hiddenLine xmlns="" xmlns:a14="http://schemas.microsoft.com/office/drawing/2010/main" w="9525">
+              <a14:hiddenLine xmlns:a14="http://schemas.microsoft.com/office/drawing/2010/main" xmlns="" w="9525">
                 <a:solidFill>
                   <a:srgbClr val="000000"/>
                 </a:solidFill>
@@ -3051,7 +3051,7 @@
           <a:p>
             <a:fld id="{7B86B758-F168-47F7-9C46-F8198D2D7B43}" type="datetimeFigureOut">
               <a:rPr lang="ko-KR" altLang="en-US" smtClean="0"/>
-              <a:t>2022-04-30</a:t>
+              <a:t>2022-05-01</a:t>
             </a:fld>
             <a:endParaRPr lang="ko-KR" altLang="en-US"/>
           </a:p>
@@ -3208,7 +3208,7 @@
           <a:ln/>
           <a:extLst>
             <a:ext uri="{91240B29-F687-4f45-9708-019B960494DF}">
-              <a14:hiddenLine xmlns="" xmlns:a14="http://schemas.microsoft.com/office/drawing/2010/main" w="9525">
+              <a14:hiddenLine xmlns:a14="http://schemas.microsoft.com/office/drawing/2010/main" xmlns="" w="9525">
                 <a:solidFill>
                   <a:srgbClr val="000000"/>
                 </a:solidFill>
@@ -3336,7 +3336,7 @@
           <a:p>
             <a:fld id="{7B86B758-F168-47F7-9C46-F8198D2D7B43}" type="datetimeFigureOut">
               <a:rPr lang="ko-KR" altLang="en-US" smtClean="0"/>
-              <a:t>2022-04-30</a:t>
+              <a:t>2022-05-01</a:t>
             </a:fld>
             <a:endParaRPr lang="ko-KR" altLang="en-US"/>
           </a:p>
@@ -3491,7 +3491,7 @@
           <a:ln/>
           <a:extLst>
             <a:ext uri="{91240B29-F687-4f45-9708-019B960494DF}">
-              <a14:hiddenLine xmlns="" xmlns:a14="http://schemas.microsoft.com/office/drawing/2010/main" w="9525">
+              <a14:hiddenLine xmlns:a14="http://schemas.microsoft.com/office/drawing/2010/main" xmlns="" w="9525">
                 <a:solidFill>
                   <a:srgbClr val="000000"/>
                 </a:solidFill>
@@ -3619,7 +3619,7 @@
           <a:p>
             <a:fld id="{7B86B758-F168-47F7-9C46-F8198D2D7B43}" type="datetimeFigureOut">
               <a:rPr lang="ko-KR" altLang="en-US" smtClean="0"/>
-              <a:t>2022-04-30</a:t>
+              <a:t>2022-05-01</a:t>
             </a:fld>
             <a:endParaRPr lang="ko-KR" altLang="en-US"/>
           </a:p>
@@ -3962,7 +3962,7 @@
           <a:p>
             <a:fld id="{7B86B758-F168-47F7-9C46-F8198D2D7B43}" type="datetimeFigureOut">
               <a:rPr lang="ko-KR" altLang="en-US" smtClean="0"/>
-              <a:t>2022-04-30</a:t>
+              <a:t>2022-05-01</a:t>
             </a:fld>
             <a:endParaRPr lang="ko-KR" altLang="en-US"/>
           </a:p>
@@ -4117,7 +4117,7 @@
           <a:ln/>
           <a:extLst>
             <a:ext uri="{91240B29-F687-4f45-9708-019B960494DF}">
-              <a14:hiddenLine xmlns="" xmlns:a14="http://schemas.microsoft.com/office/drawing/2010/main" w="9525">
+              <a14:hiddenLine xmlns:a14="http://schemas.microsoft.com/office/drawing/2010/main" xmlns="" w="9525">
                 <a:solidFill>
                   <a:srgbClr val="000000"/>
                 </a:solidFill>
@@ -4301,7 +4301,7 @@
           <a:p>
             <a:fld id="{7B86B758-F168-47F7-9C46-F8198D2D7B43}" type="datetimeFigureOut">
               <a:rPr lang="ko-KR" altLang="en-US" smtClean="0"/>
-              <a:t>2022-04-30</a:t>
+              <a:t>2022-05-01</a:t>
             </a:fld>
             <a:endParaRPr lang="ko-KR" altLang="en-US"/>
           </a:p>
@@ -4456,7 +4456,7 @@
           <a:ln/>
           <a:extLst>
             <a:ext uri="{91240B29-F687-4f45-9708-019B960494DF}">
-              <a14:hiddenLine xmlns="" xmlns:a14="http://schemas.microsoft.com/office/drawing/2010/main" w="9525">
+              <a14:hiddenLine xmlns:a14="http://schemas.microsoft.com/office/drawing/2010/main" xmlns="" w="9525">
                 <a:solidFill>
                   <a:srgbClr val="000000"/>
                 </a:solidFill>
@@ -4778,7 +4778,7 @@
           <a:p>
             <a:fld id="{7B86B758-F168-47F7-9C46-F8198D2D7B43}" type="datetimeFigureOut">
               <a:rPr lang="ko-KR" altLang="en-US" smtClean="0"/>
-              <a:t>2022-04-30</a:t>
+              <a:t>2022-05-01</a:t>
             </a:fld>
             <a:endParaRPr lang="ko-KR" altLang="en-US"/>
           </a:p>
@@ -4933,7 +4933,7 @@
           <a:ln/>
           <a:extLst>
             <a:ext uri="{91240B29-F687-4f45-9708-019B960494DF}">
-              <a14:hiddenLine xmlns="" xmlns:a14="http://schemas.microsoft.com/office/drawing/2010/main" w="9525">
+              <a14:hiddenLine xmlns:a14="http://schemas.microsoft.com/office/drawing/2010/main" xmlns="" w="9525">
                 <a:solidFill>
                   <a:srgbClr val="000000"/>
                 </a:solidFill>
@@ -4999,7 +4999,7 @@
           <a:p>
             <a:fld id="{7B86B758-F168-47F7-9C46-F8198D2D7B43}" type="datetimeFigureOut">
               <a:rPr lang="ko-KR" altLang="en-US" smtClean="0"/>
-              <a:t>2022-04-30</a:t>
+              <a:t>2022-05-01</a:t>
             </a:fld>
             <a:endParaRPr lang="ko-KR" altLang="en-US"/>
           </a:p>
@@ -5094,7 +5094,7 @@
           <a:p>
             <a:fld id="{7B86B758-F168-47F7-9C46-F8198D2D7B43}" type="datetimeFigureOut">
               <a:rPr lang="ko-KR" altLang="en-US" smtClean="0"/>
-              <a:t>2022-04-30</a:t>
+              <a:t>2022-05-01</a:t>
             </a:fld>
             <a:endParaRPr lang="ko-KR" altLang="en-US"/>
           </a:p>
@@ -5362,7 +5362,7 @@
           <a:ln/>
           <a:extLst>
             <a:ext uri="{91240B29-F687-4f45-9708-019B960494DF}">
-              <a14:hiddenLine xmlns="" xmlns:a14="http://schemas.microsoft.com/office/drawing/2010/main" w="9525">
+              <a14:hiddenLine xmlns:a14="http://schemas.microsoft.com/office/drawing/2010/main" xmlns="" w="9525">
                 <a:solidFill>
                   <a:srgbClr val="000000"/>
                 </a:solidFill>
@@ -5561,7 +5561,7 @@
           <a:p>
             <a:fld id="{7B86B758-F168-47F7-9C46-F8198D2D7B43}" type="datetimeFigureOut">
               <a:rPr lang="ko-KR" altLang="en-US" smtClean="0"/>
-              <a:t>2022-04-30</a:t>
+              <a:t>2022-05-01</a:t>
             </a:fld>
             <a:endParaRPr lang="ko-KR" altLang="en-US"/>
           </a:p>
@@ -5874,7 +5874,7 @@
           <a:p>
             <a:fld id="{7B86B758-F168-47F7-9C46-F8198D2D7B43}" type="datetimeFigureOut">
               <a:rPr lang="ko-KR" altLang="en-US" smtClean="0"/>
-              <a:t>2022-04-30</a:t>
+              <a:t>2022-05-01</a:t>
             </a:fld>
             <a:endParaRPr lang="ko-KR" altLang="en-US"/>
           </a:p>
@@ -6165,7 +6165,7 @@
           <a:p>
             <a:fld id="{7B86B758-F168-47F7-9C46-F8198D2D7B43}" type="datetimeFigureOut">
               <a:rPr lang="ko-KR" altLang="en-US" smtClean="0"/>
-              <a:t>2022-04-30</a:t>
+              <a:t>2022-05-01</a:t>
             </a:fld>
             <a:endParaRPr lang="ko-KR" altLang="en-US"/>
           </a:p>
@@ -14159,7 +14159,7 @@
         </p:nvSpPr>
         <p:spPr>
           <a:xfrm>
-            <a:off x="794996" y="2244034"/>
+            <a:off x="794996" y="1955970"/>
             <a:ext cx="4544071" cy="400110"/>
           </a:xfrm>
           <a:prstGeom prst="rect">
@@ -14313,41 +14313,6 @@
           </a:p>
         </p:txBody>
       </p:sp>
-      <p:pic>
-        <p:nvPicPr>
-          <p:cNvPr id="3" name="그림 2" descr="텍스트이(가) 표시된 사진&#10;&#10;자동 생성된 설명">
-            <a:extLst>
-              <a:ext uri="{FF2B5EF4-FFF2-40B4-BE49-F238E27FC236}">
-                <a16:creationId xmlns:a16="http://schemas.microsoft.com/office/drawing/2014/main" id="{AB1BE150-69A8-4CA9-B72D-EFE94CA53098}"/>
-              </a:ext>
-            </a:extLst>
-          </p:cNvPr>
-          <p:cNvPicPr>
-            <a:picLocks noChangeAspect="1"/>
-          </p:cNvPicPr>
-          <p:nvPr/>
-        </p:nvPicPr>
-        <p:blipFill rotWithShape="1">
-          <a:blip r:embed="rId3">
-            <a:extLst>
-              <a:ext uri="{28A0092B-C50C-407E-A947-70E740481C1C}">
-                <a14:useLocalDpi xmlns:a14="http://schemas.microsoft.com/office/drawing/2010/main" val="0"/>
-              </a:ext>
-            </a:extLst>
-          </a:blip>
-          <a:srcRect t="-3208" b="-1"/>
-          <a:stretch/>
-        </p:blipFill>
-        <p:spPr>
-          <a:xfrm>
-            <a:off x="562083" y="2982944"/>
-            <a:ext cx="4544071" cy="2439945"/>
-          </a:xfrm>
-          <a:prstGeom prst="rect">
-            <a:avLst/>
-          </a:prstGeom>
-        </p:spPr>
-      </p:pic>
       <p:sp>
         <p:nvSpPr>
           <p:cNvPr id="2" name="사각형: 둥근 모서리 1">
@@ -14362,7 +14327,7 @@
         </p:nvSpPr>
         <p:spPr>
           <a:xfrm>
-            <a:off x="6463635" y="2244034"/>
+            <a:off x="6463635" y="2356080"/>
             <a:ext cx="4933369" cy="2977774"/>
           </a:xfrm>
           <a:prstGeom prst="roundRect">
@@ -14410,7 +14375,7 @@
         </p:nvSpPr>
         <p:spPr>
           <a:xfrm>
-            <a:off x="6611468" y="3009086"/>
+            <a:off x="6611468" y="3121132"/>
             <a:ext cx="4560508" cy="48944"/>
           </a:xfrm>
           <a:prstGeom prst="rect">
@@ -14468,7 +14433,7 @@
         </p:nvSpPr>
         <p:spPr>
           <a:xfrm>
-            <a:off x="7150388" y="2468327"/>
+            <a:off x="7150388" y="2580373"/>
             <a:ext cx="3559862" cy="400110"/>
           </a:xfrm>
           <a:prstGeom prst="rect">
@@ -14621,7 +14586,7 @@
         </p:nvSpPr>
         <p:spPr>
           <a:xfrm>
-            <a:off x="6611468" y="3429099"/>
+            <a:off x="6611468" y="3541145"/>
             <a:ext cx="4464356" cy="1323439"/>
           </a:xfrm>
           <a:prstGeom prst="rect">
@@ -14838,6 +14803,42 @@
           </a:p>
         </p:txBody>
       </p:sp>
+      <p:pic>
+        <p:nvPicPr>
+          <p:cNvPr id="5" name="그림 4" descr="실내이(가) 표시된 사진&#10;&#10;자동 생성된 설명">
+            <a:extLst>
+              <a:ext uri="{FF2B5EF4-FFF2-40B4-BE49-F238E27FC236}">
+                <a16:creationId xmlns:a16="http://schemas.microsoft.com/office/drawing/2014/main" id="{2BD09FC5-2375-49BC-8C18-F06F2CA5713E}"/>
+              </a:ext>
+            </a:extLst>
+          </p:cNvPr>
+          <p:cNvPicPr>
+            <a:picLocks noChangeAspect="1"/>
+          </p:cNvPicPr>
+          <p:nvPr/>
+        </p:nvPicPr>
+        <p:blipFill>
+          <a:blip r:embed="rId3">
+            <a:extLst>
+              <a:ext uri="{28A0092B-C50C-407E-A947-70E740481C1C}">
+                <a14:useLocalDpi xmlns:a14="http://schemas.microsoft.com/office/drawing/2010/main" val="0"/>
+              </a:ext>
+            </a:extLst>
+          </a:blip>
+          <a:stretch>
+            <a:fillRect/>
+          </a:stretch>
+        </p:blipFill>
+        <p:spPr>
+          <a:xfrm>
+            <a:off x="243828" y="2380318"/>
+            <a:ext cx="5852172" cy="3291847"/>
+          </a:xfrm>
+          <a:prstGeom prst="rect">
+            <a:avLst/>
+          </a:prstGeom>
+        </p:spPr>
+      </p:pic>
     </p:spTree>
     <p:extLst>
       <p:ext uri="{BB962C8B-B14F-4D97-AF65-F5344CB8AC3E}">

--- a/ProjectPlan/중간발표/하트비트_방종혁_장규현_김명규.pptx
+++ b/ProjectPlan/중간발표/하트비트_방종혁_장규현_김명규.pptx
@@ -211,7 +211,7 @@
           <a:p>
             <a:fld id="{AA97DD2A-9847-4170-B1E0-513D7522DD52}" type="datetimeFigureOut">
               <a:rPr lang="ko-KR" altLang="en-US" smtClean="0"/>
-              <a:t>2022-05-01</a:t>
+              <a:t>2022-05-02</a:t>
             </a:fld>
             <a:endParaRPr lang="ko-KR" altLang="en-US"/>
           </a:p>
@@ -1411,7 +1411,7 @@
           <a:effectLst/>
           <a:extLst>
             <a:ext uri="{91240B29-F687-4f45-9708-019B960494DF}">
-              <a14:hiddenLine xmlns:a14="http://schemas.microsoft.com/office/drawing/2010/main" xmlns="" w="9525">
+              <a14:hiddenLine xmlns="" xmlns:a14="http://schemas.microsoft.com/office/drawing/2010/main" w="9525">
                 <a:solidFill>
                   <a:srgbClr val="000000"/>
                 </a:solidFill>
@@ -1603,7 +1603,7 @@
           <a:p>
             <a:fld id="{7B86B758-F168-47F7-9C46-F8198D2D7B43}" type="datetimeFigureOut">
               <a:rPr lang="ko-KR" altLang="en-US" smtClean="0"/>
-              <a:t>2022-05-01</a:t>
+              <a:t>2022-05-02</a:t>
             </a:fld>
             <a:endParaRPr lang="ko-KR" altLang="en-US"/>
           </a:p>
@@ -1921,7 +1921,7 @@
           <a:p>
             <a:fld id="{7B86B758-F168-47F7-9C46-F8198D2D7B43}" type="datetimeFigureOut">
               <a:rPr lang="ko-KR" altLang="en-US" smtClean="0"/>
-              <a:t>2022-05-01</a:t>
+              <a:t>2022-05-02</a:t>
             </a:fld>
             <a:endParaRPr lang="ko-KR" altLang="en-US"/>
           </a:p>
@@ -2409,7 +2409,7 @@
           <a:p>
             <a:fld id="{7B86B758-F168-47F7-9C46-F8198D2D7B43}" type="datetimeFigureOut">
               <a:rPr lang="ko-KR" altLang="en-US" smtClean="0"/>
-              <a:t>2022-05-01</a:t>
+              <a:t>2022-05-02</a:t>
             </a:fld>
             <a:endParaRPr lang="ko-KR" altLang="en-US"/>
           </a:p>
@@ -2778,7 +2778,7 @@
           <a:p>
             <a:fld id="{7B86B758-F168-47F7-9C46-F8198D2D7B43}" type="datetimeFigureOut">
               <a:rPr lang="ko-KR" altLang="en-US" smtClean="0"/>
-              <a:t>2022-05-01</a:t>
+              <a:t>2022-05-02</a:t>
             </a:fld>
             <a:endParaRPr lang="ko-KR" altLang="en-US"/>
           </a:p>
@@ -2933,7 +2933,7 @@
           <a:ln/>
           <a:extLst>
             <a:ext uri="{91240B29-F687-4f45-9708-019B960494DF}">
-              <a14:hiddenLine xmlns:a14="http://schemas.microsoft.com/office/drawing/2010/main" xmlns="" w="9525">
+              <a14:hiddenLine xmlns="" xmlns:a14="http://schemas.microsoft.com/office/drawing/2010/main" w="9525">
                 <a:solidFill>
                   <a:srgbClr val="000000"/>
                 </a:solidFill>
@@ -3051,7 +3051,7 @@
           <a:p>
             <a:fld id="{7B86B758-F168-47F7-9C46-F8198D2D7B43}" type="datetimeFigureOut">
               <a:rPr lang="ko-KR" altLang="en-US" smtClean="0"/>
-              <a:t>2022-05-01</a:t>
+              <a:t>2022-05-02</a:t>
             </a:fld>
             <a:endParaRPr lang="ko-KR" altLang="en-US"/>
           </a:p>
@@ -3208,7 +3208,7 @@
           <a:ln/>
           <a:extLst>
             <a:ext uri="{91240B29-F687-4f45-9708-019B960494DF}">
-              <a14:hiddenLine xmlns:a14="http://schemas.microsoft.com/office/drawing/2010/main" xmlns="" w="9525">
+              <a14:hiddenLine xmlns="" xmlns:a14="http://schemas.microsoft.com/office/drawing/2010/main" w="9525">
                 <a:solidFill>
                   <a:srgbClr val="000000"/>
                 </a:solidFill>
@@ -3336,7 +3336,7 @@
           <a:p>
             <a:fld id="{7B86B758-F168-47F7-9C46-F8198D2D7B43}" type="datetimeFigureOut">
               <a:rPr lang="ko-KR" altLang="en-US" smtClean="0"/>
-              <a:t>2022-05-01</a:t>
+              <a:t>2022-05-02</a:t>
             </a:fld>
             <a:endParaRPr lang="ko-KR" altLang="en-US"/>
           </a:p>
@@ -3491,7 +3491,7 @@
           <a:ln/>
           <a:extLst>
             <a:ext uri="{91240B29-F687-4f45-9708-019B960494DF}">
-              <a14:hiddenLine xmlns:a14="http://schemas.microsoft.com/office/drawing/2010/main" xmlns="" w="9525">
+              <a14:hiddenLine xmlns="" xmlns:a14="http://schemas.microsoft.com/office/drawing/2010/main" w="9525">
                 <a:solidFill>
                   <a:srgbClr val="000000"/>
                 </a:solidFill>
@@ -3619,7 +3619,7 @@
           <a:p>
             <a:fld id="{7B86B758-F168-47F7-9C46-F8198D2D7B43}" type="datetimeFigureOut">
               <a:rPr lang="ko-KR" altLang="en-US" smtClean="0"/>
-              <a:t>2022-05-01</a:t>
+              <a:t>2022-05-02</a:t>
             </a:fld>
             <a:endParaRPr lang="ko-KR" altLang="en-US"/>
           </a:p>
@@ -3962,7 +3962,7 @@
           <a:p>
             <a:fld id="{7B86B758-F168-47F7-9C46-F8198D2D7B43}" type="datetimeFigureOut">
               <a:rPr lang="ko-KR" altLang="en-US" smtClean="0"/>
-              <a:t>2022-05-01</a:t>
+              <a:t>2022-05-02</a:t>
             </a:fld>
             <a:endParaRPr lang="ko-KR" altLang="en-US"/>
           </a:p>
@@ -4117,7 +4117,7 @@
           <a:ln/>
           <a:extLst>
             <a:ext uri="{91240B29-F687-4f45-9708-019B960494DF}">
-              <a14:hiddenLine xmlns:a14="http://schemas.microsoft.com/office/drawing/2010/main" xmlns="" w="9525">
+              <a14:hiddenLine xmlns="" xmlns:a14="http://schemas.microsoft.com/office/drawing/2010/main" w="9525">
                 <a:solidFill>
                   <a:srgbClr val="000000"/>
                 </a:solidFill>
@@ -4301,7 +4301,7 @@
           <a:p>
             <a:fld id="{7B86B758-F168-47F7-9C46-F8198D2D7B43}" type="datetimeFigureOut">
               <a:rPr lang="ko-KR" altLang="en-US" smtClean="0"/>
-              <a:t>2022-05-01</a:t>
+              <a:t>2022-05-02</a:t>
             </a:fld>
             <a:endParaRPr lang="ko-KR" altLang="en-US"/>
           </a:p>
@@ -4456,7 +4456,7 @@
           <a:ln/>
           <a:extLst>
             <a:ext uri="{91240B29-F687-4f45-9708-019B960494DF}">
-              <a14:hiddenLine xmlns:a14="http://schemas.microsoft.com/office/drawing/2010/main" xmlns="" w="9525">
+              <a14:hiddenLine xmlns="" xmlns:a14="http://schemas.microsoft.com/office/drawing/2010/main" w="9525">
                 <a:solidFill>
                   <a:srgbClr val="000000"/>
                 </a:solidFill>
@@ -4778,7 +4778,7 @@
           <a:p>
             <a:fld id="{7B86B758-F168-47F7-9C46-F8198D2D7B43}" type="datetimeFigureOut">
               <a:rPr lang="ko-KR" altLang="en-US" smtClean="0"/>
-              <a:t>2022-05-01</a:t>
+              <a:t>2022-05-02</a:t>
             </a:fld>
             <a:endParaRPr lang="ko-KR" altLang="en-US"/>
           </a:p>
@@ -4933,7 +4933,7 @@
           <a:ln/>
           <a:extLst>
             <a:ext uri="{91240B29-F687-4f45-9708-019B960494DF}">
-              <a14:hiddenLine xmlns:a14="http://schemas.microsoft.com/office/drawing/2010/main" xmlns="" w="9525">
+              <a14:hiddenLine xmlns="" xmlns:a14="http://schemas.microsoft.com/office/drawing/2010/main" w="9525">
                 <a:solidFill>
                   <a:srgbClr val="000000"/>
                 </a:solidFill>
@@ -4999,7 +4999,7 @@
           <a:p>
             <a:fld id="{7B86B758-F168-47F7-9C46-F8198D2D7B43}" type="datetimeFigureOut">
               <a:rPr lang="ko-KR" altLang="en-US" smtClean="0"/>
-              <a:t>2022-05-01</a:t>
+              <a:t>2022-05-02</a:t>
             </a:fld>
             <a:endParaRPr lang="ko-KR" altLang="en-US"/>
           </a:p>
@@ -5094,7 +5094,7 @@
           <a:p>
             <a:fld id="{7B86B758-F168-47F7-9C46-F8198D2D7B43}" type="datetimeFigureOut">
               <a:rPr lang="ko-KR" altLang="en-US" smtClean="0"/>
-              <a:t>2022-05-01</a:t>
+              <a:t>2022-05-02</a:t>
             </a:fld>
             <a:endParaRPr lang="ko-KR" altLang="en-US"/>
           </a:p>
@@ -5362,7 +5362,7 @@
           <a:ln/>
           <a:extLst>
             <a:ext uri="{91240B29-F687-4f45-9708-019B960494DF}">
-              <a14:hiddenLine xmlns:a14="http://schemas.microsoft.com/office/drawing/2010/main" xmlns="" w="9525">
+              <a14:hiddenLine xmlns="" xmlns:a14="http://schemas.microsoft.com/office/drawing/2010/main" w="9525">
                 <a:solidFill>
                   <a:srgbClr val="000000"/>
                 </a:solidFill>
@@ -5561,7 +5561,7 @@
           <a:p>
             <a:fld id="{7B86B758-F168-47F7-9C46-F8198D2D7B43}" type="datetimeFigureOut">
               <a:rPr lang="ko-KR" altLang="en-US" smtClean="0"/>
-              <a:t>2022-05-01</a:t>
+              <a:t>2022-05-02</a:t>
             </a:fld>
             <a:endParaRPr lang="ko-KR" altLang="en-US"/>
           </a:p>
@@ -5874,7 +5874,7 @@
           <a:p>
             <a:fld id="{7B86B758-F168-47F7-9C46-F8198D2D7B43}" type="datetimeFigureOut">
               <a:rPr lang="ko-KR" altLang="en-US" smtClean="0"/>
-              <a:t>2022-05-01</a:t>
+              <a:t>2022-05-02</a:t>
             </a:fld>
             <a:endParaRPr lang="ko-KR" altLang="en-US"/>
           </a:p>
@@ -6165,7 +6165,7 @@
           <a:p>
             <a:fld id="{7B86B758-F168-47F7-9C46-F8198D2D7B43}" type="datetimeFigureOut">
               <a:rPr lang="ko-KR" altLang="en-US" smtClean="0"/>
-              <a:t>2022-05-01</a:t>
+              <a:t>2022-05-02</a:t>
             </a:fld>
             <a:endParaRPr lang="ko-KR" altLang="en-US"/>
           </a:p>
@@ -19139,45 +19139,8 @@
                 <a:latin typeface="+mj-ea"/>
                 <a:ea typeface="+mj-ea"/>
               </a:rPr>
-              <a:t>향후 개발 일정 </a:t>
-            </a:r>
-            <a:r>
-              <a:rPr lang="en-US" altLang="ko-KR" sz="3200" b="1" dirty="0">
-                <a:solidFill>
-                  <a:schemeClr val="bg1"/>
-                </a:solidFill>
-                <a:latin typeface="+mj-ea"/>
-                <a:ea typeface="+mj-ea"/>
-              </a:rPr>
-              <a:t>(</a:t>
-            </a:r>
-            <a:r>
-              <a:rPr lang="ko-KR" altLang="en-US" sz="3200" b="1" dirty="0" err="1">
-                <a:solidFill>
-                  <a:schemeClr val="bg1"/>
-                </a:solidFill>
-                <a:latin typeface="+mj-ea"/>
-                <a:ea typeface="+mj-ea"/>
-              </a:rPr>
-              <a:t>리브레</a:t>
-            </a:r>
-            <a:r>
-              <a:rPr lang="en-US" altLang="ko-KR" sz="3200" b="1" dirty="0">
-                <a:solidFill>
-                  <a:schemeClr val="bg1"/>
-                </a:solidFill>
-                <a:latin typeface="+mj-ea"/>
-                <a:ea typeface="+mj-ea"/>
-              </a:rPr>
-              <a:t>)</a:t>
-            </a:r>
-            <a:endParaRPr lang="ko-KR" altLang="en-US" sz="3200" b="1" dirty="0">
-              <a:solidFill>
-                <a:schemeClr val="bg1"/>
-              </a:solidFill>
-              <a:latin typeface="+mj-ea"/>
-              <a:ea typeface="+mj-ea"/>
-            </a:endParaRPr>
+              <a:t>향후 개발 일정</a:t>
+            </a:r>
           </a:p>
         </p:txBody>
       </p:sp>
@@ -20146,45 +20109,8 @@
                 <a:latin typeface="+mj-ea"/>
                 <a:ea typeface="+mj-ea"/>
               </a:rPr>
-              <a:t>향후 개발 일정 </a:t>
-            </a:r>
-            <a:r>
-              <a:rPr lang="en-US" altLang="ko-KR" sz="3200" b="1" dirty="0">
-                <a:solidFill>
-                  <a:schemeClr val="bg1"/>
-                </a:solidFill>
-                <a:latin typeface="+mj-ea"/>
-                <a:ea typeface="+mj-ea"/>
-              </a:rPr>
-              <a:t>(</a:t>
-            </a:r>
-            <a:r>
-              <a:rPr lang="ko-KR" altLang="en-US" sz="3200" b="1" dirty="0" err="1">
-                <a:solidFill>
-                  <a:schemeClr val="bg1"/>
-                </a:solidFill>
-                <a:latin typeface="+mj-ea"/>
-                <a:ea typeface="+mj-ea"/>
-              </a:rPr>
-              <a:t>리브레</a:t>
-            </a:r>
-            <a:r>
-              <a:rPr lang="en-US" altLang="ko-KR" sz="3200" b="1" dirty="0">
-                <a:solidFill>
-                  <a:schemeClr val="bg1"/>
-                </a:solidFill>
-                <a:latin typeface="+mj-ea"/>
-                <a:ea typeface="+mj-ea"/>
-              </a:rPr>
-              <a:t>)</a:t>
-            </a:r>
-            <a:endParaRPr lang="ko-KR" altLang="en-US" sz="3200" b="1" dirty="0">
-              <a:solidFill>
-                <a:schemeClr val="bg1"/>
-              </a:solidFill>
-              <a:latin typeface="+mj-ea"/>
-              <a:ea typeface="+mj-ea"/>
-            </a:endParaRPr>
+              <a:t>향후 개발 일정</a:t>
+            </a:r>
           </a:p>
         </p:txBody>
       </p:sp>
